--- a/Presentation/LMS Presentation.pptx
+++ b/Presentation/LMS Presentation.pptx
@@ -7,7 +7,8 @@
   </p:sldMasterIdLst>
   <p:sldIdLst>
     <p:sldId id="256" r:id="rId3"/>
-    <p:sldId id="257" r:id="rId4"/>
+    <p:sldId id="258" r:id="rId4"/>
+    <p:sldId id="257" r:id="rId5"/>
   </p:sldIdLst>
   <p:sldSz cx="12192000" cy="6858000"/>
   <p:notesSz cx="6858000" cy="9144000"/>
@@ -240,6 +241,11 @@
       </a:defRPr>
     </a:lvl9pPr>
   </p:defaultTextStyle>
+  <p:extLst>
+    <p:ext uri="{EFAFB233-063F-42B5-8137-9DF3F51BA10A}">
+      <p15:sldGuideLst xmlns:p15="http://schemas.microsoft.com/office/powerpoint/2012/main"/>
+    </p:ext>
+  </p:extLst>
 </p:presentation>
 </file>
 
@@ -22842,77 +22848,8 @@
               <a:rPr lang="en-GB" sz="2100" dirty="0">
                 <a:latin typeface="Oxanium"/>
               </a:rPr>
-              <a:t>Made by:  Zoltán </a:t>
+              <a:t>Made by:  Zoltán András Tóth, Máté Vágvölgyi, Soma István Zsömbörgi</a:t>
             </a:r>
-            <a:r>
-              <a:rPr lang="en-GB" sz="2100" dirty="0" err="1">
-                <a:latin typeface="Oxanium"/>
-              </a:rPr>
-              <a:t>András</a:t>
-            </a:r>
-            <a:r>
-              <a:rPr lang="en-GB" sz="2100" dirty="0">
-                <a:latin typeface="Oxanium"/>
-              </a:rPr>
-              <a:t> </a:t>
-            </a:r>
-            <a:r>
-              <a:rPr lang="en-GB" sz="2100" dirty="0" err="1">
-                <a:latin typeface="Oxanium"/>
-              </a:rPr>
-              <a:t>Tóth</a:t>
-            </a:r>
-            <a:r>
-              <a:rPr lang="en-GB" sz="2100" dirty="0">
-                <a:latin typeface="Oxanium"/>
-              </a:rPr>
-              <a:t>, </a:t>
-            </a:r>
-            <a:r>
-              <a:rPr lang="en-GB" sz="2100" dirty="0" err="1">
-                <a:latin typeface="Oxanium"/>
-              </a:rPr>
-              <a:t>Máté</a:t>
-            </a:r>
-            <a:r>
-              <a:rPr lang="en-GB" sz="2100" dirty="0">
-                <a:latin typeface="Oxanium"/>
-              </a:rPr>
-              <a:t> </a:t>
-            </a:r>
-            <a:r>
-              <a:rPr lang="en-GB" sz="2100" dirty="0" err="1">
-                <a:latin typeface="Oxanium"/>
-              </a:rPr>
-              <a:t>Vágvölgyi</a:t>
-            </a:r>
-            <a:r>
-              <a:rPr lang="en-GB" sz="2100" dirty="0">
-                <a:latin typeface="Oxanium"/>
-              </a:rPr>
-              <a:t>, Soma </a:t>
-            </a:r>
-            <a:r>
-              <a:rPr lang="en-GB" sz="2100" dirty="0" err="1">
-                <a:latin typeface="Oxanium"/>
-              </a:rPr>
-              <a:t>István</a:t>
-            </a:r>
-            <a:r>
-              <a:rPr lang="en-GB" sz="2100" dirty="0">
-                <a:latin typeface="Oxanium"/>
-              </a:rPr>
-              <a:t> </a:t>
-            </a:r>
-            <a:r>
-              <a:rPr lang="en-GB" sz="2100" dirty="0" err="1">
-                <a:latin typeface="Oxanium"/>
-              </a:rPr>
-              <a:t>Zsömbörgi</a:t>
-            </a:r>
-            <a:endParaRPr lang="en-GB" sz="2100" dirty="0">
-              <a:latin typeface="Oxanium"/>
-            </a:endParaRPr>
           </a:p>
         </p:txBody>
       </p:sp>
@@ -23217,6 +23154,86 @@
 </file>
 
 <file path=ppt/slides/slide2.xml><?xml version="1.0" encoding="utf-8"?>
+<p:sld xmlns:a="http://schemas.openxmlformats.org/drawingml/2006/main" xmlns:r="http://schemas.openxmlformats.org/officeDocument/2006/relationships" xmlns:p="http://schemas.openxmlformats.org/presentationml/2006/main">
+  <p:cSld>
+    <p:spTree>
+      <p:nvGrpSpPr>
+        <p:cNvPr id="1" name=""/>
+        <p:cNvGrpSpPr/>
+        <p:nvPr/>
+      </p:nvGrpSpPr>
+      <p:grpSpPr>
+        <a:xfrm>
+          <a:off x="0" y="0"/>
+          <a:ext cx="0" cy="0"/>
+          <a:chOff x="0" y="0"/>
+          <a:chExt cx="0" cy="0"/>
+        </a:xfrm>
+      </p:grpSpPr>
+      <p:sp>
+        <p:nvSpPr>
+          <p:cNvPr id="2" name="Title 1">
+            <a:extLst>
+              <a:ext uri="{FF2B5EF4-FFF2-40B4-BE49-F238E27FC236}">
+                <a16:creationId xmlns:a16="http://schemas.microsoft.com/office/drawing/2014/main" id="{B3A8FE95-D424-4745-A428-2529A955EFE4}"/>
+              </a:ext>
+            </a:extLst>
+          </p:cNvPr>
+          <p:cNvSpPr>
+            <a:spLocks noGrp="1"/>
+          </p:cNvSpPr>
+          <p:nvPr>
+            <p:ph type="title"/>
+          </p:nvPr>
+        </p:nvSpPr>
+        <p:spPr/>
+        <p:txBody>
+          <a:bodyPr/>
+          <a:lstStyle/>
+          <a:p>
+            <a:endParaRPr lang="en-GB"/>
+          </a:p>
+        </p:txBody>
+      </p:sp>
+      <p:sp>
+        <p:nvSpPr>
+          <p:cNvPr id="3" name="Title 2">
+            <a:extLst>
+              <a:ext uri="{FF2B5EF4-FFF2-40B4-BE49-F238E27FC236}">
+                <a16:creationId xmlns:a16="http://schemas.microsoft.com/office/drawing/2014/main" id="{D96D257B-3241-4841-9BAC-68783ECCB727}"/>
+              </a:ext>
+            </a:extLst>
+          </p:cNvPr>
+          <p:cNvSpPr>
+            <a:spLocks noGrp="1"/>
+          </p:cNvSpPr>
+          <p:nvPr>
+            <p:ph type="title" idx="2"/>
+          </p:nvPr>
+        </p:nvSpPr>
+        <p:spPr/>
+        <p:txBody>
+          <a:bodyPr/>
+          <a:lstStyle/>
+          <a:p>
+            <a:endParaRPr lang="en-GB"/>
+          </a:p>
+        </p:txBody>
+      </p:sp>
+    </p:spTree>
+    <p:extLst>
+      <p:ext uri="{BB962C8B-B14F-4D97-AF65-F5344CB8AC3E}">
+        <p14:creationId xmlns:p14="http://schemas.microsoft.com/office/powerpoint/2010/main" val="4108073779"/>
+      </p:ext>
+    </p:extLst>
+  </p:cSld>
+  <p:clrMapOvr>
+    <a:masterClrMapping/>
+  </p:clrMapOvr>
+</p:sld>
+</file>
+
+<file path=ppt/slides/slide3.xml><?xml version="1.0" encoding="utf-8"?>
 <p:sld xmlns:a="http://schemas.openxmlformats.org/drawingml/2006/main" xmlns:r="http://schemas.openxmlformats.org/officeDocument/2006/relationships" xmlns:p="http://schemas.openxmlformats.org/presentationml/2006/main">
   <p:cSld>
     <p:spTree>

--- a/Presentation/LMS Presentation.pptx
+++ b/Presentation/LMS Presentation.pptx
@@ -8,7 +8,8 @@
   <p:sldIdLst>
     <p:sldId id="256" r:id="rId3"/>
     <p:sldId id="258" r:id="rId4"/>
-    <p:sldId id="257" r:id="rId5"/>
+    <p:sldId id="259" r:id="rId5"/>
+    <p:sldId id="257" r:id="rId6"/>
   </p:sldIdLst>
   <p:sldSz cx="12192000" cy="6858000"/>
   <p:notesSz cx="6858000" cy="9144000"/>
@@ -23172,10 +23173,10 @@
       </p:grpSpPr>
       <p:sp>
         <p:nvSpPr>
-          <p:cNvPr id="2" name="Title 1">
+          <p:cNvPr id="9" name="Title 3">
             <a:extLst>
               <a:ext uri="{FF2B5EF4-FFF2-40B4-BE49-F238E27FC236}">
-                <a16:creationId xmlns:a16="http://schemas.microsoft.com/office/drawing/2014/main" id="{B3A8FE95-D424-4745-A428-2529A955EFE4}"/>
+                <a16:creationId xmlns:a16="http://schemas.microsoft.com/office/drawing/2014/main" id="{1C8BAD0D-43DE-4316-957D-7E1B4FC0D0AA}"/>
               </a:ext>
             </a:extLst>
           </p:cNvPr>
@@ -23186,37 +23187,734 @@
             <p:ph type="title"/>
           </p:nvPr>
         </p:nvSpPr>
-        <p:spPr/>
+        <p:spPr>
+          <a:xfrm>
+            <a:off x="1993669" y="2007704"/>
+            <a:ext cx="3065348" cy="580553"/>
+          </a:xfrm>
+        </p:spPr>
         <p:txBody>
           <a:bodyPr/>
           <a:lstStyle/>
           <a:p>
-            <a:endParaRPr lang="en-GB"/>
+            <a:r>
+              <a:rPr lang="en-GB" sz="4000" dirty="0"/>
+              <a:t>The problem</a:t>
+            </a:r>
           </a:p>
         </p:txBody>
       </p:sp>
       <p:sp>
         <p:nvSpPr>
-          <p:cNvPr id="3" name="Title 2">
+          <p:cNvPr id="11" name="Subtitle 2">
             <a:extLst>
               <a:ext uri="{FF2B5EF4-FFF2-40B4-BE49-F238E27FC236}">
-                <a16:creationId xmlns:a16="http://schemas.microsoft.com/office/drawing/2014/main" id="{D96D257B-3241-4841-9BAC-68783ECCB727}"/>
+                <a16:creationId xmlns:a16="http://schemas.microsoft.com/office/drawing/2014/main" id="{5AD56862-9EFA-4BCF-AA67-2DDAA70FCC07}"/>
               </a:ext>
             </a:extLst>
           </p:cNvPr>
-          <p:cNvSpPr>
-            <a:spLocks noGrp="1"/>
+          <p:cNvSpPr txBox="1">
+            <a:spLocks/>
           </p:cNvSpPr>
-          <p:nvPr>
-            <p:ph type="title" idx="2"/>
-          </p:nvPr>
+          <p:nvPr/>
         </p:nvSpPr>
-        <p:spPr/>
+        <p:spPr>
+          <a:xfrm>
+            <a:off x="1556347" y="2813865"/>
+            <a:ext cx="3939993" cy="2066249"/>
+          </a:xfrm>
+          <a:prstGeom prst="rect">
+            <a:avLst/>
+          </a:prstGeom>
+          <a:noFill/>
+          <a:ln>
+            <a:noFill/>
+          </a:ln>
+        </p:spPr>
         <p:txBody>
-          <a:bodyPr/>
-          <a:lstStyle/>
+          <a:bodyPr spcFirstLastPara="1" wrap="square" lIns="91425" tIns="91425" rIns="91425" bIns="91425" anchor="t" anchorCtr="0">
+            <a:noAutofit/>
+          </a:bodyPr>
+          <a:lstStyle>
+            <a:defPPr marR="0" lvl="0" algn="l" rtl="0">
+              <a:lnSpc>
+                <a:spcPct val="100000"/>
+              </a:lnSpc>
+              <a:spcBef>
+                <a:spcPts val="0"/>
+              </a:spcBef>
+              <a:spcAft>
+                <a:spcPts val="0"/>
+              </a:spcAft>
+            </a:defPPr>
+            <a:lvl1pPr marL="9525" indent="-9525" eaLnBrk="1" hangingPunct="1">
+              <a:buClr>
+                <a:schemeClr val="dk1"/>
+              </a:buClr>
+              <a:buSzPts val="1200"/>
+              <a:buFont typeface="Hind"/>
+              <a:buNone/>
+              <a:defRPr sz="2100">
+                <a:solidFill>
+                  <a:schemeClr val="dk1"/>
+                </a:solidFill>
+                <a:latin typeface="Oxanium"/>
+                <a:ea typeface="Hind"/>
+                <a:cs typeface="Hind"/>
+                <a:sym typeface="Hind"/>
+              </a:defRPr>
+            </a:lvl1pPr>
+            <a:lvl2pPr marL="914400" indent="-304800" algn="ctr" eaLnBrk="1" hangingPunct="1">
+              <a:buClr>
+                <a:schemeClr val="dk1"/>
+              </a:buClr>
+              <a:buSzPts val="1800"/>
+              <a:buFont typeface="Hind"/>
+              <a:buNone/>
+              <a:defRPr sz="2400">
+                <a:solidFill>
+                  <a:schemeClr val="dk1"/>
+                </a:solidFill>
+                <a:latin typeface="Hind"/>
+                <a:ea typeface="Hind"/>
+                <a:cs typeface="Hind"/>
+                <a:sym typeface="Hind"/>
+              </a:defRPr>
+            </a:lvl2pPr>
+            <a:lvl3pPr marL="1371600" indent="-304800" algn="ctr" eaLnBrk="1" hangingPunct="1">
+              <a:buClr>
+                <a:schemeClr val="dk1"/>
+              </a:buClr>
+              <a:buSzPts val="1800"/>
+              <a:buFont typeface="Hind"/>
+              <a:buNone/>
+              <a:defRPr sz="2400">
+                <a:solidFill>
+                  <a:schemeClr val="dk1"/>
+                </a:solidFill>
+                <a:latin typeface="Hind"/>
+                <a:ea typeface="Hind"/>
+                <a:cs typeface="Hind"/>
+                <a:sym typeface="Hind"/>
+              </a:defRPr>
+            </a:lvl3pPr>
+            <a:lvl4pPr marL="1828800" indent="-304800" algn="ctr" eaLnBrk="1" hangingPunct="1">
+              <a:buClr>
+                <a:schemeClr val="dk1"/>
+              </a:buClr>
+              <a:buSzPts val="1800"/>
+              <a:buFont typeface="Hind"/>
+              <a:buNone/>
+              <a:defRPr sz="2400">
+                <a:solidFill>
+                  <a:schemeClr val="dk1"/>
+                </a:solidFill>
+                <a:latin typeface="Hind"/>
+                <a:ea typeface="Hind"/>
+                <a:cs typeface="Hind"/>
+                <a:sym typeface="Hind"/>
+              </a:defRPr>
+            </a:lvl4pPr>
+            <a:lvl5pPr marL="2286000" indent="-304800" algn="ctr" eaLnBrk="1" hangingPunct="1">
+              <a:buClr>
+                <a:schemeClr val="dk1"/>
+              </a:buClr>
+              <a:buSzPts val="1800"/>
+              <a:buFont typeface="Hind"/>
+              <a:buNone/>
+              <a:defRPr sz="2400">
+                <a:solidFill>
+                  <a:schemeClr val="dk1"/>
+                </a:solidFill>
+                <a:latin typeface="Hind"/>
+                <a:ea typeface="Hind"/>
+                <a:cs typeface="Hind"/>
+                <a:sym typeface="Hind"/>
+              </a:defRPr>
+            </a:lvl5pPr>
+            <a:lvl6pPr marL="2743200" indent="-304800" algn="ctr" eaLnBrk="1" hangingPunct="1">
+              <a:buClr>
+                <a:schemeClr val="dk1"/>
+              </a:buClr>
+              <a:buSzPts val="1800"/>
+              <a:buFont typeface="Hind"/>
+              <a:buNone/>
+              <a:defRPr sz="2400">
+                <a:solidFill>
+                  <a:schemeClr val="dk1"/>
+                </a:solidFill>
+                <a:latin typeface="Hind"/>
+                <a:ea typeface="Hind"/>
+                <a:cs typeface="Hind"/>
+                <a:sym typeface="Hind"/>
+              </a:defRPr>
+            </a:lvl6pPr>
+            <a:lvl7pPr marL="3200400" indent="-304800" algn="ctr" eaLnBrk="1" hangingPunct="1">
+              <a:buClr>
+                <a:schemeClr val="dk1"/>
+              </a:buClr>
+              <a:buSzPts val="1800"/>
+              <a:buFont typeface="Hind"/>
+              <a:buNone/>
+              <a:defRPr sz="2400">
+                <a:solidFill>
+                  <a:schemeClr val="dk1"/>
+                </a:solidFill>
+                <a:latin typeface="Hind"/>
+                <a:ea typeface="Hind"/>
+                <a:cs typeface="Hind"/>
+                <a:sym typeface="Hind"/>
+              </a:defRPr>
+            </a:lvl7pPr>
+            <a:lvl8pPr marL="3657600" indent="-304800" algn="ctr" eaLnBrk="1" hangingPunct="1">
+              <a:buClr>
+                <a:schemeClr val="dk1"/>
+              </a:buClr>
+              <a:buSzPts val="1800"/>
+              <a:buFont typeface="Hind"/>
+              <a:buNone/>
+              <a:defRPr sz="2400">
+                <a:solidFill>
+                  <a:schemeClr val="dk1"/>
+                </a:solidFill>
+                <a:latin typeface="Hind"/>
+                <a:ea typeface="Hind"/>
+                <a:cs typeface="Hind"/>
+                <a:sym typeface="Hind"/>
+              </a:defRPr>
+            </a:lvl8pPr>
+            <a:lvl9pPr marL="4114800" indent="-304800" algn="ctr" eaLnBrk="1" hangingPunct="1">
+              <a:buClr>
+                <a:schemeClr val="dk1"/>
+              </a:buClr>
+              <a:buSzPts val="1800"/>
+              <a:buFont typeface="Hind"/>
+              <a:buNone/>
+              <a:defRPr sz="2400">
+                <a:solidFill>
+                  <a:schemeClr val="dk1"/>
+                </a:solidFill>
+                <a:latin typeface="Hind"/>
+                <a:ea typeface="Hind"/>
+                <a:cs typeface="Hind"/>
+                <a:sym typeface="Hind"/>
+              </a:defRPr>
+            </a:lvl9pPr>
+          </a:lstStyle>
           <a:p>
-            <a:endParaRPr lang="en-GB"/>
+            <a:pPr marL="342900" indent="-342900">
+              <a:buFont typeface="Arial" panose="020B0604020202020204" pitchFamily="34" charset="0"/>
+              <a:buChar char="•"/>
+            </a:pPr>
+            <a:r>
+              <a:rPr lang="en-GB" sz="2400" dirty="0"/>
+              <a:t>We heard librarians say they are dissatisfied with the current system.</a:t>
+            </a:r>
+          </a:p>
+          <a:p>
+            <a:pPr marL="342900" indent="-342900">
+              <a:buFont typeface="Arial" panose="020B0604020202020204" pitchFamily="34" charset="0"/>
+              <a:buChar char="•"/>
+            </a:pPr>
+            <a:r>
+              <a:rPr lang="en-GB" sz="2400" dirty="0"/>
+              <a:t>It was also inconvenient for us, students.</a:t>
+            </a:r>
+          </a:p>
+        </p:txBody>
+      </p:sp>
+      <p:sp>
+        <p:nvSpPr>
+          <p:cNvPr id="16" name="Title 3">
+            <a:extLst>
+              <a:ext uri="{FF2B5EF4-FFF2-40B4-BE49-F238E27FC236}">
+                <a16:creationId xmlns:a16="http://schemas.microsoft.com/office/drawing/2014/main" id="{7C5DCB7D-F93F-4AD0-8CE4-17A8B1CA7F30}"/>
+              </a:ext>
+            </a:extLst>
+          </p:cNvPr>
+          <p:cNvSpPr txBox="1">
+            <a:spLocks/>
+          </p:cNvSpPr>
+          <p:nvPr/>
+        </p:nvSpPr>
+        <p:spPr>
+          <a:xfrm>
+            <a:off x="7115634" y="2007704"/>
+            <a:ext cx="3065348" cy="580553"/>
+          </a:xfrm>
+          <a:prstGeom prst="rect">
+            <a:avLst/>
+          </a:prstGeom>
+          <a:noFill/>
+          <a:ln>
+            <a:noFill/>
+          </a:ln>
+        </p:spPr>
+        <p:txBody>
+          <a:bodyPr spcFirstLastPara="1" wrap="square" lIns="91425" tIns="91425" rIns="91425" bIns="91425" anchor="b" anchorCtr="0">
+            <a:noAutofit/>
+          </a:bodyPr>
+          <a:lstStyle>
+            <a:defPPr marR="0" lvl="0" algn="l" rtl="0">
+              <a:lnSpc>
+                <a:spcPct val="100000"/>
+              </a:lnSpc>
+              <a:spcBef>
+                <a:spcPts val="0"/>
+              </a:spcBef>
+              <a:spcAft>
+                <a:spcPts val="0"/>
+              </a:spcAft>
+            </a:defPPr>
+            <a:lvl1pPr marR="0" lvl="0" algn="l" rtl="0" eaLnBrk="1" hangingPunct="1">
+              <a:lnSpc>
+                <a:spcPct val="100000"/>
+              </a:lnSpc>
+              <a:spcBef>
+                <a:spcPts val="0"/>
+              </a:spcBef>
+              <a:spcAft>
+                <a:spcPts val="0"/>
+              </a:spcAft>
+              <a:buClr>
+                <a:schemeClr val="dk1"/>
+              </a:buClr>
+              <a:buSzPts val="3000"/>
+              <a:buFont typeface="Oxanium"/>
+              <a:buNone/>
+              <a:defRPr sz="3000" b="1" i="0" u="none" strike="noStrike" cap="none">
+                <a:solidFill>
+                  <a:schemeClr val="dk1"/>
+                </a:solidFill>
+                <a:latin typeface="Oxanium"/>
+                <a:ea typeface="Oxanium"/>
+                <a:cs typeface="Oxanium"/>
+                <a:sym typeface="Oxanium"/>
+              </a:defRPr>
+            </a:lvl1pPr>
+            <a:lvl2pPr marR="0" lvl="1" algn="l" rtl="0" eaLnBrk="1" hangingPunct="1">
+              <a:lnSpc>
+                <a:spcPct val="100000"/>
+              </a:lnSpc>
+              <a:spcBef>
+                <a:spcPts val="0"/>
+              </a:spcBef>
+              <a:spcAft>
+                <a:spcPts val="0"/>
+              </a:spcAft>
+              <a:buClr>
+                <a:schemeClr val="dk1"/>
+              </a:buClr>
+              <a:buSzPts val="3000"/>
+              <a:buFont typeface="Oxanium"/>
+              <a:buNone/>
+              <a:defRPr sz="3000" b="1" i="0" u="none" strike="noStrike" cap="none">
+                <a:solidFill>
+                  <a:schemeClr val="dk1"/>
+                </a:solidFill>
+                <a:latin typeface="Oxanium"/>
+                <a:ea typeface="Oxanium"/>
+                <a:cs typeface="Oxanium"/>
+                <a:sym typeface="Oxanium"/>
+              </a:defRPr>
+            </a:lvl2pPr>
+            <a:lvl3pPr marR="0" lvl="2" algn="l" rtl="0" eaLnBrk="1" hangingPunct="1">
+              <a:lnSpc>
+                <a:spcPct val="100000"/>
+              </a:lnSpc>
+              <a:spcBef>
+                <a:spcPts val="0"/>
+              </a:spcBef>
+              <a:spcAft>
+                <a:spcPts val="0"/>
+              </a:spcAft>
+              <a:buClr>
+                <a:schemeClr val="dk1"/>
+              </a:buClr>
+              <a:buSzPts val="3000"/>
+              <a:buFont typeface="Oxanium"/>
+              <a:buNone/>
+              <a:defRPr sz="3000" b="1" i="0" u="none" strike="noStrike" cap="none">
+                <a:solidFill>
+                  <a:schemeClr val="dk1"/>
+                </a:solidFill>
+                <a:latin typeface="Oxanium"/>
+                <a:ea typeface="Oxanium"/>
+                <a:cs typeface="Oxanium"/>
+                <a:sym typeface="Oxanium"/>
+              </a:defRPr>
+            </a:lvl3pPr>
+            <a:lvl4pPr marR="0" lvl="3" algn="l" rtl="0" eaLnBrk="1" hangingPunct="1">
+              <a:lnSpc>
+                <a:spcPct val="100000"/>
+              </a:lnSpc>
+              <a:spcBef>
+                <a:spcPts val="0"/>
+              </a:spcBef>
+              <a:spcAft>
+                <a:spcPts val="0"/>
+              </a:spcAft>
+              <a:buClr>
+                <a:schemeClr val="dk1"/>
+              </a:buClr>
+              <a:buSzPts val="3000"/>
+              <a:buFont typeface="Oxanium"/>
+              <a:buNone/>
+              <a:defRPr sz="3000" b="1" i="0" u="none" strike="noStrike" cap="none">
+                <a:solidFill>
+                  <a:schemeClr val="dk1"/>
+                </a:solidFill>
+                <a:latin typeface="Oxanium"/>
+                <a:ea typeface="Oxanium"/>
+                <a:cs typeface="Oxanium"/>
+                <a:sym typeface="Oxanium"/>
+              </a:defRPr>
+            </a:lvl4pPr>
+            <a:lvl5pPr marR="0" lvl="4" algn="l" rtl="0" eaLnBrk="1" hangingPunct="1">
+              <a:lnSpc>
+                <a:spcPct val="100000"/>
+              </a:lnSpc>
+              <a:spcBef>
+                <a:spcPts val="0"/>
+              </a:spcBef>
+              <a:spcAft>
+                <a:spcPts val="0"/>
+              </a:spcAft>
+              <a:buClr>
+                <a:schemeClr val="dk1"/>
+              </a:buClr>
+              <a:buSzPts val="3000"/>
+              <a:buFont typeface="Oxanium"/>
+              <a:buNone/>
+              <a:defRPr sz="3000" b="1" i="0" u="none" strike="noStrike" cap="none">
+                <a:solidFill>
+                  <a:schemeClr val="dk1"/>
+                </a:solidFill>
+                <a:latin typeface="Oxanium"/>
+                <a:ea typeface="Oxanium"/>
+                <a:cs typeface="Oxanium"/>
+                <a:sym typeface="Oxanium"/>
+              </a:defRPr>
+            </a:lvl5pPr>
+            <a:lvl6pPr marR="0" lvl="5" algn="l" rtl="0" eaLnBrk="1" hangingPunct="1">
+              <a:lnSpc>
+                <a:spcPct val="100000"/>
+              </a:lnSpc>
+              <a:spcBef>
+                <a:spcPts val="0"/>
+              </a:spcBef>
+              <a:spcAft>
+                <a:spcPts val="0"/>
+              </a:spcAft>
+              <a:buClr>
+                <a:schemeClr val="dk1"/>
+              </a:buClr>
+              <a:buSzPts val="3000"/>
+              <a:buFont typeface="Oxanium"/>
+              <a:buNone/>
+              <a:defRPr sz="3000" b="1" i="0" u="none" strike="noStrike" cap="none">
+                <a:solidFill>
+                  <a:schemeClr val="dk1"/>
+                </a:solidFill>
+                <a:latin typeface="Oxanium"/>
+                <a:ea typeface="Oxanium"/>
+                <a:cs typeface="Oxanium"/>
+                <a:sym typeface="Oxanium"/>
+              </a:defRPr>
+            </a:lvl6pPr>
+            <a:lvl7pPr marR="0" lvl="6" algn="l" rtl="0" eaLnBrk="1" hangingPunct="1">
+              <a:lnSpc>
+                <a:spcPct val="100000"/>
+              </a:lnSpc>
+              <a:spcBef>
+                <a:spcPts val="0"/>
+              </a:spcBef>
+              <a:spcAft>
+                <a:spcPts val="0"/>
+              </a:spcAft>
+              <a:buClr>
+                <a:schemeClr val="dk1"/>
+              </a:buClr>
+              <a:buSzPts val="3000"/>
+              <a:buFont typeface="Oxanium"/>
+              <a:buNone/>
+              <a:defRPr sz="3000" b="1" i="0" u="none" strike="noStrike" cap="none">
+                <a:solidFill>
+                  <a:schemeClr val="dk1"/>
+                </a:solidFill>
+                <a:latin typeface="Oxanium"/>
+                <a:ea typeface="Oxanium"/>
+                <a:cs typeface="Oxanium"/>
+                <a:sym typeface="Oxanium"/>
+              </a:defRPr>
+            </a:lvl7pPr>
+            <a:lvl8pPr marR="0" lvl="7" algn="l" rtl="0" eaLnBrk="1" hangingPunct="1">
+              <a:lnSpc>
+                <a:spcPct val="100000"/>
+              </a:lnSpc>
+              <a:spcBef>
+                <a:spcPts val="0"/>
+              </a:spcBef>
+              <a:spcAft>
+                <a:spcPts val="0"/>
+              </a:spcAft>
+              <a:buClr>
+                <a:schemeClr val="dk1"/>
+              </a:buClr>
+              <a:buSzPts val="3000"/>
+              <a:buFont typeface="Oxanium"/>
+              <a:buNone/>
+              <a:defRPr sz="3000" b="1" i="0" u="none" strike="noStrike" cap="none">
+                <a:solidFill>
+                  <a:schemeClr val="dk1"/>
+                </a:solidFill>
+                <a:latin typeface="Oxanium"/>
+                <a:ea typeface="Oxanium"/>
+                <a:cs typeface="Oxanium"/>
+                <a:sym typeface="Oxanium"/>
+              </a:defRPr>
+            </a:lvl8pPr>
+            <a:lvl9pPr marR="0" lvl="8" algn="l" rtl="0" eaLnBrk="1" hangingPunct="1">
+              <a:lnSpc>
+                <a:spcPct val="100000"/>
+              </a:lnSpc>
+              <a:spcBef>
+                <a:spcPts val="0"/>
+              </a:spcBef>
+              <a:spcAft>
+                <a:spcPts val="0"/>
+              </a:spcAft>
+              <a:buClr>
+                <a:schemeClr val="dk1"/>
+              </a:buClr>
+              <a:buSzPts val="3000"/>
+              <a:buFont typeface="Oxanium"/>
+              <a:buNone/>
+              <a:defRPr sz="3000" b="1" i="0" u="none" strike="noStrike" cap="none">
+                <a:solidFill>
+                  <a:schemeClr val="dk1"/>
+                </a:solidFill>
+                <a:latin typeface="Oxanium"/>
+                <a:ea typeface="Oxanium"/>
+                <a:cs typeface="Oxanium"/>
+                <a:sym typeface="Oxanium"/>
+              </a:defRPr>
+            </a:lvl9pPr>
+          </a:lstStyle>
+          <a:p>
+            <a:r>
+              <a:rPr lang="en-GB" sz="4000" dirty="0"/>
+              <a:t>The solution</a:t>
+            </a:r>
+          </a:p>
+        </p:txBody>
+      </p:sp>
+      <p:sp>
+        <p:nvSpPr>
+          <p:cNvPr id="17" name="Subtitle 2">
+            <a:extLst>
+              <a:ext uri="{FF2B5EF4-FFF2-40B4-BE49-F238E27FC236}">
+                <a16:creationId xmlns:a16="http://schemas.microsoft.com/office/drawing/2014/main" id="{EDB4A5A8-ECFE-4865-BA36-945355C6E767}"/>
+              </a:ext>
+            </a:extLst>
+          </p:cNvPr>
+          <p:cNvSpPr txBox="1">
+            <a:spLocks/>
+          </p:cNvSpPr>
+          <p:nvPr/>
+        </p:nvSpPr>
+        <p:spPr>
+          <a:xfrm>
+            <a:off x="6678312" y="2813865"/>
+            <a:ext cx="3939993" cy="2066249"/>
+          </a:xfrm>
+          <a:prstGeom prst="rect">
+            <a:avLst/>
+          </a:prstGeom>
+          <a:noFill/>
+          <a:ln>
+            <a:noFill/>
+          </a:ln>
+        </p:spPr>
+        <p:txBody>
+          <a:bodyPr spcFirstLastPara="1" wrap="square" lIns="91425" tIns="91425" rIns="91425" bIns="91425" anchor="t" anchorCtr="0">
+            <a:noAutofit/>
+          </a:bodyPr>
+          <a:lstStyle>
+            <a:defPPr marR="0" lvl="0" algn="l" rtl="0">
+              <a:lnSpc>
+                <a:spcPct val="100000"/>
+              </a:lnSpc>
+              <a:spcBef>
+                <a:spcPts val="0"/>
+              </a:spcBef>
+              <a:spcAft>
+                <a:spcPts val="0"/>
+              </a:spcAft>
+            </a:defPPr>
+            <a:lvl1pPr marL="9525" indent="-9525" eaLnBrk="1" hangingPunct="1">
+              <a:buClr>
+                <a:schemeClr val="dk1"/>
+              </a:buClr>
+              <a:buSzPts val="1200"/>
+              <a:buFont typeface="Hind"/>
+              <a:buNone/>
+              <a:defRPr sz="2100">
+                <a:solidFill>
+                  <a:schemeClr val="dk1"/>
+                </a:solidFill>
+                <a:latin typeface="Oxanium"/>
+                <a:ea typeface="Hind"/>
+                <a:cs typeface="Hind"/>
+                <a:sym typeface="Hind"/>
+              </a:defRPr>
+            </a:lvl1pPr>
+            <a:lvl2pPr marL="914400" indent="-304800" algn="ctr" eaLnBrk="1" hangingPunct="1">
+              <a:buClr>
+                <a:schemeClr val="dk1"/>
+              </a:buClr>
+              <a:buSzPts val="1800"/>
+              <a:buFont typeface="Hind"/>
+              <a:buNone/>
+              <a:defRPr sz="2400">
+                <a:solidFill>
+                  <a:schemeClr val="dk1"/>
+                </a:solidFill>
+                <a:latin typeface="Hind"/>
+                <a:ea typeface="Hind"/>
+                <a:cs typeface="Hind"/>
+                <a:sym typeface="Hind"/>
+              </a:defRPr>
+            </a:lvl2pPr>
+            <a:lvl3pPr marL="1371600" indent="-304800" algn="ctr" eaLnBrk="1" hangingPunct="1">
+              <a:buClr>
+                <a:schemeClr val="dk1"/>
+              </a:buClr>
+              <a:buSzPts val="1800"/>
+              <a:buFont typeface="Hind"/>
+              <a:buNone/>
+              <a:defRPr sz="2400">
+                <a:solidFill>
+                  <a:schemeClr val="dk1"/>
+                </a:solidFill>
+                <a:latin typeface="Hind"/>
+                <a:ea typeface="Hind"/>
+                <a:cs typeface="Hind"/>
+                <a:sym typeface="Hind"/>
+              </a:defRPr>
+            </a:lvl3pPr>
+            <a:lvl4pPr marL="1828800" indent="-304800" algn="ctr" eaLnBrk="1" hangingPunct="1">
+              <a:buClr>
+                <a:schemeClr val="dk1"/>
+              </a:buClr>
+              <a:buSzPts val="1800"/>
+              <a:buFont typeface="Hind"/>
+              <a:buNone/>
+              <a:defRPr sz="2400">
+                <a:solidFill>
+                  <a:schemeClr val="dk1"/>
+                </a:solidFill>
+                <a:latin typeface="Hind"/>
+                <a:ea typeface="Hind"/>
+                <a:cs typeface="Hind"/>
+                <a:sym typeface="Hind"/>
+              </a:defRPr>
+            </a:lvl4pPr>
+            <a:lvl5pPr marL="2286000" indent="-304800" algn="ctr" eaLnBrk="1" hangingPunct="1">
+              <a:buClr>
+                <a:schemeClr val="dk1"/>
+              </a:buClr>
+              <a:buSzPts val="1800"/>
+              <a:buFont typeface="Hind"/>
+              <a:buNone/>
+              <a:defRPr sz="2400">
+                <a:solidFill>
+                  <a:schemeClr val="dk1"/>
+                </a:solidFill>
+                <a:latin typeface="Hind"/>
+                <a:ea typeface="Hind"/>
+                <a:cs typeface="Hind"/>
+                <a:sym typeface="Hind"/>
+              </a:defRPr>
+            </a:lvl5pPr>
+            <a:lvl6pPr marL="2743200" indent="-304800" algn="ctr" eaLnBrk="1" hangingPunct="1">
+              <a:buClr>
+                <a:schemeClr val="dk1"/>
+              </a:buClr>
+              <a:buSzPts val="1800"/>
+              <a:buFont typeface="Hind"/>
+              <a:buNone/>
+              <a:defRPr sz="2400">
+                <a:solidFill>
+                  <a:schemeClr val="dk1"/>
+                </a:solidFill>
+                <a:latin typeface="Hind"/>
+                <a:ea typeface="Hind"/>
+                <a:cs typeface="Hind"/>
+                <a:sym typeface="Hind"/>
+              </a:defRPr>
+            </a:lvl6pPr>
+            <a:lvl7pPr marL="3200400" indent="-304800" algn="ctr" eaLnBrk="1" hangingPunct="1">
+              <a:buClr>
+                <a:schemeClr val="dk1"/>
+              </a:buClr>
+              <a:buSzPts val="1800"/>
+              <a:buFont typeface="Hind"/>
+              <a:buNone/>
+              <a:defRPr sz="2400">
+                <a:solidFill>
+                  <a:schemeClr val="dk1"/>
+                </a:solidFill>
+                <a:latin typeface="Hind"/>
+                <a:ea typeface="Hind"/>
+                <a:cs typeface="Hind"/>
+                <a:sym typeface="Hind"/>
+              </a:defRPr>
+            </a:lvl7pPr>
+            <a:lvl8pPr marL="3657600" indent="-304800" algn="ctr" eaLnBrk="1" hangingPunct="1">
+              <a:buClr>
+                <a:schemeClr val="dk1"/>
+              </a:buClr>
+              <a:buSzPts val="1800"/>
+              <a:buFont typeface="Hind"/>
+              <a:buNone/>
+              <a:defRPr sz="2400">
+                <a:solidFill>
+                  <a:schemeClr val="dk1"/>
+                </a:solidFill>
+                <a:latin typeface="Hind"/>
+                <a:ea typeface="Hind"/>
+                <a:cs typeface="Hind"/>
+                <a:sym typeface="Hind"/>
+              </a:defRPr>
+            </a:lvl8pPr>
+            <a:lvl9pPr marL="4114800" indent="-304800" algn="ctr" eaLnBrk="1" hangingPunct="1">
+              <a:buClr>
+                <a:schemeClr val="dk1"/>
+              </a:buClr>
+              <a:buSzPts val="1800"/>
+              <a:buFont typeface="Hind"/>
+              <a:buNone/>
+              <a:defRPr sz="2400">
+                <a:solidFill>
+                  <a:schemeClr val="dk1"/>
+                </a:solidFill>
+                <a:latin typeface="Hind"/>
+                <a:ea typeface="Hind"/>
+                <a:cs typeface="Hind"/>
+                <a:sym typeface="Hind"/>
+              </a:defRPr>
+            </a:lvl9pPr>
+          </a:lstStyle>
+          <a:p>
+            <a:pPr marL="342900" indent="-342900">
+              <a:buFont typeface="Arial" panose="020B0604020202020204" pitchFamily="34" charset="0"/>
+              <a:buChar char="•"/>
+            </a:pPr>
+            <a:r>
+              <a:rPr lang="en-GB" sz="2400" dirty="0"/>
+              <a:t>We decided to create our own program to replace the obsolete software with managing books, users and all the borrowings.</a:t>
+            </a:r>
           </a:p>
         </p:txBody>
       </p:sp>
@@ -23252,6 +23950,284 @@
       </p:grpSpPr>
       <p:sp>
         <p:nvSpPr>
+          <p:cNvPr id="11" name="Title 3">
+            <a:extLst>
+              <a:ext uri="{FF2B5EF4-FFF2-40B4-BE49-F238E27FC236}">
+                <a16:creationId xmlns:a16="http://schemas.microsoft.com/office/drawing/2014/main" id="{27C42821-F676-49A2-B40D-43668BCD7691}"/>
+              </a:ext>
+            </a:extLst>
+          </p:cNvPr>
+          <p:cNvSpPr>
+            <a:spLocks noGrp="1"/>
+          </p:cNvSpPr>
+          <p:nvPr>
+            <p:ph type="title"/>
+          </p:nvPr>
+        </p:nvSpPr>
+        <p:spPr>
+          <a:xfrm>
+            <a:off x="244381" y="504852"/>
+            <a:ext cx="5513688" cy="767357"/>
+          </a:xfrm>
+        </p:spPr>
+        <p:txBody>
+          <a:bodyPr/>
+          <a:lstStyle/>
+          <a:p>
+            <a:pPr algn="l"/>
+            <a:r>
+              <a:rPr lang="en-GB" sz="4000" b="1" dirty="0">
+                <a:solidFill>
+                  <a:schemeClr val="dk1"/>
+                </a:solidFill>
+              </a:rPr>
+              <a:t>Functions of the Website</a:t>
+            </a:r>
+          </a:p>
+        </p:txBody>
+      </p:sp>
+      <p:sp>
+        <p:nvSpPr>
+          <p:cNvPr id="12" name="Subtitle 2">
+            <a:extLst>
+              <a:ext uri="{FF2B5EF4-FFF2-40B4-BE49-F238E27FC236}">
+                <a16:creationId xmlns:a16="http://schemas.microsoft.com/office/drawing/2014/main" id="{06FED2A6-F386-474E-A700-BA2A0D243BBA}"/>
+              </a:ext>
+            </a:extLst>
+          </p:cNvPr>
+          <p:cNvSpPr txBox="1">
+            <a:spLocks/>
+          </p:cNvSpPr>
+          <p:nvPr/>
+        </p:nvSpPr>
+        <p:spPr>
+          <a:xfrm>
+            <a:off x="4269729" y="2906451"/>
+            <a:ext cx="3939993" cy="2066249"/>
+          </a:xfrm>
+          <a:prstGeom prst="rect">
+            <a:avLst/>
+          </a:prstGeom>
+          <a:noFill/>
+          <a:ln>
+            <a:noFill/>
+          </a:ln>
+        </p:spPr>
+        <p:txBody>
+          <a:bodyPr spcFirstLastPara="1" wrap="square" lIns="91425" tIns="91425" rIns="91425" bIns="91425" anchor="t" anchorCtr="0">
+            <a:noAutofit/>
+          </a:bodyPr>
+          <a:lstStyle>
+            <a:defPPr marR="0" lvl="0" algn="l" rtl="0">
+              <a:lnSpc>
+                <a:spcPct val="100000"/>
+              </a:lnSpc>
+              <a:spcBef>
+                <a:spcPts val="0"/>
+              </a:spcBef>
+              <a:spcAft>
+                <a:spcPts val="0"/>
+              </a:spcAft>
+            </a:defPPr>
+            <a:lvl1pPr marL="9525" indent="-9525" eaLnBrk="1" hangingPunct="1">
+              <a:buClr>
+                <a:schemeClr val="dk1"/>
+              </a:buClr>
+              <a:buSzPts val="1200"/>
+              <a:buFont typeface="Hind"/>
+              <a:buNone/>
+              <a:defRPr sz="2100">
+                <a:solidFill>
+                  <a:schemeClr val="dk1"/>
+                </a:solidFill>
+                <a:latin typeface="Oxanium"/>
+                <a:ea typeface="Hind"/>
+                <a:cs typeface="Hind"/>
+                <a:sym typeface="Hind"/>
+              </a:defRPr>
+            </a:lvl1pPr>
+            <a:lvl2pPr marL="914400" indent="-304800" algn="ctr" eaLnBrk="1" hangingPunct="1">
+              <a:buClr>
+                <a:schemeClr val="dk1"/>
+              </a:buClr>
+              <a:buSzPts val="1800"/>
+              <a:buFont typeface="Hind"/>
+              <a:buNone/>
+              <a:defRPr sz="2400">
+                <a:solidFill>
+                  <a:schemeClr val="dk1"/>
+                </a:solidFill>
+                <a:latin typeface="Hind"/>
+                <a:ea typeface="Hind"/>
+                <a:cs typeface="Hind"/>
+                <a:sym typeface="Hind"/>
+              </a:defRPr>
+            </a:lvl2pPr>
+            <a:lvl3pPr marL="1371600" indent="-304800" algn="ctr" eaLnBrk="1" hangingPunct="1">
+              <a:buClr>
+                <a:schemeClr val="dk1"/>
+              </a:buClr>
+              <a:buSzPts val="1800"/>
+              <a:buFont typeface="Hind"/>
+              <a:buNone/>
+              <a:defRPr sz="2400">
+                <a:solidFill>
+                  <a:schemeClr val="dk1"/>
+                </a:solidFill>
+                <a:latin typeface="Hind"/>
+                <a:ea typeface="Hind"/>
+                <a:cs typeface="Hind"/>
+                <a:sym typeface="Hind"/>
+              </a:defRPr>
+            </a:lvl3pPr>
+            <a:lvl4pPr marL="1828800" indent="-304800" algn="ctr" eaLnBrk="1" hangingPunct="1">
+              <a:buClr>
+                <a:schemeClr val="dk1"/>
+              </a:buClr>
+              <a:buSzPts val="1800"/>
+              <a:buFont typeface="Hind"/>
+              <a:buNone/>
+              <a:defRPr sz="2400">
+                <a:solidFill>
+                  <a:schemeClr val="dk1"/>
+                </a:solidFill>
+                <a:latin typeface="Hind"/>
+                <a:ea typeface="Hind"/>
+                <a:cs typeface="Hind"/>
+                <a:sym typeface="Hind"/>
+              </a:defRPr>
+            </a:lvl4pPr>
+            <a:lvl5pPr marL="2286000" indent="-304800" algn="ctr" eaLnBrk="1" hangingPunct="1">
+              <a:buClr>
+                <a:schemeClr val="dk1"/>
+              </a:buClr>
+              <a:buSzPts val="1800"/>
+              <a:buFont typeface="Hind"/>
+              <a:buNone/>
+              <a:defRPr sz="2400">
+                <a:solidFill>
+                  <a:schemeClr val="dk1"/>
+                </a:solidFill>
+                <a:latin typeface="Hind"/>
+                <a:ea typeface="Hind"/>
+                <a:cs typeface="Hind"/>
+                <a:sym typeface="Hind"/>
+              </a:defRPr>
+            </a:lvl5pPr>
+            <a:lvl6pPr marL="2743200" indent="-304800" algn="ctr" eaLnBrk="1" hangingPunct="1">
+              <a:buClr>
+                <a:schemeClr val="dk1"/>
+              </a:buClr>
+              <a:buSzPts val="1800"/>
+              <a:buFont typeface="Hind"/>
+              <a:buNone/>
+              <a:defRPr sz="2400">
+                <a:solidFill>
+                  <a:schemeClr val="dk1"/>
+                </a:solidFill>
+                <a:latin typeface="Hind"/>
+                <a:ea typeface="Hind"/>
+                <a:cs typeface="Hind"/>
+                <a:sym typeface="Hind"/>
+              </a:defRPr>
+            </a:lvl6pPr>
+            <a:lvl7pPr marL="3200400" indent="-304800" algn="ctr" eaLnBrk="1" hangingPunct="1">
+              <a:buClr>
+                <a:schemeClr val="dk1"/>
+              </a:buClr>
+              <a:buSzPts val="1800"/>
+              <a:buFont typeface="Hind"/>
+              <a:buNone/>
+              <a:defRPr sz="2400">
+                <a:solidFill>
+                  <a:schemeClr val="dk1"/>
+                </a:solidFill>
+                <a:latin typeface="Hind"/>
+                <a:ea typeface="Hind"/>
+                <a:cs typeface="Hind"/>
+                <a:sym typeface="Hind"/>
+              </a:defRPr>
+            </a:lvl7pPr>
+            <a:lvl8pPr marL="3657600" indent="-304800" algn="ctr" eaLnBrk="1" hangingPunct="1">
+              <a:buClr>
+                <a:schemeClr val="dk1"/>
+              </a:buClr>
+              <a:buSzPts val="1800"/>
+              <a:buFont typeface="Hind"/>
+              <a:buNone/>
+              <a:defRPr sz="2400">
+                <a:solidFill>
+                  <a:schemeClr val="dk1"/>
+                </a:solidFill>
+                <a:latin typeface="Hind"/>
+                <a:ea typeface="Hind"/>
+                <a:cs typeface="Hind"/>
+                <a:sym typeface="Hind"/>
+              </a:defRPr>
+            </a:lvl8pPr>
+            <a:lvl9pPr marL="4114800" indent="-304800" algn="ctr" eaLnBrk="1" hangingPunct="1">
+              <a:buClr>
+                <a:schemeClr val="dk1"/>
+              </a:buClr>
+              <a:buSzPts val="1800"/>
+              <a:buFont typeface="Hind"/>
+              <a:buNone/>
+              <a:defRPr sz="2400">
+                <a:solidFill>
+                  <a:schemeClr val="dk1"/>
+                </a:solidFill>
+                <a:latin typeface="Hind"/>
+                <a:ea typeface="Hind"/>
+                <a:cs typeface="Hind"/>
+                <a:sym typeface="Hind"/>
+              </a:defRPr>
+            </a:lvl9pPr>
+          </a:lstStyle>
+          <a:p>
+            <a:pPr marL="342900" indent="-342900">
+              <a:buFont typeface="Arial" panose="020B0604020202020204" pitchFamily="34" charset="0"/>
+              <a:buChar char="•"/>
+            </a:pPr>
+            <a:r>
+              <a:rPr lang="en-GB" sz="2400" dirty="0" err="1"/>
+              <a:t>fds</a:t>
+            </a:r>
+            <a:endParaRPr lang="en-GB" sz="2400" dirty="0"/>
+          </a:p>
+        </p:txBody>
+      </p:sp>
+    </p:spTree>
+    <p:extLst>
+      <p:ext uri="{BB962C8B-B14F-4D97-AF65-F5344CB8AC3E}">
+        <p14:creationId xmlns:p14="http://schemas.microsoft.com/office/powerpoint/2010/main" val="1136913404"/>
+      </p:ext>
+    </p:extLst>
+  </p:cSld>
+  <p:clrMapOvr>
+    <a:masterClrMapping/>
+  </p:clrMapOvr>
+</p:sld>
+</file>
+
+<file path=ppt/slides/slide4.xml><?xml version="1.0" encoding="utf-8"?>
+<p:sld xmlns:a="http://schemas.openxmlformats.org/drawingml/2006/main" xmlns:r="http://schemas.openxmlformats.org/officeDocument/2006/relationships" xmlns:p="http://schemas.openxmlformats.org/presentationml/2006/main">
+  <p:cSld>
+    <p:spTree>
+      <p:nvGrpSpPr>
+        <p:cNvPr id="1" name=""/>
+        <p:cNvGrpSpPr/>
+        <p:nvPr/>
+      </p:nvGrpSpPr>
+      <p:grpSpPr>
+        <a:xfrm>
+          <a:off x="0" y="0"/>
+          <a:ext cx="0" cy="0"/>
+          <a:chOff x="0" y="0"/>
+          <a:chExt cx="0" cy="0"/>
+        </a:xfrm>
+      </p:grpSpPr>
+      <p:sp>
+        <p:nvSpPr>
           <p:cNvPr id="4" name="Title 3">
             <a:extLst>
               <a:ext uri="{FF2B5EF4-FFF2-40B4-BE49-F238E27FC236}">
@@ -23266,13 +24242,18 @@
             <p:ph type="title"/>
           </p:nvPr>
         </p:nvSpPr>
-        <p:spPr/>
+        <p:spPr>
+          <a:xfrm>
+            <a:off x="482921" y="464158"/>
+            <a:ext cx="10272000" cy="763600"/>
+          </a:xfrm>
+        </p:spPr>
         <p:txBody>
           <a:bodyPr/>
           <a:lstStyle/>
           <a:p>
             <a:r>
-              <a:rPr lang="en-GB" dirty="0"/>
+              <a:rPr lang="en-GB" sz="4000" dirty="0"/>
               <a:t>Sources</a:t>
             </a:r>
           </a:p>
@@ -23296,7 +24277,7 @@
         </p:nvSpPr>
         <p:spPr>
           <a:xfrm>
-            <a:off x="353833" y="1676400"/>
+            <a:off x="960000" y="1666461"/>
             <a:ext cx="3073200" cy="441892"/>
           </a:xfrm>
         </p:spPr>

--- a/Presentation/LMS Presentation.pptx
+++ b/Presentation/LMS Presentation.pptx
@@ -9,16 +9,17 @@
     <p:sldId id="256" r:id="rId3"/>
     <p:sldId id="258" r:id="rId4"/>
     <p:sldId id="269" r:id="rId5"/>
-    <p:sldId id="260" r:id="rId6"/>
+    <p:sldId id="271" r:id="rId6"/>
     <p:sldId id="261" r:id="rId7"/>
-    <p:sldId id="268" r:id="rId8"/>
-    <p:sldId id="266" r:id="rId9"/>
-    <p:sldId id="267" r:id="rId10"/>
-    <p:sldId id="262" r:id="rId11"/>
-    <p:sldId id="264" r:id="rId12"/>
-    <p:sldId id="265" r:id="rId13"/>
-    <p:sldId id="257" r:id="rId14"/>
-    <p:sldId id="270" r:id="rId15"/>
+    <p:sldId id="260" r:id="rId8"/>
+    <p:sldId id="268" r:id="rId9"/>
+    <p:sldId id="266" r:id="rId10"/>
+    <p:sldId id="267" r:id="rId11"/>
+    <p:sldId id="262" r:id="rId12"/>
+    <p:sldId id="264" r:id="rId13"/>
+    <p:sldId id="265" r:id="rId14"/>
+    <p:sldId id="257" r:id="rId15"/>
+    <p:sldId id="270" r:id="rId16"/>
   </p:sldIdLst>
   <p:sldSz cx="12192000" cy="6858000"/>
   <p:notesSz cx="6858000" cy="9144000"/>
@@ -19859,13 +19860,13 @@
   <p:clrMapOvr>
     <a:masterClrMapping/>
   </p:clrMapOvr>
-  <mc:AlternateContent xmlns:mc="http://schemas.openxmlformats.org/markup-compatibility/2006">
-    <mc:Choice xmlns:p159="http://schemas.microsoft.com/office/powerpoint/2015/09/main" Requires="p159">
+  <mc:AlternateContent xmlns:mc="http://schemas.openxmlformats.org/markup-compatibility/2006" xmlns:p159="http://schemas.microsoft.com/office/powerpoint/2015/09/main">
+    <mc:Choice Requires="p159">
       <p:transition xmlns:p14="http://schemas.microsoft.com/office/powerpoint/2010/main" spd="slow" p14:dur="2000">
         <p159:morph option="byObject"/>
       </p:transition>
     </mc:Choice>
-    <mc:Fallback>
+    <mc:Fallback xmlns="">
       <p:transition spd="slow">
         <p:fade/>
       </p:transition>
@@ -19875,6 +19876,692 @@
 </file>
 
 <file path=ppt/slides/slide10.xml><?xml version="1.0" encoding="utf-8"?>
+<p:sld xmlns:a="http://schemas.openxmlformats.org/drawingml/2006/main" xmlns:r="http://schemas.openxmlformats.org/officeDocument/2006/relationships" xmlns:p="http://schemas.openxmlformats.org/presentationml/2006/main">
+  <p:cSld>
+    <p:spTree>
+      <p:nvGrpSpPr>
+        <p:cNvPr id="1" name=""/>
+        <p:cNvGrpSpPr/>
+        <p:nvPr/>
+      </p:nvGrpSpPr>
+      <p:grpSpPr>
+        <a:xfrm>
+          <a:off x="0" y="0"/>
+          <a:ext cx="0" cy="0"/>
+          <a:chOff x="0" y="0"/>
+          <a:chExt cx="0" cy="0"/>
+        </a:xfrm>
+      </p:grpSpPr>
+      <p:sp>
+        <p:nvSpPr>
+          <p:cNvPr id="7" name="Subtitle 2">
+            <a:extLst>
+              <a:ext uri="{FF2B5EF4-FFF2-40B4-BE49-F238E27FC236}">
+                <a16:creationId xmlns:a16="http://schemas.microsoft.com/office/drawing/2014/main" id="{AD740177-E2ED-47F4-A372-155FF5715CBC}"/>
+              </a:ext>
+            </a:extLst>
+          </p:cNvPr>
+          <p:cNvSpPr txBox="1">
+            <a:spLocks/>
+          </p:cNvSpPr>
+          <p:nvPr/>
+        </p:nvSpPr>
+        <p:spPr>
+          <a:xfrm>
+            <a:off x="8045101" y="2996949"/>
+            <a:ext cx="4134760" cy="2085476"/>
+          </a:xfrm>
+          <a:prstGeom prst="rect">
+            <a:avLst/>
+          </a:prstGeom>
+          <a:noFill/>
+          <a:ln>
+            <a:noFill/>
+          </a:ln>
+        </p:spPr>
+        <p:txBody>
+          <a:bodyPr spcFirstLastPara="1" wrap="square" lIns="91425" tIns="91425" rIns="91425" bIns="91425" anchor="t" anchorCtr="0">
+            <a:noAutofit/>
+          </a:bodyPr>
+          <a:lstStyle>
+            <a:defPPr marR="0" lvl="0" algn="l" rtl="0">
+              <a:lnSpc>
+                <a:spcPct val="100000"/>
+              </a:lnSpc>
+              <a:spcBef>
+                <a:spcPts val="0"/>
+              </a:spcBef>
+              <a:spcAft>
+                <a:spcPts val="0"/>
+              </a:spcAft>
+            </a:defPPr>
+            <a:lvl1pPr marL="9525" indent="-9525" eaLnBrk="1" hangingPunct="1">
+              <a:buClr>
+                <a:schemeClr val="dk1"/>
+              </a:buClr>
+              <a:buSzPts val="1200"/>
+              <a:buFont typeface="Hind"/>
+              <a:buNone/>
+              <a:defRPr sz="2100">
+                <a:solidFill>
+                  <a:schemeClr val="dk1"/>
+                </a:solidFill>
+                <a:latin typeface="Oxanium"/>
+                <a:ea typeface="Hind"/>
+                <a:cs typeface="Hind"/>
+                <a:sym typeface="Hind"/>
+              </a:defRPr>
+            </a:lvl1pPr>
+            <a:lvl2pPr marL="914400" indent="-304800" algn="ctr" eaLnBrk="1" hangingPunct="1">
+              <a:buClr>
+                <a:schemeClr val="dk1"/>
+              </a:buClr>
+              <a:buSzPts val="1800"/>
+              <a:buFont typeface="Hind"/>
+              <a:buNone/>
+              <a:defRPr sz="2400">
+                <a:solidFill>
+                  <a:schemeClr val="dk1"/>
+                </a:solidFill>
+                <a:latin typeface="Hind"/>
+                <a:ea typeface="Hind"/>
+                <a:cs typeface="Hind"/>
+                <a:sym typeface="Hind"/>
+              </a:defRPr>
+            </a:lvl2pPr>
+            <a:lvl3pPr marL="1371600" indent="-304800" algn="ctr" eaLnBrk="1" hangingPunct="1">
+              <a:buClr>
+                <a:schemeClr val="dk1"/>
+              </a:buClr>
+              <a:buSzPts val="1800"/>
+              <a:buFont typeface="Hind"/>
+              <a:buNone/>
+              <a:defRPr sz="2400">
+                <a:solidFill>
+                  <a:schemeClr val="dk1"/>
+                </a:solidFill>
+                <a:latin typeface="Hind"/>
+                <a:ea typeface="Hind"/>
+                <a:cs typeface="Hind"/>
+                <a:sym typeface="Hind"/>
+              </a:defRPr>
+            </a:lvl3pPr>
+            <a:lvl4pPr marL="1828800" indent="-304800" algn="ctr" eaLnBrk="1" hangingPunct="1">
+              <a:buClr>
+                <a:schemeClr val="dk1"/>
+              </a:buClr>
+              <a:buSzPts val="1800"/>
+              <a:buFont typeface="Hind"/>
+              <a:buNone/>
+              <a:defRPr sz="2400">
+                <a:solidFill>
+                  <a:schemeClr val="dk1"/>
+                </a:solidFill>
+                <a:latin typeface="Hind"/>
+                <a:ea typeface="Hind"/>
+                <a:cs typeface="Hind"/>
+                <a:sym typeface="Hind"/>
+              </a:defRPr>
+            </a:lvl4pPr>
+            <a:lvl5pPr marL="2286000" indent="-304800" algn="ctr" eaLnBrk="1" hangingPunct="1">
+              <a:buClr>
+                <a:schemeClr val="dk1"/>
+              </a:buClr>
+              <a:buSzPts val="1800"/>
+              <a:buFont typeface="Hind"/>
+              <a:buNone/>
+              <a:defRPr sz="2400">
+                <a:solidFill>
+                  <a:schemeClr val="dk1"/>
+                </a:solidFill>
+                <a:latin typeface="Hind"/>
+                <a:ea typeface="Hind"/>
+                <a:cs typeface="Hind"/>
+                <a:sym typeface="Hind"/>
+              </a:defRPr>
+            </a:lvl5pPr>
+            <a:lvl6pPr marL="2743200" indent="-304800" algn="ctr" eaLnBrk="1" hangingPunct="1">
+              <a:buClr>
+                <a:schemeClr val="dk1"/>
+              </a:buClr>
+              <a:buSzPts val="1800"/>
+              <a:buFont typeface="Hind"/>
+              <a:buNone/>
+              <a:defRPr sz="2400">
+                <a:solidFill>
+                  <a:schemeClr val="dk1"/>
+                </a:solidFill>
+                <a:latin typeface="Hind"/>
+                <a:ea typeface="Hind"/>
+                <a:cs typeface="Hind"/>
+                <a:sym typeface="Hind"/>
+              </a:defRPr>
+            </a:lvl6pPr>
+            <a:lvl7pPr marL="3200400" indent="-304800" algn="ctr" eaLnBrk="1" hangingPunct="1">
+              <a:buClr>
+                <a:schemeClr val="dk1"/>
+              </a:buClr>
+              <a:buSzPts val="1800"/>
+              <a:buFont typeface="Hind"/>
+              <a:buNone/>
+              <a:defRPr sz="2400">
+                <a:solidFill>
+                  <a:schemeClr val="dk1"/>
+                </a:solidFill>
+                <a:latin typeface="Hind"/>
+                <a:ea typeface="Hind"/>
+                <a:cs typeface="Hind"/>
+                <a:sym typeface="Hind"/>
+              </a:defRPr>
+            </a:lvl7pPr>
+            <a:lvl8pPr marL="3657600" indent="-304800" algn="ctr" eaLnBrk="1" hangingPunct="1">
+              <a:buClr>
+                <a:schemeClr val="dk1"/>
+              </a:buClr>
+              <a:buSzPts val="1800"/>
+              <a:buFont typeface="Hind"/>
+              <a:buNone/>
+              <a:defRPr sz="2400">
+                <a:solidFill>
+                  <a:schemeClr val="dk1"/>
+                </a:solidFill>
+                <a:latin typeface="Hind"/>
+                <a:ea typeface="Hind"/>
+                <a:cs typeface="Hind"/>
+                <a:sym typeface="Hind"/>
+              </a:defRPr>
+            </a:lvl8pPr>
+            <a:lvl9pPr marL="4114800" indent="-304800" algn="ctr" eaLnBrk="1" hangingPunct="1">
+              <a:buClr>
+                <a:schemeClr val="dk1"/>
+              </a:buClr>
+              <a:buSzPts val="1800"/>
+              <a:buFont typeface="Hind"/>
+              <a:buNone/>
+              <a:defRPr sz="2400">
+                <a:solidFill>
+                  <a:schemeClr val="dk1"/>
+                </a:solidFill>
+                <a:latin typeface="Hind"/>
+                <a:ea typeface="Hind"/>
+                <a:cs typeface="Hind"/>
+                <a:sym typeface="Hind"/>
+              </a:defRPr>
+            </a:lvl9pPr>
+          </a:lstStyle>
+          <a:p>
+            <a:pPr marL="342900" indent="-342900">
+              <a:buFont typeface="Arial" panose="020B0604020202020204" pitchFamily="34" charset="0"/>
+              <a:buChar char="•"/>
+            </a:pPr>
+            <a:r>
+              <a:rPr lang="en-GB" sz="2400" dirty="0"/>
+              <a:t>Books, user and borrowing statistics</a:t>
+            </a:r>
+            <a:endParaRPr lang="en-GB" sz="2400" dirty="0">
+              <a:effectLst/>
+            </a:endParaRPr>
+          </a:p>
+          <a:p>
+            <a:pPr marL="342900" indent="-342900">
+              <a:buFont typeface="Arial" panose="020B0604020202020204" pitchFamily="34" charset="0"/>
+              <a:buChar char="•"/>
+            </a:pPr>
+            <a:r>
+              <a:rPr lang="en-GB" sz="2400" dirty="0">
+                <a:effectLst/>
+              </a:rPr>
+              <a:t>Manage database through the app</a:t>
+            </a:r>
+          </a:p>
+          <a:p>
+            <a:pPr marL="342900" indent="-342900">
+              <a:buFont typeface="Arial" panose="020B0604020202020204" pitchFamily="34" charset="0"/>
+              <a:buChar char="•"/>
+            </a:pPr>
+            <a:r>
+              <a:rPr lang="en-GB" sz="2400" dirty="0"/>
+              <a:t>Change personal data</a:t>
+            </a:r>
+            <a:endParaRPr lang="en-GB" dirty="0">
+              <a:effectLst/>
+            </a:endParaRPr>
+          </a:p>
+        </p:txBody>
+      </p:sp>
+      <p:pic>
+        <p:nvPicPr>
+          <p:cNvPr id="14" name="Picture 13">
+            <a:extLst>
+              <a:ext uri="{FF2B5EF4-FFF2-40B4-BE49-F238E27FC236}">
+                <a16:creationId xmlns:a16="http://schemas.microsoft.com/office/drawing/2014/main" id="{FFDB86E5-1DF7-4562-BE6E-E8031A6EF139}"/>
+              </a:ext>
+            </a:extLst>
+          </p:cNvPr>
+          <p:cNvPicPr>
+            <a:picLocks noChangeAspect="1"/>
+          </p:cNvPicPr>
+          <p:nvPr/>
+        </p:nvPicPr>
+        <p:blipFill>
+          <a:blip r:embed="rId2"/>
+          <a:stretch>
+            <a:fillRect/>
+          </a:stretch>
+        </p:blipFill>
+        <p:spPr>
+          <a:xfrm>
+            <a:off x="1759508" y="7042130"/>
+            <a:ext cx="2676899" cy="2943636"/>
+          </a:xfrm>
+          <a:prstGeom prst="rect">
+            <a:avLst/>
+          </a:prstGeom>
+          <a:ln>
+            <a:noFill/>
+          </a:ln>
+          <a:effectLst>
+            <a:outerShdw blurRad="190500" algn="tl" rotWithShape="0">
+              <a:srgbClr val="000000">
+                <a:alpha val="70000"/>
+              </a:srgbClr>
+            </a:outerShdw>
+          </a:effectLst>
+        </p:spPr>
+      </p:pic>
+      <p:pic>
+        <p:nvPicPr>
+          <p:cNvPr id="15" name="Picture 14">
+            <a:extLst>
+              <a:ext uri="{FF2B5EF4-FFF2-40B4-BE49-F238E27FC236}">
+                <a16:creationId xmlns:a16="http://schemas.microsoft.com/office/drawing/2014/main" id="{43C0B858-038B-42D0-B0BE-A6BCD2927BD5}"/>
+              </a:ext>
+            </a:extLst>
+          </p:cNvPr>
+          <p:cNvPicPr>
+            <a:picLocks noChangeAspect="1"/>
+          </p:cNvPicPr>
+          <p:nvPr/>
+        </p:nvPicPr>
+        <p:blipFill>
+          <a:blip r:embed="rId3"/>
+          <a:stretch>
+            <a:fillRect/>
+          </a:stretch>
+        </p:blipFill>
+        <p:spPr>
+          <a:xfrm>
+            <a:off x="4757550" y="7061183"/>
+            <a:ext cx="2676899" cy="2905530"/>
+          </a:xfrm>
+          <a:prstGeom prst="rect">
+            <a:avLst/>
+          </a:prstGeom>
+          <a:ln>
+            <a:noFill/>
+          </a:ln>
+          <a:effectLst>
+            <a:outerShdw blurRad="190500" algn="tl" rotWithShape="0">
+              <a:srgbClr val="000000">
+                <a:alpha val="70000"/>
+              </a:srgbClr>
+            </a:outerShdw>
+          </a:effectLst>
+        </p:spPr>
+      </p:pic>
+      <p:pic>
+        <p:nvPicPr>
+          <p:cNvPr id="10" name="Picture 9">
+            <a:extLst>
+              <a:ext uri="{FF2B5EF4-FFF2-40B4-BE49-F238E27FC236}">
+                <a16:creationId xmlns:a16="http://schemas.microsoft.com/office/drawing/2014/main" id="{6D845FCA-B507-4523-A716-AE10E9A4DAFA}"/>
+              </a:ext>
+            </a:extLst>
+          </p:cNvPr>
+          <p:cNvPicPr>
+            <a:picLocks noChangeAspect="1"/>
+          </p:cNvPicPr>
+          <p:nvPr/>
+        </p:nvPicPr>
+        <p:blipFill rotWithShape="1">
+          <a:blip r:embed="rId4"/>
+          <a:srcRect t="5226"/>
+          <a:stretch/>
+        </p:blipFill>
+        <p:spPr>
+          <a:xfrm>
+            <a:off x="238316" y="1870096"/>
+            <a:ext cx="7651462" cy="4339182"/>
+          </a:xfrm>
+          <a:prstGeom prst="rect">
+            <a:avLst/>
+          </a:prstGeom>
+          <a:ln>
+            <a:noFill/>
+          </a:ln>
+          <a:effectLst>
+            <a:outerShdw blurRad="190500" algn="tl" rotWithShape="0">
+              <a:srgbClr val="000000">
+                <a:alpha val="70000"/>
+              </a:srgbClr>
+            </a:outerShdw>
+          </a:effectLst>
+        </p:spPr>
+      </p:pic>
+      <p:sp>
+        <p:nvSpPr>
+          <p:cNvPr id="8" name="Title 3">
+            <a:extLst>
+              <a:ext uri="{FF2B5EF4-FFF2-40B4-BE49-F238E27FC236}">
+                <a16:creationId xmlns:a16="http://schemas.microsoft.com/office/drawing/2014/main" id="{D3199415-291A-4398-969A-E341A7FDA948}"/>
+              </a:ext>
+            </a:extLst>
+          </p:cNvPr>
+          <p:cNvSpPr txBox="1">
+            <a:spLocks/>
+          </p:cNvSpPr>
+          <p:nvPr/>
+        </p:nvSpPr>
+        <p:spPr>
+          <a:xfrm>
+            <a:off x="2429247" y="383963"/>
+            <a:ext cx="8044397" cy="763600"/>
+          </a:xfrm>
+          <a:prstGeom prst="rect">
+            <a:avLst/>
+          </a:prstGeom>
+          <a:noFill/>
+          <a:ln>
+            <a:noFill/>
+          </a:ln>
+        </p:spPr>
+        <p:txBody>
+          <a:bodyPr spcFirstLastPara="1" wrap="square" lIns="91425" tIns="91425" rIns="91425" bIns="91425" anchor="t" anchorCtr="0">
+            <a:noAutofit/>
+          </a:bodyPr>
+          <a:lstStyle>
+            <a:defPPr marR="0" lvl="0" algn="l" rtl="0">
+              <a:lnSpc>
+                <a:spcPct val="100000"/>
+              </a:lnSpc>
+              <a:spcBef>
+                <a:spcPts val="0"/>
+              </a:spcBef>
+              <a:spcAft>
+                <a:spcPts val="0"/>
+              </a:spcAft>
+            </a:defPPr>
+            <a:lvl1pPr marR="0" lvl="0" algn="l" rtl="0" eaLnBrk="1" hangingPunct="1">
+              <a:lnSpc>
+                <a:spcPct val="100000"/>
+              </a:lnSpc>
+              <a:spcBef>
+                <a:spcPts val="0"/>
+              </a:spcBef>
+              <a:spcAft>
+                <a:spcPts val="0"/>
+              </a:spcAft>
+              <a:buClr>
+                <a:schemeClr val="dk1"/>
+              </a:buClr>
+              <a:buSzPts val="3000"/>
+              <a:buFont typeface="Oxanium"/>
+              <a:buNone/>
+              <a:defRPr sz="3000" b="1" i="0" u="none" strike="noStrike" cap="none">
+                <a:solidFill>
+                  <a:schemeClr val="dk1"/>
+                </a:solidFill>
+                <a:latin typeface="Oxanium"/>
+                <a:ea typeface="Oxanium"/>
+                <a:cs typeface="Oxanium"/>
+                <a:sym typeface="Oxanium"/>
+              </a:defRPr>
+            </a:lvl1pPr>
+            <a:lvl2pPr marR="0" lvl="1" algn="l" rtl="0" eaLnBrk="1" hangingPunct="1">
+              <a:lnSpc>
+                <a:spcPct val="100000"/>
+              </a:lnSpc>
+              <a:spcBef>
+                <a:spcPts val="0"/>
+              </a:spcBef>
+              <a:spcAft>
+                <a:spcPts val="0"/>
+              </a:spcAft>
+              <a:buClr>
+                <a:schemeClr val="dk1"/>
+              </a:buClr>
+              <a:buSzPts val="3000"/>
+              <a:buFont typeface="Oxanium"/>
+              <a:buNone/>
+              <a:defRPr sz="3000" b="1" i="0" u="none" strike="noStrike" cap="none">
+                <a:solidFill>
+                  <a:schemeClr val="dk1"/>
+                </a:solidFill>
+                <a:latin typeface="Oxanium"/>
+                <a:ea typeface="Oxanium"/>
+                <a:cs typeface="Oxanium"/>
+                <a:sym typeface="Oxanium"/>
+              </a:defRPr>
+            </a:lvl2pPr>
+            <a:lvl3pPr marR="0" lvl="2" algn="l" rtl="0" eaLnBrk="1" hangingPunct="1">
+              <a:lnSpc>
+                <a:spcPct val="100000"/>
+              </a:lnSpc>
+              <a:spcBef>
+                <a:spcPts val="0"/>
+              </a:spcBef>
+              <a:spcAft>
+                <a:spcPts val="0"/>
+              </a:spcAft>
+              <a:buClr>
+                <a:schemeClr val="dk1"/>
+              </a:buClr>
+              <a:buSzPts val="3000"/>
+              <a:buFont typeface="Oxanium"/>
+              <a:buNone/>
+              <a:defRPr sz="3000" b="1" i="0" u="none" strike="noStrike" cap="none">
+                <a:solidFill>
+                  <a:schemeClr val="dk1"/>
+                </a:solidFill>
+                <a:latin typeface="Oxanium"/>
+                <a:ea typeface="Oxanium"/>
+                <a:cs typeface="Oxanium"/>
+                <a:sym typeface="Oxanium"/>
+              </a:defRPr>
+            </a:lvl3pPr>
+            <a:lvl4pPr marR="0" lvl="3" algn="l" rtl="0" eaLnBrk="1" hangingPunct="1">
+              <a:lnSpc>
+                <a:spcPct val="100000"/>
+              </a:lnSpc>
+              <a:spcBef>
+                <a:spcPts val="0"/>
+              </a:spcBef>
+              <a:spcAft>
+                <a:spcPts val="0"/>
+              </a:spcAft>
+              <a:buClr>
+                <a:schemeClr val="dk1"/>
+              </a:buClr>
+              <a:buSzPts val="3000"/>
+              <a:buFont typeface="Oxanium"/>
+              <a:buNone/>
+              <a:defRPr sz="3000" b="1" i="0" u="none" strike="noStrike" cap="none">
+                <a:solidFill>
+                  <a:schemeClr val="dk1"/>
+                </a:solidFill>
+                <a:latin typeface="Oxanium"/>
+                <a:ea typeface="Oxanium"/>
+                <a:cs typeface="Oxanium"/>
+                <a:sym typeface="Oxanium"/>
+              </a:defRPr>
+            </a:lvl4pPr>
+            <a:lvl5pPr marR="0" lvl="4" algn="l" rtl="0" eaLnBrk="1" hangingPunct="1">
+              <a:lnSpc>
+                <a:spcPct val="100000"/>
+              </a:lnSpc>
+              <a:spcBef>
+                <a:spcPts val="0"/>
+              </a:spcBef>
+              <a:spcAft>
+                <a:spcPts val="0"/>
+              </a:spcAft>
+              <a:buClr>
+                <a:schemeClr val="dk1"/>
+              </a:buClr>
+              <a:buSzPts val="3000"/>
+              <a:buFont typeface="Oxanium"/>
+              <a:buNone/>
+              <a:defRPr sz="3000" b="1" i="0" u="none" strike="noStrike" cap="none">
+                <a:solidFill>
+                  <a:schemeClr val="dk1"/>
+                </a:solidFill>
+                <a:latin typeface="Oxanium"/>
+                <a:ea typeface="Oxanium"/>
+                <a:cs typeface="Oxanium"/>
+                <a:sym typeface="Oxanium"/>
+              </a:defRPr>
+            </a:lvl5pPr>
+            <a:lvl6pPr marR="0" lvl="5" algn="l" rtl="0" eaLnBrk="1" hangingPunct="1">
+              <a:lnSpc>
+                <a:spcPct val="100000"/>
+              </a:lnSpc>
+              <a:spcBef>
+                <a:spcPts val="0"/>
+              </a:spcBef>
+              <a:spcAft>
+                <a:spcPts val="0"/>
+              </a:spcAft>
+              <a:buClr>
+                <a:schemeClr val="dk1"/>
+              </a:buClr>
+              <a:buSzPts val="3000"/>
+              <a:buFont typeface="Oxanium"/>
+              <a:buNone/>
+              <a:defRPr sz="3000" b="1" i="0" u="none" strike="noStrike" cap="none">
+                <a:solidFill>
+                  <a:schemeClr val="dk1"/>
+                </a:solidFill>
+                <a:latin typeface="Oxanium"/>
+                <a:ea typeface="Oxanium"/>
+                <a:cs typeface="Oxanium"/>
+                <a:sym typeface="Oxanium"/>
+              </a:defRPr>
+            </a:lvl6pPr>
+            <a:lvl7pPr marR="0" lvl="6" algn="l" rtl="0" eaLnBrk="1" hangingPunct="1">
+              <a:lnSpc>
+                <a:spcPct val="100000"/>
+              </a:lnSpc>
+              <a:spcBef>
+                <a:spcPts val="0"/>
+              </a:spcBef>
+              <a:spcAft>
+                <a:spcPts val="0"/>
+              </a:spcAft>
+              <a:buClr>
+                <a:schemeClr val="dk1"/>
+              </a:buClr>
+              <a:buSzPts val="3000"/>
+              <a:buFont typeface="Oxanium"/>
+              <a:buNone/>
+              <a:defRPr sz="3000" b="1" i="0" u="none" strike="noStrike" cap="none">
+                <a:solidFill>
+                  <a:schemeClr val="dk1"/>
+                </a:solidFill>
+                <a:latin typeface="Oxanium"/>
+                <a:ea typeface="Oxanium"/>
+                <a:cs typeface="Oxanium"/>
+                <a:sym typeface="Oxanium"/>
+              </a:defRPr>
+            </a:lvl7pPr>
+            <a:lvl8pPr marR="0" lvl="7" algn="l" rtl="0" eaLnBrk="1" hangingPunct="1">
+              <a:lnSpc>
+                <a:spcPct val="100000"/>
+              </a:lnSpc>
+              <a:spcBef>
+                <a:spcPts val="0"/>
+              </a:spcBef>
+              <a:spcAft>
+                <a:spcPts val="0"/>
+              </a:spcAft>
+              <a:buClr>
+                <a:schemeClr val="dk1"/>
+              </a:buClr>
+              <a:buSzPts val="3000"/>
+              <a:buFont typeface="Oxanium"/>
+              <a:buNone/>
+              <a:defRPr sz="3000" b="1" i="0" u="none" strike="noStrike" cap="none">
+                <a:solidFill>
+                  <a:schemeClr val="dk1"/>
+                </a:solidFill>
+                <a:latin typeface="Oxanium"/>
+                <a:ea typeface="Oxanium"/>
+                <a:cs typeface="Oxanium"/>
+                <a:sym typeface="Oxanium"/>
+              </a:defRPr>
+            </a:lvl8pPr>
+            <a:lvl9pPr marR="0" lvl="8" algn="l" rtl="0" eaLnBrk="1" hangingPunct="1">
+              <a:lnSpc>
+                <a:spcPct val="100000"/>
+              </a:lnSpc>
+              <a:spcBef>
+                <a:spcPts val="0"/>
+              </a:spcBef>
+              <a:spcAft>
+                <a:spcPts val="0"/>
+              </a:spcAft>
+              <a:buClr>
+                <a:schemeClr val="dk1"/>
+              </a:buClr>
+              <a:buSzPts val="3000"/>
+              <a:buFont typeface="Oxanium"/>
+              <a:buNone/>
+              <a:defRPr sz="3000" b="1" i="0" u="none" strike="noStrike" cap="none">
+                <a:solidFill>
+                  <a:schemeClr val="dk1"/>
+                </a:solidFill>
+                <a:latin typeface="Oxanium"/>
+                <a:ea typeface="Oxanium"/>
+                <a:cs typeface="Oxanium"/>
+                <a:sym typeface="Oxanium"/>
+              </a:defRPr>
+            </a:lvl9pPr>
+          </a:lstStyle>
+          <a:p>
+            <a:r>
+              <a:rPr lang="en-GB" sz="4000" dirty="0">
+                <a:effectLst/>
+              </a:rPr>
+              <a:t>Functions of the Desktop Application</a:t>
+            </a:r>
+          </a:p>
+        </p:txBody>
+      </p:sp>
+    </p:spTree>
+    <p:extLst>
+      <p:ext uri="{BB962C8B-B14F-4D97-AF65-F5344CB8AC3E}">
+        <p14:creationId xmlns:p14="http://schemas.microsoft.com/office/powerpoint/2010/main" val="3849336608"/>
+      </p:ext>
+    </p:extLst>
+  </p:cSld>
+  <p:clrMapOvr>
+    <a:masterClrMapping/>
+  </p:clrMapOvr>
+  <mc:AlternateContent xmlns:mc="http://schemas.openxmlformats.org/markup-compatibility/2006" xmlns:p159="http://schemas.microsoft.com/office/powerpoint/2015/09/main">
+    <mc:Choice Requires="p159">
+      <p:transition xmlns:p14="http://schemas.microsoft.com/office/powerpoint/2010/main" spd="slow" p14:dur="2000">
+        <p159:morph option="byObject"/>
+      </p:transition>
+    </mc:Choice>
+    <mc:Fallback xmlns="">
+      <p:transition spd="slow">
+        <p:fade/>
+      </p:transition>
+    </mc:Fallback>
+  </mc:AlternateContent>
+</p:sld>
+</file>
+
+<file path=ppt/slides/slide11.xml><?xml version="1.0" encoding="utf-8"?>
 <p:sld xmlns:a="http://schemas.openxmlformats.org/drawingml/2006/main" xmlns:r="http://schemas.openxmlformats.org/officeDocument/2006/relationships" xmlns:p="http://schemas.openxmlformats.org/presentationml/2006/main">
   <p:cSld>
     <p:spTree>
@@ -20195,8 +20882,8 @@
         </p:nvSpPr>
         <p:spPr>
           <a:xfrm>
-            <a:off x="907640" y="2258048"/>
-            <a:ext cx="3441160" cy="2341904"/>
+            <a:off x="907640" y="2258047"/>
+            <a:ext cx="3441160" cy="3889885"/>
           </a:xfrm>
           <a:prstGeom prst="rect">
             <a:avLst/>
@@ -20459,6 +21146,18 @@
                 <a:effectLst/>
               </a:rPr>
               <a:t>HTTP Client</a:t>
+            </a:r>
+          </a:p>
+          <a:p>
+            <a:pPr marL="342900" indent="-342900">
+              <a:buFont typeface="Arial" panose="020B0604020202020204" pitchFamily="34" charset="0"/>
+              <a:buChar char="•"/>
+            </a:pPr>
+            <a:r>
+              <a:rPr lang="en-GB" dirty="0">
+                <a:effectLst/>
+              </a:rPr>
+              <a:t>Regular Expressions</a:t>
             </a:r>
           </a:p>
         </p:txBody>
@@ -20592,13 +21291,13 @@
   <p:clrMapOvr>
     <a:masterClrMapping/>
   </p:clrMapOvr>
-  <mc:AlternateContent xmlns:mc="http://schemas.openxmlformats.org/markup-compatibility/2006">
-    <mc:Choice xmlns:p159="http://schemas.microsoft.com/office/powerpoint/2015/09/main" Requires="p159">
+  <mc:AlternateContent xmlns:mc="http://schemas.openxmlformats.org/markup-compatibility/2006" xmlns:p159="http://schemas.microsoft.com/office/powerpoint/2015/09/main">
+    <mc:Choice Requires="p159">
       <p:transition xmlns:p14="http://schemas.microsoft.com/office/powerpoint/2010/main" spd="slow" p14:dur="2000">
         <p159:morph option="byObject"/>
       </p:transition>
     </mc:Choice>
-    <mc:Fallback>
+    <mc:Fallback xmlns="">
       <p:transition spd="slow">
         <p:fade/>
       </p:transition>
@@ -20607,7 +21306,7 @@
 </p:sld>
 </file>
 
-<file path=ppt/slides/slide11.xml><?xml version="1.0" encoding="utf-8"?>
+<file path=ppt/slides/slide12.xml><?xml version="1.0" encoding="utf-8"?>
 <p:sld xmlns:a="http://schemas.openxmlformats.org/drawingml/2006/main" xmlns:r="http://schemas.openxmlformats.org/officeDocument/2006/relationships" xmlns:p="http://schemas.openxmlformats.org/presentationml/2006/main">
   <p:cSld>
     <p:spTree>
@@ -21432,13 +22131,13 @@
   <p:clrMapOvr>
     <a:masterClrMapping/>
   </p:clrMapOvr>
-  <mc:AlternateContent xmlns:mc="http://schemas.openxmlformats.org/markup-compatibility/2006">
-    <mc:Choice xmlns:p159="http://schemas.microsoft.com/office/powerpoint/2015/09/main" Requires="p159">
+  <mc:AlternateContent xmlns:mc="http://schemas.openxmlformats.org/markup-compatibility/2006" xmlns:p159="http://schemas.microsoft.com/office/powerpoint/2015/09/main">
+    <mc:Choice Requires="p159">
       <p:transition xmlns:p14="http://schemas.microsoft.com/office/powerpoint/2010/main" spd="slow" p14:dur="2000">
         <p159:morph option="byObject"/>
       </p:transition>
     </mc:Choice>
-    <mc:Fallback>
+    <mc:Fallback xmlns="">
       <p:transition spd="slow">
         <p:fade/>
       </p:transition>
@@ -21447,7 +22146,7 @@
 </p:sld>
 </file>
 
-<file path=ppt/slides/slide12.xml><?xml version="1.0" encoding="utf-8"?>
+<file path=ppt/slides/slide13.xml><?xml version="1.0" encoding="utf-8"?>
 <p:sld xmlns:a="http://schemas.openxmlformats.org/drawingml/2006/main" xmlns:r="http://schemas.openxmlformats.org/officeDocument/2006/relationships" xmlns:p="http://schemas.openxmlformats.org/presentationml/2006/main">
   <p:cSld>
     <p:spTree>
@@ -21482,8 +22181,8 @@
         </p:nvSpPr>
         <p:spPr>
           <a:xfrm>
-            <a:off x="676800" y="2844006"/>
-            <a:ext cx="6153150" cy="1169988"/>
+            <a:off x="875583" y="3429000"/>
+            <a:ext cx="4292765" cy="1360246"/>
           </a:xfrm>
         </p:spPr>
         <p:txBody>
@@ -21519,6 +22218,20 @@
               <a:t>Changeable languages</a:t>
             </a:r>
           </a:p>
+          <a:p>
+            <a:pPr marL="495300" indent="-342900">
+              <a:buFont typeface="Arial" panose="020B0604020202020204" pitchFamily="34" charset="0"/>
+              <a:buChar char="•"/>
+            </a:pPr>
+            <a:r>
+              <a:rPr lang="en-GB" sz="2000" dirty="0" err="1"/>
+              <a:t>Costumizable</a:t>
+            </a:r>
+            <a:r>
+              <a:rPr lang="en-GB" sz="2000" dirty="0"/>
+              <a:t> themes</a:t>
+            </a:r>
+          </a:p>
         </p:txBody>
       </p:sp>
       <p:sp>
@@ -21537,8 +22250,8 @@
         </p:nvSpPr>
         <p:spPr>
           <a:xfrm>
-            <a:off x="144521" y="1713775"/>
-            <a:ext cx="10272000" cy="763600"/>
+            <a:off x="343304" y="2298769"/>
+            <a:ext cx="4825044" cy="763600"/>
           </a:xfrm>
           <a:prstGeom prst="rect">
             <a:avLst/>
@@ -21818,13 +22531,13 @@
   <p:clrMapOvr>
     <a:masterClrMapping/>
   </p:clrMapOvr>
-  <mc:AlternateContent xmlns:mc="http://schemas.openxmlformats.org/markup-compatibility/2006">
-    <mc:Choice xmlns:p159="http://schemas.microsoft.com/office/powerpoint/2015/09/main" Requires="p159">
+  <mc:AlternateContent xmlns:mc="http://schemas.openxmlformats.org/markup-compatibility/2006" xmlns:p159="http://schemas.microsoft.com/office/powerpoint/2015/09/main">
+    <mc:Choice Requires="p159">
       <p:transition xmlns:p14="http://schemas.microsoft.com/office/powerpoint/2010/main" spd="slow" p14:dur="2000">
         <p159:morph option="byObject"/>
       </p:transition>
     </mc:Choice>
-    <mc:Fallback>
+    <mc:Fallback xmlns="">
       <p:transition spd="slow">
         <p:fade/>
       </p:transition>
@@ -21833,7 +22546,7 @@
 </p:sld>
 </file>
 
-<file path=ppt/slides/slide13.xml><?xml version="1.0" encoding="utf-8"?>
+<file path=ppt/slides/slide14.xml><?xml version="1.0" encoding="utf-8"?>
 <p:sld xmlns:a="http://schemas.openxmlformats.org/drawingml/2006/main" xmlns:r="http://schemas.openxmlformats.org/officeDocument/2006/relationships" xmlns:p="http://schemas.openxmlformats.org/presentationml/2006/main">
   <p:cSld>
     <p:spTree>
@@ -21950,13 +22663,13 @@
   <p:clrMapOvr>
     <a:masterClrMapping/>
   </p:clrMapOvr>
-  <mc:AlternateContent xmlns:mc="http://schemas.openxmlformats.org/markup-compatibility/2006">
-    <mc:Choice xmlns:p159="http://schemas.microsoft.com/office/powerpoint/2015/09/main" Requires="p159">
+  <mc:AlternateContent xmlns:mc="http://schemas.openxmlformats.org/markup-compatibility/2006" xmlns:p159="http://schemas.microsoft.com/office/powerpoint/2015/09/main">
+    <mc:Choice Requires="p159">
       <p:transition xmlns:p14="http://schemas.microsoft.com/office/powerpoint/2010/main" spd="slow" p14:dur="2000">
         <p159:morph option="byObject"/>
       </p:transition>
     </mc:Choice>
-    <mc:Fallback>
+    <mc:Fallback xmlns="">
       <p:transition spd="slow">
         <p:fade/>
       </p:transition>
@@ -22739,13 +23452,13 @@
   <p:clrMapOvr>
     <a:masterClrMapping/>
   </p:clrMapOvr>
-  <mc:AlternateContent xmlns:mc="http://schemas.openxmlformats.org/markup-compatibility/2006">
-    <mc:Choice xmlns:p159="http://schemas.microsoft.com/office/powerpoint/2015/09/main" Requires="p159">
+  <mc:AlternateContent xmlns:mc="http://schemas.openxmlformats.org/markup-compatibility/2006" xmlns:p159="http://schemas.microsoft.com/office/powerpoint/2015/09/main">
+    <mc:Choice Requires="p159">
       <p:transition xmlns:p14="http://schemas.microsoft.com/office/powerpoint/2010/main" spd="slow" p14:dur="2000">
         <p159:morph option="byObject"/>
       </p:transition>
     </mc:Choice>
-    <mc:Fallback>
+    <mc:Fallback xmlns="">
       <p:transition spd="slow">
         <p:fade/>
       </p:transition>
@@ -23890,13 +24603,13 @@
   <p:clrMapOvr>
     <a:masterClrMapping/>
   </p:clrMapOvr>
-  <mc:AlternateContent xmlns:mc="http://schemas.openxmlformats.org/markup-compatibility/2006">
-    <mc:Choice xmlns:p159="http://schemas.microsoft.com/office/powerpoint/2015/09/main" Requires="p159">
+  <mc:AlternateContent xmlns:mc="http://schemas.openxmlformats.org/markup-compatibility/2006" xmlns:p159="http://schemas.microsoft.com/office/powerpoint/2015/09/main">
+    <mc:Choice Requires="p159">
       <p:transition xmlns:p14="http://schemas.microsoft.com/office/powerpoint/2010/main" spd="slow" p14:dur="2000">
         <p159:morph option="byObject"/>
       </p:transition>
     </mc:Choice>
-    <mc:Fallback>
+    <mc:Fallback xmlns="">
       <p:transition spd="slow">
         <p:fade/>
       </p:transition>
@@ -23924,44 +24637,10 @@
       </p:grpSpPr>
       <p:sp>
         <p:nvSpPr>
-          <p:cNvPr id="11" name="Title 3">
+          <p:cNvPr id="4" name="Title 3">
             <a:extLst>
               <a:ext uri="{FF2B5EF4-FFF2-40B4-BE49-F238E27FC236}">
-                <a16:creationId xmlns:a16="http://schemas.microsoft.com/office/drawing/2014/main" id="{27C42821-F676-49A2-B40D-43668BCD7691}"/>
-              </a:ext>
-            </a:extLst>
-          </p:cNvPr>
-          <p:cNvSpPr>
-            <a:spLocks noGrp="1"/>
-          </p:cNvSpPr>
-          <p:nvPr>
-            <p:ph type="title"/>
-          </p:nvPr>
-        </p:nvSpPr>
-        <p:spPr/>
-        <p:txBody>
-          <a:bodyPr/>
-          <a:lstStyle/>
-          <a:p>
-            <a:pPr algn="l"/>
-            <a:r>
-              <a:rPr lang="en-GB" sz="4000" b="1" dirty="0">
-                <a:solidFill>
-                  <a:schemeClr val="dk1"/>
-                </a:solidFill>
-                <a:effectLst/>
-              </a:rPr>
-              <a:t>Functions of the Website - Frontend</a:t>
-            </a:r>
-          </a:p>
-        </p:txBody>
-      </p:sp>
-      <p:sp>
-        <p:nvSpPr>
-          <p:cNvPr id="12" name="Subtitle 2">
-            <a:extLst>
-              <a:ext uri="{FF2B5EF4-FFF2-40B4-BE49-F238E27FC236}">
-                <a16:creationId xmlns:a16="http://schemas.microsoft.com/office/drawing/2014/main" id="{06FED2A6-F386-474E-A700-BA2A0D243BBA}"/>
+                <a16:creationId xmlns:a16="http://schemas.microsoft.com/office/drawing/2014/main" id="{ACB83B76-EEC6-49EB-82AB-A62075662CBE}"/>
               </a:ext>
             </a:extLst>
           </p:cNvPr>
@@ -23972,8 +24651,8 @@
         </p:nvSpPr>
         <p:spPr>
           <a:xfrm>
-            <a:off x="1438642" y="1475519"/>
-            <a:ext cx="3939993" cy="2066249"/>
+            <a:off x="959984" y="592637"/>
+            <a:ext cx="10272000" cy="763600"/>
           </a:xfrm>
           <a:prstGeom prst="rect">
             <a:avLst/>
@@ -23999,193 +24678,692 @@
                 <a:spcPts val="0"/>
               </a:spcAft>
             </a:defPPr>
-            <a:lvl1pPr marL="9525" indent="-9525" eaLnBrk="1" hangingPunct="1">
-              <a:buClr>
-                <a:schemeClr val="dk1"/>
-              </a:buClr>
-              <a:buSzPts val="1200"/>
-              <a:buFont typeface="Hind"/>
-              <a:buNone/>
-              <a:defRPr sz="2100">
+            <a:lvl1pPr marR="0" lvl="0" algn="l" rtl="0" eaLnBrk="1" hangingPunct="1">
+              <a:lnSpc>
+                <a:spcPct val="100000"/>
+              </a:lnSpc>
+              <a:spcBef>
+                <a:spcPts val="0"/>
+              </a:spcBef>
+              <a:spcAft>
+                <a:spcPts val="0"/>
+              </a:spcAft>
+              <a:buClr>
+                <a:schemeClr val="dk1"/>
+              </a:buClr>
+              <a:buSzPts val="3000"/>
+              <a:buFont typeface="Oxanium"/>
+              <a:buNone/>
+              <a:defRPr sz="3000" b="1" i="0" u="none" strike="noStrike" cap="none">
                 <a:solidFill>
                   <a:schemeClr val="dk1"/>
                 </a:solidFill>
                 <a:latin typeface="Oxanium"/>
-                <a:ea typeface="Hind"/>
-                <a:cs typeface="Hind"/>
-                <a:sym typeface="Hind"/>
+                <a:ea typeface="Oxanium"/>
+                <a:cs typeface="Oxanium"/>
+                <a:sym typeface="Oxanium"/>
               </a:defRPr>
             </a:lvl1pPr>
-            <a:lvl2pPr marL="914400" indent="-304800" algn="ctr" eaLnBrk="1" hangingPunct="1">
-              <a:buClr>
-                <a:schemeClr val="dk1"/>
-              </a:buClr>
-              <a:buSzPts val="1800"/>
-              <a:buFont typeface="Hind"/>
-              <a:buNone/>
-              <a:defRPr sz="2400">
-                <a:solidFill>
-                  <a:schemeClr val="dk1"/>
-                </a:solidFill>
-                <a:latin typeface="Hind"/>
-                <a:ea typeface="Hind"/>
-                <a:cs typeface="Hind"/>
-                <a:sym typeface="Hind"/>
+            <a:lvl2pPr marR="0" lvl="1" algn="l" rtl="0" eaLnBrk="1" hangingPunct="1">
+              <a:lnSpc>
+                <a:spcPct val="100000"/>
+              </a:lnSpc>
+              <a:spcBef>
+                <a:spcPts val="0"/>
+              </a:spcBef>
+              <a:spcAft>
+                <a:spcPts val="0"/>
+              </a:spcAft>
+              <a:buClr>
+                <a:schemeClr val="dk1"/>
+              </a:buClr>
+              <a:buSzPts val="3000"/>
+              <a:buFont typeface="Oxanium"/>
+              <a:buNone/>
+              <a:defRPr sz="3000" b="1" i="0" u="none" strike="noStrike" cap="none">
+                <a:solidFill>
+                  <a:schemeClr val="dk1"/>
+                </a:solidFill>
+                <a:latin typeface="Oxanium"/>
+                <a:ea typeface="Oxanium"/>
+                <a:cs typeface="Oxanium"/>
+                <a:sym typeface="Oxanium"/>
               </a:defRPr>
             </a:lvl2pPr>
-            <a:lvl3pPr marL="1371600" indent="-304800" algn="ctr" eaLnBrk="1" hangingPunct="1">
-              <a:buClr>
-                <a:schemeClr val="dk1"/>
-              </a:buClr>
-              <a:buSzPts val="1800"/>
-              <a:buFont typeface="Hind"/>
-              <a:buNone/>
-              <a:defRPr sz="2400">
-                <a:solidFill>
-                  <a:schemeClr val="dk1"/>
-                </a:solidFill>
-                <a:latin typeface="Hind"/>
-                <a:ea typeface="Hind"/>
-                <a:cs typeface="Hind"/>
-                <a:sym typeface="Hind"/>
+            <a:lvl3pPr marR="0" lvl="2" algn="l" rtl="0" eaLnBrk="1" hangingPunct="1">
+              <a:lnSpc>
+                <a:spcPct val="100000"/>
+              </a:lnSpc>
+              <a:spcBef>
+                <a:spcPts val="0"/>
+              </a:spcBef>
+              <a:spcAft>
+                <a:spcPts val="0"/>
+              </a:spcAft>
+              <a:buClr>
+                <a:schemeClr val="dk1"/>
+              </a:buClr>
+              <a:buSzPts val="3000"/>
+              <a:buFont typeface="Oxanium"/>
+              <a:buNone/>
+              <a:defRPr sz="3000" b="1" i="0" u="none" strike="noStrike" cap="none">
+                <a:solidFill>
+                  <a:schemeClr val="dk1"/>
+                </a:solidFill>
+                <a:latin typeface="Oxanium"/>
+                <a:ea typeface="Oxanium"/>
+                <a:cs typeface="Oxanium"/>
+                <a:sym typeface="Oxanium"/>
               </a:defRPr>
             </a:lvl3pPr>
-            <a:lvl4pPr marL="1828800" indent="-304800" algn="ctr" eaLnBrk="1" hangingPunct="1">
-              <a:buClr>
-                <a:schemeClr val="dk1"/>
-              </a:buClr>
-              <a:buSzPts val="1800"/>
-              <a:buFont typeface="Hind"/>
-              <a:buNone/>
-              <a:defRPr sz="2400">
-                <a:solidFill>
-                  <a:schemeClr val="dk1"/>
-                </a:solidFill>
-                <a:latin typeface="Hind"/>
-                <a:ea typeface="Hind"/>
-                <a:cs typeface="Hind"/>
-                <a:sym typeface="Hind"/>
+            <a:lvl4pPr marR="0" lvl="3" algn="l" rtl="0" eaLnBrk="1" hangingPunct="1">
+              <a:lnSpc>
+                <a:spcPct val="100000"/>
+              </a:lnSpc>
+              <a:spcBef>
+                <a:spcPts val="0"/>
+              </a:spcBef>
+              <a:spcAft>
+                <a:spcPts val="0"/>
+              </a:spcAft>
+              <a:buClr>
+                <a:schemeClr val="dk1"/>
+              </a:buClr>
+              <a:buSzPts val="3000"/>
+              <a:buFont typeface="Oxanium"/>
+              <a:buNone/>
+              <a:defRPr sz="3000" b="1" i="0" u="none" strike="noStrike" cap="none">
+                <a:solidFill>
+                  <a:schemeClr val="dk1"/>
+                </a:solidFill>
+                <a:latin typeface="Oxanium"/>
+                <a:ea typeface="Oxanium"/>
+                <a:cs typeface="Oxanium"/>
+                <a:sym typeface="Oxanium"/>
               </a:defRPr>
             </a:lvl4pPr>
-            <a:lvl5pPr marL="2286000" indent="-304800" algn="ctr" eaLnBrk="1" hangingPunct="1">
-              <a:buClr>
-                <a:schemeClr val="dk1"/>
-              </a:buClr>
-              <a:buSzPts val="1800"/>
-              <a:buFont typeface="Hind"/>
-              <a:buNone/>
-              <a:defRPr sz="2400">
-                <a:solidFill>
-                  <a:schemeClr val="dk1"/>
-                </a:solidFill>
-                <a:latin typeface="Hind"/>
-                <a:ea typeface="Hind"/>
-                <a:cs typeface="Hind"/>
-                <a:sym typeface="Hind"/>
+            <a:lvl5pPr marR="0" lvl="4" algn="l" rtl="0" eaLnBrk="1" hangingPunct="1">
+              <a:lnSpc>
+                <a:spcPct val="100000"/>
+              </a:lnSpc>
+              <a:spcBef>
+                <a:spcPts val="0"/>
+              </a:spcBef>
+              <a:spcAft>
+                <a:spcPts val="0"/>
+              </a:spcAft>
+              <a:buClr>
+                <a:schemeClr val="dk1"/>
+              </a:buClr>
+              <a:buSzPts val="3000"/>
+              <a:buFont typeface="Oxanium"/>
+              <a:buNone/>
+              <a:defRPr sz="3000" b="1" i="0" u="none" strike="noStrike" cap="none">
+                <a:solidFill>
+                  <a:schemeClr val="dk1"/>
+                </a:solidFill>
+                <a:latin typeface="Oxanium"/>
+                <a:ea typeface="Oxanium"/>
+                <a:cs typeface="Oxanium"/>
+                <a:sym typeface="Oxanium"/>
               </a:defRPr>
             </a:lvl5pPr>
-            <a:lvl6pPr marL="2743200" indent="-304800" algn="ctr" eaLnBrk="1" hangingPunct="1">
-              <a:buClr>
-                <a:schemeClr val="dk1"/>
-              </a:buClr>
-              <a:buSzPts val="1800"/>
-              <a:buFont typeface="Hind"/>
-              <a:buNone/>
-              <a:defRPr sz="2400">
-                <a:solidFill>
-                  <a:schemeClr val="dk1"/>
-                </a:solidFill>
-                <a:latin typeface="Hind"/>
-                <a:ea typeface="Hind"/>
-                <a:cs typeface="Hind"/>
-                <a:sym typeface="Hind"/>
+            <a:lvl6pPr marR="0" lvl="5" algn="l" rtl="0" eaLnBrk="1" hangingPunct="1">
+              <a:lnSpc>
+                <a:spcPct val="100000"/>
+              </a:lnSpc>
+              <a:spcBef>
+                <a:spcPts val="0"/>
+              </a:spcBef>
+              <a:spcAft>
+                <a:spcPts val="0"/>
+              </a:spcAft>
+              <a:buClr>
+                <a:schemeClr val="dk1"/>
+              </a:buClr>
+              <a:buSzPts val="3000"/>
+              <a:buFont typeface="Oxanium"/>
+              <a:buNone/>
+              <a:defRPr sz="3000" b="1" i="0" u="none" strike="noStrike" cap="none">
+                <a:solidFill>
+                  <a:schemeClr val="dk1"/>
+                </a:solidFill>
+                <a:latin typeface="Oxanium"/>
+                <a:ea typeface="Oxanium"/>
+                <a:cs typeface="Oxanium"/>
+                <a:sym typeface="Oxanium"/>
               </a:defRPr>
             </a:lvl6pPr>
-            <a:lvl7pPr marL="3200400" indent="-304800" algn="ctr" eaLnBrk="1" hangingPunct="1">
-              <a:buClr>
-                <a:schemeClr val="dk1"/>
-              </a:buClr>
-              <a:buSzPts val="1800"/>
-              <a:buFont typeface="Hind"/>
-              <a:buNone/>
-              <a:defRPr sz="2400">
-                <a:solidFill>
-                  <a:schemeClr val="dk1"/>
-                </a:solidFill>
-                <a:latin typeface="Hind"/>
-                <a:ea typeface="Hind"/>
-                <a:cs typeface="Hind"/>
-                <a:sym typeface="Hind"/>
+            <a:lvl7pPr marR="0" lvl="6" algn="l" rtl="0" eaLnBrk="1" hangingPunct="1">
+              <a:lnSpc>
+                <a:spcPct val="100000"/>
+              </a:lnSpc>
+              <a:spcBef>
+                <a:spcPts val="0"/>
+              </a:spcBef>
+              <a:spcAft>
+                <a:spcPts val="0"/>
+              </a:spcAft>
+              <a:buClr>
+                <a:schemeClr val="dk1"/>
+              </a:buClr>
+              <a:buSzPts val="3000"/>
+              <a:buFont typeface="Oxanium"/>
+              <a:buNone/>
+              <a:defRPr sz="3000" b="1" i="0" u="none" strike="noStrike" cap="none">
+                <a:solidFill>
+                  <a:schemeClr val="dk1"/>
+                </a:solidFill>
+                <a:latin typeface="Oxanium"/>
+                <a:ea typeface="Oxanium"/>
+                <a:cs typeface="Oxanium"/>
+                <a:sym typeface="Oxanium"/>
               </a:defRPr>
             </a:lvl7pPr>
-            <a:lvl8pPr marL="3657600" indent="-304800" algn="ctr" eaLnBrk="1" hangingPunct="1">
-              <a:buClr>
-                <a:schemeClr val="dk1"/>
-              </a:buClr>
-              <a:buSzPts val="1800"/>
-              <a:buFont typeface="Hind"/>
-              <a:buNone/>
-              <a:defRPr sz="2400">
-                <a:solidFill>
-                  <a:schemeClr val="dk1"/>
-                </a:solidFill>
-                <a:latin typeface="Hind"/>
-                <a:ea typeface="Hind"/>
-                <a:cs typeface="Hind"/>
-                <a:sym typeface="Hind"/>
+            <a:lvl8pPr marR="0" lvl="7" algn="l" rtl="0" eaLnBrk="1" hangingPunct="1">
+              <a:lnSpc>
+                <a:spcPct val="100000"/>
+              </a:lnSpc>
+              <a:spcBef>
+                <a:spcPts val="0"/>
+              </a:spcBef>
+              <a:spcAft>
+                <a:spcPts val="0"/>
+              </a:spcAft>
+              <a:buClr>
+                <a:schemeClr val="dk1"/>
+              </a:buClr>
+              <a:buSzPts val="3000"/>
+              <a:buFont typeface="Oxanium"/>
+              <a:buNone/>
+              <a:defRPr sz="3000" b="1" i="0" u="none" strike="noStrike" cap="none">
+                <a:solidFill>
+                  <a:schemeClr val="dk1"/>
+                </a:solidFill>
+                <a:latin typeface="Oxanium"/>
+                <a:ea typeface="Oxanium"/>
+                <a:cs typeface="Oxanium"/>
+                <a:sym typeface="Oxanium"/>
               </a:defRPr>
             </a:lvl8pPr>
-            <a:lvl9pPr marL="4114800" indent="-304800" algn="ctr" eaLnBrk="1" hangingPunct="1">
-              <a:buClr>
-                <a:schemeClr val="dk1"/>
-              </a:buClr>
-              <a:buSzPts val="1800"/>
-              <a:buFont typeface="Hind"/>
-              <a:buNone/>
-              <a:defRPr sz="2400">
-                <a:solidFill>
-                  <a:schemeClr val="dk1"/>
-                </a:solidFill>
-                <a:latin typeface="Hind"/>
-                <a:ea typeface="Hind"/>
-                <a:cs typeface="Hind"/>
-                <a:sym typeface="Hind"/>
+            <a:lvl9pPr marR="0" lvl="8" algn="l" rtl="0" eaLnBrk="1" hangingPunct="1">
+              <a:lnSpc>
+                <a:spcPct val="100000"/>
+              </a:lnSpc>
+              <a:spcBef>
+                <a:spcPts val="0"/>
+              </a:spcBef>
+              <a:spcAft>
+                <a:spcPts val="0"/>
+              </a:spcAft>
+              <a:buClr>
+                <a:schemeClr val="dk1"/>
+              </a:buClr>
+              <a:buSzPts val="3000"/>
+              <a:buFont typeface="Oxanium"/>
+              <a:buNone/>
+              <a:defRPr sz="3000" b="1" i="0" u="none" strike="noStrike" cap="none">
+                <a:solidFill>
+                  <a:schemeClr val="dk1"/>
+                </a:solidFill>
+                <a:latin typeface="Oxanium"/>
+                <a:ea typeface="Oxanium"/>
+                <a:cs typeface="Oxanium"/>
+                <a:sym typeface="Oxanium"/>
               </a:defRPr>
             </a:lvl9pPr>
           </a:lstStyle>
           <a:p>
-            <a:pPr marL="342900" indent="-342900">
+            <a:r>
+              <a:rPr lang="en-GB" sz="4000" dirty="0">
+                <a:effectLst/>
+              </a:rPr>
+              <a:t>Base idea</a:t>
+            </a:r>
+          </a:p>
+        </p:txBody>
+      </p:sp>
+      <p:pic>
+        <p:nvPicPr>
+          <p:cNvPr id="2050" name="Picture 2" descr="Collection of React Logo PNG. | PlusPNG">
+            <a:hlinkClick r:id="rId2"/>
+            <a:extLst>
+              <a:ext uri="{FF2B5EF4-FFF2-40B4-BE49-F238E27FC236}">
+                <a16:creationId xmlns:a16="http://schemas.microsoft.com/office/drawing/2014/main" id="{32F4AC95-BFAB-4467-866A-3EA55D80D7A3}"/>
+              </a:ext>
+            </a:extLst>
+          </p:cNvPr>
+          <p:cNvPicPr>
+            <a:picLocks noChangeAspect="1" noChangeArrowheads="1"/>
+          </p:cNvPicPr>
+          <p:nvPr/>
+        </p:nvPicPr>
+        <p:blipFill>
+          <a:blip r:embed="rId3">
+            <a:extLst>
+              <a:ext uri="{28A0092B-C50C-407E-A947-70E740481C1C}">
+                <a14:useLocalDpi xmlns:a14="http://schemas.microsoft.com/office/drawing/2010/main" val="0"/>
+              </a:ext>
+            </a:extLst>
+          </a:blip>
+          <a:srcRect/>
+          <a:stretch>
+            <a:fillRect/>
+          </a:stretch>
+        </p:blipFill>
+        <p:spPr bwMode="auto">
+          <a:xfrm>
+            <a:off x="1392966" y="4215539"/>
+            <a:ext cx="2485068" cy="1398033"/>
+          </a:xfrm>
+          <a:prstGeom prst="rect">
+            <a:avLst/>
+          </a:prstGeom>
+          <a:ln>
+            <a:noFill/>
+          </a:ln>
+          <a:effectLst>
+            <a:outerShdw blurRad="190500" algn="tl" rotWithShape="0">
+              <a:srgbClr val="000000">
+                <a:alpha val="70000"/>
+              </a:srgbClr>
+            </a:outerShdw>
+          </a:effectLst>
+          <a:extLst>
+            <a:ext uri="{909E8E84-426E-40DD-AFC4-6F175D3DCCD1}">
+              <a14:hiddenFill xmlns:a14="http://schemas.microsoft.com/office/drawing/2010/main">
+                <a:solidFill>
+                  <a:srgbClr val="FFFFFF"/>
+                </a:solidFill>
+              </a14:hiddenFill>
+            </a:ext>
+          </a:extLst>
+        </p:spPr>
+      </p:pic>
+      <p:pic>
+        <p:nvPicPr>
+          <p:cNvPr id="2052" name="Picture 4" descr="Bitpave | Portal">
+            <a:hlinkClick r:id="rId4"/>
+            <a:extLst>
+              <a:ext uri="{FF2B5EF4-FFF2-40B4-BE49-F238E27FC236}">
+                <a16:creationId xmlns:a16="http://schemas.microsoft.com/office/drawing/2014/main" id="{9673F0D1-C7BE-4DE2-A27B-09879DBC0800}"/>
+              </a:ext>
+            </a:extLst>
+          </p:cNvPr>
+          <p:cNvPicPr>
+            <a:picLocks noChangeAspect="1" noChangeArrowheads="1"/>
+          </p:cNvPicPr>
+          <p:nvPr/>
+        </p:nvPicPr>
+        <p:blipFill>
+          <a:blip r:embed="rId5">
+            <a:extLst>
+              <a:ext uri="{28A0092B-C50C-407E-A947-70E740481C1C}">
+                <a14:useLocalDpi xmlns:a14="http://schemas.microsoft.com/office/drawing/2010/main" val="0"/>
+              </a:ext>
+            </a:extLst>
+          </a:blip>
+          <a:srcRect/>
+          <a:stretch>
+            <a:fillRect/>
+          </a:stretch>
+        </p:blipFill>
+        <p:spPr bwMode="auto">
+          <a:xfrm>
+            <a:off x="5108386" y="4397353"/>
+            <a:ext cx="1975196" cy="1034406"/>
+          </a:xfrm>
+          <a:prstGeom prst="rect">
+            <a:avLst/>
+          </a:prstGeom>
+          <a:ln>
+            <a:noFill/>
+          </a:ln>
+          <a:effectLst>
+            <a:outerShdw blurRad="190500" algn="tl" rotWithShape="0">
+              <a:srgbClr val="000000">
+                <a:alpha val="70000"/>
+              </a:srgbClr>
+            </a:outerShdw>
+          </a:effectLst>
+          <a:extLst>
+            <a:ext uri="{909E8E84-426E-40DD-AFC4-6F175D3DCCD1}">
+              <a14:hiddenFill xmlns:a14="http://schemas.microsoft.com/office/drawing/2010/main">
+                <a:solidFill>
+                  <a:srgbClr val="FFFFFF"/>
+                </a:solidFill>
+              </a14:hiddenFill>
+            </a:ext>
+          </a:extLst>
+        </p:spPr>
+      </p:pic>
+      <p:pic>
+        <p:nvPicPr>
+          <p:cNvPr id="2062" name="Picture 14" descr="C# Download png">
+            <a:hlinkClick r:id="rId6"/>
+            <a:extLst>
+              <a:ext uri="{FF2B5EF4-FFF2-40B4-BE49-F238E27FC236}">
+                <a16:creationId xmlns:a16="http://schemas.microsoft.com/office/drawing/2014/main" id="{07C42090-C1A5-459D-995E-2C03EB3929BA}"/>
+              </a:ext>
+            </a:extLst>
+          </p:cNvPr>
+          <p:cNvPicPr>
+            <a:picLocks noChangeAspect="1" noChangeArrowheads="1"/>
+          </p:cNvPicPr>
+          <p:nvPr/>
+        </p:nvPicPr>
+        <p:blipFill>
+          <a:blip r:embed="rId7">
+            <a:extLst>
+              <a:ext uri="{28A0092B-C50C-407E-A947-70E740481C1C}">
+                <a14:useLocalDpi xmlns:a14="http://schemas.microsoft.com/office/drawing/2010/main" val="0"/>
+              </a:ext>
+            </a:extLst>
+          </a:blip>
+          <a:srcRect/>
+          <a:stretch>
+            <a:fillRect/>
+          </a:stretch>
+        </p:blipFill>
+        <p:spPr bwMode="auto">
+          <a:xfrm>
+            <a:off x="9008624" y="4397353"/>
+            <a:ext cx="1095751" cy="1095751"/>
+          </a:xfrm>
+          <a:prstGeom prst="rect">
+            <a:avLst/>
+          </a:prstGeom>
+          <a:ln>
+            <a:noFill/>
+          </a:ln>
+          <a:effectLst>
+            <a:outerShdw blurRad="190500" algn="tl" rotWithShape="0">
+              <a:srgbClr val="000000">
+                <a:alpha val="70000"/>
+              </a:srgbClr>
+            </a:outerShdw>
+          </a:effectLst>
+          <a:extLst>
+            <a:ext uri="{909E8E84-426E-40DD-AFC4-6F175D3DCCD1}">
+              <a14:hiddenFill xmlns:a14="http://schemas.microsoft.com/office/drawing/2010/main">
+                <a:solidFill>
+                  <a:srgbClr val="FFFFFF"/>
+                </a:solidFill>
+              </a14:hiddenFill>
+            </a:ext>
+          </a:extLst>
+        </p:spPr>
+      </p:pic>
+      <p:sp>
+        <p:nvSpPr>
+          <p:cNvPr id="3" name="Subtitle 2">
+            <a:extLst>
+              <a:ext uri="{FF2B5EF4-FFF2-40B4-BE49-F238E27FC236}">
+                <a16:creationId xmlns:a16="http://schemas.microsoft.com/office/drawing/2014/main" id="{49F5E86A-3220-407C-A85F-9E0D9A6E612B}"/>
+              </a:ext>
+            </a:extLst>
+          </p:cNvPr>
+          <p:cNvSpPr>
+            <a:spLocks noGrp="1"/>
+          </p:cNvSpPr>
+          <p:nvPr>
+            <p:ph type="subTitle" idx="1"/>
+          </p:nvPr>
+        </p:nvSpPr>
+        <p:spPr>
+          <a:xfrm>
+            <a:off x="1181900" y="2398575"/>
+            <a:ext cx="2907200" cy="537600"/>
+          </a:xfrm>
+          <a:effectLst>
+            <a:glow rad="63500">
+              <a:schemeClr val="accent1">
+                <a:satMod val="175000"/>
+                <a:alpha val="40000"/>
+              </a:schemeClr>
+            </a:glow>
+            <a:outerShdw blurRad="63500" sx="102000" sy="102000" algn="ctr" rotWithShape="0">
+              <a:prstClr val="black">
+                <a:alpha val="40000"/>
+              </a:prstClr>
+            </a:outerShdw>
+          </a:effectLst>
+        </p:spPr>
+        <p:txBody>
+          <a:bodyPr/>
+          <a:lstStyle/>
+          <a:p>
+            <a:r>
+              <a:rPr lang="en-GB" dirty="0"/>
+              <a:t>Frontend</a:t>
+            </a:r>
+          </a:p>
+        </p:txBody>
+      </p:sp>
+      <p:sp>
+        <p:nvSpPr>
+          <p:cNvPr id="5" name="Subtitle 4">
+            <a:extLst>
+              <a:ext uri="{FF2B5EF4-FFF2-40B4-BE49-F238E27FC236}">
+                <a16:creationId xmlns:a16="http://schemas.microsoft.com/office/drawing/2014/main" id="{036D9D7C-7CF8-409A-92DE-73355EBAB6DC}"/>
+              </a:ext>
+            </a:extLst>
+          </p:cNvPr>
+          <p:cNvSpPr>
+            <a:spLocks noGrp="1"/>
+          </p:cNvSpPr>
+          <p:nvPr>
+            <p:ph type="subTitle" idx="2"/>
+          </p:nvPr>
+        </p:nvSpPr>
+        <p:spPr>
+          <a:xfrm>
+            <a:off x="1181900" y="3013573"/>
+            <a:ext cx="2907200" cy="1181200"/>
+          </a:xfrm>
+        </p:spPr>
+        <p:txBody>
+          <a:bodyPr/>
+          <a:lstStyle/>
+          <a:p>
+            <a:pPr>
               <a:buFont typeface="Arial" panose="020B0604020202020204" pitchFamily="34" charset="0"/>
               <a:buChar char="•"/>
             </a:pPr>
             <a:r>
-              <a:rPr lang="en-GB" sz="2400" dirty="0"/>
-              <a:t>Function1</a:t>
+              <a:rPr lang="en-GB" sz="1800" dirty="0"/>
+              <a:t>Website for members</a:t>
             </a:r>
           </a:p>
           <a:p>
-            <a:pPr marL="342900" indent="-342900">
+            <a:pPr>
               <a:buFont typeface="Arial" panose="020B0604020202020204" pitchFamily="34" charset="0"/>
               <a:buChar char="•"/>
             </a:pPr>
             <a:r>
-              <a:rPr lang="en-GB" sz="2400" dirty="0"/>
-              <a:t>Function2</a:t>
+              <a:rPr lang="en-GB" sz="1800" dirty="0"/>
+              <a:t>Register to reserve</a:t>
             </a:r>
           </a:p>
           <a:p>
-            <a:pPr marL="342900" indent="-342900">
+            <a:pPr>
               <a:buFont typeface="Arial" panose="020B0604020202020204" pitchFamily="34" charset="0"/>
               <a:buChar char="•"/>
             </a:pPr>
-            <a:endParaRPr lang="en-GB" sz="2400" dirty="0"/>
+            <a:r>
+              <a:rPr lang="en-GB" sz="1800" dirty="0"/>
+              <a:t>Verify email address</a:t>
+            </a:r>
+          </a:p>
+        </p:txBody>
+      </p:sp>
+      <p:sp>
+        <p:nvSpPr>
+          <p:cNvPr id="6" name="Subtitle 5">
+            <a:extLst>
+              <a:ext uri="{FF2B5EF4-FFF2-40B4-BE49-F238E27FC236}">
+                <a16:creationId xmlns:a16="http://schemas.microsoft.com/office/drawing/2014/main" id="{5D81324D-A70D-4CE9-97DE-CA137D964899}"/>
+              </a:ext>
+            </a:extLst>
+          </p:cNvPr>
+          <p:cNvSpPr>
+            <a:spLocks noGrp="1"/>
+          </p:cNvSpPr>
+          <p:nvPr>
+            <p:ph type="subTitle" idx="3"/>
+          </p:nvPr>
+        </p:nvSpPr>
+        <p:spPr>
+          <a:xfrm>
+            <a:off x="4548777" y="3013573"/>
+            <a:ext cx="3094414" cy="1181200"/>
+          </a:xfrm>
+        </p:spPr>
+        <p:txBody>
+          <a:bodyPr/>
+          <a:lstStyle/>
+          <a:p>
+            <a:pPr>
+              <a:buFont typeface="Arial" panose="020B0604020202020204" pitchFamily="34" charset="0"/>
+              <a:buChar char="•"/>
+            </a:pPr>
+            <a:r>
+              <a:rPr lang="en-GB" sz="1800" dirty="0"/>
+              <a:t>Connection between Frontend and Database</a:t>
+            </a:r>
+          </a:p>
+        </p:txBody>
+      </p:sp>
+      <p:sp>
+        <p:nvSpPr>
+          <p:cNvPr id="8" name="Subtitle 7">
+            <a:extLst>
+              <a:ext uri="{FF2B5EF4-FFF2-40B4-BE49-F238E27FC236}">
+                <a16:creationId xmlns:a16="http://schemas.microsoft.com/office/drawing/2014/main" id="{7537D88B-98F6-410C-AE89-FA328834DAD6}"/>
+              </a:ext>
+            </a:extLst>
+          </p:cNvPr>
+          <p:cNvSpPr>
+            <a:spLocks noGrp="1"/>
+          </p:cNvSpPr>
+          <p:nvPr>
+            <p:ph type="subTitle" idx="4"/>
+          </p:nvPr>
+        </p:nvSpPr>
+        <p:spPr>
+          <a:xfrm>
+            <a:off x="7881016" y="3013573"/>
+            <a:ext cx="3350968" cy="1181200"/>
+          </a:xfrm>
+        </p:spPr>
+        <p:txBody>
+          <a:bodyPr/>
+          <a:lstStyle/>
+          <a:p>
+            <a:pPr>
+              <a:buFont typeface="Arial" panose="020B0604020202020204" pitchFamily="34" charset="0"/>
+              <a:buChar char="•"/>
+            </a:pPr>
+            <a:r>
+              <a:rPr lang="en-GB" sz="1800" dirty="0"/>
+              <a:t>Software for admins and librarians</a:t>
+            </a:r>
+          </a:p>
+          <a:p>
+            <a:pPr>
+              <a:buFont typeface="Arial" panose="020B0604020202020204" pitchFamily="34" charset="0"/>
+              <a:buChar char="•"/>
+            </a:pPr>
+            <a:r>
+              <a:rPr lang="en-GB" sz="1800" dirty="0"/>
+              <a:t>Application for managing a physical library</a:t>
+            </a:r>
+          </a:p>
+        </p:txBody>
+      </p:sp>
+      <p:sp>
+        <p:nvSpPr>
+          <p:cNvPr id="9" name="Subtitle 8">
+            <a:extLst>
+              <a:ext uri="{FF2B5EF4-FFF2-40B4-BE49-F238E27FC236}">
+                <a16:creationId xmlns:a16="http://schemas.microsoft.com/office/drawing/2014/main" id="{FB5E1433-AA7C-4569-952E-5905D9E97FB3}"/>
+              </a:ext>
+            </a:extLst>
+          </p:cNvPr>
+          <p:cNvSpPr>
+            <a:spLocks noGrp="1"/>
+          </p:cNvSpPr>
+          <p:nvPr>
+            <p:ph type="subTitle" idx="5"/>
+          </p:nvPr>
+        </p:nvSpPr>
+        <p:spPr>
+          <a:xfrm>
+            <a:off x="4642384" y="2398575"/>
+            <a:ext cx="2907200" cy="537600"/>
+          </a:xfrm>
+        </p:spPr>
+        <p:txBody>
+          <a:bodyPr/>
+          <a:lstStyle/>
+          <a:p>
+            <a:r>
+              <a:rPr lang="en-GB" dirty="0"/>
+              <a:t>Backend</a:t>
+            </a:r>
+          </a:p>
+        </p:txBody>
+      </p:sp>
+      <p:sp>
+        <p:nvSpPr>
+          <p:cNvPr id="10" name="Subtitle 9">
+            <a:extLst>
+              <a:ext uri="{FF2B5EF4-FFF2-40B4-BE49-F238E27FC236}">
+                <a16:creationId xmlns:a16="http://schemas.microsoft.com/office/drawing/2014/main" id="{EC6FC0DA-E229-44CD-984C-7AC0D377C4BA}"/>
+              </a:ext>
+            </a:extLst>
+          </p:cNvPr>
+          <p:cNvSpPr>
+            <a:spLocks noGrp="1"/>
+          </p:cNvSpPr>
+          <p:nvPr>
+            <p:ph type="subTitle" idx="6"/>
+          </p:nvPr>
+        </p:nvSpPr>
+        <p:spPr>
+          <a:xfrm>
+            <a:off x="8102900" y="2398575"/>
+            <a:ext cx="2907200" cy="537600"/>
+          </a:xfrm>
+          <a:effectLst>
+            <a:glow rad="63500">
+              <a:schemeClr val="accent1">
+                <a:satMod val="175000"/>
+                <a:alpha val="40000"/>
+              </a:schemeClr>
+            </a:glow>
+            <a:outerShdw blurRad="63500" sx="102000" sy="102000" algn="ctr" rotWithShape="0">
+              <a:prstClr val="black">
+                <a:alpha val="40000"/>
+              </a:prstClr>
+            </a:outerShdw>
+          </a:effectLst>
+        </p:spPr>
+        <p:txBody>
+          <a:bodyPr/>
+          <a:lstStyle/>
+          <a:p>
+            <a:r>
+              <a:rPr lang="en-GB" dirty="0"/>
+              <a:t>Desktop Application</a:t>
+            </a:r>
           </a:p>
         </p:txBody>
       </p:sp>
     </p:spTree>
     <p:extLst>
       <p:ext uri="{BB962C8B-B14F-4D97-AF65-F5344CB8AC3E}">
-        <p14:creationId xmlns:p14="http://schemas.microsoft.com/office/powerpoint/2010/main" val="3206079369"/>
+        <p14:creationId xmlns:p14="http://schemas.microsoft.com/office/powerpoint/2010/main" val="1573297662"/>
       </p:ext>
     </p:extLst>
   </p:cSld>
@@ -24748,13 +25926,13 @@
   <p:clrMapOvr>
     <a:masterClrMapping/>
   </p:clrMapOvr>
-  <mc:AlternateContent xmlns:mc="http://schemas.openxmlformats.org/markup-compatibility/2006">
-    <mc:Choice xmlns:p159="http://schemas.microsoft.com/office/powerpoint/2015/09/main" Requires="p159">
+  <mc:AlternateContent xmlns:mc="http://schemas.openxmlformats.org/markup-compatibility/2006" xmlns:p159="http://schemas.microsoft.com/office/powerpoint/2015/09/main">
+    <mc:Choice Requires="p159">
       <p:transition xmlns:p14="http://schemas.microsoft.com/office/powerpoint/2010/main" spd="slow" p14:dur="2000">
         <p159:morph option="byObject"/>
       </p:transition>
     </mc:Choice>
-    <mc:Fallback>
+    <mc:Fallback xmlns="">
       <p:transition spd="slow">
         <p:fade/>
       </p:transition>
@@ -24764,6 +25942,308 @@
 </file>
 
 <file path=ppt/slides/slide6.xml><?xml version="1.0" encoding="utf-8"?>
+<p:sld xmlns:a="http://schemas.openxmlformats.org/drawingml/2006/main" xmlns:r="http://schemas.openxmlformats.org/officeDocument/2006/relationships" xmlns:p="http://schemas.openxmlformats.org/presentationml/2006/main">
+  <p:cSld>
+    <p:spTree>
+      <p:nvGrpSpPr>
+        <p:cNvPr id="1" name=""/>
+        <p:cNvGrpSpPr/>
+        <p:nvPr/>
+      </p:nvGrpSpPr>
+      <p:grpSpPr>
+        <a:xfrm>
+          <a:off x="0" y="0"/>
+          <a:ext cx="0" cy="0"/>
+          <a:chOff x="0" y="0"/>
+          <a:chExt cx="0" cy="0"/>
+        </a:xfrm>
+      </p:grpSpPr>
+      <p:sp>
+        <p:nvSpPr>
+          <p:cNvPr id="11" name="Title 3">
+            <a:extLst>
+              <a:ext uri="{FF2B5EF4-FFF2-40B4-BE49-F238E27FC236}">
+                <a16:creationId xmlns:a16="http://schemas.microsoft.com/office/drawing/2014/main" id="{27C42821-F676-49A2-B40D-43668BCD7691}"/>
+              </a:ext>
+            </a:extLst>
+          </p:cNvPr>
+          <p:cNvSpPr>
+            <a:spLocks noGrp="1"/>
+          </p:cNvSpPr>
+          <p:nvPr>
+            <p:ph type="title"/>
+          </p:nvPr>
+        </p:nvSpPr>
+        <p:spPr/>
+        <p:txBody>
+          <a:bodyPr/>
+          <a:lstStyle/>
+          <a:p>
+            <a:pPr algn="l"/>
+            <a:r>
+              <a:rPr lang="en-GB" sz="4000" b="1" dirty="0">
+                <a:solidFill>
+                  <a:schemeClr val="dk1"/>
+                </a:solidFill>
+                <a:effectLst/>
+              </a:rPr>
+              <a:t>Functions of the Website - Frontend</a:t>
+            </a:r>
+          </a:p>
+        </p:txBody>
+      </p:sp>
+      <p:sp>
+        <p:nvSpPr>
+          <p:cNvPr id="12" name="Subtitle 2">
+            <a:extLst>
+              <a:ext uri="{FF2B5EF4-FFF2-40B4-BE49-F238E27FC236}">
+                <a16:creationId xmlns:a16="http://schemas.microsoft.com/office/drawing/2014/main" id="{06FED2A6-F386-474E-A700-BA2A0D243BBA}"/>
+              </a:ext>
+            </a:extLst>
+          </p:cNvPr>
+          <p:cNvSpPr txBox="1">
+            <a:spLocks/>
+          </p:cNvSpPr>
+          <p:nvPr/>
+        </p:nvSpPr>
+        <p:spPr>
+          <a:xfrm>
+            <a:off x="1438642" y="1475519"/>
+            <a:ext cx="3939993" cy="2066249"/>
+          </a:xfrm>
+          <a:prstGeom prst="rect">
+            <a:avLst/>
+          </a:prstGeom>
+          <a:noFill/>
+          <a:ln>
+            <a:noFill/>
+          </a:ln>
+        </p:spPr>
+        <p:txBody>
+          <a:bodyPr spcFirstLastPara="1" wrap="square" lIns="91425" tIns="91425" rIns="91425" bIns="91425" anchor="t" anchorCtr="0">
+            <a:noAutofit/>
+          </a:bodyPr>
+          <a:lstStyle>
+            <a:defPPr marR="0" lvl="0" algn="l" rtl="0">
+              <a:lnSpc>
+                <a:spcPct val="100000"/>
+              </a:lnSpc>
+              <a:spcBef>
+                <a:spcPts val="0"/>
+              </a:spcBef>
+              <a:spcAft>
+                <a:spcPts val="0"/>
+              </a:spcAft>
+            </a:defPPr>
+            <a:lvl1pPr marL="9525" indent="-9525" eaLnBrk="1" hangingPunct="1">
+              <a:buClr>
+                <a:schemeClr val="dk1"/>
+              </a:buClr>
+              <a:buSzPts val="1200"/>
+              <a:buFont typeface="Hind"/>
+              <a:buNone/>
+              <a:defRPr sz="2100">
+                <a:solidFill>
+                  <a:schemeClr val="dk1"/>
+                </a:solidFill>
+                <a:latin typeface="Oxanium"/>
+                <a:ea typeface="Hind"/>
+                <a:cs typeface="Hind"/>
+                <a:sym typeface="Hind"/>
+              </a:defRPr>
+            </a:lvl1pPr>
+            <a:lvl2pPr marL="914400" indent="-304800" algn="ctr" eaLnBrk="1" hangingPunct="1">
+              <a:buClr>
+                <a:schemeClr val="dk1"/>
+              </a:buClr>
+              <a:buSzPts val="1800"/>
+              <a:buFont typeface="Hind"/>
+              <a:buNone/>
+              <a:defRPr sz="2400">
+                <a:solidFill>
+                  <a:schemeClr val="dk1"/>
+                </a:solidFill>
+                <a:latin typeface="Hind"/>
+                <a:ea typeface="Hind"/>
+                <a:cs typeface="Hind"/>
+                <a:sym typeface="Hind"/>
+              </a:defRPr>
+            </a:lvl2pPr>
+            <a:lvl3pPr marL="1371600" indent="-304800" algn="ctr" eaLnBrk="1" hangingPunct="1">
+              <a:buClr>
+                <a:schemeClr val="dk1"/>
+              </a:buClr>
+              <a:buSzPts val="1800"/>
+              <a:buFont typeface="Hind"/>
+              <a:buNone/>
+              <a:defRPr sz="2400">
+                <a:solidFill>
+                  <a:schemeClr val="dk1"/>
+                </a:solidFill>
+                <a:latin typeface="Hind"/>
+                <a:ea typeface="Hind"/>
+                <a:cs typeface="Hind"/>
+                <a:sym typeface="Hind"/>
+              </a:defRPr>
+            </a:lvl3pPr>
+            <a:lvl4pPr marL="1828800" indent="-304800" algn="ctr" eaLnBrk="1" hangingPunct="1">
+              <a:buClr>
+                <a:schemeClr val="dk1"/>
+              </a:buClr>
+              <a:buSzPts val="1800"/>
+              <a:buFont typeface="Hind"/>
+              <a:buNone/>
+              <a:defRPr sz="2400">
+                <a:solidFill>
+                  <a:schemeClr val="dk1"/>
+                </a:solidFill>
+                <a:latin typeface="Hind"/>
+                <a:ea typeface="Hind"/>
+                <a:cs typeface="Hind"/>
+                <a:sym typeface="Hind"/>
+              </a:defRPr>
+            </a:lvl4pPr>
+            <a:lvl5pPr marL="2286000" indent="-304800" algn="ctr" eaLnBrk="1" hangingPunct="1">
+              <a:buClr>
+                <a:schemeClr val="dk1"/>
+              </a:buClr>
+              <a:buSzPts val="1800"/>
+              <a:buFont typeface="Hind"/>
+              <a:buNone/>
+              <a:defRPr sz="2400">
+                <a:solidFill>
+                  <a:schemeClr val="dk1"/>
+                </a:solidFill>
+                <a:latin typeface="Hind"/>
+                <a:ea typeface="Hind"/>
+                <a:cs typeface="Hind"/>
+                <a:sym typeface="Hind"/>
+              </a:defRPr>
+            </a:lvl5pPr>
+            <a:lvl6pPr marL="2743200" indent="-304800" algn="ctr" eaLnBrk="1" hangingPunct="1">
+              <a:buClr>
+                <a:schemeClr val="dk1"/>
+              </a:buClr>
+              <a:buSzPts val="1800"/>
+              <a:buFont typeface="Hind"/>
+              <a:buNone/>
+              <a:defRPr sz="2400">
+                <a:solidFill>
+                  <a:schemeClr val="dk1"/>
+                </a:solidFill>
+                <a:latin typeface="Hind"/>
+                <a:ea typeface="Hind"/>
+                <a:cs typeface="Hind"/>
+                <a:sym typeface="Hind"/>
+              </a:defRPr>
+            </a:lvl6pPr>
+            <a:lvl7pPr marL="3200400" indent="-304800" algn="ctr" eaLnBrk="1" hangingPunct="1">
+              <a:buClr>
+                <a:schemeClr val="dk1"/>
+              </a:buClr>
+              <a:buSzPts val="1800"/>
+              <a:buFont typeface="Hind"/>
+              <a:buNone/>
+              <a:defRPr sz="2400">
+                <a:solidFill>
+                  <a:schemeClr val="dk1"/>
+                </a:solidFill>
+                <a:latin typeface="Hind"/>
+                <a:ea typeface="Hind"/>
+                <a:cs typeface="Hind"/>
+                <a:sym typeface="Hind"/>
+              </a:defRPr>
+            </a:lvl7pPr>
+            <a:lvl8pPr marL="3657600" indent="-304800" algn="ctr" eaLnBrk="1" hangingPunct="1">
+              <a:buClr>
+                <a:schemeClr val="dk1"/>
+              </a:buClr>
+              <a:buSzPts val="1800"/>
+              <a:buFont typeface="Hind"/>
+              <a:buNone/>
+              <a:defRPr sz="2400">
+                <a:solidFill>
+                  <a:schemeClr val="dk1"/>
+                </a:solidFill>
+                <a:latin typeface="Hind"/>
+                <a:ea typeface="Hind"/>
+                <a:cs typeface="Hind"/>
+                <a:sym typeface="Hind"/>
+              </a:defRPr>
+            </a:lvl8pPr>
+            <a:lvl9pPr marL="4114800" indent="-304800" algn="ctr" eaLnBrk="1" hangingPunct="1">
+              <a:buClr>
+                <a:schemeClr val="dk1"/>
+              </a:buClr>
+              <a:buSzPts val="1800"/>
+              <a:buFont typeface="Hind"/>
+              <a:buNone/>
+              <a:defRPr sz="2400">
+                <a:solidFill>
+                  <a:schemeClr val="dk1"/>
+                </a:solidFill>
+                <a:latin typeface="Hind"/>
+                <a:ea typeface="Hind"/>
+                <a:cs typeface="Hind"/>
+                <a:sym typeface="Hind"/>
+              </a:defRPr>
+            </a:lvl9pPr>
+          </a:lstStyle>
+          <a:p>
+            <a:pPr marL="342900" indent="-342900">
+              <a:buFont typeface="Arial" panose="020B0604020202020204" pitchFamily="34" charset="0"/>
+              <a:buChar char="•"/>
+            </a:pPr>
+            <a:r>
+              <a:rPr lang="en-GB" sz="2400" dirty="0"/>
+              <a:t>Function1</a:t>
+            </a:r>
+          </a:p>
+          <a:p>
+            <a:pPr marL="342900" indent="-342900">
+              <a:buFont typeface="Arial" panose="020B0604020202020204" pitchFamily="34" charset="0"/>
+              <a:buChar char="•"/>
+            </a:pPr>
+            <a:r>
+              <a:rPr lang="en-GB" sz="2400" dirty="0"/>
+              <a:t>Function2</a:t>
+            </a:r>
+          </a:p>
+          <a:p>
+            <a:pPr marL="342900" indent="-342900">
+              <a:buFont typeface="Arial" panose="020B0604020202020204" pitchFamily="34" charset="0"/>
+              <a:buChar char="•"/>
+            </a:pPr>
+            <a:endParaRPr lang="en-GB" sz="2400" dirty="0"/>
+          </a:p>
+        </p:txBody>
+      </p:sp>
+    </p:spTree>
+    <p:extLst>
+      <p:ext uri="{BB962C8B-B14F-4D97-AF65-F5344CB8AC3E}">
+        <p14:creationId xmlns:p14="http://schemas.microsoft.com/office/powerpoint/2010/main" val="3206079369"/>
+      </p:ext>
+    </p:extLst>
+  </p:cSld>
+  <p:clrMapOvr>
+    <a:masterClrMapping/>
+  </p:clrMapOvr>
+  <mc:AlternateContent xmlns:mc="http://schemas.openxmlformats.org/markup-compatibility/2006" xmlns:p159="http://schemas.microsoft.com/office/powerpoint/2015/09/main">
+    <mc:Choice Requires="p159">
+      <p:transition xmlns:p14="http://schemas.microsoft.com/office/powerpoint/2010/main" spd="slow" p14:dur="2000">
+        <p159:morph option="byObject"/>
+      </p:transition>
+    </mc:Choice>
+    <mc:Fallback xmlns="">
+      <p:transition spd="slow">
+        <p:fade/>
+      </p:transition>
+    </mc:Fallback>
+  </mc:AlternateContent>
+</p:sld>
+</file>
+
+<file path=ppt/slides/slide7.xml><?xml version="1.0" encoding="utf-8"?>
 <p:sld xmlns:a="http://schemas.openxmlformats.org/drawingml/2006/main" xmlns:r="http://schemas.openxmlformats.org/officeDocument/2006/relationships" xmlns:p="http://schemas.openxmlformats.org/presentationml/2006/main">
   <p:cSld>
     <p:spTree>
@@ -25304,13 +26784,13 @@
   <p:clrMapOvr>
     <a:masterClrMapping/>
   </p:clrMapOvr>
-  <mc:AlternateContent xmlns:mc="http://schemas.openxmlformats.org/markup-compatibility/2006">
-    <mc:Choice xmlns:p159="http://schemas.microsoft.com/office/powerpoint/2015/09/main" Requires="p159">
+  <mc:AlternateContent xmlns:mc="http://schemas.openxmlformats.org/markup-compatibility/2006" xmlns:p159="http://schemas.microsoft.com/office/powerpoint/2015/09/main">
+    <mc:Choice Requires="p159">
       <p:transition xmlns:p14="http://schemas.microsoft.com/office/powerpoint/2010/main" spd="slow" p14:dur="2000">
         <p159:morph option="byObject"/>
       </p:transition>
     </mc:Choice>
-    <mc:Fallback>
+    <mc:Fallback xmlns="">
       <p:transition spd="slow">
         <p:fade/>
       </p:transition>
@@ -25319,7 +26799,7 @@
 </p:sld>
 </file>
 
-<file path=ppt/slides/slide7.xml><?xml version="1.0" encoding="utf-8"?>
+<file path=ppt/slides/slide8.xml><?xml version="1.0" encoding="utf-8"?>
 <p:sld xmlns:a="http://schemas.openxmlformats.org/drawingml/2006/main" xmlns:r="http://schemas.openxmlformats.org/officeDocument/2006/relationships" xmlns:p="http://schemas.openxmlformats.org/presentationml/2006/main">
   <p:cSld>
     <p:spTree>
@@ -25352,7 +26832,7 @@
         </p:nvSpPr>
         <p:spPr>
           <a:xfrm>
-            <a:off x="2558454" y="383963"/>
+            <a:off x="2429247" y="383963"/>
             <a:ext cx="8044397" cy="763600"/>
           </a:xfrm>
           <a:prstGeom prst="rect">
@@ -25957,13 +27437,13 @@
   <p:clrMapOvr>
     <a:masterClrMapping/>
   </p:clrMapOvr>
-  <mc:AlternateContent xmlns:mc="http://schemas.openxmlformats.org/markup-compatibility/2006">
-    <mc:Choice xmlns:p159="http://schemas.microsoft.com/office/powerpoint/2015/09/main" Requires="p159">
+  <mc:AlternateContent xmlns:mc="http://schemas.openxmlformats.org/markup-compatibility/2006" xmlns:p159="http://schemas.microsoft.com/office/powerpoint/2015/09/main">
+    <mc:Choice Requires="p159">
       <p:transition xmlns:p14="http://schemas.microsoft.com/office/powerpoint/2010/main" spd="slow" p14:dur="2000">
         <p159:morph option="byObject"/>
       </p:transition>
     </mc:Choice>
-    <mc:Fallback>
+    <mc:Fallback xmlns="">
       <p:transition spd="slow">
         <p:fade/>
       </p:transition>
@@ -25972,7 +27452,7 @@
 </p:sld>
 </file>
 
-<file path=ppt/slides/slide8.xml><?xml version="1.0" encoding="utf-8"?>
+<file path=ppt/slides/slide9.xml><?xml version="1.0" encoding="utf-8"?>
 <p:sld xmlns:a="http://schemas.openxmlformats.org/drawingml/2006/main" xmlns:r="http://schemas.openxmlformats.org/officeDocument/2006/relationships" xmlns:p="http://schemas.openxmlformats.org/presentationml/2006/main">
   <p:cSld>
     <p:spTree>
@@ -25989,294 +27469,6 @@
           <a:chExt cx="0" cy="0"/>
         </a:xfrm>
       </p:grpSpPr>
-      <p:sp>
-        <p:nvSpPr>
-          <p:cNvPr id="4" name="Title 3">
-            <a:extLst>
-              <a:ext uri="{FF2B5EF4-FFF2-40B4-BE49-F238E27FC236}">
-                <a16:creationId xmlns:a16="http://schemas.microsoft.com/office/drawing/2014/main" id="{ACB83B76-EEC6-49EB-82AB-A62075662CBE}"/>
-              </a:ext>
-            </a:extLst>
-          </p:cNvPr>
-          <p:cNvSpPr txBox="1">
-            <a:spLocks/>
-          </p:cNvSpPr>
-          <p:nvPr/>
-        </p:nvSpPr>
-        <p:spPr>
-          <a:xfrm>
-            <a:off x="2558454" y="383963"/>
-            <a:ext cx="8044397" cy="763600"/>
-          </a:xfrm>
-          <a:prstGeom prst="rect">
-            <a:avLst/>
-          </a:prstGeom>
-          <a:noFill/>
-          <a:ln>
-            <a:noFill/>
-          </a:ln>
-        </p:spPr>
-        <p:txBody>
-          <a:bodyPr spcFirstLastPara="1" wrap="square" lIns="91425" tIns="91425" rIns="91425" bIns="91425" anchor="t" anchorCtr="0">
-            <a:noAutofit/>
-          </a:bodyPr>
-          <a:lstStyle>
-            <a:defPPr marR="0" lvl="0" algn="l" rtl="0">
-              <a:lnSpc>
-                <a:spcPct val="100000"/>
-              </a:lnSpc>
-              <a:spcBef>
-                <a:spcPts val="0"/>
-              </a:spcBef>
-              <a:spcAft>
-                <a:spcPts val="0"/>
-              </a:spcAft>
-            </a:defPPr>
-            <a:lvl1pPr marR="0" lvl="0" algn="l" rtl="0" eaLnBrk="1" hangingPunct="1">
-              <a:lnSpc>
-                <a:spcPct val="100000"/>
-              </a:lnSpc>
-              <a:spcBef>
-                <a:spcPts val="0"/>
-              </a:spcBef>
-              <a:spcAft>
-                <a:spcPts val="0"/>
-              </a:spcAft>
-              <a:buClr>
-                <a:schemeClr val="dk1"/>
-              </a:buClr>
-              <a:buSzPts val="3000"/>
-              <a:buFont typeface="Oxanium"/>
-              <a:buNone/>
-              <a:defRPr sz="3000" b="1" i="0" u="none" strike="noStrike" cap="none">
-                <a:solidFill>
-                  <a:schemeClr val="dk1"/>
-                </a:solidFill>
-                <a:latin typeface="Oxanium"/>
-                <a:ea typeface="Oxanium"/>
-                <a:cs typeface="Oxanium"/>
-                <a:sym typeface="Oxanium"/>
-              </a:defRPr>
-            </a:lvl1pPr>
-            <a:lvl2pPr marR="0" lvl="1" algn="l" rtl="0" eaLnBrk="1" hangingPunct="1">
-              <a:lnSpc>
-                <a:spcPct val="100000"/>
-              </a:lnSpc>
-              <a:spcBef>
-                <a:spcPts val="0"/>
-              </a:spcBef>
-              <a:spcAft>
-                <a:spcPts val="0"/>
-              </a:spcAft>
-              <a:buClr>
-                <a:schemeClr val="dk1"/>
-              </a:buClr>
-              <a:buSzPts val="3000"/>
-              <a:buFont typeface="Oxanium"/>
-              <a:buNone/>
-              <a:defRPr sz="3000" b="1" i="0" u="none" strike="noStrike" cap="none">
-                <a:solidFill>
-                  <a:schemeClr val="dk1"/>
-                </a:solidFill>
-                <a:latin typeface="Oxanium"/>
-                <a:ea typeface="Oxanium"/>
-                <a:cs typeface="Oxanium"/>
-                <a:sym typeface="Oxanium"/>
-              </a:defRPr>
-            </a:lvl2pPr>
-            <a:lvl3pPr marR="0" lvl="2" algn="l" rtl="0" eaLnBrk="1" hangingPunct="1">
-              <a:lnSpc>
-                <a:spcPct val="100000"/>
-              </a:lnSpc>
-              <a:spcBef>
-                <a:spcPts val="0"/>
-              </a:spcBef>
-              <a:spcAft>
-                <a:spcPts val="0"/>
-              </a:spcAft>
-              <a:buClr>
-                <a:schemeClr val="dk1"/>
-              </a:buClr>
-              <a:buSzPts val="3000"/>
-              <a:buFont typeface="Oxanium"/>
-              <a:buNone/>
-              <a:defRPr sz="3000" b="1" i="0" u="none" strike="noStrike" cap="none">
-                <a:solidFill>
-                  <a:schemeClr val="dk1"/>
-                </a:solidFill>
-                <a:latin typeface="Oxanium"/>
-                <a:ea typeface="Oxanium"/>
-                <a:cs typeface="Oxanium"/>
-                <a:sym typeface="Oxanium"/>
-              </a:defRPr>
-            </a:lvl3pPr>
-            <a:lvl4pPr marR="0" lvl="3" algn="l" rtl="0" eaLnBrk="1" hangingPunct="1">
-              <a:lnSpc>
-                <a:spcPct val="100000"/>
-              </a:lnSpc>
-              <a:spcBef>
-                <a:spcPts val="0"/>
-              </a:spcBef>
-              <a:spcAft>
-                <a:spcPts val="0"/>
-              </a:spcAft>
-              <a:buClr>
-                <a:schemeClr val="dk1"/>
-              </a:buClr>
-              <a:buSzPts val="3000"/>
-              <a:buFont typeface="Oxanium"/>
-              <a:buNone/>
-              <a:defRPr sz="3000" b="1" i="0" u="none" strike="noStrike" cap="none">
-                <a:solidFill>
-                  <a:schemeClr val="dk1"/>
-                </a:solidFill>
-                <a:latin typeface="Oxanium"/>
-                <a:ea typeface="Oxanium"/>
-                <a:cs typeface="Oxanium"/>
-                <a:sym typeface="Oxanium"/>
-              </a:defRPr>
-            </a:lvl4pPr>
-            <a:lvl5pPr marR="0" lvl="4" algn="l" rtl="0" eaLnBrk="1" hangingPunct="1">
-              <a:lnSpc>
-                <a:spcPct val="100000"/>
-              </a:lnSpc>
-              <a:spcBef>
-                <a:spcPts val="0"/>
-              </a:spcBef>
-              <a:spcAft>
-                <a:spcPts val="0"/>
-              </a:spcAft>
-              <a:buClr>
-                <a:schemeClr val="dk1"/>
-              </a:buClr>
-              <a:buSzPts val="3000"/>
-              <a:buFont typeface="Oxanium"/>
-              <a:buNone/>
-              <a:defRPr sz="3000" b="1" i="0" u="none" strike="noStrike" cap="none">
-                <a:solidFill>
-                  <a:schemeClr val="dk1"/>
-                </a:solidFill>
-                <a:latin typeface="Oxanium"/>
-                <a:ea typeface="Oxanium"/>
-                <a:cs typeface="Oxanium"/>
-                <a:sym typeface="Oxanium"/>
-              </a:defRPr>
-            </a:lvl5pPr>
-            <a:lvl6pPr marR="0" lvl="5" algn="l" rtl="0" eaLnBrk="1" hangingPunct="1">
-              <a:lnSpc>
-                <a:spcPct val="100000"/>
-              </a:lnSpc>
-              <a:spcBef>
-                <a:spcPts val="0"/>
-              </a:spcBef>
-              <a:spcAft>
-                <a:spcPts val="0"/>
-              </a:spcAft>
-              <a:buClr>
-                <a:schemeClr val="dk1"/>
-              </a:buClr>
-              <a:buSzPts val="3000"/>
-              <a:buFont typeface="Oxanium"/>
-              <a:buNone/>
-              <a:defRPr sz="3000" b="1" i="0" u="none" strike="noStrike" cap="none">
-                <a:solidFill>
-                  <a:schemeClr val="dk1"/>
-                </a:solidFill>
-                <a:latin typeface="Oxanium"/>
-                <a:ea typeface="Oxanium"/>
-                <a:cs typeface="Oxanium"/>
-                <a:sym typeface="Oxanium"/>
-              </a:defRPr>
-            </a:lvl6pPr>
-            <a:lvl7pPr marR="0" lvl="6" algn="l" rtl="0" eaLnBrk="1" hangingPunct="1">
-              <a:lnSpc>
-                <a:spcPct val="100000"/>
-              </a:lnSpc>
-              <a:spcBef>
-                <a:spcPts val="0"/>
-              </a:spcBef>
-              <a:spcAft>
-                <a:spcPts val="0"/>
-              </a:spcAft>
-              <a:buClr>
-                <a:schemeClr val="dk1"/>
-              </a:buClr>
-              <a:buSzPts val="3000"/>
-              <a:buFont typeface="Oxanium"/>
-              <a:buNone/>
-              <a:defRPr sz="3000" b="1" i="0" u="none" strike="noStrike" cap="none">
-                <a:solidFill>
-                  <a:schemeClr val="dk1"/>
-                </a:solidFill>
-                <a:latin typeface="Oxanium"/>
-                <a:ea typeface="Oxanium"/>
-                <a:cs typeface="Oxanium"/>
-                <a:sym typeface="Oxanium"/>
-              </a:defRPr>
-            </a:lvl7pPr>
-            <a:lvl8pPr marR="0" lvl="7" algn="l" rtl="0" eaLnBrk="1" hangingPunct="1">
-              <a:lnSpc>
-                <a:spcPct val="100000"/>
-              </a:lnSpc>
-              <a:spcBef>
-                <a:spcPts val="0"/>
-              </a:spcBef>
-              <a:spcAft>
-                <a:spcPts val="0"/>
-              </a:spcAft>
-              <a:buClr>
-                <a:schemeClr val="dk1"/>
-              </a:buClr>
-              <a:buSzPts val="3000"/>
-              <a:buFont typeface="Oxanium"/>
-              <a:buNone/>
-              <a:defRPr sz="3000" b="1" i="0" u="none" strike="noStrike" cap="none">
-                <a:solidFill>
-                  <a:schemeClr val="dk1"/>
-                </a:solidFill>
-                <a:latin typeface="Oxanium"/>
-                <a:ea typeface="Oxanium"/>
-                <a:cs typeface="Oxanium"/>
-                <a:sym typeface="Oxanium"/>
-              </a:defRPr>
-            </a:lvl8pPr>
-            <a:lvl9pPr marR="0" lvl="8" algn="l" rtl="0" eaLnBrk="1" hangingPunct="1">
-              <a:lnSpc>
-                <a:spcPct val="100000"/>
-              </a:lnSpc>
-              <a:spcBef>
-                <a:spcPts val="0"/>
-              </a:spcBef>
-              <a:spcAft>
-                <a:spcPts val="0"/>
-              </a:spcAft>
-              <a:buClr>
-                <a:schemeClr val="dk1"/>
-              </a:buClr>
-              <a:buSzPts val="3000"/>
-              <a:buFont typeface="Oxanium"/>
-              <a:buNone/>
-              <a:defRPr sz="3000" b="1" i="0" u="none" strike="noStrike" cap="none">
-                <a:solidFill>
-                  <a:schemeClr val="dk1"/>
-                </a:solidFill>
-                <a:latin typeface="Oxanium"/>
-                <a:ea typeface="Oxanium"/>
-                <a:cs typeface="Oxanium"/>
-                <a:sym typeface="Oxanium"/>
-              </a:defRPr>
-            </a:lvl9pPr>
-          </a:lstStyle>
-          <a:p>
-            <a:r>
-              <a:rPr lang="en-GB" sz="4000" dirty="0">
-                <a:effectLst/>
-              </a:rPr>
-              <a:t>Functions of the Desktop Application</a:t>
-            </a:r>
-          </a:p>
-        </p:txBody>
-      </p:sp>
       <p:sp>
         <p:nvSpPr>
           <p:cNvPr id="7" name="Subtitle 2">
@@ -26639,54 +27831,12 @@
           </a:effectLst>
         </p:spPr>
       </p:pic>
-    </p:spTree>
-    <p:extLst>
-      <p:ext uri="{BB962C8B-B14F-4D97-AF65-F5344CB8AC3E}">
-        <p14:creationId xmlns:p14="http://schemas.microsoft.com/office/powerpoint/2010/main" val="964809205"/>
-      </p:ext>
-    </p:extLst>
-  </p:cSld>
-  <p:clrMapOvr>
-    <a:masterClrMapping/>
-  </p:clrMapOvr>
-  <mc:AlternateContent xmlns:mc="http://schemas.openxmlformats.org/markup-compatibility/2006">
-    <mc:Choice xmlns:p159="http://schemas.microsoft.com/office/powerpoint/2015/09/main" Requires="p159">
-      <p:transition xmlns:p14="http://schemas.microsoft.com/office/powerpoint/2010/main" spd="slow" p14:dur="2000">
-        <p159:morph option="byObject"/>
-      </p:transition>
-    </mc:Choice>
-    <mc:Fallback>
-      <p:transition spd="slow">
-        <p:fade/>
-      </p:transition>
-    </mc:Fallback>
-  </mc:AlternateContent>
-</p:sld>
-</file>
-
-<file path=ppt/slides/slide9.xml><?xml version="1.0" encoding="utf-8"?>
-<p:sld xmlns:a="http://schemas.openxmlformats.org/drawingml/2006/main" xmlns:r="http://schemas.openxmlformats.org/officeDocument/2006/relationships" xmlns:p="http://schemas.openxmlformats.org/presentationml/2006/main">
-  <p:cSld>
-    <p:spTree>
-      <p:nvGrpSpPr>
-        <p:cNvPr id="1" name=""/>
-        <p:cNvGrpSpPr/>
-        <p:nvPr/>
-      </p:nvGrpSpPr>
-      <p:grpSpPr>
-        <a:xfrm>
-          <a:off x="0" y="0"/>
-          <a:ext cx="0" cy="0"/>
-          <a:chOff x="0" y="0"/>
-          <a:chExt cx="0" cy="0"/>
-        </a:xfrm>
-      </p:grpSpPr>
       <p:sp>
         <p:nvSpPr>
-          <p:cNvPr id="4" name="Title 3">
+          <p:cNvPr id="9" name="Title 3">
             <a:extLst>
               <a:ext uri="{FF2B5EF4-FFF2-40B4-BE49-F238E27FC236}">
-                <a16:creationId xmlns:a16="http://schemas.microsoft.com/office/drawing/2014/main" id="{ACB83B76-EEC6-49EB-82AB-A62075662CBE}"/>
+                <a16:creationId xmlns:a16="http://schemas.microsoft.com/office/drawing/2014/main" id="{FE8C92DB-C8DE-4166-A680-C0C80F50BF03}"/>
               </a:ext>
             </a:extLst>
           </p:cNvPr>
@@ -26697,7 +27847,7 @@
         </p:nvSpPr>
         <p:spPr>
           <a:xfrm>
-            <a:off x="2558454" y="383963"/>
+            <a:off x="2429247" y="383963"/>
             <a:ext cx="8044397" cy="763600"/>
           </a:xfrm>
           <a:prstGeom prst="rect">
@@ -26969,440 +28119,23 @@
           </a:p>
         </p:txBody>
       </p:sp>
-      <p:sp>
-        <p:nvSpPr>
-          <p:cNvPr id="7" name="Subtitle 2">
-            <a:extLst>
-              <a:ext uri="{FF2B5EF4-FFF2-40B4-BE49-F238E27FC236}">
-                <a16:creationId xmlns:a16="http://schemas.microsoft.com/office/drawing/2014/main" id="{AD740177-E2ED-47F4-A372-155FF5715CBC}"/>
-              </a:ext>
-            </a:extLst>
-          </p:cNvPr>
-          <p:cNvSpPr txBox="1">
-            <a:spLocks/>
-          </p:cNvSpPr>
-          <p:nvPr/>
-        </p:nvSpPr>
-        <p:spPr>
-          <a:xfrm>
-            <a:off x="8057240" y="2141535"/>
-            <a:ext cx="4134760" cy="3796304"/>
-          </a:xfrm>
-          <a:prstGeom prst="rect">
-            <a:avLst/>
-          </a:prstGeom>
-          <a:noFill/>
-          <a:ln>
-            <a:noFill/>
-          </a:ln>
-        </p:spPr>
-        <p:txBody>
-          <a:bodyPr spcFirstLastPara="1" wrap="square" lIns="91425" tIns="91425" rIns="91425" bIns="91425" anchor="t" anchorCtr="0">
-            <a:noAutofit/>
-          </a:bodyPr>
-          <a:lstStyle>
-            <a:defPPr marR="0" lvl="0" algn="l" rtl="0">
-              <a:lnSpc>
-                <a:spcPct val="100000"/>
-              </a:lnSpc>
-              <a:spcBef>
-                <a:spcPts val="0"/>
-              </a:spcBef>
-              <a:spcAft>
-                <a:spcPts val="0"/>
-              </a:spcAft>
-            </a:defPPr>
-            <a:lvl1pPr marL="9525" indent="-9525" eaLnBrk="1" hangingPunct="1">
-              <a:buClr>
-                <a:schemeClr val="dk1"/>
-              </a:buClr>
-              <a:buSzPts val="1200"/>
-              <a:buFont typeface="Hind"/>
-              <a:buNone/>
-              <a:defRPr sz="2100">
-                <a:solidFill>
-                  <a:schemeClr val="dk1"/>
-                </a:solidFill>
-                <a:latin typeface="Oxanium"/>
-                <a:ea typeface="Hind"/>
-                <a:cs typeface="Hind"/>
-                <a:sym typeface="Hind"/>
-              </a:defRPr>
-            </a:lvl1pPr>
-            <a:lvl2pPr marL="914400" indent="-304800" algn="ctr" eaLnBrk="1" hangingPunct="1">
-              <a:buClr>
-                <a:schemeClr val="dk1"/>
-              </a:buClr>
-              <a:buSzPts val="1800"/>
-              <a:buFont typeface="Hind"/>
-              <a:buNone/>
-              <a:defRPr sz="2400">
-                <a:solidFill>
-                  <a:schemeClr val="dk1"/>
-                </a:solidFill>
-                <a:latin typeface="Hind"/>
-                <a:ea typeface="Hind"/>
-                <a:cs typeface="Hind"/>
-                <a:sym typeface="Hind"/>
-              </a:defRPr>
-            </a:lvl2pPr>
-            <a:lvl3pPr marL="1371600" indent="-304800" algn="ctr" eaLnBrk="1" hangingPunct="1">
-              <a:buClr>
-                <a:schemeClr val="dk1"/>
-              </a:buClr>
-              <a:buSzPts val="1800"/>
-              <a:buFont typeface="Hind"/>
-              <a:buNone/>
-              <a:defRPr sz="2400">
-                <a:solidFill>
-                  <a:schemeClr val="dk1"/>
-                </a:solidFill>
-                <a:latin typeface="Hind"/>
-                <a:ea typeface="Hind"/>
-                <a:cs typeface="Hind"/>
-                <a:sym typeface="Hind"/>
-              </a:defRPr>
-            </a:lvl3pPr>
-            <a:lvl4pPr marL="1828800" indent="-304800" algn="ctr" eaLnBrk="1" hangingPunct="1">
-              <a:buClr>
-                <a:schemeClr val="dk1"/>
-              </a:buClr>
-              <a:buSzPts val="1800"/>
-              <a:buFont typeface="Hind"/>
-              <a:buNone/>
-              <a:defRPr sz="2400">
-                <a:solidFill>
-                  <a:schemeClr val="dk1"/>
-                </a:solidFill>
-                <a:latin typeface="Hind"/>
-                <a:ea typeface="Hind"/>
-                <a:cs typeface="Hind"/>
-                <a:sym typeface="Hind"/>
-              </a:defRPr>
-            </a:lvl4pPr>
-            <a:lvl5pPr marL="2286000" indent="-304800" algn="ctr" eaLnBrk="1" hangingPunct="1">
-              <a:buClr>
-                <a:schemeClr val="dk1"/>
-              </a:buClr>
-              <a:buSzPts val="1800"/>
-              <a:buFont typeface="Hind"/>
-              <a:buNone/>
-              <a:defRPr sz="2400">
-                <a:solidFill>
-                  <a:schemeClr val="dk1"/>
-                </a:solidFill>
-                <a:latin typeface="Hind"/>
-                <a:ea typeface="Hind"/>
-                <a:cs typeface="Hind"/>
-                <a:sym typeface="Hind"/>
-              </a:defRPr>
-            </a:lvl5pPr>
-            <a:lvl6pPr marL="2743200" indent="-304800" algn="ctr" eaLnBrk="1" hangingPunct="1">
-              <a:buClr>
-                <a:schemeClr val="dk1"/>
-              </a:buClr>
-              <a:buSzPts val="1800"/>
-              <a:buFont typeface="Hind"/>
-              <a:buNone/>
-              <a:defRPr sz="2400">
-                <a:solidFill>
-                  <a:schemeClr val="dk1"/>
-                </a:solidFill>
-                <a:latin typeface="Hind"/>
-                <a:ea typeface="Hind"/>
-                <a:cs typeface="Hind"/>
-                <a:sym typeface="Hind"/>
-              </a:defRPr>
-            </a:lvl6pPr>
-            <a:lvl7pPr marL="3200400" indent="-304800" algn="ctr" eaLnBrk="1" hangingPunct="1">
-              <a:buClr>
-                <a:schemeClr val="dk1"/>
-              </a:buClr>
-              <a:buSzPts val="1800"/>
-              <a:buFont typeface="Hind"/>
-              <a:buNone/>
-              <a:defRPr sz="2400">
-                <a:solidFill>
-                  <a:schemeClr val="dk1"/>
-                </a:solidFill>
-                <a:latin typeface="Hind"/>
-                <a:ea typeface="Hind"/>
-                <a:cs typeface="Hind"/>
-                <a:sym typeface="Hind"/>
-              </a:defRPr>
-            </a:lvl7pPr>
-            <a:lvl8pPr marL="3657600" indent="-304800" algn="ctr" eaLnBrk="1" hangingPunct="1">
-              <a:buClr>
-                <a:schemeClr val="dk1"/>
-              </a:buClr>
-              <a:buSzPts val="1800"/>
-              <a:buFont typeface="Hind"/>
-              <a:buNone/>
-              <a:defRPr sz="2400">
-                <a:solidFill>
-                  <a:schemeClr val="dk1"/>
-                </a:solidFill>
-                <a:latin typeface="Hind"/>
-                <a:ea typeface="Hind"/>
-                <a:cs typeface="Hind"/>
-                <a:sym typeface="Hind"/>
-              </a:defRPr>
-            </a:lvl8pPr>
-            <a:lvl9pPr marL="4114800" indent="-304800" algn="ctr" eaLnBrk="1" hangingPunct="1">
-              <a:buClr>
-                <a:schemeClr val="dk1"/>
-              </a:buClr>
-              <a:buSzPts val="1800"/>
-              <a:buFont typeface="Hind"/>
-              <a:buNone/>
-              <a:defRPr sz="2400">
-                <a:solidFill>
-                  <a:schemeClr val="dk1"/>
-                </a:solidFill>
-                <a:latin typeface="Hind"/>
-                <a:ea typeface="Hind"/>
-                <a:cs typeface="Hind"/>
-                <a:sym typeface="Hind"/>
-              </a:defRPr>
-            </a:lvl9pPr>
-          </a:lstStyle>
-          <a:p>
-            <a:pPr marL="342900" indent="-342900">
-              <a:buFont typeface="Arial" panose="020B0604020202020204" pitchFamily="34" charset="0"/>
-              <a:buChar char="•"/>
-            </a:pPr>
-            <a:r>
-              <a:rPr lang="en-GB" sz="2400" dirty="0">
-                <a:effectLst/>
-              </a:rPr>
-              <a:t>A Desktop Application for administrators and librarians</a:t>
-            </a:r>
-          </a:p>
-          <a:p>
-            <a:pPr marL="342900" indent="-342900">
-              <a:buFont typeface="Arial" panose="020B0604020202020204" pitchFamily="34" charset="0"/>
-              <a:buChar char="•"/>
-            </a:pPr>
-            <a:r>
-              <a:rPr lang="en-GB" sz="2400" dirty="0">
-                <a:effectLst/>
-              </a:rPr>
-              <a:t>Manage Books,</a:t>
-            </a:r>
-          </a:p>
-          <a:p>
-            <a:pPr marL="342900" indent="-342900">
-              <a:buFont typeface="Arial" panose="020B0604020202020204" pitchFamily="34" charset="0"/>
-              <a:buChar char="•"/>
-            </a:pPr>
-            <a:r>
-              <a:rPr lang="en-GB" sz="2400" dirty="0">
-                <a:effectLst/>
-              </a:rPr>
-              <a:t>Borrowings,</a:t>
-            </a:r>
-          </a:p>
-          <a:p>
-            <a:pPr marL="342900" indent="-342900">
-              <a:buFont typeface="Arial" panose="020B0604020202020204" pitchFamily="34" charset="0"/>
-              <a:buChar char="•"/>
-            </a:pPr>
-            <a:r>
-              <a:rPr lang="en-GB" sz="2400" dirty="0">
-                <a:effectLst/>
-              </a:rPr>
-              <a:t>Reservations,</a:t>
-            </a:r>
-          </a:p>
-          <a:p>
-            <a:pPr marL="342900" indent="-342900">
-              <a:buFont typeface="Arial" panose="020B0604020202020204" pitchFamily="34" charset="0"/>
-              <a:buChar char="•"/>
-            </a:pPr>
-            <a:r>
-              <a:rPr lang="en-GB" sz="2400" dirty="0">
-                <a:effectLst/>
-              </a:rPr>
-              <a:t>Categories,</a:t>
-            </a:r>
-          </a:p>
-          <a:p>
-            <a:pPr marL="342900" indent="-342900">
-              <a:buFont typeface="Arial" panose="020B0604020202020204" pitchFamily="34" charset="0"/>
-              <a:buChar char="•"/>
-            </a:pPr>
-            <a:r>
-              <a:rPr lang="en-GB" sz="2400" dirty="0">
-                <a:effectLst/>
-              </a:rPr>
-              <a:t>Authors,</a:t>
-            </a:r>
-          </a:p>
-          <a:p>
-            <a:pPr marL="342900" indent="-342900">
-              <a:buFont typeface="Arial" panose="020B0604020202020204" pitchFamily="34" charset="0"/>
-              <a:buChar char="•"/>
-            </a:pPr>
-            <a:r>
-              <a:rPr lang="en-GB" sz="2400" dirty="0">
-                <a:effectLst/>
-              </a:rPr>
-              <a:t>Publishers,</a:t>
-            </a:r>
-          </a:p>
-          <a:p>
-            <a:pPr marL="342900" indent="-342900">
-              <a:buFont typeface="Arial" panose="020B0604020202020204" pitchFamily="34" charset="0"/>
-              <a:buChar char="•"/>
-            </a:pPr>
-            <a:r>
-              <a:rPr lang="en-GB" sz="2400" dirty="0">
-                <a:effectLst/>
-              </a:rPr>
-              <a:t>Users</a:t>
-            </a:r>
-            <a:endParaRPr lang="en-GB" dirty="0">
-              <a:effectLst/>
-            </a:endParaRPr>
-          </a:p>
-        </p:txBody>
-      </p:sp>
-      <p:pic>
-        <p:nvPicPr>
-          <p:cNvPr id="14" name="Picture 13">
-            <a:extLst>
-              <a:ext uri="{FF2B5EF4-FFF2-40B4-BE49-F238E27FC236}">
-                <a16:creationId xmlns:a16="http://schemas.microsoft.com/office/drawing/2014/main" id="{FFDB86E5-1DF7-4562-BE6E-E8031A6EF139}"/>
-              </a:ext>
-            </a:extLst>
-          </p:cNvPr>
-          <p:cNvPicPr>
-            <a:picLocks noChangeAspect="1"/>
-          </p:cNvPicPr>
-          <p:nvPr/>
-        </p:nvPicPr>
-        <p:blipFill>
-          <a:blip r:embed="rId2"/>
-          <a:stretch>
-            <a:fillRect/>
-          </a:stretch>
-        </p:blipFill>
-        <p:spPr>
-          <a:xfrm>
-            <a:off x="1759508" y="7042130"/>
-            <a:ext cx="2676899" cy="2943636"/>
-          </a:xfrm>
-          <a:prstGeom prst="rect">
-            <a:avLst/>
-          </a:prstGeom>
-          <a:ln>
-            <a:noFill/>
-          </a:ln>
-          <a:effectLst>
-            <a:outerShdw blurRad="190500" algn="tl" rotWithShape="0">
-              <a:srgbClr val="000000">
-                <a:alpha val="70000"/>
-              </a:srgbClr>
-            </a:outerShdw>
-          </a:effectLst>
-        </p:spPr>
-      </p:pic>
-      <p:pic>
-        <p:nvPicPr>
-          <p:cNvPr id="15" name="Picture 14">
-            <a:extLst>
-              <a:ext uri="{FF2B5EF4-FFF2-40B4-BE49-F238E27FC236}">
-                <a16:creationId xmlns:a16="http://schemas.microsoft.com/office/drawing/2014/main" id="{43C0B858-038B-42D0-B0BE-A6BCD2927BD5}"/>
-              </a:ext>
-            </a:extLst>
-          </p:cNvPr>
-          <p:cNvPicPr>
-            <a:picLocks noChangeAspect="1"/>
-          </p:cNvPicPr>
-          <p:nvPr/>
-        </p:nvPicPr>
-        <p:blipFill>
-          <a:blip r:embed="rId3"/>
-          <a:stretch>
-            <a:fillRect/>
-          </a:stretch>
-        </p:blipFill>
-        <p:spPr>
-          <a:xfrm>
-            <a:off x="4757550" y="7061183"/>
-            <a:ext cx="2676899" cy="2905530"/>
-          </a:xfrm>
-          <a:prstGeom prst="rect">
-            <a:avLst/>
-          </a:prstGeom>
-          <a:ln>
-            <a:noFill/>
-          </a:ln>
-          <a:effectLst>
-            <a:outerShdw blurRad="190500" algn="tl" rotWithShape="0">
-              <a:srgbClr val="000000">
-                <a:alpha val="70000"/>
-              </a:srgbClr>
-            </a:outerShdw>
-          </a:effectLst>
-        </p:spPr>
-      </p:pic>
-      <p:pic>
-        <p:nvPicPr>
-          <p:cNvPr id="10" name="Picture 9">
-            <a:extLst>
-              <a:ext uri="{FF2B5EF4-FFF2-40B4-BE49-F238E27FC236}">
-                <a16:creationId xmlns:a16="http://schemas.microsoft.com/office/drawing/2014/main" id="{6D845FCA-B507-4523-A716-AE10E9A4DAFA}"/>
-              </a:ext>
-            </a:extLst>
-          </p:cNvPr>
-          <p:cNvPicPr>
-            <a:picLocks noChangeAspect="1"/>
-          </p:cNvPicPr>
-          <p:nvPr/>
-        </p:nvPicPr>
-        <p:blipFill rotWithShape="1">
-          <a:blip r:embed="rId4"/>
-          <a:srcRect t="5226"/>
-          <a:stretch/>
-        </p:blipFill>
-        <p:spPr>
-          <a:xfrm>
-            <a:off x="238316" y="1870096"/>
-            <a:ext cx="7651462" cy="4339182"/>
-          </a:xfrm>
-          <a:prstGeom prst="rect">
-            <a:avLst/>
-          </a:prstGeom>
-          <a:ln>
-            <a:noFill/>
-          </a:ln>
-          <a:effectLst>
-            <a:outerShdw blurRad="190500" algn="tl" rotWithShape="0">
-              <a:srgbClr val="000000">
-                <a:alpha val="70000"/>
-              </a:srgbClr>
-            </a:outerShdw>
-          </a:effectLst>
-        </p:spPr>
-      </p:pic>
     </p:spTree>
     <p:extLst>
       <p:ext uri="{BB962C8B-B14F-4D97-AF65-F5344CB8AC3E}">
-        <p14:creationId xmlns:p14="http://schemas.microsoft.com/office/powerpoint/2010/main" val="3849336608"/>
+        <p14:creationId xmlns:p14="http://schemas.microsoft.com/office/powerpoint/2010/main" val="964809205"/>
       </p:ext>
     </p:extLst>
   </p:cSld>
   <p:clrMapOvr>
     <a:masterClrMapping/>
   </p:clrMapOvr>
-  <mc:AlternateContent xmlns:mc="http://schemas.openxmlformats.org/markup-compatibility/2006">
-    <mc:Choice xmlns:p159="http://schemas.microsoft.com/office/powerpoint/2015/09/main" Requires="p159">
+  <mc:AlternateContent xmlns:mc="http://schemas.openxmlformats.org/markup-compatibility/2006" xmlns:p159="http://schemas.microsoft.com/office/powerpoint/2015/09/main">
+    <mc:Choice Requires="p159">
       <p:transition xmlns:p14="http://schemas.microsoft.com/office/powerpoint/2010/main" spd="slow" p14:dur="2000">
         <p159:morph option="byObject"/>
       </p:transition>
     </mc:Choice>
-    <mc:Fallback>
+    <mc:Fallback xmlns="">
       <p:transition spd="slow">
         <p:fade/>
       </p:transition>

--- a/Presentation/LMS Presentation.pptx
+++ b/Presentation/LMS Presentation.pptx
@@ -20,6 +20,7 @@
     <p:sldId id="265" r:id="rId14"/>
     <p:sldId id="257" r:id="rId15"/>
     <p:sldId id="270" r:id="rId16"/>
+    <p:sldId id="272" r:id="rId17"/>
   </p:sldIdLst>
   <p:sldSz cx="12192000" cy="6858000"/>
   <p:notesSz cx="6858000" cy="9144000"/>
@@ -20531,7 +20532,7 @@
               <a:rPr lang="en-GB" sz="4000" dirty="0">
                 <a:effectLst/>
               </a:rPr>
-              <a:t>Functions of the Desktop Application</a:t>
+              <a:t>Functions of LMS Desktop</a:t>
             </a:r>
           </a:p>
         </p:txBody>
@@ -21158,6 +21159,35 @@
                 <a:effectLst/>
               </a:rPr>
               <a:t>Regular Expressions</a:t>
+            </a:r>
+          </a:p>
+          <a:p>
+            <a:pPr marL="342900" indent="-342900">
+              <a:buFont typeface="Arial" panose="020B0604020202020204" pitchFamily="34" charset="0"/>
+              <a:buChar char="•"/>
+            </a:pPr>
+            <a:r>
+              <a:rPr lang="en-GB" dirty="0" err="1"/>
+              <a:t>OnceClick</a:t>
+            </a:r>
+            <a:endParaRPr lang="en-GB" dirty="0"/>
+          </a:p>
+          <a:p>
+            <a:pPr marL="342900" indent="-342900">
+              <a:buFont typeface="Arial" panose="020B0604020202020204" pitchFamily="34" charset="0"/>
+              <a:buChar char="•"/>
+            </a:pPr>
+            <a:r>
+              <a:rPr lang="en-GB" dirty="0" err="1">
+                <a:effectLst/>
+              </a:rPr>
+              <a:t>Inno</a:t>
+            </a:r>
+            <a:r>
+              <a:rPr lang="en-GB" dirty="0">
+                <a:effectLst/>
+              </a:rPr>
+              <a:t> Setup Compiler</a:t>
             </a:r>
           </a:p>
         </p:txBody>
@@ -21604,7 +21634,7 @@
           <a:p>
             <a:r>
               <a:rPr lang="en-GB" sz="4000" dirty="0"/>
-              <a:t>C# with MySQL</a:t>
+              <a:t>MySQL connection in C#</a:t>
             </a:r>
             <a:endParaRPr lang="en-GB" sz="4000" dirty="0">
               <a:effectLst/>
@@ -22224,12 +22254,8 @@
               <a:buChar char="•"/>
             </a:pPr>
             <a:r>
-              <a:rPr lang="en-GB" sz="2000" dirty="0" err="1"/>
-              <a:t>Costumizable</a:t>
-            </a:r>
-            <a:r>
               <a:rPr lang="en-GB" sz="2000" dirty="0"/>
-              <a:t> themes</a:t>
+              <a:t>Customizable themes</a:t>
             </a:r>
           </a:p>
         </p:txBody>
@@ -22657,6 +22683,404 @@
     <p:extLst>
       <p:ext uri="{BB962C8B-B14F-4D97-AF65-F5344CB8AC3E}">
         <p14:creationId xmlns:p14="http://schemas.microsoft.com/office/powerpoint/2010/main" val="2127357993"/>
+      </p:ext>
+    </p:extLst>
+  </p:cSld>
+  <p:clrMapOvr>
+    <a:masterClrMapping/>
+  </p:clrMapOvr>
+  <mc:AlternateContent xmlns:mc="http://schemas.openxmlformats.org/markup-compatibility/2006" xmlns:p159="http://schemas.microsoft.com/office/powerpoint/2015/09/main">
+    <mc:Choice Requires="p159">
+      <p:transition xmlns:p14="http://schemas.microsoft.com/office/powerpoint/2010/main" spd="slow" p14:dur="2000">
+        <p159:morph option="byObject"/>
+      </p:transition>
+    </mc:Choice>
+    <mc:Fallback xmlns="">
+      <p:transition spd="slow">
+        <p:fade/>
+      </p:transition>
+    </mc:Fallback>
+  </mc:AlternateContent>
+</p:sld>
+</file>
+
+<file path=ppt/slides/slide15.xml><?xml version="1.0" encoding="utf-8"?>
+<p:sld xmlns:a="http://schemas.openxmlformats.org/drawingml/2006/main" xmlns:r="http://schemas.openxmlformats.org/officeDocument/2006/relationships" xmlns:p="http://schemas.openxmlformats.org/presentationml/2006/main">
+  <p:cSld>
+    <p:spTree>
+      <p:nvGrpSpPr>
+        <p:cNvPr id="1" name=""/>
+        <p:cNvGrpSpPr/>
+        <p:nvPr/>
+      </p:nvGrpSpPr>
+      <p:grpSpPr>
+        <a:xfrm>
+          <a:off x="0" y="0"/>
+          <a:ext cx="0" cy="0"/>
+          <a:chOff x="0" y="0"/>
+          <a:chExt cx="0" cy="0"/>
+        </a:xfrm>
+      </p:grpSpPr>
+      <p:sp>
+        <p:nvSpPr>
+          <p:cNvPr id="2" name="Title 1">
+            <a:extLst>
+              <a:ext uri="{FF2B5EF4-FFF2-40B4-BE49-F238E27FC236}">
+                <a16:creationId xmlns:a16="http://schemas.microsoft.com/office/drawing/2014/main" id="{84BCFEA2-8BD3-4162-A14E-5A370755EF4A}"/>
+              </a:ext>
+            </a:extLst>
+          </p:cNvPr>
+          <p:cNvSpPr>
+            <a:spLocks noGrp="1"/>
+          </p:cNvSpPr>
+          <p:nvPr>
+            <p:ph type="ctrTitle"/>
+          </p:nvPr>
+        </p:nvSpPr>
+        <p:spPr>
+          <a:xfrm>
+            <a:off x="954654" y="3097096"/>
+            <a:ext cx="10282691" cy="1021624"/>
+          </a:xfrm>
+        </p:spPr>
+        <p:txBody>
+          <a:bodyPr/>
+          <a:lstStyle/>
+          <a:p>
+            <a:r>
+              <a:rPr lang="en-GB" dirty="0"/>
+              <a:t>Library Management System</a:t>
+            </a:r>
+          </a:p>
+        </p:txBody>
+      </p:sp>
+      <p:sp>
+        <p:nvSpPr>
+          <p:cNvPr id="3" name="Subtitle 2">
+            <a:extLst>
+              <a:ext uri="{FF2B5EF4-FFF2-40B4-BE49-F238E27FC236}">
+                <a16:creationId xmlns:a16="http://schemas.microsoft.com/office/drawing/2014/main" id="{D1A1118D-090B-4B78-A783-AB1F86640C98}"/>
+              </a:ext>
+            </a:extLst>
+          </p:cNvPr>
+          <p:cNvSpPr>
+            <a:spLocks noGrp="1"/>
+          </p:cNvSpPr>
+          <p:nvPr>
+            <p:ph type="subTitle" idx="1"/>
+          </p:nvPr>
+        </p:nvSpPr>
+        <p:spPr>
+          <a:xfrm>
+            <a:off x="0" y="6402983"/>
+            <a:ext cx="8010939" cy="455017"/>
+          </a:xfrm>
+        </p:spPr>
+        <p:txBody>
+          <a:bodyPr/>
+          <a:lstStyle/>
+          <a:p>
+            <a:pPr marL="9525" indent="-9525"/>
+            <a:r>
+              <a:rPr lang="en-GB" sz="2100" dirty="0">
+                <a:latin typeface="Oxanium"/>
+              </a:rPr>
+              <a:t>Made by:  Zoltán András Tóth, Máté Vágvölgyi, Soma István Zsömbörgi</a:t>
+            </a:r>
+          </a:p>
+        </p:txBody>
+      </p:sp>
+      <p:sp>
+        <p:nvSpPr>
+          <p:cNvPr id="4" name="Title 1">
+            <a:extLst>
+              <a:ext uri="{FF2B5EF4-FFF2-40B4-BE49-F238E27FC236}">
+                <a16:creationId xmlns:a16="http://schemas.microsoft.com/office/drawing/2014/main" id="{F70AED58-821E-40F9-96DD-6D5878250FD5}"/>
+              </a:ext>
+            </a:extLst>
+          </p:cNvPr>
+          <p:cNvSpPr txBox="1">
+            <a:spLocks/>
+          </p:cNvSpPr>
+          <p:nvPr/>
+        </p:nvSpPr>
+        <p:spPr>
+          <a:xfrm>
+            <a:off x="886654" y="2134206"/>
+            <a:ext cx="10282691" cy="1021624"/>
+          </a:xfrm>
+          <a:prstGeom prst="rect">
+            <a:avLst/>
+          </a:prstGeom>
+          <a:noFill/>
+          <a:ln>
+            <a:noFill/>
+          </a:ln>
+        </p:spPr>
+        <p:txBody>
+          <a:bodyPr spcFirstLastPara="1" wrap="square" lIns="91425" tIns="91425" rIns="91425" bIns="91425" anchor="b" anchorCtr="0">
+            <a:noAutofit/>
+          </a:bodyPr>
+          <a:lstStyle>
+            <a:defPPr marR="0" lvl="0" algn="l" rtl="0">
+              <a:lnSpc>
+                <a:spcPct val="100000"/>
+              </a:lnSpc>
+              <a:spcBef>
+                <a:spcPts val="0"/>
+              </a:spcBef>
+              <a:spcAft>
+                <a:spcPts val="0"/>
+              </a:spcAft>
+            </a:defPPr>
+            <a:lvl1pPr marR="0" lvl="0" algn="l" rtl="0" eaLnBrk="1" hangingPunct="1">
+              <a:lnSpc>
+                <a:spcPct val="100000"/>
+              </a:lnSpc>
+              <a:spcBef>
+                <a:spcPts val="0"/>
+              </a:spcBef>
+              <a:spcAft>
+                <a:spcPts val="0"/>
+              </a:spcAft>
+              <a:buClr>
+                <a:srgbClr val="191919"/>
+              </a:buClr>
+              <a:buSzPts val="5200"/>
+              <a:buFont typeface="Oxanium"/>
+              <a:buNone/>
+              <a:defRPr sz="6667" b="1" i="0" u="none" strike="noStrike" cap="none">
+                <a:solidFill>
+                  <a:schemeClr val="dk1"/>
+                </a:solidFill>
+                <a:latin typeface="Oxanium"/>
+                <a:ea typeface="Oxanium"/>
+                <a:cs typeface="Oxanium"/>
+                <a:sym typeface="Oxanium"/>
+              </a:defRPr>
+            </a:lvl1pPr>
+            <a:lvl2pPr marR="0" lvl="1" algn="ctr" rtl="0" eaLnBrk="1" hangingPunct="1">
+              <a:lnSpc>
+                <a:spcPct val="100000"/>
+              </a:lnSpc>
+              <a:spcBef>
+                <a:spcPts val="0"/>
+              </a:spcBef>
+              <a:spcAft>
+                <a:spcPts val="0"/>
+              </a:spcAft>
+              <a:buClr>
+                <a:srgbClr val="191919"/>
+              </a:buClr>
+              <a:buSzPts val="5200"/>
+              <a:buFont typeface="Oxanium"/>
+              <a:buNone/>
+              <a:defRPr sz="6933" b="1" i="0" u="none" strike="noStrike" cap="none">
+                <a:solidFill>
+                  <a:srgbClr val="191919"/>
+                </a:solidFill>
+                <a:latin typeface="Oxanium"/>
+                <a:ea typeface="Oxanium"/>
+                <a:cs typeface="Oxanium"/>
+                <a:sym typeface="Oxanium"/>
+              </a:defRPr>
+            </a:lvl2pPr>
+            <a:lvl3pPr marR="0" lvl="2" algn="ctr" rtl="0" eaLnBrk="1" hangingPunct="1">
+              <a:lnSpc>
+                <a:spcPct val="100000"/>
+              </a:lnSpc>
+              <a:spcBef>
+                <a:spcPts val="0"/>
+              </a:spcBef>
+              <a:spcAft>
+                <a:spcPts val="0"/>
+              </a:spcAft>
+              <a:buClr>
+                <a:srgbClr val="191919"/>
+              </a:buClr>
+              <a:buSzPts val="5200"/>
+              <a:buFont typeface="Oxanium"/>
+              <a:buNone/>
+              <a:defRPr sz="6933" b="1" i="0" u="none" strike="noStrike" cap="none">
+                <a:solidFill>
+                  <a:srgbClr val="191919"/>
+                </a:solidFill>
+                <a:latin typeface="Oxanium"/>
+                <a:ea typeface="Oxanium"/>
+                <a:cs typeface="Oxanium"/>
+                <a:sym typeface="Oxanium"/>
+              </a:defRPr>
+            </a:lvl3pPr>
+            <a:lvl4pPr marR="0" lvl="3" algn="ctr" rtl="0" eaLnBrk="1" hangingPunct="1">
+              <a:lnSpc>
+                <a:spcPct val="100000"/>
+              </a:lnSpc>
+              <a:spcBef>
+                <a:spcPts val="0"/>
+              </a:spcBef>
+              <a:spcAft>
+                <a:spcPts val="0"/>
+              </a:spcAft>
+              <a:buClr>
+                <a:srgbClr val="191919"/>
+              </a:buClr>
+              <a:buSzPts val="5200"/>
+              <a:buFont typeface="Oxanium"/>
+              <a:buNone/>
+              <a:defRPr sz="6933" b="1" i="0" u="none" strike="noStrike" cap="none">
+                <a:solidFill>
+                  <a:srgbClr val="191919"/>
+                </a:solidFill>
+                <a:latin typeface="Oxanium"/>
+                <a:ea typeface="Oxanium"/>
+                <a:cs typeface="Oxanium"/>
+                <a:sym typeface="Oxanium"/>
+              </a:defRPr>
+            </a:lvl4pPr>
+            <a:lvl5pPr marR="0" lvl="4" algn="ctr" rtl="0" eaLnBrk="1" hangingPunct="1">
+              <a:lnSpc>
+                <a:spcPct val="100000"/>
+              </a:lnSpc>
+              <a:spcBef>
+                <a:spcPts val="0"/>
+              </a:spcBef>
+              <a:spcAft>
+                <a:spcPts val="0"/>
+              </a:spcAft>
+              <a:buClr>
+                <a:srgbClr val="191919"/>
+              </a:buClr>
+              <a:buSzPts val="5200"/>
+              <a:buFont typeface="Oxanium"/>
+              <a:buNone/>
+              <a:defRPr sz="6933" b="1" i="0" u="none" strike="noStrike" cap="none">
+                <a:solidFill>
+                  <a:srgbClr val="191919"/>
+                </a:solidFill>
+                <a:latin typeface="Oxanium"/>
+                <a:ea typeface="Oxanium"/>
+                <a:cs typeface="Oxanium"/>
+                <a:sym typeface="Oxanium"/>
+              </a:defRPr>
+            </a:lvl5pPr>
+            <a:lvl6pPr marR="0" lvl="5" algn="ctr" rtl="0" eaLnBrk="1" hangingPunct="1">
+              <a:lnSpc>
+                <a:spcPct val="100000"/>
+              </a:lnSpc>
+              <a:spcBef>
+                <a:spcPts val="0"/>
+              </a:spcBef>
+              <a:spcAft>
+                <a:spcPts val="0"/>
+              </a:spcAft>
+              <a:buClr>
+                <a:srgbClr val="191919"/>
+              </a:buClr>
+              <a:buSzPts val="5200"/>
+              <a:buFont typeface="Oxanium"/>
+              <a:buNone/>
+              <a:defRPr sz="6933" b="1" i="0" u="none" strike="noStrike" cap="none">
+                <a:solidFill>
+                  <a:srgbClr val="191919"/>
+                </a:solidFill>
+                <a:latin typeface="Oxanium"/>
+                <a:ea typeface="Oxanium"/>
+                <a:cs typeface="Oxanium"/>
+                <a:sym typeface="Oxanium"/>
+              </a:defRPr>
+            </a:lvl6pPr>
+            <a:lvl7pPr marR="0" lvl="6" algn="ctr" rtl="0" eaLnBrk="1" hangingPunct="1">
+              <a:lnSpc>
+                <a:spcPct val="100000"/>
+              </a:lnSpc>
+              <a:spcBef>
+                <a:spcPts val="0"/>
+              </a:spcBef>
+              <a:spcAft>
+                <a:spcPts val="0"/>
+              </a:spcAft>
+              <a:buClr>
+                <a:srgbClr val="191919"/>
+              </a:buClr>
+              <a:buSzPts val="5200"/>
+              <a:buFont typeface="Oxanium"/>
+              <a:buNone/>
+              <a:defRPr sz="6933" b="1" i="0" u="none" strike="noStrike" cap="none">
+                <a:solidFill>
+                  <a:srgbClr val="191919"/>
+                </a:solidFill>
+                <a:latin typeface="Oxanium"/>
+                <a:ea typeface="Oxanium"/>
+                <a:cs typeface="Oxanium"/>
+                <a:sym typeface="Oxanium"/>
+              </a:defRPr>
+            </a:lvl7pPr>
+            <a:lvl8pPr marR="0" lvl="7" algn="ctr" rtl="0" eaLnBrk="1" hangingPunct="1">
+              <a:lnSpc>
+                <a:spcPct val="100000"/>
+              </a:lnSpc>
+              <a:spcBef>
+                <a:spcPts val="0"/>
+              </a:spcBef>
+              <a:spcAft>
+                <a:spcPts val="0"/>
+              </a:spcAft>
+              <a:buClr>
+                <a:srgbClr val="191919"/>
+              </a:buClr>
+              <a:buSzPts val="5200"/>
+              <a:buFont typeface="Oxanium"/>
+              <a:buNone/>
+              <a:defRPr sz="6933" b="1" i="0" u="none" strike="noStrike" cap="none">
+                <a:solidFill>
+                  <a:srgbClr val="191919"/>
+                </a:solidFill>
+                <a:latin typeface="Oxanium"/>
+                <a:ea typeface="Oxanium"/>
+                <a:cs typeface="Oxanium"/>
+                <a:sym typeface="Oxanium"/>
+              </a:defRPr>
+            </a:lvl8pPr>
+            <a:lvl9pPr marR="0" lvl="8" algn="ctr" rtl="0" eaLnBrk="1" hangingPunct="1">
+              <a:lnSpc>
+                <a:spcPct val="100000"/>
+              </a:lnSpc>
+              <a:spcBef>
+                <a:spcPts val="0"/>
+              </a:spcBef>
+              <a:spcAft>
+                <a:spcPts val="0"/>
+              </a:spcAft>
+              <a:buClr>
+                <a:srgbClr val="191919"/>
+              </a:buClr>
+              <a:buSzPts val="5200"/>
+              <a:buFont typeface="Oxanium"/>
+              <a:buNone/>
+              <a:defRPr sz="6933" b="1" i="0" u="none" strike="noStrike" cap="none">
+                <a:solidFill>
+                  <a:srgbClr val="191919"/>
+                </a:solidFill>
+                <a:latin typeface="Oxanium"/>
+                <a:ea typeface="Oxanium"/>
+                <a:cs typeface="Oxanium"/>
+                <a:sym typeface="Oxanium"/>
+              </a:defRPr>
+            </a:lvl9pPr>
+          </a:lstStyle>
+          <a:p>
+            <a:pPr algn="ctr"/>
+            <a:r>
+              <a:rPr lang="en-GB" dirty="0"/>
+              <a:t>LMS</a:t>
+            </a:r>
+          </a:p>
+        </p:txBody>
+      </p:sp>
+    </p:spTree>
+    <p:extLst>
+      <p:ext uri="{BB962C8B-B14F-4D97-AF65-F5344CB8AC3E}">
+        <p14:creationId xmlns:p14="http://schemas.microsoft.com/office/powerpoint/2010/main" val="2841535840"/>
       </p:ext>
     </p:extLst>
   </p:cSld>
@@ -25355,7 +25779,7 @@
           <a:p>
             <a:r>
               <a:rPr lang="en-GB" dirty="0"/>
-              <a:t>Desktop Application</a:t>
+              <a:t>LMS Desktop</a:t>
             </a:r>
           </a:p>
         </p:txBody>
@@ -25370,13 +25794,13 @@
   <p:clrMapOvr>
     <a:masterClrMapping/>
   </p:clrMapOvr>
-  <mc:AlternateContent xmlns:mc="http://schemas.openxmlformats.org/markup-compatibility/2006">
-    <mc:Choice xmlns:p159="http://schemas.microsoft.com/office/powerpoint/2015/09/main" Requires="p159">
+  <mc:AlternateContent xmlns:mc="http://schemas.openxmlformats.org/markup-compatibility/2006" xmlns:p159="http://schemas.microsoft.com/office/powerpoint/2015/09/main">
+    <mc:Choice Requires="p159">
       <p:transition xmlns:p14="http://schemas.microsoft.com/office/powerpoint/2010/main" spd="slow" p14:dur="2000">
         <p159:morph option="byObject"/>
       </p:transition>
     </mc:Choice>
-    <mc:Fallback>
+    <mc:Fallback xmlns="">
       <p:transition spd="slow">
         <p:fade/>
       </p:transition>
@@ -27099,7 +27523,7 @@
               <a:rPr lang="en-GB" sz="4000" dirty="0">
                 <a:effectLst/>
               </a:rPr>
-              <a:t>Functions of the Desktop Application</a:t>
+              <a:t>Functions of LMS Desktop</a:t>
             </a:r>
           </a:p>
         </p:txBody>
@@ -28114,7 +28538,7 @@
               <a:rPr lang="en-GB" sz="4000" dirty="0">
                 <a:effectLst/>
               </a:rPr>
-              <a:t>Functions of the Desktop Application</a:t>
+              <a:t>Functions of LMS Desktop</a:t>
             </a:r>
           </a:p>
         </p:txBody>

--- a/Presentation/LMS Presentation.pptx
+++ b/Presentation/LMS Presentation.pptx
@@ -20423,13 +20423,13 @@
   <p:clrMapOvr>
     <a:masterClrMapping/>
   </p:clrMapOvr>
-  <mc:AlternateContent xmlns:mc="http://schemas.openxmlformats.org/markup-compatibility/2006">
-    <mc:Choice xmlns:p159="http://schemas.microsoft.com/office/powerpoint/2015/09/main" Requires="p159">
+  <mc:AlternateContent xmlns:mc="http://schemas.openxmlformats.org/markup-compatibility/2006" xmlns:p159="http://schemas.microsoft.com/office/powerpoint/2015/09/main">
+    <mc:Choice Requires="p159">
       <p:transition xmlns:p14="http://schemas.microsoft.com/office/powerpoint/2010/main" spd="slow" p14:dur="2000">
         <p159:morph option="byObject"/>
       </p:transition>
     </mc:Choice>
-    <mc:Fallback>
+    <mc:Fallback xmlns="">
       <p:transition spd="slow">
         <p:fade/>
       </p:transition>
@@ -22153,13 +22153,13 @@
   <p:clrMapOvr>
     <a:masterClrMapping/>
   </p:clrMapOvr>
-  <mc:AlternateContent xmlns:mc="http://schemas.openxmlformats.org/markup-compatibility/2006">
-    <mc:Choice xmlns:p159="http://schemas.microsoft.com/office/powerpoint/2015/09/main" Requires="p159">
+  <mc:AlternateContent xmlns:mc="http://schemas.openxmlformats.org/markup-compatibility/2006" xmlns:p159="http://schemas.microsoft.com/office/powerpoint/2015/09/main">
+    <mc:Choice Requires="p159">
       <p:transition xmlns:p14="http://schemas.microsoft.com/office/powerpoint/2010/main" spd="slow" p14:dur="2000">
         <p159:morph option="byObject"/>
       </p:transition>
     </mc:Choice>
-    <mc:Fallback>
+    <mc:Fallback xmlns="">
       <p:transition spd="slow">
         <p:fade/>
       </p:transition>
@@ -23217,13 +23217,13 @@
   <p:clrMapOvr>
     <a:masterClrMapping/>
   </p:clrMapOvr>
-  <mc:AlternateContent xmlns:mc="http://schemas.openxmlformats.org/markup-compatibility/2006">
-    <mc:Choice xmlns:p159="http://schemas.microsoft.com/office/powerpoint/2015/09/main" Requires="p159">
+  <mc:AlternateContent xmlns:mc="http://schemas.openxmlformats.org/markup-compatibility/2006" xmlns:p159="http://schemas.microsoft.com/office/powerpoint/2015/09/main">
+    <mc:Choice Requires="p159">
       <p:transition xmlns:p14="http://schemas.microsoft.com/office/powerpoint/2010/main" spd="slow" p14:dur="2000">
         <p159:morph option="byObject"/>
       </p:transition>
     </mc:Choice>
-    <mc:Fallback>
+    <mc:Fallback xmlns="">
       <p:transition spd="slow">
         <p:fade/>
       </p:transition>
@@ -30582,13 +30582,13 @@
   <p:clrMapOvr>
     <a:masterClrMapping/>
   </p:clrMapOvr>
-  <mc:AlternateContent xmlns:mc="http://schemas.openxmlformats.org/markup-compatibility/2006">
-    <mc:Choice xmlns:p159="http://schemas.microsoft.com/office/powerpoint/2015/09/main" Requires="p159">
+  <mc:AlternateContent xmlns:mc="http://schemas.openxmlformats.org/markup-compatibility/2006" xmlns:p159="http://schemas.microsoft.com/office/powerpoint/2015/09/main">
+    <mc:Choice Requires="p159">
       <p:transition xmlns:p14="http://schemas.microsoft.com/office/powerpoint/2010/main" spd="slow" p14:dur="2000">
         <p159:morph option="byObject"/>
       </p:transition>
     </mc:Choice>
-    <mc:Fallback>
+    <mc:Fallback xmlns="">
       <p:transition spd="slow">
         <p:fade/>
       </p:transition>
@@ -31465,13 +31465,13 @@
   <p:clrMapOvr>
     <a:masterClrMapping/>
   </p:clrMapOvr>
-  <mc:AlternateContent xmlns:mc="http://schemas.openxmlformats.org/markup-compatibility/2006">
-    <mc:Choice xmlns:p159="http://schemas.microsoft.com/office/powerpoint/2015/09/main" Requires="p159">
+  <mc:AlternateContent xmlns:mc="http://schemas.openxmlformats.org/markup-compatibility/2006" xmlns:p159="http://schemas.microsoft.com/office/powerpoint/2015/09/main">
+    <mc:Choice Requires="p159">
       <p:transition xmlns:p14="http://schemas.microsoft.com/office/powerpoint/2010/main" spd="slow" p14:dur="2000">
         <p159:morph option="byObject"/>
       </p:transition>
     </mc:Choice>
-    <mc:Fallback>
+    <mc:Fallback xmlns="">
       <p:transition spd="slow">
         <p:fade/>
       </p:transition>
@@ -32590,7 +32590,7 @@
         </p:nvSpPr>
         <p:spPr>
           <a:xfrm>
-            <a:off x="960000" y="593367"/>
+            <a:off x="323896" y="169700"/>
             <a:ext cx="10272000" cy="763600"/>
           </a:xfrm>
           <a:prstGeom prst="rect">
@@ -32878,7 +32878,7 @@
         </p:nvSpPr>
         <p:spPr>
           <a:xfrm>
-            <a:off x="639442" y="1597001"/>
+            <a:off x="747711" y="1370665"/>
             <a:ext cx="1916557" cy="1737450"/>
           </a:xfrm>
           <a:prstGeom prst="rect">
@@ -33128,7 +33128,7 @@
         </p:blipFill>
         <p:spPr bwMode="auto">
           <a:xfrm>
-            <a:off x="0" y="3814519"/>
+            <a:off x="0" y="3617951"/>
             <a:ext cx="1813563" cy="1020129"/>
           </a:xfrm>
           <a:prstGeom prst="rect">
@@ -33185,7 +33185,7 @@
         </p:blipFill>
         <p:spPr bwMode="auto">
           <a:xfrm>
-            <a:off x="1965252" y="3574485"/>
+            <a:off x="1965252" y="3377917"/>
             <a:ext cx="1398033" cy="1398033"/>
           </a:xfrm>
           <a:prstGeom prst="rect">
@@ -33242,7 +33242,7 @@
         </p:blipFill>
         <p:spPr bwMode="auto">
           <a:xfrm>
-            <a:off x="780362" y="5311935"/>
+            <a:off x="780362" y="5115367"/>
             <a:ext cx="2066401" cy="569605"/>
           </a:xfrm>
           <a:prstGeom prst="rect">
@@ -33285,8 +33285,8 @@
         </p:nvSpPr>
         <p:spPr>
           <a:xfrm>
-            <a:off x="4784244" y="1592703"/>
-            <a:ext cx="5605356" cy="1737450"/>
+            <a:off x="4794183" y="1374476"/>
+            <a:ext cx="6297886" cy="1981782"/>
           </a:xfrm>
           <a:prstGeom prst="rect">
             <a:avLst/>
@@ -33501,6 +33501,16 @@
             <a:r>
               <a:rPr lang="en-GB" sz="2400" dirty="0"/>
               <a:t>Desktop Application: Máté Vágvölgyi</a:t>
+            </a:r>
+          </a:p>
+          <a:p>
+            <a:pPr marL="342900" indent="-342900">
+              <a:buFont typeface="Arial" panose="020B0604020202020204" pitchFamily="34" charset="0"/>
+              <a:buChar char="•"/>
+            </a:pPr>
+            <a:r>
+              <a:rPr lang="en-GB" sz="2400" dirty="0"/>
+              <a:t>Database: Soma Zsömbörgi, Máté Vágvölgyi</a:t>
             </a:r>
           </a:p>
         </p:txBody>
@@ -34281,12 +34291,64 @@
                               <p:par>
                                 <p:cTn id="50" presetID="10" presetClass="entr" presetSubtype="0" fill="hold" nodeType="afterEffect">
                                   <p:stCondLst>
+                                    <p:cond delay="0"/>
+                                  </p:stCondLst>
+                                  <p:childTnLst>
+                                    <p:set>
+                                      <p:cBhvr>
+                                        <p:cTn id="51" dur="1" fill="hold">
+                                          <p:stCondLst>
+                                            <p:cond delay="0"/>
+                                          </p:stCondLst>
+                                        </p:cTn>
+                                        <p:tgtEl>
+                                          <p:spTgt spid="11">
+                                            <p:txEl>
+                                              <p:pRg st="4" end="4"/>
+                                            </p:txEl>
+                                          </p:spTgt>
+                                        </p:tgtEl>
+                                        <p:attrNameLst>
+                                          <p:attrName>style.visibility</p:attrName>
+                                        </p:attrNameLst>
+                                      </p:cBhvr>
+                                      <p:to>
+                                        <p:strVal val="visible"/>
+                                      </p:to>
+                                    </p:set>
+                                    <p:animEffect transition="in" filter="fade">
+                                      <p:cBhvr>
+                                        <p:cTn id="52" dur="1000"/>
+                                        <p:tgtEl>
+                                          <p:spTgt spid="11">
+                                            <p:txEl>
+                                              <p:pRg st="4" end="4"/>
+                                            </p:txEl>
+                                          </p:spTgt>
+                                        </p:tgtEl>
+                                      </p:cBhvr>
+                                    </p:animEffect>
+                                  </p:childTnLst>
+                                </p:cTn>
+                              </p:par>
+                            </p:childTnLst>
+                          </p:cTn>
+                        </p:par>
+                        <p:par>
+                          <p:cTn id="53" fill="hold">
+                            <p:stCondLst>
+                              <p:cond delay="5000"/>
+                            </p:stCondLst>
+                            <p:childTnLst>
+                              <p:par>
+                                <p:cTn id="54" presetID="10" presetClass="entr" presetSubtype="0" fill="hold" nodeType="afterEffect">
+                                  <p:stCondLst>
                                     <p:cond delay="500"/>
                                   </p:stCondLst>
                                   <p:childTnLst>
                                     <p:set>
                                       <p:cBhvr>
-                                        <p:cTn id="51" dur="1" fill="hold">
+                                        <p:cTn id="55" dur="1" fill="hold">
                                           <p:stCondLst>
                                             <p:cond delay="0"/>
                                           </p:stCondLst>
@@ -34304,53 +34366,9 @@
                                     </p:set>
                                     <p:animEffect transition="in" filter="fade">
                                       <p:cBhvr>
-                                        <p:cTn id="52" dur="1000"/>
+                                        <p:cTn id="56" dur="1000"/>
                                         <p:tgtEl>
                                           <p:spTgt spid="2050"/>
-                                        </p:tgtEl>
-                                      </p:cBhvr>
-                                    </p:animEffect>
-                                  </p:childTnLst>
-                                </p:cTn>
-                              </p:par>
-                            </p:childTnLst>
-                          </p:cTn>
-                        </p:par>
-                        <p:par>
-                          <p:cTn id="53" fill="hold">
-                            <p:stCondLst>
-                              <p:cond delay="5500"/>
-                            </p:stCondLst>
-                            <p:childTnLst>
-                              <p:par>
-                                <p:cTn id="54" presetID="10" presetClass="entr" presetSubtype="0" fill="hold" nodeType="afterEffect">
-                                  <p:stCondLst>
-                                    <p:cond delay="0"/>
-                                  </p:stCondLst>
-                                  <p:childTnLst>
-                                    <p:set>
-                                      <p:cBhvr>
-                                        <p:cTn id="55" dur="1" fill="hold">
-                                          <p:stCondLst>
-                                            <p:cond delay="0"/>
-                                          </p:stCondLst>
-                                        </p:cTn>
-                                        <p:tgtEl>
-                                          <p:spTgt spid="2062"/>
-                                        </p:tgtEl>
-                                        <p:attrNameLst>
-                                          <p:attrName>style.visibility</p:attrName>
-                                        </p:attrNameLst>
-                                      </p:cBhvr>
-                                      <p:to>
-                                        <p:strVal val="visible"/>
-                                      </p:to>
-                                    </p:set>
-                                    <p:animEffect transition="in" filter="fade">
-                                      <p:cBhvr>
-                                        <p:cTn id="56" dur="1000"/>
-                                        <p:tgtEl>
-                                          <p:spTgt spid="2062"/>
                                         </p:tgtEl>
                                       </p:cBhvr>
                                     </p:animEffect>
@@ -34380,6 +34398,50 @@
                                           </p:stCondLst>
                                         </p:cTn>
                                         <p:tgtEl>
+                                          <p:spTgt spid="2062"/>
+                                        </p:tgtEl>
+                                        <p:attrNameLst>
+                                          <p:attrName>style.visibility</p:attrName>
+                                        </p:attrNameLst>
+                                      </p:cBhvr>
+                                      <p:to>
+                                        <p:strVal val="visible"/>
+                                      </p:to>
+                                    </p:set>
+                                    <p:animEffect transition="in" filter="fade">
+                                      <p:cBhvr>
+                                        <p:cTn id="60" dur="1000"/>
+                                        <p:tgtEl>
+                                          <p:spTgt spid="2062"/>
+                                        </p:tgtEl>
+                                      </p:cBhvr>
+                                    </p:animEffect>
+                                  </p:childTnLst>
+                                </p:cTn>
+                              </p:par>
+                            </p:childTnLst>
+                          </p:cTn>
+                        </p:par>
+                        <p:par>
+                          <p:cTn id="61" fill="hold">
+                            <p:stCondLst>
+                              <p:cond delay="7500"/>
+                            </p:stCondLst>
+                            <p:childTnLst>
+                              <p:par>
+                                <p:cTn id="62" presetID="10" presetClass="entr" presetSubtype="0" fill="hold" nodeType="afterEffect">
+                                  <p:stCondLst>
+                                    <p:cond delay="0"/>
+                                  </p:stCondLst>
+                                  <p:childTnLst>
+                                    <p:set>
+                                      <p:cBhvr>
+                                        <p:cTn id="63" dur="1" fill="hold">
+                                          <p:stCondLst>
+                                            <p:cond delay="0"/>
+                                          </p:stCondLst>
+                                        </p:cTn>
+                                        <p:tgtEl>
                                           <p:spTgt spid="2052"/>
                                         </p:tgtEl>
                                         <p:attrNameLst>
@@ -34392,7 +34454,7 @@
                                     </p:set>
                                     <p:animEffect transition="in" filter="fade">
                                       <p:cBhvr>
-                                        <p:cTn id="60" dur="1000"/>
+                                        <p:cTn id="64" dur="1000"/>
                                         <p:tgtEl>
                                           <p:spTgt spid="2052"/>
                                         </p:tgtEl>
@@ -34747,13 +34809,13 @@
   <p:clrMapOvr>
     <a:masterClrMapping/>
   </p:clrMapOvr>
-  <mc:AlternateContent xmlns:mc="http://schemas.openxmlformats.org/markup-compatibility/2006">
-    <mc:Choice xmlns:p159="http://schemas.microsoft.com/office/powerpoint/2015/09/main" Requires="p159">
+  <mc:AlternateContent xmlns:mc="http://schemas.openxmlformats.org/markup-compatibility/2006" xmlns:p159="http://schemas.microsoft.com/office/powerpoint/2015/09/main">
+    <mc:Choice Requires="p159">
       <p:transition xmlns:p14="http://schemas.microsoft.com/office/powerpoint/2010/main" spd="slow" p14:dur="2000">
         <p159:morph option="byObject"/>
       </p:transition>
     </mc:Choice>
-    <mc:Fallback>
+    <mc:Fallback xmlns="">
       <p:transition spd="slow">
         <p:fade/>
       </p:transition>
@@ -35364,13 +35426,13 @@
   <p:clrMapOvr>
     <a:masterClrMapping/>
   </p:clrMapOvr>
-  <mc:AlternateContent xmlns:mc="http://schemas.openxmlformats.org/markup-compatibility/2006">
-    <mc:Choice xmlns:p159="http://schemas.microsoft.com/office/powerpoint/2015/09/main" Requires="p159">
+  <mc:AlternateContent xmlns:mc="http://schemas.openxmlformats.org/markup-compatibility/2006" xmlns:p159="http://schemas.microsoft.com/office/powerpoint/2015/09/main">
+    <mc:Choice Requires="p159">
       <p:transition xmlns:p14="http://schemas.microsoft.com/office/powerpoint/2010/main" spd="slow" p14:dur="2000">
         <p159:morph option="byObject"/>
       </p:transition>
     </mc:Choice>
-    <mc:Fallback>
+    <mc:Fallback xmlns="">
       <p:transition spd="slow">
         <p:fade/>
       </p:transition>
@@ -36131,13 +36193,13 @@
   <p:clrMapOvr>
     <a:masterClrMapping/>
   </p:clrMapOvr>
-  <mc:AlternateContent xmlns:mc="http://schemas.openxmlformats.org/markup-compatibility/2006">
-    <mc:Choice xmlns:p159="http://schemas.microsoft.com/office/powerpoint/2015/09/main" Requires="p159">
+  <mc:AlternateContent xmlns:mc="http://schemas.openxmlformats.org/markup-compatibility/2006" xmlns:p159="http://schemas.microsoft.com/office/powerpoint/2015/09/main">
+    <mc:Choice Requires="p159">
       <p:transition xmlns:p14="http://schemas.microsoft.com/office/powerpoint/2010/main" spd="slow" p14:dur="2000">
         <p159:morph option="byObject"/>
       </p:transition>
     </mc:Choice>
-    <mc:Fallback>
+    <mc:Fallback xmlns="">
       <p:transition spd="slow">
         <p:fade/>
       </p:transition>

--- a/Presentation/LMS Presentation.pptx
+++ b/Presentation/LMS Presentation.pptx
@@ -26,9 +26,10 @@
     <p:sldId id="262" r:id="rId20"/>
     <p:sldId id="264" r:id="rId21"/>
     <p:sldId id="265" r:id="rId22"/>
-    <p:sldId id="257" r:id="rId23"/>
-    <p:sldId id="270" r:id="rId24"/>
-    <p:sldId id="272" r:id="rId25"/>
+    <p:sldId id="288" r:id="rId23"/>
+    <p:sldId id="257" r:id="rId24"/>
+    <p:sldId id="270" r:id="rId25"/>
+    <p:sldId id="272" r:id="rId26"/>
   </p:sldIdLst>
   <p:sldSz cx="12192000" cy="6858000"/>
   <p:notesSz cx="6858000" cy="9144000"/>
@@ -28901,6 +28902,847 @@
       </p:grpSpPr>
       <p:sp>
         <p:nvSpPr>
+          <p:cNvPr id="4" name="Title 3">
+            <a:extLst>
+              <a:ext uri="{FF2B5EF4-FFF2-40B4-BE49-F238E27FC236}">
+                <a16:creationId xmlns:a16="http://schemas.microsoft.com/office/drawing/2014/main" id="{ACB83B76-EEC6-49EB-82AB-A62075662CBE}"/>
+              </a:ext>
+            </a:extLst>
+          </p:cNvPr>
+          <p:cNvSpPr txBox="1">
+            <a:spLocks/>
+          </p:cNvSpPr>
+          <p:nvPr/>
+        </p:nvSpPr>
+        <p:spPr>
+          <a:xfrm>
+            <a:off x="257001" y="347963"/>
+            <a:ext cx="8044397" cy="763600"/>
+          </a:xfrm>
+          <a:prstGeom prst="rect">
+            <a:avLst/>
+          </a:prstGeom>
+          <a:noFill/>
+          <a:ln>
+            <a:noFill/>
+          </a:ln>
+        </p:spPr>
+        <p:txBody>
+          <a:bodyPr spcFirstLastPara="1" wrap="square" lIns="91425" tIns="91425" rIns="91425" bIns="91425" anchor="t" anchorCtr="0">
+            <a:noAutofit/>
+          </a:bodyPr>
+          <a:lstStyle>
+            <a:defPPr marR="0" lvl="0" algn="l" rtl="0">
+              <a:lnSpc>
+                <a:spcPct val="100000"/>
+              </a:lnSpc>
+              <a:spcBef>
+                <a:spcPts val="0"/>
+              </a:spcBef>
+              <a:spcAft>
+                <a:spcPts val="0"/>
+              </a:spcAft>
+            </a:defPPr>
+            <a:lvl1pPr marR="0" lvl="0" algn="l" rtl="0" eaLnBrk="1" hangingPunct="1">
+              <a:lnSpc>
+                <a:spcPct val="100000"/>
+              </a:lnSpc>
+              <a:spcBef>
+                <a:spcPts val="0"/>
+              </a:spcBef>
+              <a:spcAft>
+                <a:spcPts val="0"/>
+              </a:spcAft>
+              <a:buClr>
+                <a:schemeClr val="dk1"/>
+              </a:buClr>
+              <a:buSzPts val="3000"/>
+              <a:buFont typeface="Oxanium"/>
+              <a:buNone/>
+              <a:defRPr sz="3000" b="1" i="0" u="none" strike="noStrike" cap="none">
+                <a:solidFill>
+                  <a:schemeClr val="dk1"/>
+                </a:solidFill>
+                <a:latin typeface="Oxanium"/>
+                <a:ea typeface="Oxanium"/>
+                <a:cs typeface="Oxanium"/>
+                <a:sym typeface="Oxanium"/>
+              </a:defRPr>
+            </a:lvl1pPr>
+            <a:lvl2pPr marR="0" lvl="1" algn="l" rtl="0" eaLnBrk="1" hangingPunct="1">
+              <a:lnSpc>
+                <a:spcPct val="100000"/>
+              </a:lnSpc>
+              <a:spcBef>
+                <a:spcPts val="0"/>
+              </a:spcBef>
+              <a:spcAft>
+                <a:spcPts val="0"/>
+              </a:spcAft>
+              <a:buClr>
+                <a:schemeClr val="dk1"/>
+              </a:buClr>
+              <a:buSzPts val="3000"/>
+              <a:buFont typeface="Oxanium"/>
+              <a:buNone/>
+              <a:defRPr sz="3000" b="1" i="0" u="none" strike="noStrike" cap="none">
+                <a:solidFill>
+                  <a:schemeClr val="dk1"/>
+                </a:solidFill>
+                <a:latin typeface="Oxanium"/>
+                <a:ea typeface="Oxanium"/>
+                <a:cs typeface="Oxanium"/>
+                <a:sym typeface="Oxanium"/>
+              </a:defRPr>
+            </a:lvl2pPr>
+            <a:lvl3pPr marR="0" lvl="2" algn="l" rtl="0" eaLnBrk="1" hangingPunct="1">
+              <a:lnSpc>
+                <a:spcPct val="100000"/>
+              </a:lnSpc>
+              <a:spcBef>
+                <a:spcPts val="0"/>
+              </a:spcBef>
+              <a:spcAft>
+                <a:spcPts val="0"/>
+              </a:spcAft>
+              <a:buClr>
+                <a:schemeClr val="dk1"/>
+              </a:buClr>
+              <a:buSzPts val="3000"/>
+              <a:buFont typeface="Oxanium"/>
+              <a:buNone/>
+              <a:defRPr sz="3000" b="1" i="0" u="none" strike="noStrike" cap="none">
+                <a:solidFill>
+                  <a:schemeClr val="dk1"/>
+                </a:solidFill>
+                <a:latin typeface="Oxanium"/>
+                <a:ea typeface="Oxanium"/>
+                <a:cs typeface="Oxanium"/>
+                <a:sym typeface="Oxanium"/>
+              </a:defRPr>
+            </a:lvl3pPr>
+            <a:lvl4pPr marR="0" lvl="3" algn="l" rtl="0" eaLnBrk="1" hangingPunct="1">
+              <a:lnSpc>
+                <a:spcPct val="100000"/>
+              </a:lnSpc>
+              <a:spcBef>
+                <a:spcPts val="0"/>
+              </a:spcBef>
+              <a:spcAft>
+                <a:spcPts val="0"/>
+              </a:spcAft>
+              <a:buClr>
+                <a:schemeClr val="dk1"/>
+              </a:buClr>
+              <a:buSzPts val="3000"/>
+              <a:buFont typeface="Oxanium"/>
+              <a:buNone/>
+              <a:defRPr sz="3000" b="1" i="0" u="none" strike="noStrike" cap="none">
+                <a:solidFill>
+                  <a:schemeClr val="dk1"/>
+                </a:solidFill>
+                <a:latin typeface="Oxanium"/>
+                <a:ea typeface="Oxanium"/>
+                <a:cs typeface="Oxanium"/>
+                <a:sym typeface="Oxanium"/>
+              </a:defRPr>
+            </a:lvl4pPr>
+            <a:lvl5pPr marR="0" lvl="4" algn="l" rtl="0" eaLnBrk="1" hangingPunct="1">
+              <a:lnSpc>
+                <a:spcPct val="100000"/>
+              </a:lnSpc>
+              <a:spcBef>
+                <a:spcPts val="0"/>
+              </a:spcBef>
+              <a:spcAft>
+                <a:spcPts val="0"/>
+              </a:spcAft>
+              <a:buClr>
+                <a:schemeClr val="dk1"/>
+              </a:buClr>
+              <a:buSzPts val="3000"/>
+              <a:buFont typeface="Oxanium"/>
+              <a:buNone/>
+              <a:defRPr sz="3000" b="1" i="0" u="none" strike="noStrike" cap="none">
+                <a:solidFill>
+                  <a:schemeClr val="dk1"/>
+                </a:solidFill>
+                <a:latin typeface="Oxanium"/>
+                <a:ea typeface="Oxanium"/>
+                <a:cs typeface="Oxanium"/>
+                <a:sym typeface="Oxanium"/>
+              </a:defRPr>
+            </a:lvl5pPr>
+            <a:lvl6pPr marR="0" lvl="5" algn="l" rtl="0" eaLnBrk="1" hangingPunct="1">
+              <a:lnSpc>
+                <a:spcPct val="100000"/>
+              </a:lnSpc>
+              <a:spcBef>
+                <a:spcPts val="0"/>
+              </a:spcBef>
+              <a:spcAft>
+                <a:spcPts val="0"/>
+              </a:spcAft>
+              <a:buClr>
+                <a:schemeClr val="dk1"/>
+              </a:buClr>
+              <a:buSzPts val="3000"/>
+              <a:buFont typeface="Oxanium"/>
+              <a:buNone/>
+              <a:defRPr sz="3000" b="1" i="0" u="none" strike="noStrike" cap="none">
+                <a:solidFill>
+                  <a:schemeClr val="dk1"/>
+                </a:solidFill>
+                <a:latin typeface="Oxanium"/>
+                <a:ea typeface="Oxanium"/>
+                <a:cs typeface="Oxanium"/>
+                <a:sym typeface="Oxanium"/>
+              </a:defRPr>
+            </a:lvl6pPr>
+            <a:lvl7pPr marR="0" lvl="6" algn="l" rtl="0" eaLnBrk="1" hangingPunct="1">
+              <a:lnSpc>
+                <a:spcPct val="100000"/>
+              </a:lnSpc>
+              <a:spcBef>
+                <a:spcPts val="0"/>
+              </a:spcBef>
+              <a:spcAft>
+                <a:spcPts val="0"/>
+              </a:spcAft>
+              <a:buClr>
+                <a:schemeClr val="dk1"/>
+              </a:buClr>
+              <a:buSzPts val="3000"/>
+              <a:buFont typeface="Oxanium"/>
+              <a:buNone/>
+              <a:defRPr sz="3000" b="1" i="0" u="none" strike="noStrike" cap="none">
+                <a:solidFill>
+                  <a:schemeClr val="dk1"/>
+                </a:solidFill>
+                <a:latin typeface="Oxanium"/>
+                <a:ea typeface="Oxanium"/>
+                <a:cs typeface="Oxanium"/>
+                <a:sym typeface="Oxanium"/>
+              </a:defRPr>
+            </a:lvl7pPr>
+            <a:lvl8pPr marR="0" lvl="7" algn="l" rtl="0" eaLnBrk="1" hangingPunct="1">
+              <a:lnSpc>
+                <a:spcPct val="100000"/>
+              </a:lnSpc>
+              <a:spcBef>
+                <a:spcPts val="0"/>
+              </a:spcBef>
+              <a:spcAft>
+                <a:spcPts val="0"/>
+              </a:spcAft>
+              <a:buClr>
+                <a:schemeClr val="dk1"/>
+              </a:buClr>
+              <a:buSzPts val="3000"/>
+              <a:buFont typeface="Oxanium"/>
+              <a:buNone/>
+              <a:defRPr sz="3000" b="1" i="0" u="none" strike="noStrike" cap="none">
+                <a:solidFill>
+                  <a:schemeClr val="dk1"/>
+                </a:solidFill>
+                <a:latin typeface="Oxanium"/>
+                <a:ea typeface="Oxanium"/>
+                <a:cs typeface="Oxanium"/>
+                <a:sym typeface="Oxanium"/>
+              </a:defRPr>
+            </a:lvl8pPr>
+            <a:lvl9pPr marR="0" lvl="8" algn="l" rtl="0" eaLnBrk="1" hangingPunct="1">
+              <a:lnSpc>
+                <a:spcPct val="100000"/>
+              </a:lnSpc>
+              <a:spcBef>
+                <a:spcPts val="0"/>
+              </a:spcBef>
+              <a:spcAft>
+                <a:spcPts val="0"/>
+              </a:spcAft>
+              <a:buClr>
+                <a:schemeClr val="dk1"/>
+              </a:buClr>
+              <a:buSzPts val="3000"/>
+              <a:buFont typeface="Oxanium"/>
+              <a:buNone/>
+              <a:defRPr sz="3000" b="1" i="0" u="none" strike="noStrike" cap="none">
+                <a:solidFill>
+                  <a:schemeClr val="dk1"/>
+                </a:solidFill>
+                <a:latin typeface="Oxanium"/>
+                <a:ea typeface="Oxanium"/>
+                <a:cs typeface="Oxanium"/>
+                <a:sym typeface="Oxanium"/>
+              </a:defRPr>
+            </a:lvl9pPr>
+          </a:lstStyle>
+          <a:p>
+            <a:r>
+              <a:rPr lang="en-GB" sz="4000" dirty="0"/>
+              <a:t>NUnit testing</a:t>
+            </a:r>
+            <a:endParaRPr lang="en-GB" sz="4000" dirty="0">
+              <a:effectLst/>
+            </a:endParaRPr>
+          </a:p>
+        </p:txBody>
+      </p:sp>
+      <p:sp>
+        <p:nvSpPr>
+          <p:cNvPr id="11" name="Subtitle 2">
+            <a:extLst>
+              <a:ext uri="{FF2B5EF4-FFF2-40B4-BE49-F238E27FC236}">
+                <a16:creationId xmlns:a16="http://schemas.microsoft.com/office/drawing/2014/main" id="{FC854195-7EBC-44A5-9E40-CBFBDFAF9CD3}"/>
+              </a:ext>
+            </a:extLst>
+          </p:cNvPr>
+          <p:cNvSpPr txBox="1">
+            <a:spLocks/>
+          </p:cNvSpPr>
+          <p:nvPr/>
+        </p:nvSpPr>
+        <p:spPr>
+          <a:xfrm>
+            <a:off x="1923725" y="1296000"/>
+            <a:ext cx="2712002" cy="929506"/>
+          </a:xfrm>
+          <a:prstGeom prst="rect">
+            <a:avLst/>
+          </a:prstGeom>
+          <a:noFill/>
+          <a:ln>
+            <a:noFill/>
+          </a:ln>
+        </p:spPr>
+        <p:txBody>
+          <a:bodyPr spcFirstLastPara="1" wrap="square" lIns="91425" tIns="91425" rIns="91425" bIns="91425" anchor="t" anchorCtr="0">
+            <a:noAutofit/>
+          </a:bodyPr>
+          <a:lstStyle>
+            <a:defPPr marR="0" lvl="0" algn="l" rtl="0">
+              <a:lnSpc>
+                <a:spcPct val="100000"/>
+              </a:lnSpc>
+              <a:spcBef>
+                <a:spcPts val="0"/>
+              </a:spcBef>
+              <a:spcAft>
+                <a:spcPts val="0"/>
+              </a:spcAft>
+            </a:defPPr>
+            <a:lvl1pPr marL="9525" indent="-9525" eaLnBrk="1" hangingPunct="1">
+              <a:buClr>
+                <a:schemeClr val="dk1"/>
+              </a:buClr>
+              <a:buSzPts val="1200"/>
+              <a:buFont typeface="Hind"/>
+              <a:buNone/>
+              <a:defRPr sz="2100">
+                <a:solidFill>
+                  <a:schemeClr val="dk1"/>
+                </a:solidFill>
+                <a:latin typeface="Oxanium"/>
+                <a:ea typeface="Hind"/>
+                <a:cs typeface="Hind"/>
+                <a:sym typeface="Hind"/>
+              </a:defRPr>
+            </a:lvl1pPr>
+            <a:lvl2pPr marL="914400" indent="-304800" algn="ctr" eaLnBrk="1" hangingPunct="1">
+              <a:buClr>
+                <a:schemeClr val="dk1"/>
+              </a:buClr>
+              <a:buSzPts val="1800"/>
+              <a:buFont typeface="Hind"/>
+              <a:buNone/>
+              <a:defRPr sz="2400">
+                <a:solidFill>
+                  <a:schemeClr val="dk1"/>
+                </a:solidFill>
+                <a:latin typeface="Hind"/>
+                <a:ea typeface="Hind"/>
+                <a:cs typeface="Hind"/>
+                <a:sym typeface="Hind"/>
+              </a:defRPr>
+            </a:lvl2pPr>
+            <a:lvl3pPr marL="1371600" indent="-304800" algn="ctr" eaLnBrk="1" hangingPunct="1">
+              <a:buClr>
+                <a:schemeClr val="dk1"/>
+              </a:buClr>
+              <a:buSzPts val="1800"/>
+              <a:buFont typeface="Hind"/>
+              <a:buNone/>
+              <a:defRPr sz="2400">
+                <a:solidFill>
+                  <a:schemeClr val="dk1"/>
+                </a:solidFill>
+                <a:latin typeface="Hind"/>
+                <a:ea typeface="Hind"/>
+                <a:cs typeface="Hind"/>
+                <a:sym typeface="Hind"/>
+              </a:defRPr>
+            </a:lvl3pPr>
+            <a:lvl4pPr marL="1828800" indent="-304800" algn="ctr" eaLnBrk="1" hangingPunct="1">
+              <a:buClr>
+                <a:schemeClr val="dk1"/>
+              </a:buClr>
+              <a:buSzPts val="1800"/>
+              <a:buFont typeface="Hind"/>
+              <a:buNone/>
+              <a:defRPr sz="2400">
+                <a:solidFill>
+                  <a:schemeClr val="dk1"/>
+                </a:solidFill>
+                <a:latin typeface="Hind"/>
+                <a:ea typeface="Hind"/>
+                <a:cs typeface="Hind"/>
+                <a:sym typeface="Hind"/>
+              </a:defRPr>
+            </a:lvl4pPr>
+            <a:lvl5pPr marL="2286000" indent="-304800" algn="ctr" eaLnBrk="1" hangingPunct="1">
+              <a:buClr>
+                <a:schemeClr val="dk1"/>
+              </a:buClr>
+              <a:buSzPts val="1800"/>
+              <a:buFont typeface="Hind"/>
+              <a:buNone/>
+              <a:defRPr sz="2400">
+                <a:solidFill>
+                  <a:schemeClr val="dk1"/>
+                </a:solidFill>
+                <a:latin typeface="Hind"/>
+                <a:ea typeface="Hind"/>
+                <a:cs typeface="Hind"/>
+                <a:sym typeface="Hind"/>
+              </a:defRPr>
+            </a:lvl5pPr>
+            <a:lvl6pPr marL="2743200" indent="-304800" algn="ctr" eaLnBrk="1" hangingPunct="1">
+              <a:buClr>
+                <a:schemeClr val="dk1"/>
+              </a:buClr>
+              <a:buSzPts val="1800"/>
+              <a:buFont typeface="Hind"/>
+              <a:buNone/>
+              <a:defRPr sz="2400">
+                <a:solidFill>
+                  <a:schemeClr val="dk1"/>
+                </a:solidFill>
+                <a:latin typeface="Hind"/>
+                <a:ea typeface="Hind"/>
+                <a:cs typeface="Hind"/>
+                <a:sym typeface="Hind"/>
+              </a:defRPr>
+            </a:lvl6pPr>
+            <a:lvl7pPr marL="3200400" indent="-304800" algn="ctr" eaLnBrk="1" hangingPunct="1">
+              <a:buClr>
+                <a:schemeClr val="dk1"/>
+              </a:buClr>
+              <a:buSzPts val="1800"/>
+              <a:buFont typeface="Hind"/>
+              <a:buNone/>
+              <a:defRPr sz="2400">
+                <a:solidFill>
+                  <a:schemeClr val="dk1"/>
+                </a:solidFill>
+                <a:latin typeface="Hind"/>
+                <a:ea typeface="Hind"/>
+                <a:cs typeface="Hind"/>
+                <a:sym typeface="Hind"/>
+              </a:defRPr>
+            </a:lvl7pPr>
+            <a:lvl8pPr marL="3657600" indent="-304800" algn="ctr" eaLnBrk="1" hangingPunct="1">
+              <a:buClr>
+                <a:schemeClr val="dk1"/>
+              </a:buClr>
+              <a:buSzPts val="1800"/>
+              <a:buFont typeface="Hind"/>
+              <a:buNone/>
+              <a:defRPr sz="2400">
+                <a:solidFill>
+                  <a:schemeClr val="dk1"/>
+                </a:solidFill>
+                <a:latin typeface="Hind"/>
+                <a:ea typeface="Hind"/>
+                <a:cs typeface="Hind"/>
+                <a:sym typeface="Hind"/>
+              </a:defRPr>
+            </a:lvl8pPr>
+            <a:lvl9pPr marL="4114800" indent="-304800" algn="ctr" eaLnBrk="1" hangingPunct="1">
+              <a:buClr>
+                <a:schemeClr val="dk1"/>
+              </a:buClr>
+              <a:buSzPts val="1800"/>
+              <a:buFont typeface="Hind"/>
+              <a:buNone/>
+              <a:defRPr sz="2400">
+                <a:solidFill>
+                  <a:schemeClr val="dk1"/>
+                </a:solidFill>
+                <a:latin typeface="Hind"/>
+                <a:ea typeface="Hind"/>
+                <a:cs typeface="Hind"/>
+                <a:sym typeface="Hind"/>
+              </a:defRPr>
+            </a:lvl9pPr>
+          </a:lstStyle>
+          <a:p>
+            <a:pPr marL="0" indent="0" algn="ctr"/>
+            <a:r>
+              <a:rPr lang="en-GB" sz="2400" dirty="0">
+                <a:effectLst>
+                  <a:glow rad="63500">
+                    <a:schemeClr val="accent1">
+                      <a:satMod val="175000"/>
+                      <a:alpha val="40000"/>
+                    </a:schemeClr>
+                  </a:glow>
+                  <a:outerShdw blurRad="63500" sx="102000" sy="102000" algn="ctr" rotWithShape="0">
+                    <a:prstClr val="black">
+                      <a:alpha val="40000"/>
+                    </a:prstClr>
+                  </a:outerShdw>
+                </a:effectLst>
+              </a:rPr>
+              <a:t>Testing Login page</a:t>
+            </a:r>
+          </a:p>
+        </p:txBody>
+      </p:sp>
+      <p:sp>
+        <p:nvSpPr>
+          <p:cNvPr id="14" name="Subtitle 2">
+            <a:extLst>
+              <a:ext uri="{FF2B5EF4-FFF2-40B4-BE49-F238E27FC236}">
+                <a16:creationId xmlns:a16="http://schemas.microsoft.com/office/drawing/2014/main" id="{2A92CE1E-C904-4381-9A5B-5D1D56FC0362}"/>
+              </a:ext>
+            </a:extLst>
+          </p:cNvPr>
+          <p:cNvSpPr txBox="1">
+            <a:spLocks/>
+          </p:cNvSpPr>
+          <p:nvPr/>
+        </p:nvSpPr>
+        <p:spPr>
+          <a:xfrm>
+            <a:off x="6913907" y="1965033"/>
+            <a:ext cx="3778581" cy="929506"/>
+          </a:xfrm>
+          <a:prstGeom prst="rect">
+            <a:avLst/>
+          </a:prstGeom>
+          <a:noFill/>
+          <a:ln>
+            <a:noFill/>
+          </a:ln>
+        </p:spPr>
+        <p:txBody>
+          <a:bodyPr spcFirstLastPara="1" wrap="square" lIns="91425" tIns="91425" rIns="91425" bIns="91425" anchor="t" anchorCtr="0">
+            <a:noAutofit/>
+          </a:bodyPr>
+          <a:lstStyle>
+            <a:defPPr marR="0" lvl="0" algn="l" rtl="0">
+              <a:lnSpc>
+                <a:spcPct val="100000"/>
+              </a:lnSpc>
+              <a:spcBef>
+                <a:spcPts val="0"/>
+              </a:spcBef>
+              <a:spcAft>
+                <a:spcPts val="0"/>
+              </a:spcAft>
+            </a:defPPr>
+            <a:lvl1pPr marL="9525" indent="-9525" eaLnBrk="1" hangingPunct="1">
+              <a:buClr>
+                <a:schemeClr val="dk1"/>
+              </a:buClr>
+              <a:buSzPts val="1200"/>
+              <a:buFont typeface="Hind"/>
+              <a:buNone/>
+              <a:defRPr sz="2100">
+                <a:solidFill>
+                  <a:schemeClr val="dk1"/>
+                </a:solidFill>
+                <a:latin typeface="Oxanium"/>
+                <a:ea typeface="Hind"/>
+                <a:cs typeface="Hind"/>
+                <a:sym typeface="Hind"/>
+              </a:defRPr>
+            </a:lvl1pPr>
+            <a:lvl2pPr marL="914400" indent="-304800" algn="ctr" eaLnBrk="1" hangingPunct="1">
+              <a:buClr>
+                <a:schemeClr val="dk1"/>
+              </a:buClr>
+              <a:buSzPts val="1800"/>
+              <a:buFont typeface="Hind"/>
+              <a:buNone/>
+              <a:defRPr sz="2400">
+                <a:solidFill>
+                  <a:schemeClr val="dk1"/>
+                </a:solidFill>
+                <a:latin typeface="Hind"/>
+                <a:ea typeface="Hind"/>
+                <a:cs typeface="Hind"/>
+                <a:sym typeface="Hind"/>
+              </a:defRPr>
+            </a:lvl2pPr>
+            <a:lvl3pPr marL="1371600" indent="-304800" algn="ctr" eaLnBrk="1" hangingPunct="1">
+              <a:buClr>
+                <a:schemeClr val="dk1"/>
+              </a:buClr>
+              <a:buSzPts val="1800"/>
+              <a:buFont typeface="Hind"/>
+              <a:buNone/>
+              <a:defRPr sz="2400">
+                <a:solidFill>
+                  <a:schemeClr val="dk1"/>
+                </a:solidFill>
+                <a:latin typeface="Hind"/>
+                <a:ea typeface="Hind"/>
+                <a:cs typeface="Hind"/>
+                <a:sym typeface="Hind"/>
+              </a:defRPr>
+            </a:lvl3pPr>
+            <a:lvl4pPr marL="1828800" indent="-304800" algn="ctr" eaLnBrk="1" hangingPunct="1">
+              <a:buClr>
+                <a:schemeClr val="dk1"/>
+              </a:buClr>
+              <a:buSzPts val="1800"/>
+              <a:buFont typeface="Hind"/>
+              <a:buNone/>
+              <a:defRPr sz="2400">
+                <a:solidFill>
+                  <a:schemeClr val="dk1"/>
+                </a:solidFill>
+                <a:latin typeface="Hind"/>
+                <a:ea typeface="Hind"/>
+                <a:cs typeface="Hind"/>
+                <a:sym typeface="Hind"/>
+              </a:defRPr>
+            </a:lvl4pPr>
+            <a:lvl5pPr marL="2286000" indent="-304800" algn="ctr" eaLnBrk="1" hangingPunct="1">
+              <a:buClr>
+                <a:schemeClr val="dk1"/>
+              </a:buClr>
+              <a:buSzPts val="1800"/>
+              <a:buFont typeface="Hind"/>
+              <a:buNone/>
+              <a:defRPr sz="2400">
+                <a:solidFill>
+                  <a:schemeClr val="dk1"/>
+                </a:solidFill>
+                <a:latin typeface="Hind"/>
+                <a:ea typeface="Hind"/>
+                <a:cs typeface="Hind"/>
+                <a:sym typeface="Hind"/>
+              </a:defRPr>
+            </a:lvl5pPr>
+            <a:lvl6pPr marL="2743200" indent="-304800" algn="ctr" eaLnBrk="1" hangingPunct="1">
+              <a:buClr>
+                <a:schemeClr val="dk1"/>
+              </a:buClr>
+              <a:buSzPts val="1800"/>
+              <a:buFont typeface="Hind"/>
+              <a:buNone/>
+              <a:defRPr sz="2400">
+                <a:solidFill>
+                  <a:schemeClr val="dk1"/>
+                </a:solidFill>
+                <a:latin typeface="Hind"/>
+                <a:ea typeface="Hind"/>
+                <a:cs typeface="Hind"/>
+                <a:sym typeface="Hind"/>
+              </a:defRPr>
+            </a:lvl6pPr>
+            <a:lvl7pPr marL="3200400" indent="-304800" algn="ctr" eaLnBrk="1" hangingPunct="1">
+              <a:buClr>
+                <a:schemeClr val="dk1"/>
+              </a:buClr>
+              <a:buSzPts val="1800"/>
+              <a:buFont typeface="Hind"/>
+              <a:buNone/>
+              <a:defRPr sz="2400">
+                <a:solidFill>
+                  <a:schemeClr val="dk1"/>
+                </a:solidFill>
+                <a:latin typeface="Hind"/>
+                <a:ea typeface="Hind"/>
+                <a:cs typeface="Hind"/>
+                <a:sym typeface="Hind"/>
+              </a:defRPr>
+            </a:lvl7pPr>
+            <a:lvl8pPr marL="3657600" indent="-304800" algn="ctr" eaLnBrk="1" hangingPunct="1">
+              <a:buClr>
+                <a:schemeClr val="dk1"/>
+              </a:buClr>
+              <a:buSzPts val="1800"/>
+              <a:buFont typeface="Hind"/>
+              <a:buNone/>
+              <a:defRPr sz="2400">
+                <a:solidFill>
+                  <a:schemeClr val="dk1"/>
+                </a:solidFill>
+                <a:latin typeface="Hind"/>
+                <a:ea typeface="Hind"/>
+                <a:cs typeface="Hind"/>
+                <a:sym typeface="Hind"/>
+              </a:defRPr>
+            </a:lvl8pPr>
+            <a:lvl9pPr marL="4114800" indent="-304800" algn="ctr" eaLnBrk="1" hangingPunct="1">
+              <a:buClr>
+                <a:schemeClr val="dk1"/>
+              </a:buClr>
+              <a:buSzPts val="1800"/>
+              <a:buFont typeface="Hind"/>
+              <a:buNone/>
+              <a:defRPr sz="2400">
+                <a:solidFill>
+                  <a:schemeClr val="dk1"/>
+                </a:solidFill>
+                <a:latin typeface="Hind"/>
+                <a:ea typeface="Hind"/>
+                <a:cs typeface="Hind"/>
+                <a:sym typeface="Hind"/>
+              </a:defRPr>
+            </a:lvl9pPr>
+          </a:lstStyle>
+          <a:p>
+            <a:pPr marL="0" indent="0" algn="ctr"/>
+            <a:r>
+              <a:rPr lang="en-GB" sz="2400" dirty="0">
+                <a:effectLst>
+                  <a:glow rad="63500">
+                    <a:schemeClr val="accent1">
+                      <a:satMod val="175000"/>
+                      <a:alpha val="40000"/>
+                    </a:schemeClr>
+                  </a:glow>
+                  <a:outerShdw blurRad="63500" sx="102000" sy="102000" algn="ctr" rotWithShape="0">
+                    <a:prstClr val="black">
+                      <a:alpha val="40000"/>
+                    </a:prstClr>
+                  </a:outerShdw>
+                </a:effectLst>
+              </a:rPr>
+              <a:t>Testing publication year with regular expressions</a:t>
+            </a:r>
+          </a:p>
+        </p:txBody>
+      </p:sp>
+      <p:pic>
+        <p:nvPicPr>
+          <p:cNvPr id="3" name="Picture 2">
+            <a:extLst>
+              <a:ext uri="{FF2B5EF4-FFF2-40B4-BE49-F238E27FC236}">
+                <a16:creationId xmlns:a16="http://schemas.microsoft.com/office/drawing/2014/main" id="{A7A9615A-E33C-4692-A5D3-52250422AA17}"/>
+              </a:ext>
+            </a:extLst>
+          </p:cNvPr>
+          <p:cNvPicPr>
+            <a:picLocks noChangeAspect="1"/>
+          </p:cNvPicPr>
+          <p:nvPr/>
+        </p:nvPicPr>
+        <p:blipFill>
+          <a:blip r:embed="rId2"/>
+          <a:stretch>
+            <a:fillRect/>
+          </a:stretch>
+        </p:blipFill>
+        <p:spPr>
+          <a:xfrm>
+            <a:off x="864801" y="1965033"/>
+            <a:ext cx="4829849" cy="4353533"/>
+          </a:xfrm>
+          <a:prstGeom prst="rect">
+            <a:avLst/>
+          </a:prstGeom>
+          <a:ln>
+            <a:noFill/>
+          </a:ln>
+          <a:effectLst>
+            <a:outerShdw blurRad="190500" algn="tl" rotWithShape="0">
+              <a:srgbClr val="000000">
+                <a:alpha val="70000"/>
+              </a:srgbClr>
+            </a:outerShdw>
+          </a:effectLst>
+        </p:spPr>
+      </p:pic>
+      <p:pic>
+        <p:nvPicPr>
+          <p:cNvPr id="6" name="Picture 5">
+            <a:extLst>
+              <a:ext uri="{FF2B5EF4-FFF2-40B4-BE49-F238E27FC236}">
+                <a16:creationId xmlns:a16="http://schemas.microsoft.com/office/drawing/2014/main" id="{5BC81184-6AAC-424A-8861-790099E3EA3F}"/>
+              </a:ext>
+            </a:extLst>
+          </p:cNvPr>
+          <p:cNvPicPr>
+            <a:picLocks noChangeAspect="1"/>
+          </p:cNvPicPr>
+          <p:nvPr/>
+        </p:nvPicPr>
+        <p:blipFill>
+          <a:blip r:embed="rId3"/>
+          <a:stretch>
+            <a:fillRect/>
+          </a:stretch>
+        </p:blipFill>
+        <p:spPr>
+          <a:xfrm>
+            <a:off x="6416853" y="3078035"/>
+            <a:ext cx="4772691" cy="2400635"/>
+          </a:xfrm>
+          <a:prstGeom prst="rect">
+            <a:avLst/>
+          </a:prstGeom>
+        </p:spPr>
+      </p:pic>
+    </p:spTree>
+    <p:extLst>
+      <p:ext uri="{BB962C8B-B14F-4D97-AF65-F5344CB8AC3E}">
+        <p14:creationId xmlns:p14="http://schemas.microsoft.com/office/powerpoint/2010/main" val="1369427109"/>
+      </p:ext>
+    </p:extLst>
+  </p:cSld>
+  <p:clrMapOvr>
+    <a:masterClrMapping/>
+  </p:clrMapOvr>
+  <mc:AlternateContent xmlns:mc="http://schemas.openxmlformats.org/markup-compatibility/2006">
+    <mc:Choice xmlns:p159="http://schemas.microsoft.com/office/powerpoint/2015/09/main" Requires="p159">
+      <p:transition xmlns:p14="http://schemas.microsoft.com/office/powerpoint/2010/main" spd="slow" p14:dur="2000">
+        <p159:morph option="byObject"/>
+      </p:transition>
+    </mc:Choice>
+    <mc:Fallback>
+      <p:transition spd="slow">
+        <p:fade/>
+      </p:transition>
+    </mc:Fallback>
+  </mc:AlternateContent>
+</p:sld>
+</file>
+
+<file path=ppt/slides/slide22.xml><?xml version="1.0" encoding="utf-8"?>
+<p:sld xmlns:a="http://schemas.openxmlformats.org/drawingml/2006/main" xmlns:r="http://schemas.openxmlformats.org/officeDocument/2006/relationships" xmlns:p="http://schemas.openxmlformats.org/presentationml/2006/main">
+  <p:cSld>
+    <p:spTree>
+      <p:nvGrpSpPr>
+        <p:cNvPr id="1" name=""/>
+        <p:cNvGrpSpPr/>
+        <p:nvPr/>
+      </p:nvGrpSpPr>
+      <p:grpSpPr>
+        <a:xfrm>
+          <a:off x="0" y="0"/>
+          <a:ext cx="0" cy="0"/>
+          <a:chOff x="0" y="0"/>
+          <a:chExt cx="0" cy="0"/>
+        </a:xfrm>
+      </p:grpSpPr>
+      <p:sp>
+        <p:nvSpPr>
           <p:cNvPr id="11" name="Subtitle 10">
             <a:extLst>
               <a:ext uri="{FF2B5EF4-FFF2-40B4-BE49-F238E27FC236}">
@@ -29278,7 +30120,7 @@
 </p:sld>
 </file>
 
-<file path=ppt/slides/slide22.xml><?xml version="1.0" encoding="utf-8"?>
+<file path=ppt/slides/slide23.xml><?xml version="1.0" encoding="utf-8"?>
 <p:sld xmlns:a="http://schemas.openxmlformats.org/drawingml/2006/main" xmlns:r="http://schemas.openxmlformats.org/officeDocument/2006/relationships" xmlns:p="http://schemas.openxmlformats.org/presentationml/2006/main">
   <p:cSld>
     <p:spTree>
@@ -29410,7 +30252,7 @@
 </p:sld>
 </file>
 
-<file path=ppt/slides/slide23.xml><?xml version="1.0" encoding="utf-8"?>
+<file path=ppt/slides/slide24.xml><?xml version="1.0" encoding="utf-8"?>
 <p:sld xmlns:a="http://schemas.openxmlformats.org/drawingml/2006/main" xmlns:r="http://schemas.openxmlformats.org/officeDocument/2006/relationships" xmlns:p="http://schemas.openxmlformats.org/presentationml/2006/main">
   <p:cSld>
     <p:spTree>

--- a/Presentation/LMS Presentation.pptx
+++ b/Presentation/LMS Presentation.pptx
@@ -29709,13 +29709,13 @@
   <p:clrMapOvr>
     <a:masterClrMapping/>
   </p:clrMapOvr>
-  <mc:AlternateContent xmlns:mc="http://schemas.openxmlformats.org/markup-compatibility/2006">
-    <mc:Choice xmlns:p159="http://schemas.microsoft.com/office/powerpoint/2015/09/main" Requires="p159">
+  <mc:AlternateContent xmlns:mc="http://schemas.openxmlformats.org/markup-compatibility/2006" xmlns:p159="http://schemas.microsoft.com/office/powerpoint/2015/09/main">
+    <mc:Choice Requires="p159">
       <p:transition xmlns:p14="http://schemas.microsoft.com/office/powerpoint/2010/main" spd="slow" p14:dur="2000">
         <p159:morph option="byObject"/>
       </p:transition>
     </mc:Choice>
-    <mc:Fallback>
+    <mc:Fallback xmlns="">
       <p:transition spd="slow">
         <p:fade/>
       </p:transition>

--- a/Presentation/LMS Presentation.pptx
+++ b/Presentation/LMS Presentation.pptx
@@ -23250,6 +23250,9 @@
                     <p:cTn id="3" fill="hold">
                       <p:stCondLst>
                         <p:cond delay="indefinite"/>
+                        <p:cond evt="onBegin" delay="0">
+                          <p:tn val="2"/>
+                        </p:cond>
                       </p:stCondLst>
                       <p:childTnLst>
                         <p:par>
@@ -23259,7 +23262,7 @@
                             </p:stCondLst>
                             <p:childTnLst>
                               <p:par>
-                                <p:cTn id="5" presetID="10" presetClass="entr" presetSubtype="0" fill="hold" nodeType="clickEffect">
+                                <p:cTn id="5" presetID="10" presetClass="entr" presetSubtype="0" fill="hold" nodeType="afterEffect">
                                   <p:stCondLst>
                                     <p:cond delay="0"/>
                                   </p:stCondLst>
@@ -23301,24 +23304,15 @@
                                   </p:childTnLst>
                                 </p:cTn>
                               </p:par>
-                            </p:childTnLst>
-                          </p:cTn>
-                        </p:par>
-                        <p:par>
-                          <p:cTn id="8" fill="hold">
-                            <p:stCondLst>
-                              <p:cond delay="1000"/>
-                            </p:stCondLst>
-                            <p:childTnLst>
                               <p:par>
-                                <p:cTn id="9" presetID="10" presetClass="entr" presetSubtype="0" fill="hold" nodeType="afterEffect">
+                                <p:cTn id="8" presetID="10" presetClass="entr" presetSubtype="0" fill="hold" nodeType="withEffect">
                                   <p:stCondLst>
                                     <p:cond delay="0"/>
                                   </p:stCondLst>
                                   <p:childTnLst>
                                     <p:set>
                                       <p:cBhvr>
-                                        <p:cTn id="10" dur="1" fill="hold">
+                                        <p:cTn id="9" dur="1" fill="hold">
                                           <p:stCondLst>
                                             <p:cond delay="0"/>
                                           </p:stCondLst>
@@ -23340,7 +23334,7 @@
                                     </p:set>
                                     <p:animEffect transition="in" filter="fade">
                                       <p:cBhvr>
-                                        <p:cTn id="11" dur="1000"/>
+                                        <p:cTn id="10" dur="1000"/>
                                         <p:tgtEl>
                                           <p:spTgt spid="7">
                                             <p:txEl>
@@ -23353,24 +23347,15 @@
                                   </p:childTnLst>
                                 </p:cTn>
                               </p:par>
-                            </p:childTnLst>
-                          </p:cTn>
-                        </p:par>
-                        <p:par>
-                          <p:cTn id="12" fill="hold">
-                            <p:stCondLst>
-                              <p:cond delay="2000"/>
-                            </p:stCondLst>
-                            <p:childTnLst>
                               <p:par>
-                                <p:cTn id="13" presetID="10" presetClass="entr" presetSubtype="0" fill="hold" nodeType="afterEffect">
+                                <p:cTn id="11" presetID="10" presetClass="entr" presetSubtype="0" fill="hold" nodeType="withEffect">
                                   <p:stCondLst>
                                     <p:cond delay="0"/>
                                   </p:stCondLst>
                                   <p:childTnLst>
                                     <p:set>
                                       <p:cBhvr>
-                                        <p:cTn id="14" dur="1" fill="hold">
+                                        <p:cTn id="12" dur="1" fill="hold">
                                           <p:stCondLst>
                                             <p:cond delay="0"/>
                                           </p:stCondLst>
@@ -23392,7 +23377,7 @@
                                     </p:set>
                                     <p:animEffect transition="in" filter="fade">
                                       <p:cBhvr>
-                                        <p:cTn id="15" dur="1000"/>
+                                        <p:cTn id="13" dur="1000"/>
                                         <p:tgtEl>
                                           <p:spTgt spid="7">
                                             <p:txEl>
@@ -23405,24 +23390,15 @@
                                   </p:childTnLst>
                                 </p:cTn>
                               </p:par>
-                            </p:childTnLst>
-                          </p:cTn>
-                        </p:par>
-                        <p:par>
-                          <p:cTn id="16" fill="hold">
-                            <p:stCondLst>
-                              <p:cond delay="3000"/>
-                            </p:stCondLst>
-                            <p:childTnLst>
                               <p:par>
-                                <p:cTn id="17" presetID="10" presetClass="entr" presetSubtype="0" fill="hold" nodeType="afterEffect">
+                                <p:cTn id="14" presetID="10" presetClass="entr" presetSubtype="0" fill="hold" nodeType="withEffect">
                                   <p:stCondLst>
                                     <p:cond delay="0"/>
                                   </p:stCondLst>
                                   <p:childTnLst>
                                     <p:set>
                                       <p:cBhvr>
-                                        <p:cTn id="18" dur="1" fill="hold">
+                                        <p:cTn id="15" dur="1" fill="hold">
                                           <p:stCondLst>
                                             <p:cond delay="0"/>
                                           </p:stCondLst>
@@ -23444,7 +23420,7 @@
                                     </p:set>
                                     <p:animEffect transition="in" filter="fade">
                                       <p:cBhvr>
-                                        <p:cTn id="19" dur="1000"/>
+                                        <p:cTn id="16" dur="1000"/>
                                         <p:tgtEl>
                                           <p:spTgt spid="7">
                                             <p:txEl>
@@ -23457,24 +23433,15 @@
                                   </p:childTnLst>
                                 </p:cTn>
                               </p:par>
-                            </p:childTnLst>
-                          </p:cTn>
-                        </p:par>
-                        <p:par>
-                          <p:cTn id="20" fill="hold">
-                            <p:stCondLst>
-                              <p:cond delay="4000"/>
-                            </p:stCondLst>
-                            <p:childTnLst>
                               <p:par>
-                                <p:cTn id="21" presetID="10" presetClass="entr" presetSubtype="0" fill="hold" nodeType="afterEffect">
+                                <p:cTn id="17" presetID="10" presetClass="entr" presetSubtype="0" fill="hold" nodeType="withEffect">
                                   <p:stCondLst>
                                     <p:cond delay="0"/>
                                   </p:stCondLst>
                                   <p:childTnLst>
                                     <p:set>
                                       <p:cBhvr>
-                                        <p:cTn id="22" dur="1" fill="hold">
+                                        <p:cTn id="18" dur="1" fill="hold">
                                           <p:stCondLst>
                                             <p:cond delay="0"/>
                                           </p:stCondLst>
@@ -23496,7 +23463,7 @@
                                     </p:set>
                                     <p:animEffect transition="in" filter="fade">
                                       <p:cBhvr>
-                                        <p:cTn id="23" dur="1000"/>
+                                        <p:cTn id="19" dur="1000"/>
                                         <p:tgtEl>
                                           <p:spTgt spid="7">
                                             <p:txEl>
@@ -23516,26 +23483,26 @@
                     </p:cTn>
                   </p:par>
                   <p:par>
-                    <p:cTn id="24" fill="hold">
+                    <p:cTn id="20" fill="hold">
                       <p:stCondLst>
                         <p:cond delay="indefinite"/>
                       </p:stCondLst>
                       <p:childTnLst>
                         <p:par>
-                          <p:cTn id="25" fill="hold">
+                          <p:cTn id="21" fill="hold">
                             <p:stCondLst>
                               <p:cond delay="0"/>
                             </p:stCondLst>
                             <p:childTnLst>
                               <p:par>
-                                <p:cTn id="26" presetID="10" presetClass="entr" presetSubtype="0" fill="hold" nodeType="clickEffect">
+                                <p:cTn id="22" presetID="10" presetClass="entr" presetSubtype="0" fill="hold" nodeType="clickEffect">
                                   <p:stCondLst>
                                     <p:cond delay="0"/>
                                   </p:stCondLst>
                                   <p:childTnLst>
                                     <p:set>
                                       <p:cBhvr>
-                                        <p:cTn id="27" dur="1" fill="hold">
+                                        <p:cTn id="23" dur="1" fill="hold">
                                           <p:stCondLst>
                                             <p:cond delay="0"/>
                                           </p:stCondLst>
@@ -23557,7 +23524,7 @@
                                     </p:set>
                                     <p:animEffect transition="in" filter="fade">
                                       <p:cBhvr>
-                                        <p:cTn id="28" dur="1000"/>
+                                        <p:cTn id="24" dur="1000"/>
                                         <p:tgtEl>
                                           <p:spTgt spid="9">
                                             <p:txEl>
@@ -23570,24 +23537,15 @@
                                   </p:childTnLst>
                                 </p:cTn>
                               </p:par>
-                            </p:childTnLst>
-                          </p:cTn>
-                        </p:par>
-                        <p:par>
-                          <p:cTn id="29" fill="hold">
-                            <p:stCondLst>
-                              <p:cond delay="1000"/>
-                            </p:stCondLst>
-                            <p:childTnLst>
                               <p:par>
-                                <p:cTn id="30" presetID="10" presetClass="entr" presetSubtype="0" fill="hold" nodeType="afterEffect">
+                                <p:cTn id="25" presetID="10" presetClass="entr" presetSubtype="0" fill="hold" nodeType="withEffect">
                                   <p:stCondLst>
                                     <p:cond delay="0"/>
                                   </p:stCondLst>
                                   <p:childTnLst>
                                     <p:set>
                                       <p:cBhvr>
-                                        <p:cTn id="31" dur="1" fill="hold">
+                                        <p:cTn id="26" dur="1" fill="hold">
                                           <p:stCondLst>
                                             <p:cond delay="0"/>
                                           </p:stCondLst>
@@ -23609,7 +23567,7 @@
                                     </p:set>
                                     <p:animEffect transition="in" filter="fade">
                                       <p:cBhvr>
-                                        <p:cTn id="32" dur="1000"/>
+                                        <p:cTn id="27" dur="1000"/>
                                         <p:tgtEl>
                                           <p:spTgt spid="9">
                                             <p:txEl>
@@ -23622,24 +23580,15 @@
                                   </p:childTnLst>
                                 </p:cTn>
                               </p:par>
-                            </p:childTnLst>
-                          </p:cTn>
-                        </p:par>
-                        <p:par>
-                          <p:cTn id="33" fill="hold">
-                            <p:stCondLst>
-                              <p:cond delay="2000"/>
-                            </p:stCondLst>
-                            <p:childTnLst>
                               <p:par>
-                                <p:cTn id="34" presetID="10" presetClass="entr" presetSubtype="0" fill="hold" nodeType="afterEffect">
+                                <p:cTn id="28" presetID="10" presetClass="entr" presetSubtype="0" fill="hold" nodeType="withEffect">
                                   <p:stCondLst>
                                     <p:cond delay="0"/>
                                   </p:stCondLst>
                                   <p:childTnLst>
                                     <p:set>
                                       <p:cBhvr>
-                                        <p:cTn id="35" dur="1" fill="hold">
+                                        <p:cTn id="29" dur="1" fill="hold">
                                           <p:stCondLst>
                                             <p:cond delay="0"/>
                                           </p:stCondLst>
@@ -23661,7 +23610,7 @@
                                     </p:set>
                                     <p:animEffect transition="in" filter="fade">
                                       <p:cBhvr>
-                                        <p:cTn id="36" dur="1000"/>
+                                        <p:cTn id="30" dur="1000"/>
                                         <p:tgtEl>
                                           <p:spTgt spid="9">
                                             <p:txEl>
@@ -23681,26 +23630,26 @@
                     </p:cTn>
                   </p:par>
                   <p:par>
-                    <p:cTn id="37" fill="hold">
+                    <p:cTn id="31" fill="hold">
                       <p:stCondLst>
                         <p:cond delay="indefinite"/>
                       </p:stCondLst>
                       <p:childTnLst>
                         <p:par>
-                          <p:cTn id="38" fill="hold">
+                          <p:cTn id="32" fill="hold">
                             <p:stCondLst>
                               <p:cond delay="0"/>
                             </p:stCondLst>
                             <p:childTnLst>
                               <p:par>
-                                <p:cTn id="39" presetID="10" presetClass="entr" presetSubtype="0" fill="hold" nodeType="clickEffect">
+                                <p:cTn id="33" presetID="10" presetClass="entr" presetSubtype="0" fill="hold" nodeType="clickEffect">
                                   <p:stCondLst>
                                     <p:cond delay="0"/>
                                   </p:stCondLst>
                                   <p:childTnLst>
                                     <p:set>
                                       <p:cBhvr>
-                                        <p:cTn id="40" dur="1" fill="hold">
+                                        <p:cTn id="34" dur="1" fill="hold">
                                           <p:stCondLst>
                                             <p:cond delay="0"/>
                                           </p:stCondLst>
@@ -23722,7 +23671,7 @@
                                     </p:set>
                                     <p:animEffect transition="in" filter="fade">
                                       <p:cBhvr>
-                                        <p:cTn id="41" dur="1000"/>
+                                        <p:cTn id="35" dur="1000"/>
                                         <p:tgtEl>
                                           <p:spTgt spid="10">
                                             <p:txEl>
@@ -23735,24 +23684,15 @@
                                   </p:childTnLst>
                                 </p:cTn>
                               </p:par>
-                            </p:childTnLst>
-                          </p:cTn>
-                        </p:par>
-                        <p:par>
-                          <p:cTn id="42" fill="hold">
-                            <p:stCondLst>
-                              <p:cond delay="1000"/>
-                            </p:stCondLst>
-                            <p:childTnLst>
                               <p:par>
-                                <p:cTn id="43" presetID="10" presetClass="entr" presetSubtype="0" fill="hold" nodeType="afterEffect">
+                                <p:cTn id="36" presetID="10" presetClass="entr" presetSubtype="0" fill="hold" nodeType="withEffect">
                                   <p:stCondLst>
                                     <p:cond delay="0"/>
                                   </p:stCondLst>
                                   <p:childTnLst>
                                     <p:set>
                                       <p:cBhvr>
-                                        <p:cTn id="44" dur="1" fill="hold">
+                                        <p:cTn id="37" dur="1" fill="hold">
                                           <p:stCondLst>
                                             <p:cond delay="0"/>
                                           </p:stCondLst>
@@ -23774,7 +23714,7 @@
                                     </p:set>
                                     <p:animEffect transition="in" filter="fade">
                                       <p:cBhvr>
-                                        <p:cTn id="45" dur="1000"/>
+                                        <p:cTn id="38" dur="1000"/>
                                         <p:tgtEl>
                                           <p:spTgt spid="10">
                                             <p:txEl>
@@ -24711,54 +24651,12 @@
           </a:p>
         </p:txBody>
       </p:sp>
-    </p:spTree>
-    <p:extLst>
-      <p:ext uri="{BB962C8B-B14F-4D97-AF65-F5344CB8AC3E}">
-        <p14:creationId xmlns:p14="http://schemas.microsoft.com/office/powerpoint/2010/main" val="3904041132"/>
-      </p:ext>
-    </p:extLst>
-  </p:cSld>
-  <p:clrMapOvr>
-    <a:masterClrMapping/>
-  </p:clrMapOvr>
-  <mc:AlternateContent xmlns:mc="http://schemas.openxmlformats.org/markup-compatibility/2006">
-    <mc:Choice xmlns:p159="http://schemas.microsoft.com/office/powerpoint/2015/09/main" Requires="p159">
-      <p:transition xmlns:p14="http://schemas.microsoft.com/office/powerpoint/2010/main" spd="slow" p14:dur="2000">
-        <p159:morph option="byObject"/>
-      </p:transition>
-    </mc:Choice>
-    <mc:Fallback>
-      <p:transition spd="slow">
-        <p:fade/>
-      </p:transition>
-    </mc:Fallback>
-  </mc:AlternateContent>
-</p:sld>
-</file>
-
-<file path=ppt/slides/slide16.xml><?xml version="1.0" encoding="utf-8"?>
-<p:sld xmlns:a="http://schemas.openxmlformats.org/drawingml/2006/main" xmlns:r="http://schemas.openxmlformats.org/officeDocument/2006/relationships" xmlns:p="http://schemas.openxmlformats.org/presentationml/2006/main">
-  <p:cSld>
-    <p:spTree>
-      <p:nvGrpSpPr>
-        <p:cNvPr id="1" name=""/>
-        <p:cNvGrpSpPr/>
-        <p:nvPr/>
-      </p:nvGrpSpPr>
-      <p:grpSpPr>
-        <a:xfrm>
-          <a:off x="0" y="0"/>
-          <a:ext cx="0" cy="0"/>
-          <a:chOff x="0" y="0"/>
-          <a:chExt cx="0" cy="0"/>
-        </a:xfrm>
-      </p:grpSpPr>
       <p:sp>
         <p:nvSpPr>
-          <p:cNvPr id="4" name="Title 3">
+          <p:cNvPr id="4" name="Subtitle 2">
             <a:extLst>
               <a:ext uri="{FF2B5EF4-FFF2-40B4-BE49-F238E27FC236}">
-                <a16:creationId xmlns:a16="http://schemas.microsoft.com/office/drawing/2014/main" id="{ACB83B76-EEC6-49EB-82AB-A62075662CBE}"/>
+                <a16:creationId xmlns:a16="http://schemas.microsoft.com/office/drawing/2014/main" id="{8D6A5676-F754-4161-B55D-E3104731EA69}"/>
               </a:ext>
             </a:extLst>
           </p:cNvPr>
@@ -24769,295 +24667,7 @@
         </p:nvSpPr>
         <p:spPr>
           <a:xfrm>
-            <a:off x="960000" y="593367"/>
-            <a:ext cx="5753220" cy="763600"/>
-          </a:xfrm>
-          <a:prstGeom prst="rect">
-            <a:avLst/>
-          </a:prstGeom>
-          <a:noFill/>
-          <a:ln>
-            <a:noFill/>
-          </a:ln>
-        </p:spPr>
-        <p:txBody>
-          <a:bodyPr spcFirstLastPara="1" wrap="square" lIns="91425" tIns="91425" rIns="91425" bIns="91425" anchor="t" anchorCtr="0">
-            <a:noAutofit/>
-          </a:bodyPr>
-          <a:lstStyle>
-            <a:defPPr marR="0" lvl="0" algn="l" rtl="0">
-              <a:lnSpc>
-                <a:spcPct val="100000"/>
-              </a:lnSpc>
-              <a:spcBef>
-                <a:spcPts val="0"/>
-              </a:spcBef>
-              <a:spcAft>
-                <a:spcPts val="0"/>
-              </a:spcAft>
-            </a:defPPr>
-            <a:lvl1pPr marR="0" lvl="0" algn="l" rtl="0" eaLnBrk="1" hangingPunct="1">
-              <a:lnSpc>
-                <a:spcPct val="100000"/>
-              </a:lnSpc>
-              <a:spcBef>
-                <a:spcPts val="0"/>
-              </a:spcBef>
-              <a:spcAft>
-                <a:spcPts val="0"/>
-              </a:spcAft>
-              <a:buClr>
-                <a:schemeClr val="dk1"/>
-              </a:buClr>
-              <a:buSzPts val="3000"/>
-              <a:buFont typeface="Oxanium"/>
-              <a:buNone/>
-              <a:defRPr sz="3000" b="1" i="0" u="none" strike="noStrike" cap="none">
-                <a:solidFill>
-                  <a:schemeClr val="dk1"/>
-                </a:solidFill>
-                <a:latin typeface="Oxanium"/>
-                <a:ea typeface="Oxanium"/>
-                <a:cs typeface="Oxanium"/>
-                <a:sym typeface="Oxanium"/>
-              </a:defRPr>
-            </a:lvl1pPr>
-            <a:lvl2pPr marR="0" lvl="1" algn="l" rtl="0" eaLnBrk="1" hangingPunct="1">
-              <a:lnSpc>
-                <a:spcPct val="100000"/>
-              </a:lnSpc>
-              <a:spcBef>
-                <a:spcPts val="0"/>
-              </a:spcBef>
-              <a:spcAft>
-                <a:spcPts val="0"/>
-              </a:spcAft>
-              <a:buClr>
-                <a:schemeClr val="dk1"/>
-              </a:buClr>
-              <a:buSzPts val="3000"/>
-              <a:buFont typeface="Oxanium"/>
-              <a:buNone/>
-              <a:defRPr sz="3000" b="1" i="0" u="none" strike="noStrike" cap="none">
-                <a:solidFill>
-                  <a:schemeClr val="dk1"/>
-                </a:solidFill>
-                <a:latin typeface="Oxanium"/>
-                <a:ea typeface="Oxanium"/>
-                <a:cs typeface="Oxanium"/>
-                <a:sym typeface="Oxanium"/>
-              </a:defRPr>
-            </a:lvl2pPr>
-            <a:lvl3pPr marR="0" lvl="2" algn="l" rtl="0" eaLnBrk="1" hangingPunct="1">
-              <a:lnSpc>
-                <a:spcPct val="100000"/>
-              </a:lnSpc>
-              <a:spcBef>
-                <a:spcPts val="0"/>
-              </a:spcBef>
-              <a:spcAft>
-                <a:spcPts val="0"/>
-              </a:spcAft>
-              <a:buClr>
-                <a:schemeClr val="dk1"/>
-              </a:buClr>
-              <a:buSzPts val="3000"/>
-              <a:buFont typeface="Oxanium"/>
-              <a:buNone/>
-              <a:defRPr sz="3000" b="1" i="0" u="none" strike="noStrike" cap="none">
-                <a:solidFill>
-                  <a:schemeClr val="dk1"/>
-                </a:solidFill>
-                <a:latin typeface="Oxanium"/>
-                <a:ea typeface="Oxanium"/>
-                <a:cs typeface="Oxanium"/>
-                <a:sym typeface="Oxanium"/>
-              </a:defRPr>
-            </a:lvl3pPr>
-            <a:lvl4pPr marR="0" lvl="3" algn="l" rtl="0" eaLnBrk="1" hangingPunct="1">
-              <a:lnSpc>
-                <a:spcPct val="100000"/>
-              </a:lnSpc>
-              <a:spcBef>
-                <a:spcPts val="0"/>
-              </a:spcBef>
-              <a:spcAft>
-                <a:spcPts val="0"/>
-              </a:spcAft>
-              <a:buClr>
-                <a:schemeClr val="dk1"/>
-              </a:buClr>
-              <a:buSzPts val="3000"/>
-              <a:buFont typeface="Oxanium"/>
-              <a:buNone/>
-              <a:defRPr sz="3000" b="1" i="0" u="none" strike="noStrike" cap="none">
-                <a:solidFill>
-                  <a:schemeClr val="dk1"/>
-                </a:solidFill>
-                <a:latin typeface="Oxanium"/>
-                <a:ea typeface="Oxanium"/>
-                <a:cs typeface="Oxanium"/>
-                <a:sym typeface="Oxanium"/>
-              </a:defRPr>
-            </a:lvl4pPr>
-            <a:lvl5pPr marR="0" lvl="4" algn="l" rtl="0" eaLnBrk="1" hangingPunct="1">
-              <a:lnSpc>
-                <a:spcPct val="100000"/>
-              </a:lnSpc>
-              <a:spcBef>
-                <a:spcPts val="0"/>
-              </a:spcBef>
-              <a:spcAft>
-                <a:spcPts val="0"/>
-              </a:spcAft>
-              <a:buClr>
-                <a:schemeClr val="dk1"/>
-              </a:buClr>
-              <a:buSzPts val="3000"/>
-              <a:buFont typeface="Oxanium"/>
-              <a:buNone/>
-              <a:defRPr sz="3000" b="1" i="0" u="none" strike="noStrike" cap="none">
-                <a:solidFill>
-                  <a:schemeClr val="dk1"/>
-                </a:solidFill>
-                <a:latin typeface="Oxanium"/>
-                <a:ea typeface="Oxanium"/>
-                <a:cs typeface="Oxanium"/>
-                <a:sym typeface="Oxanium"/>
-              </a:defRPr>
-            </a:lvl5pPr>
-            <a:lvl6pPr marR="0" lvl="5" algn="l" rtl="0" eaLnBrk="1" hangingPunct="1">
-              <a:lnSpc>
-                <a:spcPct val="100000"/>
-              </a:lnSpc>
-              <a:spcBef>
-                <a:spcPts val="0"/>
-              </a:spcBef>
-              <a:spcAft>
-                <a:spcPts val="0"/>
-              </a:spcAft>
-              <a:buClr>
-                <a:schemeClr val="dk1"/>
-              </a:buClr>
-              <a:buSzPts val="3000"/>
-              <a:buFont typeface="Oxanium"/>
-              <a:buNone/>
-              <a:defRPr sz="3000" b="1" i="0" u="none" strike="noStrike" cap="none">
-                <a:solidFill>
-                  <a:schemeClr val="dk1"/>
-                </a:solidFill>
-                <a:latin typeface="Oxanium"/>
-                <a:ea typeface="Oxanium"/>
-                <a:cs typeface="Oxanium"/>
-                <a:sym typeface="Oxanium"/>
-              </a:defRPr>
-            </a:lvl6pPr>
-            <a:lvl7pPr marR="0" lvl="6" algn="l" rtl="0" eaLnBrk="1" hangingPunct="1">
-              <a:lnSpc>
-                <a:spcPct val="100000"/>
-              </a:lnSpc>
-              <a:spcBef>
-                <a:spcPts val="0"/>
-              </a:spcBef>
-              <a:spcAft>
-                <a:spcPts val="0"/>
-              </a:spcAft>
-              <a:buClr>
-                <a:schemeClr val="dk1"/>
-              </a:buClr>
-              <a:buSzPts val="3000"/>
-              <a:buFont typeface="Oxanium"/>
-              <a:buNone/>
-              <a:defRPr sz="3000" b="1" i="0" u="none" strike="noStrike" cap="none">
-                <a:solidFill>
-                  <a:schemeClr val="dk1"/>
-                </a:solidFill>
-                <a:latin typeface="Oxanium"/>
-                <a:ea typeface="Oxanium"/>
-                <a:cs typeface="Oxanium"/>
-                <a:sym typeface="Oxanium"/>
-              </a:defRPr>
-            </a:lvl7pPr>
-            <a:lvl8pPr marR="0" lvl="7" algn="l" rtl="0" eaLnBrk="1" hangingPunct="1">
-              <a:lnSpc>
-                <a:spcPct val="100000"/>
-              </a:lnSpc>
-              <a:spcBef>
-                <a:spcPts val="0"/>
-              </a:spcBef>
-              <a:spcAft>
-                <a:spcPts val="0"/>
-              </a:spcAft>
-              <a:buClr>
-                <a:schemeClr val="dk1"/>
-              </a:buClr>
-              <a:buSzPts val="3000"/>
-              <a:buFont typeface="Oxanium"/>
-              <a:buNone/>
-              <a:defRPr sz="3000" b="1" i="0" u="none" strike="noStrike" cap="none">
-                <a:solidFill>
-                  <a:schemeClr val="dk1"/>
-                </a:solidFill>
-                <a:latin typeface="Oxanium"/>
-                <a:ea typeface="Oxanium"/>
-                <a:cs typeface="Oxanium"/>
-                <a:sym typeface="Oxanium"/>
-              </a:defRPr>
-            </a:lvl8pPr>
-            <a:lvl9pPr marR="0" lvl="8" algn="l" rtl="0" eaLnBrk="1" hangingPunct="1">
-              <a:lnSpc>
-                <a:spcPct val="100000"/>
-              </a:lnSpc>
-              <a:spcBef>
-                <a:spcPts val="0"/>
-              </a:spcBef>
-              <a:spcAft>
-                <a:spcPts val="0"/>
-              </a:spcAft>
-              <a:buClr>
-                <a:schemeClr val="dk1"/>
-              </a:buClr>
-              <a:buSzPts val="3000"/>
-              <a:buFont typeface="Oxanium"/>
-              <a:buNone/>
-              <a:defRPr sz="3000" b="1" i="0" u="none" strike="noStrike" cap="none">
-                <a:solidFill>
-                  <a:schemeClr val="dk1"/>
-                </a:solidFill>
-                <a:latin typeface="Oxanium"/>
-                <a:ea typeface="Oxanium"/>
-                <a:cs typeface="Oxanium"/>
-                <a:sym typeface="Oxanium"/>
-              </a:defRPr>
-            </a:lvl9pPr>
-          </a:lstStyle>
-          <a:p>
-            <a:r>
-              <a:rPr lang="en-GB" sz="4000" dirty="0">
-                <a:effectLst/>
-              </a:rPr>
-              <a:t>Functions of the Website -</a:t>
-            </a:r>
-          </a:p>
-        </p:txBody>
-      </p:sp>
-      <p:sp>
-        <p:nvSpPr>
-          <p:cNvPr id="7" name="Subtitle 2">
-            <a:extLst>
-              <a:ext uri="{FF2B5EF4-FFF2-40B4-BE49-F238E27FC236}">
-                <a16:creationId xmlns:a16="http://schemas.microsoft.com/office/drawing/2014/main" id="{AD740177-E2ED-47F4-A372-155FF5715CBC}"/>
-              </a:ext>
-            </a:extLst>
-          </p:cNvPr>
-          <p:cNvSpPr txBox="1">
-            <a:spLocks/>
-          </p:cNvSpPr>
-          <p:nvPr/>
-        </p:nvSpPr>
-        <p:spPr>
-          <a:xfrm>
-            <a:off x="3237442" y="2123519"/>
+            <a:off x="1438642" y="7063123"/>
             <a:ext cx="4657358" cy="3787681"/>
           </a:xfrm>
           <a:prstGeom prst="rect">
@@ -25340,48 +24950,635 @@
           </a:p>
         </p:txBody>
       </p:sp>
-      <p:pic>
-        <p:nvPicPr>
-          <p:cNvPr id="5" name="Kép2">
+    </p:spTree>
+    <p:extLst>
+      <p:ext uri="{BB962C8B-B14F-4D97-AF65-F5344CB8AC3E}">
+        <p14:creationId xmlns:p14="http://schemas.microsoft.com/office/powerpoint/2010/main" val="3904041132"/>
+      </p:ext>
+    </p:extLst>
+  </p:cSld>
+  <p:clrMapOvr>
+    <a:masterClrMapping/>
+  </p:clrMapOvr>
+  <mc:AlternateContent xmlns:mc="http://schemas.openxmlformats.org/markup-compatibility/2006" xmlns:p159="http://schemas.microsoft.com/office/powerpoint/2015/09/main">
+    <mc:Choice Requires="p159">
+      <p:transition xmlns:p14="http://schemas.microsoft.com/office/powerpoint/2010/main" spd="slow" p14:dur="2000">
+        <p159:morph option="byObject"/>
+      </p:transition>
+    </mc:Choice>
+    <mc:Fallback xmlns="">
+      <p:transition spd="slow">
+        <p:fade/>
+      </p:transition>
+    </mc:Fallback>
+  </mc:AlternateContent>
+</p:sld>
+</file>
+
+<file path=ppt/slides/slide16.xml><?xml version="1.0" encoding="utf-8"?>
+<p:sld xmlns:a="http://schemas.openxmlformats.org/drawingml/2006/main" xmlns:r="http://schemas.openxmlformats.org/officeDocument/2006/relationships" xmlns:p="http://schemas.openxmlformats.org/presentationml/2006/main">
+  <p:cSld>
+    <p:spTree>
+      <p:nvGrpSpPr>
+        <p:cNvPr id="1" name=""/>
+        <p:cNvGrpSpPr/>
+        <p:nvPr/>
+      </p:nvGrpSpPr>
+      <p:grpSpPr>
+        <a:xfrm>
+          <a:off x="0" y="0"/>
+          <a:ext cx="0" cy="0"/>
+          <a:chOff x="0" y="0"/>
+          <a:chExt cx="0" cy="0"/>
+        </a:xfrm>
+      </p:grpSpPr>
+      <p:sp>
+        <p:nvSpPr>
+          <p:cNvPr id="4" name="Title 3">
             <a:extLst>
               <a:ext uri="{FF2B5EF4-FFF2-40B4-BE49-F238E27FC236}">
-                <a16:creationId xmlns:a16="http://schemas.microsoft.com/office/drawing/2014/main" id="{FD7CAE65-697C-4CC4-BE93-92A9095487AB}"/>
+                <a16:creationId xmlns:a16="http://schemas.microsoft.com/office/drawing/2014/main" id="{ACB83B76-EEC6-49EB-82AB-A62075662CBE}"/>
               </a:ext>
             </a:extLst>
           </p:cNvPr>
-          <p:cNvPicPr/>
+          <p:cNvSpPr txBox="1">
+            <a:spLocks/>
+          </p:cNvSpPr>
           <p:nvPr/>
-        </p:nvPicPr>
-        <p:blipFill>
-          <a:blip r:embed="rId2">
-            <a:lum/>
-            <a:alphaModFix/>
-          </a:blip>
-          <a:srcRect/>
-          <a:stretch>
-            <a:fillRect/>
-          </a:stretch>
-        </p:blipFill>
+        </p:nvSpPr>
         <p:spPr>
           <a:xfrm>
-            <a:off x="12408061" y="2045750"/>
-            <a:ext cx="6313778" cy="3865450"/>
+            <a:off x="960000" y="593367"/>
+            <a:ext cx="5753220" cy="763600"/>
           </a:xfrm>
           <a:prstGeom prst="rect">
             <a:avLst/>
           </a:prstGeom>
+          <a:noFill/>
           <a:ln>
             <a:noFill/>
           </a:ln>
-          <a:effectLst>
-            <a:outerShdw blurRad="190500" algn="tl" rotWithShape="0">
-              <a:srgbClr val="000000">
-                <a:alpha val="70000"/>
-              </a:srgbClr>
-            </a:outerShdw>
-          </a:effectLst>
         </p:spPr>
-      </p:pic>
+        <p:txBody>
+          <a:bodyPr spcFirstLastPara="1" wrap="square" lIns="91425" tIns="91425" rIns="91425" bIns="91425" anchor="t" anchorCtr="0">
+            <a:noAutofit/>
+          </a:bodyPr>
+          <a:lstStyle>
+            <a:defPPr marR="0" lvl="0" algn="l" rtl="0">
+              <a:lnSpc>
+                <a:spcPct val="100000"/>
+              </a:lnSpc>
+              <a:spcBef>
+                <a:spcPts val="0"/>
+              </a:spcBef>
+              <a:spcAft>
+                <a:spcPts val="0"/>
+              </a:spcAft>
+            </a:defPPr>
+            <a:lvl1pPr marR="0" lvl="0" algn="l" rtl="0" eaLnBrk="1" hangingPunct="1">
+              <a:lnSpc>
+                <a:spcPct val="100000"/>
+              </a:lnSpc>
+              <a:spcBef>
+                <a:spcPts val="0"/>
+              </a:spcBef>
+              <a:spcAft>
+                <a:spcPts val="0"/>
+              </a:spcAft>
+              <a:buClr>
+                <a:schemeClr val="dk1"/>
+              </a:buClr>
+              <a:buSzPts val="3000"/>
+              <a:buFont typeface="Oxanium"/>
+              <a:buNone/>
+              <a:defRPr sz="3000" b="1" i="0" u="none" strike="noStrike" cap="none">
+                <a:solidFill>
+                  <a:schemeClr val="dk1"/>
+                </a:solidFill>
+                <a:latin typeface="Oxanium"/>
+                <a:ea typeface="Oxanium"/>
+                <a:cs typeface="Oxanium"/>
+                <a:sym typeface="Oxanium"/>
+              </a:defRPr>
+            </a:lvl1pPr>
+            <a:lvl2pPr marR="0" lvl="1" algn="l" rtl="0" eaLnBrk="1" hangingPunct="1">
+              <a:lnSpc>
+                <a:spcPct val="100000"/>
+              </a:lnSpc>
+              <a:spcBef>
+                <a:spcPts val="0"/>
+              </a:spcBef>
+              <a:spcAft>
+                <a:spcPts val="0"/>
+              </a:spcAft>
+              <a:buClr>
+                <a:schemeClr val="dk1"/>
+              </a:buClr>
+              <a:buSzPts val="3000"/>
+              <a:buFont typeface="Oxanium"/>
+              <a:buNone/>
+              <a:defRPr sz="3000" b="1" i="0" u="none" strike="noStrike" cap="none">
+                <a:solidFill>
+                  <a:schemeClr val="dk1"/>
+                </a:solidFill>
+                <a:latin typeface="Oxanium"/>
+                <a:ea typeface="Oxanium"/>
+                <a:cs typeface="Oxanium"/>
+                <a:sym typeface="Oxanium"/>
+              </a:defRPr>
+            </a:lvl2pPr>
+            <a:lvl3pPr marR="0" lvl="2" algn="l" rtl="0" eaLnBrk="1" hangingPunct="1">
+              <a:lnSpc>
+                <a:spcPct val="100000"/>
+              </a:lnSpc>
+              <a:spcBef>
+                <a:spcPts val="0"/>
+              </a:spcBef>
+              <a:spcAft>
+                <a:spcPts val="0"/>
+              </a:spcAft>
+              <a:buClr>
+                <a:schemeClr val="dk1"/>
+              </a:buClr>
+              <a:buSzPts val="3000"/>
+              <a:buFont typeface="Oxanium"/>
+              <a:buNone/>
+              <a:defRPr sz="3000" b="1" i="0" u="none" strike="noStrike" cap="none">
+                <a:solidFill>
+                  <a:schemeClr val="dk1"/>
+                </a:solidFill>
+                <a:latin typeface="Oxanium"/>
+                <a:ea typeface="Oxanium"/>
+                <a:cs typeface="Oxanium"/>
+                <a:sym typeface="Oxanium"/>
+              </a:defRPr>
+            </a:lvl3pPr>
+            <a:lvl4pPr marR="0" lvl="3" algn="l" rtl="0" eaLnBrk="1" hangingPunct="1">
+              <a:lnSpc>
+                <a:spcPct val="100000"/>
+              </a:lnSpc>
+              <a:spcBef>
+                <a:spcPts val="0"/>
+              </a:spcBef>
+              <a:spcAft>
+                <a:spcPts val="0"/>
+              </a:spcAft>
+              <a:buClr>
+                <a:schemeClr val="dk1"/>
+              </a:buClr>
+              <a:buSzPts val="3000"/>
+              <a:buFont typeface="Oxanium"/>
+              <a:buNone/>
+              <a:defRPr sz="3000" b="1" i="0" u="none" strike="noStrike" cap="none">
+                <a:solidFill>
+                  <a:schemeClr val="dk1"/>
+                </a:solidFill>
+                <a:latin typeface="Oxanium"/>
+                <a:ea typeface="Oxanium"/>
+                <a:cs typeface="Oxanium"/>
+                <a:sym typeface="Oxanium"/>
+              </a:defRPr>
+            </a:lvl4pPr>
+            <a:lvl5pPr marR="0" lvl="4" algn="l" rtl="0" eaLnBrk="1" hangingPunct="1">
+              <a:lnSpc>
+                <a:spcPct val="100000"/>
+              </a:lnSpc>
+              <a:spcBef>
+                <a:spcPts val="0"/>
+              </a:spcBef>
+              <a:spcAft>
+                <a:spcPts val="0"/>
+              </a:spcAft>
+              <a:buClr>
+                <a:schemeClr val="dk1"/>
+              </a:buClr>
+              <a:buSzPts val="3000"/>
+              <a:buFont typeface="Oxanium"/>
+              <a:buNone/>
+              <a:defRPr sz="3000" b="1" i="0" u="none" strike="noStrike" cap="none">
+                <a:solidFill>
+                  <a:schemeClr val="dk1"/>
+                </a:solidFill>
+                <a:latin typeface="Oxanium"/>
+                <a:ea typeface="Oxanium"/>
+                <a:cs typeface="Oxanium"/>
+                <a:sym typeface="Oxanium"/>
+              </a:defRPr>
+            </a:lvl5pPr>
+            <a:lvl6pPr marR="0" lvl="5" algn="l" rtl="0" eaLnBrk="1" hangingPunct="1">
+              <a:lnSpc>
+                <a:spcPct val="100000"/>
+              </a:lnSpc>
+              <a:spcBef>
+                <a:spcPts val="0"/>
+              </a:spcBef>
+              <a:spcAft>
+                <a:spcPts val="0"/>
+              </a:spcAft>
+              <a:buClr>
+                <a:schemeClr val="dk1"/>
+              </a:buClr>
+              <a:buSzPts val="3000"/>
+              <a:buFont typeface="Oxanium"/>
+              <a:buNone/>
+              <a:defRPr sz="3000" b="1" i="0" u="none" strike="noStrike" cap="none">
+                <a:solidFill>
+                  <a:schemeClr val="dk1"/>
+                </a:solidFill>
+                <a:latin typeface="Oxanium"/>
+                <a:ea typeface="Oxanium"/>
+                <a:cs typeface="Oxanium"/>
+                <a:sym typeface="Oxanium"/>
+              </a:defRPr>
+            </a:lvl6pPr>
+            <a:lvl7pPr marR="0" lvl="6" algn="l" rtl="0" eaLnBrk="1" hangingPunct="1">
+              <a:lnSpc>
+                <a:spcPct val="100000"/>
+              </a:lnSpc>
+              <a:spcBef>
+                <a:spcPts val="0"/>
+              </a:spcBef>
+              <a:spcAft>
+                <a:spcPts val="0"/>
+              </a:spcAft>
+              <a:buClr>
+                <a:schemeClr val="dk1"/>
+              </a:buClr>
+              <a:buSzPts val="3000"/>
+              <a:buFont typeface="Oxanium"/>
+              <a:buNone/>
+              <a:defRPr sz="3000" b="1" i="0" u="none" strike="noStrike" cap="none">
+                <a:solidFill>
+                  <a:schemeClr val="dk1"/>
+                </a:solidFill>
+                <a:latin typeface="Oxanium"/>
+                <a:ea typeface="Oxanium"/>
+                <a:cs typeface="Oxanium"/>
+                <a:sym typeface="Oxanium"/>
+              </a:defRPr>
+            </a:lvl7pPr>
+            <a:lvl8pPr marR="0" lvl="7" algn="l" rtl="0" eaLnBrk="1" hangingPunct="1">
+              <a:lnSpc>
+                <a:spcPct val="100000"/>
+              </a:lnSpc>
+              <a:spcBef>
+                <a:spcPts val="0"/>
+              </a:spcBef>
+              <a:spcAft>
+                <a:spcPts val="0"/>
+              </a:spcAft>
+              <a:buClr>
+                <a:schemeClr val="dk1"/>
+              </a:buClr>
+              <a:buSzPts val="3000"/>
+              <a:buFont typeface="Oxanium"/>
+              <a:buNone/>
+              <a:defRPr sz="3000" b="1" i="0" u="none" strike="noStrike" cap="none">
+                <a:solidFill>
+                  <a:schemeClr val="dk1"/>
+                </a:solidFill>
+                <a:latin typeface="Oxanium"/>
+                <a:ea typeface="Oxanium"/>
+                <a:cs typeface="Oxanium"/>
+                <a:sym typeface="Oxanium"/>
+              </a:defRPr>
+            </a:lvl8pPr>
+            <a:lvl9pPr marR="0" lvl="8" algn="l" rtl="0" eaLnBrk="1" hangingPunct="1">
+              <a:lnSpc>
+                <a:spcPct val="100000"/>
+              </a:lnSpc>
+              <a:spcBef>
+                <a:spcPts val="0"/>
+              </a:spcBef>
+              <a:spcAft>
+                <a:spcPts val="0"/>
+              </a:spcAft>
+              <a:buClr>
+                <a:schemeClr val="dk1"/>
+              </a:buClr>
+              <a:buSzPts val="3000"/>
+              <a:buFont typeface="Oxanium"/>
+              <a:buNone/>
+              <a:defRPr sz="3000" b="1" i="0" u="none" strike="noStrike" cap="none">
+                <a:solidFill>
+                  <a:schemeClr val="dk1"/>
+                </a:solidFill>
+                <a:latin typeface="Oxanium"/>
+                <a:ea typeface="Oxanium"/>
+                <a:cs typeface="Oxanium"/>
+                <a:sym typeface="Oxanium"/>
+              </a:defRPr>
+            </a:lvl9pPr>
+          </a:lstStyle>
+          <a:p>
+            <a:r>
+              <a:rPr lang="en-GB" sz="4000" dirty="0">
+                <a:effectLst/>
+              </a:rPr>
+              <a:t>Functions of the Website -</a:t>
+            </a:r>
+          </a:p>
+        </p:txBody>
+      </p:sp>
+      <p:sp>
+        <p:nvSpPr>
+          <p:cNvPr id="7" name="Subtitle 2">
+            <a:extLst>
+              <a:ext uri="{FF2B5EF4-FFF2-40B4-BE49-F238E27FC236}">
+                <a16:creationId xmlns:a16="http://schemas.microsoft.com/office/drawing/2014/main" id="{AD740177-E2ED-47F4-A372-155FF5715CBC}"/>
+              </a:ext>
+            </a:extLst>
+          </p:cNvPr>
+          <p:cNvSpPr txBox="1">
+            <a:spLocks/>
+          </p:cNvSpPr>
+          <p:nvPr/>
+        </p:nvSpPr>
+        <p:spPr>
+          <a:xfrm>
+            <a:off x="1438642" y="1535159"/>
+            <a:ext cx="4657358" cy="3787681"/>
+          </a:xfrm>
+          <a:prstGeom prst="rect">
+            <a:avLst/>
+          </a:prstGeom>
+          <a:noFill/>
+          <a:ln>
+            <a:noFill/>
+          </a:ln>
+        </p:spPr>
+        <p:txBody>
+          <a:bodyPr spcFirstLastPara="1" wrap="square" lIns="91425" tIns="91425" rIns="91425" bIns="91425" anchor="t" anchorCtr="0">
+            <a:noAutofit/>
+          </a:bodyPr>
+          <a:lstStyle>
+            <a:defPPr marR="0" lvl="0" algn="l" rtl="0">
+              <a:lnSpc>
+                <a:spcPct val="100000"/>
+              </a:lnSpc>
+              <a:spcBef>
+                <a:spcPts val="0"/>
+              </a:spcBef>
+              <a:spcAft>
+                <a:spcPts val="0"/>
+              </a:spcAft>
+            </a:defPPr>
+            <a:lvl1pPr marL="9525" indent="-9525" eaLnBrk="1" hangingPunct="1">
+              <a:buClr>
+                <a:schemeClr val="dk1"/>
+              </a:buClr>
+              <a:buSzPts val="1200"/>
+              <a:buFont typeface="Hind"/>
+              <a:buNone/>
+              <a:defRPr sz="2100">
+                <a:solidFill>
+                  <a:schemeClr val="dk1"/>
+                </a:solidFill>
+                <a:latin typeface="Oxanium"/>
+                <a:ea typeface="Hind"/>
+                <a:cs typeface="Hind"/>
+                <a:sym typeface="Hind"/>
+              </a:defRPr>
+            </a:lvl1pPr>
+            <a:lvl2pPr marL="914400" indent="-304800" algn="ctr" eaLnBrk="1" hangingPunct="1">
+              <a:buClr>
+                <a:schemeClr val="dk1"/>
+              </a:buClr>
+              <a:buSzPts val="1800"/>
+              <a:buFont typeface="Hind"/>
+              <a:buNone/>
+              <a:defRPr sz="2400">
+                <a:solidFill>
+                  <a:schemeClr val="dk1"/>
+                </a:solidFill>
+                <a:latin typeface="Hind"/>
+                <a:ea typeface="Hind"/>
+                <a:cs typeface="Hind"/>
+                <a:sym typeface="Hind"/>
+              </a:defRPr>
+            </a:lvl2pPr>
+            <a:lvl3pPr marL="1371600" indent="-304800" algn="ctr" eaLnBrk="1" hangingPunct="1">
+              <a:buClr>
+                <a:schemeClr val="dk1"/>
+              </a:buClr>
+              <a:buSzPts val="1800"/>
+              <a:buFont typeface="Hind"/>
+              <a:buNone/>
+              <a:defRPr sz="2400">
+                <a:solidFill>
+                  <a:schemeClr val="dk1"/>
+                </a:solidFill>
+                <a:latin typeface="Hind"/>
+                <a:ea typeface="Hind"/>
+                <a:cs typeface="Hind"/>
+                <a:sym typeface="Hind"/>
+              </a:defRPr>
+            </a:lvl3pPr>
+            <a:lvl4pPr marL="1828800" indent="-304800" algn="ctr" eaLnBrk="1" hangingPunct="1">
+              <a:buClr>
+                <a:schemeClr val="dk1"/>
+              </a:buClr>
+              <a:buSzPts val="1800"/>
+              <a:buFont typeface="Hind"/>
+              <a:buNone/>
+              <a:defRPr sz="2400">
+                <a:solidFill>
+                  <a:schemeClr val="dk1"/>
+                </a:solidFill>
+                <a:latin typeface="Hind"/>
+                <a:ea typeface="Hind"/>
+                <a:cs typeface="Hind"/>
+                <a:sym typeface="Hind"/>
+              </a:defRPr>
+            </a:lvl4pPr>
+            <a:lvl5pPr marL="2286000" indent="-304800" algn="ctr" eaLnBrk="1" hangingPunct="1">
+              <a:buClr>
+                <a:schemeClr val="dk1"/>
+              </a:buClr>
+              <a:buSzPts val="1800"/>
+              <a:buFont typeface="Hind"/>
+              <a:buNone/>
+              <a:defRPr sz="2400">
+                <a:solidFill>
+                  <a:schemeClr val="dk1"/>
+                </a:solidFill>
+                <a:latin typeface="Hind"/>
+                <a:ea typeface="Hind"/>
+                <a:cs typeface="Hind"/>
+                <a:sym typeface="Hind"/>
+              </a:defRPr>
+            </a:lvl5pPr>
+            <a:lvl6pPr marL="2743200" indent="-304800" algn="ctr" eaLnBrk="1" hangingPunct="1">
+              <a:buClr>
+                <a:schemeClr val="dk1"/>
+              </a:buClr>
+              <a:buSzPts val="1800"/>
+              <a:buFont typeface="Hind"/>
+              <a:buNone/>
+              <a:defRPr sz="2400">
+                <a:solidFill>
+                  <a:schemeClr val="dk1"/>
+                </a:solidFill>
+                <a:latin typeface="Hind"/>
+                <a:ea typeface="Hind"/>
+                <a:cs typeface="Hind"/>
+                <a:sym typeface="Hind"/>
+              </a:defRPr>
+            </a:lvl6pPr>
+            <a:lvl7pPr marL="3200400" indent="-304800" algn="ctr" eaLnBrk="1" hangingPunct="1">
+              <a:buClr>
+                <a:schemeClr val="dk1"/>
+              </a:buClr>
+              <a:buSzPts val="1800"/>
+              <a:buFont typeface="Hind"/>
+              <a:buNone/>
+              <a:defRPr sz="2400">
+                <a:solidFill>
+                  <a:schemeClr val="dk1"/>
+                </a:solidFill>
+                <a:latin typeface="Hind"/>
+                <a:ea typeface="Hind"/>
+                <a:cs typeface="Hind"/>
+                <a:sym typeface="Hind"/>
+              </a:defRPr>
+            </a:lvl7pPr>
+            <a:lvl8pPr marL="3657600" indent="-304800" algn="ctr" eaLnBrk="1" hangingPunct="1">
+              <a:buClr>
+                <a:schemeClr val="dk1"/>
+              </a:buClr>
+              <a:buSzPts val="1800"/>
+              <a:buFont typeface="Hind"/>
+              <a:buNone/>
+              <a:defRPr sz="2400">
+                <a:solidFill>
+                  <a:schemeClr val="dk1"/>
+                </a:solidFill>
+                <a:latin typeface="Hind"/>
+                <a:ea typeface="Hind"/>
+                <a:cs typeface="Hind"/>
+                <a:sym typeface="Hind"/>
+              </a:defRPr>
+            </a:lvl8pPr>
+            <a:lvl9pPr marL="4114800" indent="-304800" algn="ctr" eaLnBrk="1" hangingPunct="1">
+              <a:buClr>
+                <a:schemeClr val="dk1"/>
+              </a:buClr>
+              <a:buSzPts val="1800"/>
+              <a:buFont typeface="Hind"/>
+              <a:buNone/>
+              <a:defRPr sz="2400">
+                <a:solidFill>
+                  <a:schemeClr val="dk1"/>
+                </a:solidFill>
+                <a:latin typeface="Hind"/>
+                <a:ea typeface="Hind"/>
+                <a:cs typeface="Hind"/>
+                <a:sym typeface="Hind"/>
+              </a:defRPr>
+            </a:lvl9pPr>
+          </a:lstStyle>
+          <a:p>
+            <a:pPr marL="342900" indent="-342900">
+              <a:buFont typeface="Arial" panose="020B0604020202020204" pitchFamily="34" charset="0"/>
+              <a:buChar char="•"/>
+            </a:pPr>
+            <a:r>
+              <a:rPr lang="en-GB" sz="2400" dirty="0"/>
+              <a:t>Connect database with frontend</a:t>
+            </a:r>
+          </a:p>
+          <a:p>
+            <a:pPr marL="342900" indent="-342900">
+              <a:buFont typeface="Arial" panose="020B0604020202020204" pitchFamily="34" charset="0"/>
+              <a:buChar char="•"/>
+            </a:pPr>
+            <a:r>
+              <a:rPr lang="en-GB" sz="2400" dirty="0"/>
+              <a:t>Manages data from website</a:t>
+            </a:r>
+          </a:p>
+          <a:p>
+            <a:pPr marL="342900" indent="-342900">
+              <a:buFont typeface="Arial" panose="020B0604020202020204" pitchFamily="34" charset="0"/>
+              <a:buChar char="•"/>
+            </a:pPr>
+            <a:r>
+              <a:rPr lang="en-GB" sz="2400" dirty="0"/>
+              <a:t>CRUD operations:</a:t>
+            </a:r>
+          </a:p>
+          <a:p>
+            <a:pPr marL="1247775" lvl="1" indent="-342900" algn="l">
+              <a:buFont typeface="Arial" panose="020B0604020202020204" pitchFamily="34" charset="0"/>
+              <a:buChar char="•"/>
+            </a:pPr>
+            <a:r>
+              <a:rPr lang="en-GB" dirty="0"/>
+              <a:t>GET</a:t>
+            </a:r>
+          </a:p>
+          <a:p>
+            <a:pPr marL="1247775" lvl="1" indent="-342900" algn="l">
+              <a:buFont typeface="Arial" panose="020B0604020202020204" pitchFamily="34" charset="0"/>
+              <a:buChar char="•"/>
+            </a:pPr>
+            <a:r>
+              <a:rPr lang="en-GB" dirty="0"/>
+              <a:t>POST</a:t>
+            </a:r>
+          </a:p>
+          <a:p>
+            <a:pPr marL="1247775" lvl="1" indent="-342900" algn="l">
+              <a:buFont typeface="Arial" panose="020B0604020202020204" pitchFamily="34" charset="0"/>
+              <a:buChar char="•"/>
+            </a:pPr>
+            <a:r>
+              <a:rPr lang="en-GB" dirty="0"/>
+              <a:t>PUT</a:t>
+            </a:r>
+          </a:p>
+          <a:p>
+            <a:pPr marL="1247775" lvl="1" indent="-342900" algn="l">
+              <a:buFont typeface="Arial" panose="020B0604020202020204" pitchFamily="34" charset="0"/>
+              <a:buChar char="•"/>
+            </a:pPr>
+            <a:r>
+              <a:rPr lang="en-GB" dirty="0"/>
+              <a:t>DELETE</a:t>
+            </a:r>
+          </a:p>
+          <a:p>
+            <a:pPr marL="342900" indent="-342900">
+              <a:buFont typeface="Arial" panose="020B0604020202020204" pitchFamily="34" charset="0"/>
+              <a:buChar char="•"/>
+            </a:pPr>
+            <a:r>
+              <a:rPr lang="en-GB" dirty="0"/>
+              <a:t>Responses:</a:t>
+            </a:r>
+          </a:p>
+          <a:p>
+            <a:pPr marL="1247775" lvl="1" indent="-342900" algn="l">
+              <a:buFont typeface="Arial" panose="020B0604020202020204" pitchFamily="34" charset="0"/>
+              <a:buChar char="•"/>
+            </a:pPr>
+            <a:r>
+              <a:rPr lang="en-GB" dirty="0"/>
+              <a:t>JSON</a:t>
+            </a:r>
+          </a:p>
+          <a:p>
+            <a:pPr marL="1247775" lvl="1" indent="-342900" algn="l">
+              <a:buFont typeface="Arial" panose="020B0604020202020204" pitchFamily="34" charset="0"/>
+              <a:buChar char="•"/>
+            </a:pPr>
+            <a:r>
+              <a:rPr lang="en-GB" dirty="0"/>
+              <a:t>Image</a:t>
+            </a:r>
+          </a:p>
+        </p:txBody>
+      </p:sp>
       <p:sp>
         <p:nvSpPr>
           <p:cNvPr id="6" name="Title 3">
@@ -25670,6 +25867,48 @@
           </a:p>
         </p:txBody>
       </p:sp>
+      <p:pic>
+        <p:nvPicPr>
+          <p:cNvPr id="8" name="Kép2">
+            <a:extLst>
+              <a:ext uri="{FF2B5EF4-FFF2-40B4-BE49-F238E27FC236}">
+                <a16:creationId xmlns:a16="http://schemas.microsoft.com/office/drawing/2014/main" id="{E0D967F9-B03D-4E7E-A26D-878D70E2C4ED}"/>
+              </a:ext>
+            </a:extLst>
+          </p:cNvPr>
+          <p:cNvPicPr/>
+          <p:nvPr/>
+        </p:nvPicPr>
+        <p:blipFill>
+          <a:blip r:embed="rId2">
+            <a:lum/>
+            <a:alphaModFix/>
+          </a:blip>
+          <a:srcRect/>
+          <a:stretch>
+            <a:fillRect/>
+          </a:stretch>
+        </p:blipFill>
+        <p:spPr>
+          <a:xfrm>
+            <a:off x="12359640" y="266701"/>
+            <a:ext cx="11243732" cy="6324599"/>
+          </a:xfrm>
+          <a:prstGeom prst="rect">
+            <a:avLst/>
+          </a:prstGeom>
+          <a:ln>
+            <a:noFill/>
+          </a:ln>
+          <a:effectLst>
+            <a:outerShdw blurRad="190500" algn="tl" rotWithShape="0">
+              <a:srgbClr val="000000">
+                <a:alpha val="70000"/>
+              </a:srgbClr>
+            </a:outerShdw>
+          </a:effectLst>
+        </p:spPr>
+      </p:pic>
     </p:spTree>
     <p:extLst>
       <p:ext uri="{BB962C8B-B14F-4D97-AF65-F5344CB8AC3E}">
@@ -25680,577 +25919,18 @@
   <p:clrMapOvr>
     <a:masterClrMapping/>
   </p:clrMapOvr>
-  <mc:AlternateContent xmlns:mc="http://schemas.openxmlformats.org/markup-compatibility/2006">
-    <mc:Choice xmlns:p159="http://schemas.microsoft.com/office/powerpoint/2015/09/main" Requires="p159">
+  <mc:AlternateContent xmlns:mc="http://schemas.openxmlformats.org/markup-compatibility/2006" xmlns:p159="http://schemas.microsoft.com/office/powerpoint/2015/09/main">
+    <mc:Choice Requires="p159">
       <p:transition xmlns:p14="http://schemas.microsoft.com/office/powerpoint/2010/main" spd="slow" p14:dur="2000">
         <p159:morph option="byObject"/>
       </p:transition>
     </mc:Choice>
-    <mc:Fallback>
+    <mc:Fallback xmlns="">
       <p:transition spd="slow">
         <p:fade/>
       </p:transition>
     </mc:Fallback>
   </mc:AlternateContent>
-  <p:timing>
-    <p:tnLst>
-      <p:par>
-        <p:cTn id="1" dur="indefinite" restart="never" nodeType="tmRoot">
-          <p:childTnLst>
-            <p:seq concurrent="1" nextAc="seek">
-              <p:cTn id="2" dur="indefinite" nodeType="mainSeq">
-                <p:childTnLst>
-                  <p:par>
-                    <p:cTn id="3" fill="hold">
-                      <p:stCondLst>
-                        <p:cond delay="indefinite"/>
-                      </p:stCondLst>
-                      <p:childTnLst>
-                        <p:par>
-                          <p:cTn id="4" fill="hold">
-                            <p:stCondLst>
-                              <p:cond delay="0"/>
-                            </p:stCondLst>
-                            <p:childTnLst>
-                              <p:par>
-                                <p:cTn id="5" presetID="10" presetClass="entr" presetSubtype="0" fill="hold" nodeType="clickEffect">
-                                  <p:stCondLst>
-                                    <p:cond delay="0"/>
-                                  </p:stCondLst>
-                                  <p:childTnLst>
-                                    <p:set>
-                                      <p:cBhvr>
-                                        <p:cTn id="6" dur="1" fill="hold">
-                                          <p:stCondLst>
-                                            <p:cond delay="0"/>
-                                          </p:stCondLst>
-                                        </p:cTn>
-                                        <p:tgtEl>
-                                          <p:spTgt spid="7">
-                                            <p:txEl>
-                                              <p:pRg st="0" end="0"/>
-                                            </p:txEl>
-                                          </p:spTgt>
-                                        </p:tgtEl>
-                                        <p:attrNameLst>
-                                          <p:attrName>style.visibility</p:attrName>
-                                        </p:attrNameLst>
-                                      </p:cBhvr>
-                                      <p:to>
-                                        <p:strVal val="visible"/>
-                                      </p:to>
-                                    </p:set>
-                                    <p:animEffect transition="in" filter="fade">
-                                      <p:cBhvr>
-                                        <p:cTn id="7" dur="1000"/>
-                                        <p:tgtEl>
-                                          <p:spTgt spid="7">
-                                            <p:txEl>
-                                              <p:pRg st="0" end="0"/>
-                                            </p:txEl>
-                                          </p:spTgt>
-                                        </p:tgtEl>
-                                      </p:cBhvr>
-                                    </p:animEffect>
-                                  </p:childTnLst>
-                                </p:cTn>
-                              </p:par>
-                            </p:childTnLst>
-                          </p:cTn>
-                        </p:par>
-                        <p:par>
-                          <p:cTn id="8" fill="hold">
-                            <p:stCondLst>
-                              <p:cond delay="1000"/>
-                            </p:stCondLst>
-                            <p:childTnLst>
-                              <p:par>
-                                <p:cTn id="9" presetID="10" presetClass="entr" presetSubtype="0" fill="hold" nodeType="afterEffect">
-                                  <p:stCondLst>
-                                    <p:cond delay="1000"/>
-                                  </p:stCondLst>
-                                  <p:childTnLst>
-                                    <p:set>
-                                      <p:cBhvr>
-                                        <p:cTn id="10" dur="1" fill="hold">
-                                          <p:stCondLst>
-                                            <p:cond delay="0"/>
-                                          </p:stCondLst>
-                                        </p:cTn>
-                                        <p:tgtEl>
-                                          <p:spTgt spid="7">
-                                            <p:txEl>
-                                              <p:pRg st="1" end="1"/>
-                                            </p:txEl>
-                                          </p:spTgt>
-                                        </p:tgtEl>
-                                        <p:attrNameLst>
-                                          <p:attrName>style.visibility</p:attrName>
-                                        </p:attrNameLst>
-                                      </p:cBhvr>
-                                      <p:to>
-                                        <p:strVal val="visible"/>
-                                      </p:to>
-                                    </p:set>
-                                    <p:animEffect transition="in" filter="fade">
-                                      <p:cBhvr>
-                                        <p:cTn id="11" dur="1000"/>
-                                        <p:tgtEl>
-                                          <p:spTgt spid="7">
-                                            <p:txEl>
-                                              <p:pRg st="1" end="1"/>
-                                            </p:txEl>
-                                          </p:spTgt>
-                                        </p:tgtEl>
-                                      </p:cBhvr>
-                                    </p:animEffect>
-                                  </p:childTnLst>
-                                </p:cTn>
-                              </p:par>
-                            </p:childTnLst>
-                          </p:cTn>
-                        </p:par>
-                        <p:par>
-                          <p:cTn id="12" fill="hold">
-                            <p:stCondLst>
-                              <p:cond delay="3000"/>
-                            </p:stCondLst>
-                            <p:childTnLst>
-                              <p:par>
-                                <p:cTn id="13" presetID="10" presetClass="entr" presetSubtype="0" fill="hold" nodeType="afterEffect">
-                                  <p:stCondLst>
-                                    <p:cond delay="1000"/>
-                                  </p:stCondLst>
-                                  <p:childTnLst>
-                                    <p:set>
-                                      <p:cBhvr>
-                                        <p:cTn id="14" dur="1" fill="hold">
-                                          <p:stCondLst>
-                                            <p:cond delay="0"/>
-                                          </p:stCondLst>
-                                        </p:cTn>
-                                        <p:tgtEl>
-                                          <p:spTgt spid="7">
-                                            <p:txEl>
-                                              <p:pRg st="2" end="2"/>
-                                            </p:txEl>
-                                          </p:spTgt>
-                                        </p:tgtEl>
-                                        <p:attrNameLst>
-                                          <p:attrName>style.visibility</p:attrName>
-                                        </p:attrNameLst>
-                                      </p:cBhvr>
-                                      <p:to>
-                                        <p:strVal val="visible"/>
-                                      </p:to>
-                                    </p:set>
-                                    <p:animEffect transition="in" filter="fade">
-                                      <p:cBhvr>
-                                        <p:cTn id="15" dur="1000"/>
-                                        <p:tgtEl>
-                                          <p:spTgt spid="7">
-                                            <p:txEl>
-                                              <p:pRg st="2" end="2"/>
-                                            </p:txEl>
-                                          </p:spTgt>
-                                        </p:tgtEl>
-                                      </p:cBhvr>
-                                    </p:animEffect>
-                                  </p:childTnLst>
-                                </p:cTn>
-                              </p:par>
-                            </p:childTnLst>
-                          </p:cTn>
-                        </p:par>
-                        <p:par>
-                          <p:cTn id="16" fill="hold">
-                            <p:stCondLst>
-                              <p:cond delay="5000"/>
-                            </p:stCondLst>
-                            <p:childTnLst>
-                              <p:par>
-                                <p:cTn id="17" presetID="10" presetClass="entr" presetSubtype="0" fill="hold" nodeType="afterEffect">
-                                  <p:stCondLst>
-                                    <p:cond delay="1000"/>
-                                  </p:stCondLst>
-                                  <p:childTnLst>
-                                    <p:set>
-                                      <p:cBhvr>
-                                        <p:cTn id="18" dur="1" fill="hold">
-                                          <p:stCondLst>
-                                            <p:cond delay="0"/>
-                                          </p:stCondLst>
-                                        </p:cTn>
-                                        <p:tgtEl>
-                                          <p:spTgt spid="7">
-                                            <p:txEl>
-                                              <p:pRg st="3" end="3"/>
-                                            </p:txEl>
-                                          </p:spTgt>
-                                        </p:tgtEl>
-                                        <p:attrNameLst>
-                                          <p:attrName>style.visibility</p:attrName>
-                                        </p:attrNameLst>
-                                      </p:cBhvr>
-                                      <p:to>
-                                        <p:strVal val="visible"/>
-                                      </p:to>
-                                    </p:set>
-                                    <p:animEffect transition="in" filter="fade">
-                                      <p:cBhvr>
-                                        <p:cTn id="19" dur="1000"/>
-                                        <p:tgtEl>
-                                          <p:spTgt spid="7">
-                                            <p:txEl>
-                                              <p:pRg st="3" end="3"/>
-                                            </p:txEl>
-                                          </p:spTgt>
-                                        </p:tgtEl>
-                                      </p:cBhvr>
-                                    </p:animEffect>
-                                  </p:childTnLst>
-                                </p:cTn>
-                              </p:par>
-                            </p:childTnLst>
-                          </p:cTn>
-                        </p:par>
-                        <p:par>
-                          <p:cTn id="20" fill="hold">
-                            <p:stCondLst>
-                              <p:cond delay="7000"/>
-                            </p:stCondLst>
-                            <p:childTnLst>
-                              <p:par>
-                                <p:cTn id="21" presetID="10" presetClass="entr" presetSubtype="0" fill="hold" nodeType="afterEffect">
-                                  <p:stCondLst>
-                                    <p:cond delay="1000"/>
-                                  </p:stCondLst>
-                                  <p:childTnLst>
-                                    <p:set>
-                                      <p:cBhvr>
-                                        <p:cTn id="22" dur="1" fill="hold">
-                                          <p:stCondLst>
-                                            <p:cond delay="0"/>
-                                          </p:stCondLst>
-                                        </p:cTn>
-                                        <p:tgtEl>
-                                          <p:spTgt spid="7">
-                                            <p:txEl>
-                                              <p:pRg st="4" end="4"/>
-                                            </p:txEl>
-                                          </p:spTgt>
-                                        </p:tgtEl>
-                                        <p:attrNameLst>
-                                          <p:attrName>style.visibility</p:attrName>
-                                        </p:attrNameLst>
-                                      </p:cBhvr>
-                                      <p:to>
-                                        <p:strVal val="visible"/>
-                                      </p:to>
-                                    </p:set>
-                                    <p:animEffect transition="in" filter="fade">
-                                      <p:cBhvr>
-                                        <p:cTn id="23" dur="1000"/>
-                                        <p:tgtEl>
-                                          <p:spTgt spid="7">
-                                            <p:txEl>
-                                              <p:pRg st="4" end="4"/>
-                                            </p:txEl>
-                                          </p:spTgt>
-                                        </p:tgtEl>
-                                      </p:cBhvr>
-                                    </p:animEffect>
-                                  </p:childTnLst>
-                                </p:cTn>
-                              </p:par>
-                            </p:childTnLst>
-                          </p:cTn>
-                        </p:par>
-                        <p:par>
-                          <p:cTn id="24" fill="hold">
-                            <p:stCondLst>
-                              <p:cond delay="9000"/>
-                            </p:stCondLst>
-                            <p:childTnLst>
-                              <p:par>
-                                <p:cTn id="25" presetID="10" presetClass="entr" presetSubtype="0" fill="hold" nodeType="afterEffect">
-                                  <p:stCondLst>
-                                    <p:cond delay="1000"/>
-                                  </p:stCondLst>
-                                  <p:childTnLst>
-                                    <p:set>
-                                      <p:cBhvr>
-                                        <p:cTn id="26" dur="1" fill="hold">
-                                          <p:stCondLst>
-                                            <p:cond delay="0"/>
-                                          </p:stCondLst>
-                                        </p:cTn>
-                                        <p:tgtEl>
-                                          <p:spTgt spid="7">
-                                            <p:txEl>
-                                              <p:pRg st="5" end="5"/>
-                                            </p:txEl>
-                                          </p:spTgt>
-                                        </p:tgtEl>
-                                        <p:attrNameLst>
-                                          <p:attrName>style.visibility</p:attrName>
-                                        </p:attrNameLst>
-                                      </p:cBhvr>
-                                      <p:to>
-                                        <p:strVal val="visible"/>
-                                      </p:to>
-                                    </p:set>
-                                    <p:animEffect transition="in" filter="fade">
-                                      <p:cBhvr>
-                                        <p:cTn id="27" dur="1000"/>
-                                        <p:tgtEl>
-                                          <p:spTgt spid="7">
-                                            <p:txEl>
-                                              <p:pRg st="5" end="5"/>
-                                            </p:txEl>
-                                          </p:spTgt>
-                                        </p:tgtEl>
-                                      </p:cBhvr>
-                                    </p:animEffect>
-                                  </p:childTnLst>
-                                </p:cTn>
-                              </p:par>
-                            </p:childTnLst>
-                          </p:cTn>
-                        </p:par>
-                        <p:par>
-                          <p:cTn id="28" fill="hold">
-                            <p:stCondLst>
-                              <p:cond delay="11000"/>
-                            </p:stCondLst>
-                            <p:childTnLst>
-                              <p:par>
-                                <p:cTn id="29" presetID="10" presetClass="entr" presetSubtype="0" fill="hold" nodeType="afterEffect">
-                                  <p:stCondLst>
-                                    <p:cond delay="1000"/>
-                                  </p:stCondLst>
-                                  <p:childTnLst>
-                                    <p:set>
-                                      <p:cBhvr>
-                                        <p:cTn id="30" dur="1" fill="hold">
-                                          <p:stCondLst>
-                                            <p:cond delay="0"/>
-                                          </p:stCondLst>
-                                        </p:cTn>
-                                        <p:tgtEl>
-                                          <p:spTgt spid="7">
-                                            <p:txEl>
-                                              <p:pRg st="6" end="6"/>
-                                            </p:txEl>
-                                          </p:spTgt>
-                                        </p:tgtEl>
-                                        <p:attrNameLst>
-                                          <p:attrName>style.visibility</p:attrName>
-                                        </p:attrNameLst>
-                                      </p:cBhvr>
-                                      <p:to>
-                                        <p:strVal val="visible"/>
-                                      </p:to>
-                                    </p:set>
-                                    <p:animEffect transition="in" filter="fade">
-                                      <p:cBhvr>
-                                        <p:cTn id="31" dur="1000"/>
-                                        <p:tgtEl>
-                                          <p:spTgt spid="7">
-                                            <p:txEl>
-                                              <p:pRg st="6" end="6"/>
-                                            </p:txEl>
-                                          </p:spTgt>
-                                        </p:tgtEl>
-                                      </p:cBhvr>
-                                    </p:animEffect>
-                                  </p:childTnLst>
-                                </p:cTn>
-                              </p:par>
-                            </p:childTnLst>
-                          </p:cTn>
-                        </p:par>
-                        <p:par>
-                          <p:cTn id="32" fill="hold">
-                            <p:stCondLst>
-                              <p:cond delay="13000"/>
-                            </p:stCondLst>
-                            <p:childTnLst>
-                              <p:par>
-                                <p:cTn id="33" presetID="10" presetClass="entr" presetSubtype="0" fill="hold" nodeType="afterEffect">
-                                  <p:stCondLst>
-                                    <p:cond delay="1000"/>
-                                  </p:stCondLst>
-                                  <p:childTnLst>
-                                    <p:set>
-                                      <p:cBhvr>
-                                        <p:cTn id="34" dur="1" fill="hold">
-                                          <p:stCondLst>
-                                            <p:cond delay="0"/>
-                                          </p:stCondLst>
-                                        </p:cTn>
-                                        <p:tgtEl>
-                                          <p:spTgt spid="7">
-                                            <p:txEl>
-                                              <p:pRg st="7" end="7"/>
-                                            </p:txEl>
-                                          </p:spTgt>
-                                        </p:tgtEl>
-                                        <p:attrNameLst>
-                                          <p:attrName>style.visibility</p:attrName>
-                                        </p:attrNameLst>
-                                      </p:cBhvr>
-                                      <p:to>
-                                        <p:strVal val="visible"/>
-                                      </p:to>
-                                    </p:set>
-                                    <p:animEffect transition="in" filter="fade">
-                                      <p:cBhvr>
-                                        <p:cTn id="35" dur="1000"/>
-                                        <p:tgtEl>
-                                          <p:spTgt spid="7">
-                                            <p:txEl>
-                                              <p:pRg st="7" end="7"/>
-                                            </p:txEl>
-                                          </p:spTgt>
-                                        </p:tgtEl>
-                                      </p:cBhvr>
-                                    </p:animEffect>
-                                  </p:childTnLst>
-                                </p:cTn>
-                              </p:par>
-                            </p:childTnLst>
-                          </p:cTn>
-                        </p:par>
-                        <p:par>
-                          <p:cTn id="36" fill="hold">
-                            <p:stCondLst>
-                              <p:cond delay="15000"/>
-                            </p:stCondLst>
-                            <p:childTnLst>
-                              <p:par>
-                                <p:cTn id="37" presetID="10" presetClass="entr" presetSubtype="0" fill="hold" nodeType="afterEffect">
-                                  <p:stCondLst>
-                                    <p:cond delay="1000"/>
-                                  </p:stCondLst>
-                                  <p:childTnLst>
-                                    <p:set>
-                                      <p:cBhvr>
-                                        <p:cTn id="38" dur="1" fill="hold">
-                                          <p:stCondLst>
-                                            <p:cond delay="0"/>
-                                          </p:stCondLst>
-                                        </p:cTn>
-                                        <p:tgtEl>
-                                          <p:spTgt spid="7">
-                                            <p:txEl>
-                                              <p:pRg st="8" end="8"/>
-                                            </p:txEl>
-                                          </p:spTgt>
-                                        </p:tgtEl>
-                                        <p:attrNameLst>
-                                          <p:attrName>style.visibility</p:attrName>
-                                        </p:attrNameLst>
-                                      </p:cBhvr>
-                                      <p:to>
-                                        <p:strVal val="visible"/>
-                                      </p:to>
-                                    </p:set>
-                                    <p:animEffect transition="in" filter="fade">
-                                      <p:cBhvr>
-                                        <p:cTn id="39" dur="1000"/>
-                                        <p:tgtEl>
-                                          <p:spTgt spid="7">
-                                            <p:txEl>
-                                              <p:pRg st="8" end="8"/>
-                                            </p:txEl>
-                                          </p:spTgt>
-                                        </p:tgtEl>
-                                      </p:cBhvr>
-                                    </p:animEffect>
-                                  </p:childTnLst>
-                                </p:cTn>
-                              </p:par>
-                            </p:childTnLst>
-                          </p:cTn>
-                        </p:par>
-                        <p:par>
-                          <p:cTn id="40" fill="hold">
-                            <p:stCondLst>
-                              <p:cond delay="17000"/>
-                            </p:stCondLst>
-                            <p:childTnLst>
-                              <p:par>
-                                <p:cTn id="41" presetID="10" presetClass="entr" presetSubtype="0" fill="hold" nodeType="afterEffect">
-                                  <p:stCondLst>
-                                    <p:cond delay="1000"/>
-                                  </p:stCondLst>
-                                  <p:childTnLst>
-                                    <p:set>
-                                      <p:cBhvr>
-                                        <p:cTn id="42" dur="1" fill="hold">
-                                          <p:stCondLst>
-                                            <p:cond delay="0"/>
-                                          </p:stCondLst>
-                                        </p:cTn>
-                                        <p:tgtEl>
-                                          <p:spTgt spid="7">
-                                            <p:txEl>
-                                              <p:pRg st="9" end="9"/>
-                                            </p:txEl>
-                                          </p:spTgt>
-                                        </p:tgtEl>
-                                        <p:attrNameLst>
-                                          <p:attrName>style.visibility</p:attrName>
-                                        </p:attrNameLst>
-                                      </p:cBhvr>
-                                      <p:to>
-                                        <p:strVal val="visible"/>
-                                      </p:to>
-                                    </p:set>
-                                    <p:animEffect transition="in" filter="fade">
-                                      <p:cBhvr>
-                                        <p:cTn id="43" dur="1000"/>
-                                        <p:tgtEl>
-                                          <p:spTgt spid="7">
-                                            <p:txEl>
-                                              <p:pRg st="9" end="9"/>
-                                            </p:txEl>
-                                          </p:spTgt>
-                                        </p:tgtEl>
-                                      </p:cBhvr>
-                                    </p:animEffect>
-                                  </p:childTnLst>
-                                </p:cTn>
-                              </p:par>
-                            </p:childTnLst>
-                          </p:cTn>
-                        </p:par>
-                      </p:childTnLst>
-                    </p:cTn>
-                  </p:par>
-                </p:childTnLst>
-              </p:cTn>
-              <p:prevCondLst>
-                <p:cond evt="onPrev" delay="0">
-                  <p:tgtEl>
-                    <p:sldTgt/>
-                  </p:tgtEl>
-                </p:cond>
-              </p:prevCondLst>
-              <p:nextCondLst>
-                <p:cond evt="onNext" delay="0">
-                  <p:tgtEl>
-                    <p:sldTgt/>
-                  </p:tgtEl>
-                </p:cond>
-              </p:nextCondLst>
-            </p:seq>
-          </p:childTnLst>
-        </p:cTn>
-      </p:par>
-    </p:tnLst>
-  </p:timing>
 </p:sld>
 </file>
 
@@ -26315,10 +25995,10 @@
       </p:pic>
       <p:sp>
         <p:nvSpPr>
-          <p:cNvPr id="7" name="Subtitle 2">
+          <p:cNvPr id="4" name="Subtitle 2">
             <a:extLst>
               <a:ext uri="{FF2B5EF4-FFF2-40B4-BE49-F238E27FC236}">
-                <a16:creationId xmlns:a16="http://schemas.microsoft.com/office/drawing/2014/main" id="{AD740177-E2ED-47F4-A372-155FF5715CBC}"/>
+                <a16:creationId xmlns:a16="http://schemas.microsoft.com/office/drawing/2014/main" id="{5974112A-AB37-4560-9C88-E3AC4FEA8A6A}"/>
               </a:ext>
             </a:extLst>
           </p:cNvPr>
@@ -26329,7 +26009,7 @@
         </p:nvSpPr>
         <p:spPr>
           <a:xfrm>
-            <a:off x="-4789358" y="2123519"/>
+            <a:off x="-4673923" y="1535159"/>
             <a:ext cx="4657358" cy="3787681"/>
           </a:xfrm>
           <a:prstGeom prst="rect">
@@ -26622,13 +26302,13 @@
   <p:clrMapOvr>
     <a:masterClrMapping/>
   </p:clrMapOvr>
-  <mc:AlternateContent xmlns:mc="http://schemas.openxmlformats.org/markup-compatibility/2006">
-    <mc:Choice xmlns:p159="http://schemas.microsoft.com/office/powerpoint/2015/09/main" Requires="p159">
+  <mc:AlternateContent xmlns:mc="http://schemas.openxmlformats.org/markup-compatibility/2006" xmlns:p159="http://schemas.microsoft.com/office/powerpoint/2015/09/main">
+    <mc:Choice Requires="p159">
       <p:transition xmlns:p14="http://schemas.microsoft.com/office/powerpoint/2010/main" spd="slow" p14:dur="2000">
         <p159:morph option="byObject"/>
       </p:transition>
     </mc:Choice>
-    <mc:Fallback>
+    <mc:Fallback xmlns="">
       <p:transition spd="slow">
         <p:fade/>
       </p:transition>
@@ -27317,6 +26997,9 @@
                     <p:cTn id="3" fill="hold">
                       <p:stCondLst>
                         <p:cond delay="indefinite"/>
+                        <p:cond evt="onBegin" delay="0">
+                          <p:tn val="2"/>
+                        </p:cond>
                       </p:stCondLst>
                       <p:childTnLst>
                         <p:par>
@@ -27326,7 +27009,7 @@
                             </p:stCondLst>
                             <p:childTnLst>
                               <p:par>
-                                <p:cTn id="5" presetID="10" presetClass="entr" presetSubtype="0" fill="hold" nodeType="clickEffect">
+                                <p:cTn id="5" presetID="10" presetClass="entr" presetSubtype="0" fill="hold" nodeType="afterEffect">
                                   <p:stCondLst>
                                     <p:cond delay="0"/>
                                   </p:stCondLst>
@@ -27368,24 +27051,15 @@
                                   </p:childTnLst>
                                 </p:cTn>
                               </p:par>
-                            </p:childTnLst>
-                          </p:cTn>
-                        </p:par>
-                        <p:par>
-                          <p:cTn id="8" fill="hold">
-                            <p:stCondLst>
-                              <p:cond delay="1000"/>
-                            </p:stCondLst>
-                            <p:childTnLst>
                               <p:par>
-                                <p:cTn id="9" presetID="10" presetClass="entr" presetSubtype="0" fill="hold" nodeType="afterEffect">
+                                <p:cTn id="8" presetID="10" presetClass="entr" presetSubtype="0" fill="hold" nodeType="withEffect">
                                   <p:stCondLst>
                                     <p:cond delay="0"/>
                                   </p:stCondLst>
                                   <p:childTnLst>
                                     <p:set>
                                       <p:cBhvr>
-                                        <p:cTn id="10" dur="1" fill="hold">
+                                        <p:cTn id="9" dur="1" fill="hold">
                                           <p:stCondLst>
                                             <p:cond delay="0"/>
                                           </p:stCondLst>
@@ -27407,7 +27081,7 @@
                                     </p:set>
                                     <p:animEffect transition="in" filter="fade">
                                       <p:cBhvr>
-                                        <p:cTn id="11" dur="1000"/>
+                                        <p:cTn id="10" dur="1000"/>
                                         <p:tgtEl>
                                           <p:spTgt spid="7">
                                             <p:txEl>
@@ -27420,24 +27094,15 @@
                                   </p:childTnLst>
                                 </p:cTn>
                               </p:par>
-                            </p:childTnLst>
-                          </p:cTn>
-                        </p:par>
-                        <p:par>
-                          <p:cTn id="12" fill="hold">
-                            <p:stCondLst>
-                              <p:cond delay="2000"/>
-                            </p:stCondLst>
-                            <p:childTnLst>
                               <p:par>
-                                <p:cTn id="13" presetID="10" presetClass="entr" presetSubtype="0" fill="hold" nodeType="afterEffect">
+                                <p:cTn id="11" presetID="10" presetClass="entr" presetSubtype="0" fill="hold" nodeType="withEffect">
                                   <p:stCondLst>
                                     <p:cond delay="0"/>
                                   </p:stCondLst>
                                   <p:childTnLst>
                                     <p:set>
                                       <p:cBhvr>
-                                        <p:cTn id="14" dur="1" fill="hold">
+                                        <p:cTn id="12" dur="1" fill="hold">
                                           <p:stCondLst>
                                             <p:cond delay="0"/>
                                           </p:stCondLst>
@@ -27459,7 +27124,7 @@
                                     </p:set>
                                     <p:animEffect transition="in" filter="fade">
                                       <p:cBhvr>
-                                        <p:cTn id="15" dur="1000"/>
+                                        <p:cTn id="13" dur="1000"/>
                                         <p:tgtEl>
                                           <p:spTgt spid="7">
                                             <p:txEl>
@@ -27472,24 +27137,15 @@
                                   </p:childTnLst>
                                 </p:cTn>
                               </p:par>
-                            </p:childTnLst>
-                          </p:cTn>
-                        </p:par>
-                        <p:par>
-                          <p:cTn id="16" fill="hold">
-                            <p:stCondLst>
-                              <p:cond delay="3000"/>
-                            </p:stCondLst>
-                            <p:childTnLst>
                               <p:par>
-                                <p:cTn id="17" presetID="10" presetClass="entr" presetSubtype="0" fill="hold" nodeType="afterEffect">
+                                <p:cTn id="14" presetID="10" presetClass="entr" presetSubtype="0" fill="hold" nodeType="withEffect">
                                   <p:stCondLst>
                                     <p:cond delay="0"/>
                                   </p:stCondLst>
                                   <p:childTnLst>
                                     <p:set>
                                       <p:cBhvr>
-                                        <p:cTn id="18" dur="1" fill="hold">
+                                        <p:cTn id="15" dur="1" fill="hold">
                                           <p:stCondLst>
                                             <p:cond delay="0"/>
                                           </p:stCondLst>
@@ -27511,7 +27167,7 @@
                                     </p:set>
                                     <p:animEffect transition="in" filter="fade">
                                       <p:cBhvr>
-                                        <p:cTn id="19" dur="1000"/>
+                                        <p:cTn id="16" dur="1000"/>
                                         <p:tgtEl>
                                           <p:spTgt spid="7">
                                             <p:txEl>
@@ -27524,24 +27180,15 @@
                                   </p:childTnLst>
                                 </p:cTn>
                               </p:par>
-                            </p:childTnLst>
-                          </p:cTn>
-                        </p:par>
-                        <p:par>
-                          <p:cTn id="20" fill="hold">
-                            <p:stCondLst>
-                              <p:cond delay="4000"/>
-                            </p:stCondLst>
-                            <p:childTnLst>
                               <p:par>
-                                <p:cTn id="21" presetID="10" presetClass="entr" presetSubtype="0" fill="hold" nodeType="afterEffect">
+                                <p:cTn id="17" presetID="10" presetClass="entr" presetSubtype="0" fill="hold" nodeType="withEffect">
                                   <p:stCondLst>
                                     <p:cond delay="0"/>
                                   </p:stCondLst>
                                   <p:childTnLst>
                                     <p:set>
                                       <p:cBhvr>
-                                        <p:cTn id="22" dur="1" fill="hold">
+                                        <p:cTn id="18" dur="1" fill="hold">
                                           <p:stCondLst>
                                             <p:cond delay="0"/>
                                           </p:stCondLst>
@@ -27563,7 +27210,7 @@
                                     </p:set>
                                     <p:animEffect transition="in" filter="fade">
                                       <p:cBhvr>
-                                        <p:cTn id="23" dur="1000"/>
+                                        <p:cTn id="19" dur="1000"/>
                                         <p:tgtEl>
                                           <p:spTgt spid="7">
                                             <p:txEl>
@@ -27583,26 +27230,26 @@
                     </p:cTn>
                   </p:par>
                   <p:par>
-                    <p:cTn id="24" fill="hold">
+                    <p:cTn id="20" fill="hold">
                       <p:stCondLst>
                         <p:cond delay="indefinite"/>
                       </p:stCondLst>
                       <p:childTnLst>
                         <p:par>
-                          <p:cTn id="25" fill="hold">
+                          <p:cTn id="21" fill="hold">
                             <p:stCondLst>
                               <p:cond delay="0"/>
                             </p:stCondLst>
                             <p:childTnLst>
                               <p:par>
-                                <p:cTn id="26" presetID="10" presetClass="entr" presetSubtype="0" fill="hold" nodeType="clickEffect">
+                                <p:cTn id="22" presetID="10" presetClass="entr" presetSubtype="0" fill="hold" nodeType="clickEffect">
                                   <p:stCondLst>
                                     <p:cond delay="0"/>
                                   </p:stCondLst>
                                   <p:childTnLst>
                                     <p:set>
                                       <p:cBhvr>
-                                        <p:cTn id="27" dur="1" fill="hold">
+                                        <p:cTn id="23" dur="1" fill="hold">
                                           <p:stCondLst>
                                             <p:cond delay="0"/>
                                           </p:stCondLst>
@@ -27620,7 +27267,7 @@
                                     </p:set>
                                     <p:animEffect transition="in" filter="fade">
                                       <p:cBhvr>
-                                        <p:cTn id="28" dur="500"/>
+                                        <p:cTn id="24" dur="500"/>
                                         <p:tgtEl>
                                           <p:spTgt spid="8"/>
                                         </p:tgtEl>
@@ -27636,26 +27283,26 @@
                     </p:cTn>
                   </p:par>
                   <p:par>
-                    <p:cTn id="29" fill="hold">
+                    <p:cTn id="25" fill="hold">
                       <p:stCondLst>
                         <p:cond delay="indefinite"/>
                       </p:stCondLst>
                       <p:childTnLst>
                         <p:par>
-                          <p:cTn id="30" fill="hold">
+                          <p:cTn id="26" fill="hold">
                             <p:stCondLst>
                               <p:cond delay="0"/>
                             </p:stCondLst>
                             <p:childTnLst>
                               <p:par>
-                                <p:cTn id="31" presetID="10" presetClass="entr" presetSubtype="0" fill="hold" nodeType="clickEffect">
+                                <p:cTn id="27" presetID="10" presetClass="entr" presetSubtype="0" fill="hold" nodeType="clickEffect">
                                   <p:stCondLst>
                                     <p:cond delay="0"/>
                                   </p:stCondLst>
                                   <p:childTnLst>
                                     <p:set>
                                       <p:cBhvr>
-                                        <p:cTn id="32" dur="1" fill="hold">
+                                        <p:cTn id="28" dur="1" fill="hold">
                                           <p:stCondLst>
                                             <p:cond delay="0"/>
                                           </p:stCondLst>
@@ -27673,7 +27320,7 @@
                                     </p:set>
                                     <p:animEffect transition="in" filter="fade">
                                       <p:cBhvr>
-                                        <p:cTn id="33" dur="500"/>
+                                        <p:cTn id="29" dur="500"/>
                                         <p:tgtEl>
                                           <p:spTgt spid="10"/>
                                         </p:tgtEl>
@@ -30150,13 +29797,13 @@
   <p:clrMapOvr>
     <a:masterClrMapping/>
   </p:clrMapOvr>
-  <mc:AlternateContent xmlns:mc="http://schemas.openxmlformats.org/markup-compatibility/2006">
-    <mc:Choice xmlns:p159="http://schemas.microsoft.com/office/powerpoint/2015/09/main" Requires="p159">
+  <mc:AlternateContent xmlns:mc="http://schemas.openxmlformats.org/markup-compatibility/2006" xmlns:p159="http://schemas.microsoft.com/office/powerpoint/2015/09/main">
+    <mc:Choice Requires="p159">
       <p:transition xmlns:p14="http://schemas.microsoft.com/office/powerpoint/2010/main" spd="slow" p14:dur="2000">
         <p159:morph option="byObject"/>
       </p:transition>
     </mc:Choice>
-    <mc:Fallback>
+    <mc:Fallback xmlns="">
       <p:transition spd="slow">
         <p:fade/>
       </p:transition>
@@ -30223,30 +29870,21 @@
                             </p:childTnLst>
                           </p:cTn>
                         </p:par>
-                      </p:childTnLst>
-                    </p:cTn>
-                  </p:par>
-                  <p:par>
-                    <p:cTn id="8" fill="hold">
-                      <p:stCondLst>
-                        <p:cond delay="indefinite"/>
-                      </p:stCondLst>
-                      <p:childTnLst>
                         <p:par>
-                          <p:cTn id="9" fill="hold">
+                          <p:cTn id="8" fill="hold">
                             <p:stCondLst>
-                              <p:cond delay="0"/>
+                              <p:cond delay="500"/>
                             </p:stCondLst>
                             <p:childTnLst>
                               <p:par>
-                                <p:cTn id="10" presetID="10" presetClass="entr" presetSubtype="0" fill="hold" nodeType="clickEffect">
+                                <p:cTn id="9" presetID="10" presetClass="entr" presetSubtype="0" fill="hold" nodeType="afterEffect">
                                   <p:stCondLst>
                                     <p:cond delay="0"/>
                                   </p:stCondLst>
                                   <p:childTnLst>
                                     <p:set>
                                       <p:cBhvr>
-                                        <p:cTn id="11" dur="1" fill="hold">
+                                        <p:cTn id="10" dur="1" fill="hold">
                                           <p:stCondLst>
                                             <p:cond delay="0"/>
                                           </p:stCondLst>
@@ -30268,7 +29906,7 @@
                                     </p:set>
                                     <p:animEffect transition="in" filter="fade">
                                       <p:cBhvr>
-                                        <p:cTn id="12" dur="1000"/>
+                                        <p:cTn id="11" dur="1000"/>
                                         <p:tgtEl>
                                           <p:spTgt spid="9">
                                             <p:txEl>
@@ -30281,24 +29919,15 @@
                                   </p:childTnLst>
                                 </p:cTn>
                               </p:par>
-                            </p:childTnLst>
-                          </p:cTn>
-                        </p:par>
-                        <p:par>
-                          <p:cTn id="13" fill="hold">
-                            <p:stCondLst>
-                              <p:cond delay="1000"/>
-                            </p:stCondLst>
-                            <p:childTnLst>
                               <p:par>
-                                <p:cTn id="14" presetID="10" presetClass="entr" presetSubtype="0" fill="hold" nodeType="afterEffect">
+                                <p:cTn id="12" presetID="10" presetClass="entr" presetSubtype="0" fill="hold" nodeType="withEffect">
                                   <p:stCondLst>
-                                    <p:cond delay="1000"/>
+                                    <p:cond delay="0"/>
                                   </p:stCondLst>
                                   <p:childTnLst>
                                     <p:set>
                                       <p:cBhvr>
-                                        <p:cTn id="15" dur="1" fill="hold">
+                                        <p:cTn id="13" dur="1" fill="hold">
                                           <p:stCondLst>
                                             <p:cond delay="0"/>
                                           </p:stCondLst>
@@ -30320,7 +29949,7 @@
                                     </p:set>
                                     <p:animEffect transition="in" filter="fade">
                                       <p:cBhvr>
-                                        <p:cTn id="16" dur="1000"/>
+                                        <p:cTn id="14" dur="1000"/>
                                         <p:tgtEl>
                                           <p:spTgt spid="9">
                                             <p:txEl>
@@ -30333,24 +29962,15 @@
                                   </p:childTnLst>
                                 </p:cTn>
                               </p:par>
-                            </p:childTnLst>
-                          </p:cTn>
-                        </p:par>
-                        <p:par>
-                          <p:cTn id="17" fill="hold">
-                            <p:stCondLst>
-                              <p:cond delay="3000"/>
-                            </p:stCondLst>
-                            <p:childTnLst>
                               <p:par>
-                                <p:cTn id="18" presetID="10" presetClass="entr" presetSubtype="0" fill="hold" nodeType="afterEffect">
+                                <p:cTn id="15" presetID="10" presetClass="entr" presetSubtype="0" fill="hold" nodeType="withEffect">
                                   <p:stCondLst>
-                                    <p:cond delay="1000"/>
+                                    <p:cond delay="0"/>
                                   </p:stCondLst>
                                   <p:childTnLst>
                                     <p:set>
                                       <p:cBhvr>
-                                        <p:cTn id="19" dur="1" fill="hold">
+                                        <p:cTn id="16" dur="1" fill="hold">
                                           <p:stCondLst>
                                             <p:cond delay="0"/>
                                           </p:stCondLst>
@@ -30372,7 +29992,7 @@
                                     </p:set>
                                     <p:animEffect transition="in" filter="fade">
                                       <p:cBhvr>
-                                        <p:cTn id="20" dur="1000"/>
+                                        <p:cTn id="17" dur="1000"/>
                                         <p:tgtEl>
                                           <p:spTgt spid="9">
                                             <p:txEl>
@@ -30385,24 +30005,15 @@
                                   </p:childTnLst>
                                 </p:cTn>
                               </p:par>
-                            </p:childTnLst>
-                          </p:cTn>
-                        </p:par>
-                        <p:par>
-                          <p:cTn id="21" fill="hold">
-                            <p:stCondLst>
-                              <p:cond delay="5000"/>
-                            </p:stCondLst>
-                            <p:childTnLst>
                               <p:par>
-                                <p:cTn id="22" presetID="10" presetClass="entr" presetSubtype="0" fill="hold" nodeType="afterEffect">
+                                <p:cTn id="18" presetID="10" presetClass="entr" presetSubtype="0" fill="hold" nodeType="withEffect">
                                   <p:stCondLst>
-                                    <p:cond delay="1000"/>
+                                    <p:cond delay="0"/>
                                   </p:stCondLst>
                                   <p:childTnLst>
                                     <p:set>
                                       <p:cBhvr>
-                                        <p:cTn id="23" dur="1" fill="hold">
+                                        <p:cTn id="19" dur="1" fill="hold">
                                           <p:stCondLst>
                                             <p:cond delay="0"/>
                                           </p:stCondLst>
@@ -30424,7 +30035,7 @@
                                     </p:set>
                                     <p:animEffect transition="in" filter="fade">
                                       <p:cBhvr>
-                                        <p:cTn id="24" dur="1000"/>
+                                        <p:cTn id="20" dur="1000"/>
                                         <p:tgtEl>
                                           <p:spTgt spid="9">
                                             <p:txEl>
@@ -30437,24 +30048,15 @@
                                   </p:childTnLst>
                                 </p:cTn>
                               </p:par>
-                            </p:childTnLst>
-                          </p:cTn>
-                        </p:par>
-                        <p:par>
-                          <p:cTn id="25" fill="hold">
-                            <p:stCondLst>
-                              <p:cond delay="7000"/>
-                            </p:stCondLst>
-                            <p:childTnLst>
                               <p:par>
-                                <p:cTn id="26" presetID="10" presetClass="entr" presetSubtype="0" fill="hold" nodeType="afterEffect">
+                                <p:cTn id="21" presetID="10" presetClass="entr" presetSubtype="0" fill="hold" nodeType="withEffect">
                                   <p:stCondLst>
-                                    <p:cond delay="1000"/>
+                                    <p:cond delay="0"/>
                                   </p:stCondLst>
                                   <p:childTnLst>
                                     <p:set>
                                       <p:cBhvr>
-                                        <p:cTn id="27" dur="1" fill="hold">
+                                        <p:cTn id="22" dur="1" fill="hold">
                                           <p:stCondLst>
                                             <p:cond delay="0"/>
                                           </p:stCondLst>
@@ -30476,7 +30078,7 @@
                                     </p:set>
                                     <p:animEffect transition="in" filter="fade">
                                       <p:cBhvr>
-                                        <p:cTn id="28" dur="1000"/>
+                                        <p:cTn id="23" dur="1000"/>
                                         <p:tgtEl>
                                           <p:spTgt spid="9">
                                             <p:txEl>
@@ -30489,24 +30091,15 @@
                                   </p:childTnLst>
                                 </p:cTn>
                               </p:par>
-                            </p:childTnLst>
-                          </p:cTn>
-                        </p:par>
-                        <p:par>
-                          <p:cTn id="29" fill="hold">
-                            <p:stCondLst>
-                              <p:cond delay="9000"/>
-                            </p:stCondLst>
-                            <p:childTnLst>
                               <p:par>
-                                <p:cTn id="30" presetID="10" presetClass="entr" presetSubtype="0" fill="hold" nodeType="afterEffect">
+                                <p:cTn id="24" presetID="10" presetClass="entr" presetSubtype="0" fill="hold" nodeType="withEffect">
                                   <p:stCondLst>
-                                    <p:cond delay="1000"/>
+                                    <p:cond delay="0"/>
                                   </p:stCondLst>
                                   <p:childTnLst>
                                     <p:set>
                                       <p:cBhvr>
-                                        <p:cTn id="31" dur="1" fill="hold">
+                                        <p:cTn id="25" dur="1" fill="hold">
                                           <p:stCondLst>
                                             <p:cond delay="0"/>
                                           </p:stCondLst>
@@ -30528,7 +30121,7 @@
                                     </p:set>
                                     <p:animEffect transition="in" filter="fade">
                                       <p:cBhvr>
-                                        <p:cTn id="32" dur="1000"/>
+                                        <p:cTn id="26" dur="1000"/>
                                         <p:tgtEl>
                                           <p:spTgt spid="9">
                                             <p:txEl>
@@ -30548,26 +30141,26 @@
                     </p:cTn>
                   </p:par>
                   <p:par>
-                    <p:cTn id="33" fill="hold">
+                    <p:cTn id="27" fill="hold">
                       <p:stCondLst>
                         <p:cond delay="indefinite"/>
                       </p:stCondLst>
                       <p:childTnLst>
                         <p:par>
-                          <p:cTn id="34" fill="hold">
+                          <p:cTn id="28" fill="hold">
                             <p:stCondLst>
                               <p:cond delay="0"/>
                             </p:stCondLst>
                             <p:childTnLst>
                               <p:par>
-                                <p:cTn id="35" presetID="10" presetClass="entr" presetSubtype="0" fill="hold" nodeType="clickEffect">
+                                <p:cTn id="29" presetID="10" presetClass="entr" presetSubtype="0" fill="hold" nodeType="clickEffect">
                                   <p:stCondLst>
                                     <p:cond delay="0"/>
                                   </p:stCondLst>
                                   <p:childTnLst>
                                     <p:set>
                                       <p:cBhvr>
-                                        <p:cTn id="36" dur="1" fill="hold">
+                                        <p:cTn id="30" dur="1" fill="hold">
                                           <p:stCondLst>
                                             <p:cond delay="0"/>
                                           </p:stCondLst>
@@ -30585,7 +30178,7 @@
                                     </p:set>
                                     <p:animEffect transition="in" filter="fade">
                                       <p:cBhvr>
-                                        <p:cTn id="37" dur="500"/>
+                                        <p:cTn id="31" dur="500"/>
                                         <p:tgtEl>
                                           <p:spTgt spid="10"/>
                                         </p:tgtEl>
@@ -30601,26 +30194,26 @@
                     </p:cTn>
                   </p:par>
                   <p:par>
-                    <p:cTn id="38" fill="hold">
+                    <p:cTn id="32" fill="hold">
                       <p:stCondLst>
                         <p:cond delay="indefinite"/>
                       </p:stCondLst>
                       <p:childTnLst>
                         <p:par>
-                          <p:cTn id="39" fill="hold">
+                          <p:cTn id="33" fill="hold">
                             <p:stCondLst>
                               <p:cond delay="0"/>
                             </p:stCondLst>
                             <p:childTnLst>
                               <p:par>
-                                <p:cTn id="40" presetID="10" presetClass="entr" presetSubtype="0" fill="hold" nodeType="clickEffect">
+                                <p:cTn id="34" presetID="10" presetClass="entr" presetSubtype="0" fill="hold" nodeType="clickEffect">
                                   <p:stCondLst>
                                     <p:cond delay="0"/>
                                   </p:stCondLst>
                                   <p:childTnLst>
                                     <p:set>
                                       <p:cBhvr>
-                                        <p:cTn id="41" dur="1" fill="hold">
+                                        <p:cTn id="35" dur="1" fill="hold">
                                           <p:stCondLst>
                                             <p:cond delay="0"/>
                                           </p:stCondLst>
@@ -30638,7 +30231,7 @@
                                     </p:set>
                                     <p:animEffect transition="in" filter="fade">
                                       <p:cBhvr>
-                                        <p:cTn id="42" dur="500"/>
+                                        <p:cTn id="36" dur="500"/>
                                         <p:tgtEl>
                                           <p:spTgt spid="11"/>
                                         </p:tgtEl>
@@ -31521,13 +31114,13 @@
   <p:clrMapOvr>
     <a:masterClrMapping/>
   </p:clrMapOvr>
-  <mc:AlternateContent xmlns:mc="http://schemas.openxmlformats.org/markup-compatibility/2006">
-    <mc:Choice xmlns:p159="http://schemas.microsoft.com/office/powerpoint/2015/09/main" Requires="p159">
+  <mc:AlternateContent xmlns:mc="http://schemas.openxmlformats.org/markup-compatibility/2006" xmlns:p159="http://schemas.microsoft.com/office/powerpoint/2015/09/main">
+    <mc:Choice Requires="p159">
       <p:transition xmlns:p14="http://schemas.microsoft.com/office/powerpoint/2010/main" spd="slow" p14:dur="2000">
         <p159:morph option="byObject"/>
       </p:transition>
     </mc:Choice>
-    <mc:Fallback>
+    <mc:Fallback xmlns="">
       <p:transition spd="slow">
         <p:fade/>
       </p:transition>
@@ -31545,6 +31138,9 @@
                     <p:cTn id="3" fill="hold">
                       <p:stCondLst>
                         <p:cond delay="indefinite"/>
+                        <p:cond evt="onBegin" delay="0">
+                          <p:tn val="2"/>
+                        </p:cond>
                       </p:stCondLst>
                       <p:childTnLst>
                         <p:par>
@@ -31554,7 +31150,7 @@
                             </p:stCondLst>
                             <p:childTnLst>
                               <p:par>
-                                <p:cTn id="5" presetID="10" presetClass="entr" presetSubtype="0" fill="hold" nodeType="clickEffect">
+                                <p:cTn id="5" presetID="10" presetClass="entr" presetSubtype="0" fill="hold" nodeType="afterEffect">
                                   <p:stCondLst>
                                     <p:cond delay="0"/>
                                   </p:stCondLst>
@@ -31596,24 +31192,15 @@
                                   </p:childTnLst>
                                 </p:cTn>
                               </p:par>
-                            </p:childTnLst>
-                          </p:cTn>
-                        </p:par>
-                        <p:par>
-                          <p:cTn id="8" fill="hold">
-                            <p:stCondLst>
-                              <p:cond delay="1000"/>
-                            </p:stCondLst>
-                            <p:childTnLst>
                               <p:par>
-                                <p:cTn id="9" presetID="10" presetClass="entr" presetSubtype="0" fill="hold" nodeType="afterEffect">
+                                <p:cTn id="8" presetID="10" presetClass="entr" presetSubtype="0" fill="hold" nodeType="withEffect">
                                   <p:stCondLst>
                                     <p:cond delay="0"/>
                                   </p:stCondLst>
                                   <p:childTnLst>
                                     <p:set>
                                       <p:cBhvr>
-                                        <p:cTn id="10" dur="1" fill="hold">
+                                        <p:cTn id="9" dur="1" fill="hold">
                                           <p:stCondLst>
                                             <p:cond delay="0"/>
                                           </p:stCondLst>
@@ -31635,7 +31222,7 @@
                                     </p:set>
                                     <p:animEffect transition="in" filter="fade">
                                       <p:cBhvr>
-                                        <p:cTn id="11" dur="1000"/>
+                                        <p:cTn id="10" dur="1000"/>
                                         <p:tgtEl>
                                           <p:spTgt spid="9">
                                             <p:txEl>
@@ -31648,24 +31235,15 @@
                                   </p:childTnLst>
                                 </p:cTn>
                               </p:par>
-                            </p:childTnLst>
-                          </p:cTn>
-                        </p:par>
-                        <p:par>
-                          <p:cTn id="12" fill="hold">
-                            <p:stCondLst>
-                              <p:cond delay="2000"/>
-                            </p:stCondLst>
-                            <p:childTnLst>
                               <p:par>
-                                <p:cTn id="13" presetID="10" presetClass="entr" presetSubtype="0" fill="hold" nodeType="afterEffect">
+                                <p:cTn id="11" presetID="10" presetClass="entr" presetSubtype="0" fill="hold" nodeType="withEffect">
                                   <p:stCondLst>
                                     <p:cond delay="0"/>
                                   </p:stCondLst>
                                   <p:childTnLst>
                                     <p:set>
                                       <p:cBhvr>
-                                        <p:cTn id="14" dur="1" fill="hold">
+                                        <p:cTn id="12" dur="1" fill="hold">
                                           <p:stCondLst>
                                             <p:cond delay="0"/>
                                           </p:stCondLst>
@@ -31687,7 +31265,7 @@
                                     </p:set>
                                     <p:animEffect transition="in" filter="fade">
                                       <p:cBhvr>
-                                        <p:cTn id="15" dur="1000"/>
+                                        <p:cTn id="13" dur="1000"/>
                                         <p:tgtEl>
                                           <p:spTgt spid="9">
                                             <p:txEl>
@@ -31703,30 +31281,21 @@
                             </p:childTnLst>
                           </p:cTn>
                         </p:par>
-                      </p:childTnLst>
-                    </p:cTn>
-                  </p:par>
-                  <p:par>
-                    <p:cTn id="16" fill="hold">
-                      <p:stCondLst>
-                        <p:cond delay="indefinite"/>
-                      </p:stCondLst>
-                      <p:childTnLst>
                         <p:par>
-                          <p:cTn id="17" fill="hold">
+                          <p:cTn id="14" fill="hold">
                             <p:stCondLst>
-                              <p:cond delay="0"/>
+                              <p:cond delay="1000"/>
                             </p:stCondLst>
                             <p:childTnLst>
                               <p:par>
-                                <p:cTn id="18" presetID="10" presetClass="entr" presetSubtype="0" fill="hold" nodeType="clickEffect">
+                                <p:cTn id="15" presetID="10" presetClass="entr" presetSubtype="0" fill="hold" nodeType="afterEffect">
                                   <p:stCondLst>
                                     <p:cond delay="0"/>
                                   </p:stCondLst>
                                   <p:childTnLst>
                                     <p:set>
                                       <p:cBhvr>
-                                        <p:cTn id="19" dur="1" fill="hold">
+                                        <p:cTn id="16" dur="1" fill="hold">
                                           <p:stCondLst>
                                             <p:cond delay="0"/>
                                           </p:stCondLst>
@@ -31748,7 +31317,7 @@
                                     </p:set>
                                     <p:animEffect transition="in" filter="fade">
                                       <p:cBhvr>
-                                        <p:cTn id="20" dur="1000"/>
+                                        <p:cTn id="17" dur="1000"/>
                                         <p:tgtEl>
                                           <p:spTgt spid="22">
                                             <p:txEl>
@@ -31761,24 +31330,15 @@
                                   </p:childTnLst>
                                 </p:cTn>
                               </p:par>
-                            </p:childTnLst>
-                          </p:cTn>
-                        </p:par>
-                        <p:par>
-                          <p:cTn id="21" fill="hold">
-                            <p:stCondLst>
-                              <p:cond delay="1000"/>
-                            </p:stCondLst>
-                            <p:childTnLst>
                               <p:par>
-                                <p:cTn id="22" presetID="10" presetClass="entr" presetSubtype="0" fill="hold" nodeType="afterEffect">
+                                <p:cTn id="18" presetID="10" presetClass="entr" presetSubtype="0" fill="hold" nodeType="withEffect">
                                   <p:stCondLst>
                                     <p:cond delay="0"/>
                                   </p:stCondLst>
                                   <p:childTnLst>
                                     <p:set>
                                       <p:cBhvr>
-                                        <p:cTn id="23" dur="1" fill="hold">
+                                        <p:cTn id="19" dur="1" fill="hold">
                                           <p:stCondLst>
                                             <p:cond delay="0"/>
                                           </p:stCondLst>
@@ -31800,7 +31360,7 @@
                                     </p:set>
                                     <p:animEffect transition="in" filter="fade">
                                       <p:cBhvr>
-                                        <p:cTn id="24" dur="1000"/>
+                                        <p:cTn id="20" dur="1000"/>
                                         <p:tgtEl>
                                           <p:spTgt spid="22">
                                             <p:txEl>
@@ -31813,24 +31373,15 @@
                                   </p:childTnLst>
                                 </p:cTn>
                               </p:par>
-                            </p:childTnLst>
-                          </p:cTn>
-                        </p:par>
-                        <p:par>
-                          <p:cTn id="25" fill="hold">
-                            <p:stCondLst>
-                              <p:cond delay="2000"/>
-                            </p:stCondLst>
-                            <p:childTnLst>
                               <p:par>
-                                <p:cTn id="26" presetID="10" presetClass="entr" presetSubtype="0" fill="hold" nodeType="afterEffect">
+                                <p:cTn id="21" presetID="10" presetClass="entr" presetSubtype="0" fill="hold" nodeType="withEffect">
                                   <p:stCondLst>
                                     <p:cond delay="0"/>
                                   </p:stCondLst>
                                   <p:childTnLst>
                                     <p:set>
                                       <p:cBhvr>
-                                        <p:cTn id="27" dur="1" fill="hold">
+                                        <p:cTn id="22" dur="1" fill="hold">
                                           <p:stCondLst>
                                             <p:cond delay="0"/>
                                           </p:stCondLst>
@@ -31852,7 +31403,7 @@
                                     </p:set>
                                     <p:animEffect transition="in" filter="fade">
                                       <p:cBhvr>
-                                        <p:cTn id="28" dur="1000"/>
+                                        <p:cTn id="23" dur="1000"/>
                                         <p:tgtEl>
                                           <p:spTgt spid="22">
                                             <p:txEl>
@@ -31865,24 +31416,15 @@
                                   </p:childTnLst>
                                 </p:cTn>
                               </p:par>
-                            </p:childTnLst>
-                          </p:cTn>
-                        </p:par>
-                        <p:par>
-                          <p:cTn id="29" fill="hold">
-                            <p:stCondLst>
-                              <p:cond delay="3000"/>
-                            </p:stCondLst>
-                            <p:childTnLst>
                               <p:par>
-                                <p:cTn id="30" presetID="10" presetClass="entr" presetSubtype="0" fill="hold" nodeType="afterEffect">
+                                <p:cTn id="24" presetID="10" presetClass="entr" presetSubtype="0" fill="hold" nodeType="withEffect">
                                   <p:stCondLst>
                                     <p:cond delay="0"/>
                                   </p:stCondLst>
                                   <p:childTnLst>
                                     <p:set>
                                       <p:cBhvr>
-                                        <p:cTn id="31" dur="1" fill="hold">
+                                        <p:cTn id="25" dur="1" fill="hold">
                                           <p:stCondLst>
                                             <p:cond delay="0"/>
                                           </p:stCondLst>
@@ -31904,7 +31446,7 @@
                                     </p:set>
                                     <p:animEffect transition="in" filter="fade">
                                       <p:cBhvr>
-                                        <p:cTn id="32" dur="1000"/>
+                                        <p:cTn id="26" dur="1000"/>
                                         <p:tgtEl>
                                           <p:spTgt spid="22">
                                             <p:txEl>
@@ -31924,26 +31466,26 @@
                     </p:cTn>
                   </p:par>
                   <p:par>
-                    <p:cTn id="33" fill="hold">
+                    <p:cTn id="27" fill="hold">
                       <p:stCondLst>
                         <p:cond delay="indefinite"/>
                       </p:stCondLst>
                       <p:childTnLst>
                         <p:par>
-                          <p:cTn id="34" fill="hold">
+                          <p:cTn id="28" fill="hold">
                             <p:stCondLst>
                               <p:cond delay="0"/>
                             </p:stCondLst>
                             <p:childTnLst>
                               <p:par>
-                                <p:cTn id="35" presetID="10" presetClass="entr" presetSubtype="0" fill="hold" nodeType="clickEffect">
+                                <p:cTn id="29" presetID="10" presetClass="entr" presetSubtype="0" fill="hold" nodeType="clickEffect">
                                   <p:stCondLst>
                                     <p:cond delay="0"/>
                                   </p:stCondLst>
                                   <p:childTnLst>
                                     <p:set>
                                       <p:cBhvr>
-                                        <p:cTn id="36" dur="1" fill="hold">
+                                        <p:cTn id="30" dur="1" fill="hold">
                                           <p:stCondLst>
                                             <p:cond delay="0"/>
                                           </p:stCondLst>
@@ -31961,7 +31503,7 @@
                                     </p:set>
                                     <p:animEffect transition="in" filter="fade">
                                       <p:cBhvr>
-                                        <p:cTn id="37" dur="500"/>
+                                        <p:cTn id="31" dur="500"/>
                                         <p:tgtEl>
                                           <p:spTgt spid="21"/>
                                         </p:tgtEl>
@@ -32857,13 +32399,13 @@
   <p:clrMapOvr>
     <a:masterClrMapping/>
   </p:clrMapOvr>
-  <mc:AlternateContent xmlns:mc="http://schemas.openxmlformats.org/markup-compatibility/2006">
-    <mc:Choice xmlns:p159="http://schemas.microsoft.com/office/powerpoint/2015/09/main" Requires="p159">
+  <mc:AlternateContent xmlns:mc="http://schemas.openxmlformats.org/markup-compatibility/2006" xmlns:p159="http://schemas.microsoft.com/office/powerpoint/2015/09/main">
+    <mc:Choice Requires="p159">
       <p:transition xmlns:p14="http://schemas.microsoft.com/office/powerpoint/2010/main" spd="slow" p14:dur="2000">
         <p159:morph option="byObject"/>
       </p:transition>
     </mc:Choice>
-    <mc:Fallback>
+    <mc:Fallback xmlns="">
       <p:transition spd="slow">
         <p:fade/>
       </p:transition>
@@ -32881,6 +32423,9 @@
                     <p:cTn id="3" fill="hold">
                       <p:stCondLst>
                         <p:cond delay="indefinite"/>
+                        <p:cond evt="onBegin" delay="0">
+                          <p:tn val="2"/>
+                        </p:cond>
                       </p:stCondLst>
                       <p:childTnLst>
                         <p:par>
@@ -32890,7 +32435,7 @@
                             </p:stCondLst>
                             <p:childTnLst>
                               <p:par>
-                                <p:cTn id="5" presetID="10" presetClass="entr" presetSubtype="0" fill="hold" nodeType="clickEffect">
+                                <p:cTn id="5" presetID="10" presetClass="entr" presetSubtype="0" fill="hold" nodeType="afterEffect">
                                   <p:stCondLst>
                                     <p:cond delay="0"/>
                                   </p:stCondLst>
@@ -32932,24 +32477,15 @@
                                   </p:childTnLst>
                                 </p:cTn>
                               </p:par>
-                            </p:childTnLst>
-                          </p:cTn>
-                        </p:par>
-                        <p:par>
-                          <p:cTn id="8" fill="hold">
-                            <p:stCondLst>
-                              <p:cond delay="1000"/>
-                            </p:stCondLst>
-                            <p:childTnLst>
                               <p:par>
-                                <p:cTn id="9" presetID="10" presetClass="entr" presetSubtype="0" fill="hold" nodeType="afterEffect">
+                                <p:cTn id="8" presetID="10" presetClass="entr" presetSubtype="0" fill="hold" nodeType="withEffect">
                                   <p:stCondLst>
                                     <p:cond delay="0"/>
                                   </p:stCondLst>
                                   <p:childTnLst>
                                     <p:set>
                                       <p:cBhvr>
-                                        <p:cTn id="10" dur="1" fill="hold">
+                                        <p:cTn id="9" dur="1" fill="hold">
                                           <p:stCondLst>
                                             <p:cond delay="0"/>
                                           </p:stCondLst>
@@ -32971,7 +32507,7 @@
                                     </p:set>
                                     <p:animEffect transition="in" filter="fade">
                                       <p:cBhvr>
-                                        <p:cTn id="11" dur="1000"/>
+                                        <p:cTn id="10" dur="1000"/>
                                         <p:tgtEl>
                                           <p:spTgt spid="9">
                                             <p:txEl>
@@ -32984,24 +32520,15 @@
                                   </p:childTnLst>
                                 </p:cTn>
                               </p:par>
-                            </p:childTnLst>
-                          </p:cTn>
-                        </p:par>
-                        <p:par>
-                          <p:cTn id="12" fill="hold">
-                            <p:stCondLst>
-                              <p:cond delay="2000"/>
-                            </p:stCondLst>
-                            <p:childTnLst>
                               <p:par>
-                                <p:cTn id="13" presetID="10" presetClass="entr" presetSubtype="0" fill="hold" nodeType="afterEffect">
+                                <p:cTn id="11" presetID="10" presetClass="entr" presetSubtype="0" fill="hold" nodeType="withEffect">
                                   <p:stCondLst>
                                     <p:cond delay="0"/>
                                   </p:stCondLst>
                                   <p:childTnLst>
                                     <p:set>
                                       <p:cBhvr>
-                                        <p:cTn id="14" dur="1" fill="hold">
+                                        <p:cTn id="12" dur="1" fill="hold">
                                           <p:stCondLst>
                                             <p:cond delay="0"/>
                                           </p:stCondLst>
@@ -33023,7 +32550,7 @@
                                     </p:set>
                                     <p:animEffect transition="in" filter="fade">
                                       <p:cBhvr>
-                                        <p:cTn id="15" dur="1000"/>
+                                        <p:cTn id="13" dur="1000"/>
                                         <p:tgtEl>
                                           <p:spTgt spid="9">
                                             <p:txEl>
@@ -33036,24 +32563,15 @@
                                   </p:childTnLst>
                                 </p:cTn>
                               </p:par>
-                            </p:childTnLst>
-                          </p:cTn>
-                        </p:par>
-                        <p:par>
-                          <p:cTn id="16" fill="hold">
-                            <p:stCondLst>
-                              <p:cond delay="3000"/>
-                            </p:stCondLst>
-                            <p:childTnLst>
                               <p:par>
-                                <p:cTn id="17" presetID="10" presetClass="entr" presetSubtype="0" fill="hold" nodeType="afterEffect">
+                                <p:cTn id="14" presetID="10" presetClass="entr" presetSubtype="0" fill="hold" nodeType="withEffect">
                                   <p:stCondLst>
                                     <p:cond delay="0"/>
                                   </p:stCondLst>
                                   <p:childTnLst>
                                     <p:set>
                                       <p:cBhvr>
-                                        <p:cTn id="18" dur="1" fill="hold">
+                                        <p:cTn id="15" dur="1" fill="hold">
                                           <p:stCondLst>
                                             <p:cond delay="0"/>
                                           </p:stCondLst>
@@ -33075,7 +32593,7 @@
                                     </p:set>
                                     <p:animEffect transition="in" filter="fade">
                                       <p:cBhvr>
-                                        <p:cTn id="19" dur="1000"/>
+                                        <p:cTn id="16" dur="1000"/>
                                         <p:tgtEl>
                                           <p:spTgt spid="9">
                                             <p:txEl>
@@ -33095,26 +32613,26 @@
                     </p:cTn>
                   </p:par>
                   <p:par>
-                    <p:cTn id="20" fill="hold">
+                    <p:cTn id="17" fill="hold">
                       <p:stCondLst>
                         <p:cond delay="indefinite"/>
                       </p:stCondLst>
                       <p:childTnLst>
                         <p:par>
-                          <p:cTn id="21" fill="hold">
+                          <p:cTn id="18" fill="hold">
                             <p:stCondLst>
                               <p:cond delay="0"/>
                             </p:stCondLst>
                             <p:childTnLst>
                               <p:par>
-                                <p:cTn id="22" presetID="10" presetClass="entr" presetSubtype="0" fill="hold" nodeType="clickEffect">
+                                <p:cTn id="19" presetID="10" presetClass="entr" presetSubtype="0" fill="hold" nodeType="clickEffect">
                                   <p:stCondLst>
                                     <p:cond delay="0"/>
                                   </p:stCondLst>
                                   <p:childTnLst>
                                     <p:set>
                                       <p:cBhvr>
-                                        <p:cTn id="23" dur="1" fill="hold">
+                                        <p:cTn id="20" dur="1" fill="hold">
                                           <p:stCondLst>
                                             <p:cond delay="0"/>
                                           </p:stCondLst>
@@ -33132,7 +32650,7 @@
                                     </p:set>
                                     <p:animEffect transition="in" filter="fade">
                                       <p:cBhvr>
-                                        <p:cTn id="24" dur="500"/>
+                                        <p:cTn id="21" dur="500"/>
                                         <p:tgtEl>
                                           <p:spTgt spid="8"/>
                                         </p:tgtEl>
@@ -33148,26 +32666,26 @@
                     </p:cTn>
                   </p:par>
                   <p:par>
-                    <p:cTn id="25" fill="hold">
+                    <p:cTn id="22" fill="hold">
                       <p:stCondLst>
                         <p:cond delay="indefinite"/>
                       </p:stCondLst>
                       <p:childTnLst>
                         <p:par>
-                          <p:cTn id="26" fill="hold">
+                          <p:cTn id="23" fill="hold">
                             <p:stCondLst>
                               <p:cond delay="0"/>
                             </p:stCondLst>
                             <p:childTnLst>
                               <p:par>
-                                <p:cTn id="27" presetID="10" presetClass="entr" presetSubtype="0" fill="hold" nodeType="clickEffect">
+                                <p:cTn id="24" presetID="10" presetClass="entr" presetSubtype="0" fill="hold" nodeType="clickEffect">
                                   <p:stCondLst>
                                     <p:cond delay="0"/>
                                   </p:stCondLst>
                                   <p:childTnLst>
                                     <p:set>
                                       <p:cBhvr>
-                                        <p:cTn id="28" dur="1" fill="hold">
+                                        <p:cTn id="25" dur="1" fill="hold">
                                           <p:stCondLst>
                                             <p:cond delay="0"/>
                                           </p:stCondLst>
@@ -33185,7 +32703,7 @@
                                     </p:set>
                                     <p:animEffect transition="in" filter="fade">
                                       <p:cBhvr>
-                                        <p:cTn id="29" dur="500"/>
+                                        <p:cTn id="26" dur="500"/>
                                         <p:tgtEl>
                                           <p:spTgt spid="20"/>
                                         </p:tgtEl>
@@ -33195,14 +32713,14 @@
                                 </p:cTn>
                               </p:par>
                               <p:par>
-                                <p:cTn id="30" presetID="10" presetClass="entr" presetSubtype="0" fill="hold" nodeType="withEffect">
+                                <p:cTn id="27" presetID="10" presetClass="entr" presetSubtype="0" fill="hold" nodeType="withEffect">
                                   <p:stCondLst>
                                     <p:cond delay="0"/>
                                   </p:stCondLst>
                                   <p:childTnLst>
                                     <p:set>
                                       <p:cBhvr>
-                                        <p:cTn id="31" dur="1" fill="hold">
+                                        <p:cTn id="28" dur="1" fill="hold">
                                           <p:stCondLst>
                                             <p:cond delay="0"/>
                                           </p:stCondLst>
@@ -33220,7 +32738,7 @@
                                     </p:set>
                                     <p:animEffect transition="in" filter="fade">
                                       <p:cBhvr>
-                                        <p:cTn id="32" dur="500"/>
+                                        <p:cTn id="29" dur="500"/>
                                         <p:tgtEl>
                                           <p:spTgt spid="21"/>
                                         </p:tgtEl>
@@ -33236,26 +32754,26 @@
                     </p:cTn>
                   </p:par>
                   <p:par>
-                    <p:cTn id="33" fill="hold">
+                    <p:cTn id="30" fill="hold">
                       <p:stCondLst>
                         <p:cond delay="indefinite"/>
                       </p:stCondLst>
                       <p:childTnLst>
                         <p:par>
-                          <p:cTn id="34" fill="hold">
+                          <p:cTn id="31" fill="hold">
                             <p:stCondLst>
                               <p:cond delay="0"/>
                             </p:stCondLst>
                             <p:childTnLst>
                               <p:par>
-                                <p:cTn id="35" presetID="10" presetClass="entr" presetSubtype="0" fill="hold" nodeType="clickEffect">
+                                <p:cTn id="32" presetID="10" presetClass="entr" presetSubtype="0" fill="hold" nodeType="clickEffect">
                                   <p:stCondLst>
                                     <p:cond delay="0"/>
                                   </p:stCondLst>
                                   <p:childTnLst>
                                     <p:set>
                                       <p:cBhvr>
-                                        <p:cTn id="36" dur="1" fill="hold">
+                                        <p:cTn id="33" dur="1" fill="hold">
                                           <p:stCondLst>
                                             <p:cond delay="0"/>
                                           </p:stCondLst>
@@ -33273,7 +32791,7 @@
                                     </p:set>
                                     <p:animEffect transition="in" filter="fade">
                                       <p:cBhvr>
-                                        <p:cTn id="37" dur="500"/>
+                                        <p:cTn id="34" dur="500"/>
                                         <p:tgtEl>
                                           <p:spTgt spid="14"/>
                                         </p:tgtEl>
@@ -33283,14 +32801,14 @@
                                 </p:cTn>
                               </p:par>
                               <p:par>
-                                <p:cTn id="38" presetID="10" presetClass="entr" presetSubtype="0" fill="hold" nodeType="withEffect">
+                                <p:cTn id="35" presetID="10" presetClass="entr" presetSubtype="0" fill="hold" nodeType="withEffect">
                                   <p:stCondLst>
                                     <p:cond delay="0"/>
                                   </p:stCondLst>
                                   <p:childTnLst>
                                     <p:set>
                                       <p:cBhvr>
-                                        <p:cTn id="39" dur="1" fill="hold">
+                                        <p:cTn id="36" dur="1" fill="hold">
                                           <p:stCondLst>
                                             <p:cond delay="0"/>
                                           </p:stCondLst>
@@ -33308,7 +32826,7 @@
                                     </p:set>
                                     <p:animEffect transition="in" filter="fade">
                                       <p:cBhvr>
-                                        <p:cTn id="40" dur="500"/>
+                                        <p:cTn id="37" dur="500"/>
                                         <p:tgtEl>
                                           <p:spTgt spid="15"/>
                                         </p:tgtEl>
@@ -33324,26 +32842,26 @@
                     </p:cTn>
                   </p:par>
                   <p:par>
-                    <p:cTn id="41" fill="hold">
+                    <p:cTn id="38" fill="hold">
                       <p:stCondLst>
                         <p:cond delay="indefinite"/>
                       </p:stCondLst>
                       <p:childTnLst>
                         <p:par>
-                          <p:cTn id="42" fill="hold">
+                          <p:cTn id="39" fill="hold">
                             <p:stCondLst>
                               <p:cond delay="0"/>
                             </p:stCondLst>
                             <p:childTnLst>
                               <p:par>
-                                <p:cTn id="43" presetID="10" presetClass="entr" presetSubtype="0" fill="hold" nodeType="clickEffect">
+                                <p:cTn id="40" presetID="10" presetClass="entr" presetSubtype="0" fill="hold" nodeType="clickEffect">
                                   <p:stCondLst>
                                     <p:cond delay="0"/>
                                   </p:stCondLst>
                                   <p:childTnLst>
                                     <p:set>
                                       <p:cBhvr>
-                                        <p:cTn id="44" dur="1" fill="hold">
+                                        <p:cTn id="41" dur="1" fill="hold">
                                           <p:stCondLst>
                                             <p:cond delay="0"/>
                                           </p:stCondLst>
@@ -33361,7 +32879,7 @@
                                     </p:set>
                                     <p:animEffect transition="in" filter="fade">
                                       <p:cBhvr>
-                                        <p:cTn id="45" dur="500"/>
+                                        <p:cTn id="42" dur="500"/>
                                         <p:tgtEl>
                                           <p:spTgt spid="16"/>
                                         </p:tgtEl>
@@ -33371,14 +32889,14 @@
                                 </p:cTn>
                               </p:par>
                               <p:par>
-                                <p:cTn id="46" presetID="10" presetClass="entr" presetSubtype="0" fill="hold" nodeType="withEffect">
+                                <p:cTn id="43" presetID="10" presetClass="entr" presetSubtype="0" fill="hold" nodeType="withEffect">
                                   <p:stCondLst>
                                     <p:cond delay="0"/>
                                   </p:stCondLst>
                                   <p:childTnLst>
                                     <p:set>
                                       <p:cBhvr>
-                                        <p:cTn id="47" dur="1" fill="hold">
+                                        <p:cTn id="44" dur="1" fill="hold">
                                           <p:stCondLst>
                                             <p:cond delay="0"/>
                                           </p:stCondLst>
@@ -33396,7 +32914,7 @@
                                     </p:set>
                                     <p:animEffect transition="in" filter="fade">
                                       <p:cBhvr>
-                                        <p:cTn id="48" dur="500"/>
+                                        <p:cTn id="45" dur="500"/>
                                         <p:tgtEl>
                                           <p:spTgt spid="17"/>
                                         </p:tgtEl>
@@ -34661,6 +34179,225 @@
           </a:p>
         </p:txBody>
       </p:sp>
+      <p:sp>
+        <p:nvSpPr>
+          <p:cNvPr id="9" name="Subtitle 2">
+            <a:extLst>
+              <a:ext uri="{FF2B5EF4-FFF2-40B4-BE49-F238E27FC236}">
+                <a16:creationId xmlns:a16="http://schemas.microsoft.com/office/drawing/2014/main" id="{7A45B698-534C-4FEF-9C05-B4575D0A6A5D}"/>
+              </a:ext>
+            </a:extLst>
+          </p:cNvPr>
+          <p:cNvSpPr txBox="1">
+            <a:spLocks/>
+          </p:cNvSpPr>
+          <p:nvPr/>
+        </p:nvSpPr>
+        <p:spPr>
+          <a:xfrm>
+            <a:off x="7755592" y="6858000"/>
+            <a:ext cx="3297160" cy="763600"/>
+          </a:xfrm>
+          <a:prstGeom prst="rect">
+            <a:avLst/>
+          </a:prstGeom>
+          <a:noFill/>
+          <a:ln>
+            <a:noFill/>
+          </a:ln>
+        </p:spPr>
+        <p:txBody>
+          <a:bodyPr spcFirstLastPara="1" wrap="square" lIns="91425" tIns="91425" rIns="91425" bIns="91425" anchor="t" anchorCtr="0">
+            <a:noAutofit/>
+          </a:bodyPr>
+          <a:lstStyle>
+            <a:defPPr marR="0" lvl="0" algn="l" rtl="0">
+              <a:lnSpc>
+                <a:spcPct val="100000"/>
+              </a:lnSpc>
+              <a:spcBef>
+                <a:spcPts val="0"/>
+              </a:spcBef>
+              <a:spcAft>
+                <a:spcPts val="0"/>
+              </a:spcAft>
+            </a:defPPr>
+            <a:lvl1pPr marL="9525" indent="-9525" eaLnBrk="1" hangingPunct="1">
+              <a:buClr>
+                <a:schemeClr val="dk1"/>
+              </a:buClr>
+              <a:buSzPts val="1200"/>
+              <a:buFont typeface="Hind"/>
+              <a:buNone/>
+              <a:defRPr sz="2100">
+                <a:solidFill>
+                  <a:schemeClr val="dk1"/>
+                </a:solidFill>
+                <a:latin typeface="Oxanium"/>
+                <a:ea typeface="Hind"/>
+                <a:cs typeface="Hind"/>
+                <a:sym typeface="Hind"/>
+              </a:defRPr>
+            </a:lvl1pPr>
+            <a:lvl2pPr marL="914400" indent="-304800" algn="ctr" eaLnBrk="1" hangingPunct="1">
+              <a:buClr>
+                <a:schemeClr val="dk1"/>
+              </a:buClr>
+              <a:buSzPts val="1800"/>
+              <a:buFont typeface="Hind"/>
+              <a:buNone/>
+              <a:defRPr sz="2400">
+                <a:solidFill>
+                  <a:schemeClr val="dk1"/>
+                </a:solidFill>
+                <a:latin typeface="Hind"/>
+                <a:ea typeface="Hind"/>
+                <a:cs typeface="Hind"/>
+                <a:sym typeface="Hind"/>
+              </a:defRPr>
+            </a:lvl2pPr>
+            <a:lvl3pPr marL="1371600" indent="-304800" algn="ctr" eaLnBrk="1" hangingPunct="1">
+              <a:buClr>
+                <a:schemeClr val="dk1"/>
+              </a:buClr>
+              <a:buSzPts val="1800"/>
+              <a:buFont typeface="Hind"/>
+              <a:buNone/>
+              <a:defRPr sz="2400">
+                <a:solidFill>
+                  <a:schemeClr val="dk1"/>
+                </a:solidFill>
+                <a:latin typeface="Hind"/>
+                <a:ea typeface="Hind"/>
+                <a:cs typeface="Hind"/>
+                <a:sym typeface="Hind"/>
+              </a:defRPr>
+            </a:lvl3pPr>
+            <a:lvl4pPr marL="1828800" indent="-304800" algn="ctr" eaLnBrk="1" hangingPunct="1">
+              <a:buClr>
+                <a:schemeClr val="dk1"/>
+              </a:buClr>
+              <a:buSzPts val="1800"/>
+              <a:buFont typeface="Hind"/>
+              <a:buNone/>
+              <a:defRPr sz="2400">
+                <a:solidFill>
+                  <a:schemeClr val="dk1"/>
+                </a:solidFill>
+                <a:latin typeface="Hind"/>
+                <a:ea typeface="Hind"/>
+                <a:cs typeface="Hind"/>
+                <a:sym typeface="Hind"/>
+              </a:defRPr>
+            </a:lvl4pPr>
+            <a:lvl5pPr marL="2286000" indent="-304800" algn="ctr" eaLnBrk="1" hangingPunct="1">
+              <a:buClr>
+                <a:schemeClr val="dk1"/>
+              </a:buClr>
+              <a:buSzPts val="1800"/>
+              <a:buFont typeface="Hind"/>
+              <a:buNone/>
+              <a:defRPr sz="2400">
+                <a:solidFill>
+                  <a:schemeClr val="dk1"/>
+                </a:solidFill>
+                <a:latin typeface="Hind"/>
+                <a:ea typeface="Hind"/>
+                <a:cs typeface="Hind"/>
+                <a:sym typeface="Hind"/>
+              </a:defRPr>
+            </a:lvl5pPr>
+            <a:lvl6pPr marL="2743200" indent="-304800" algn="ctr" eaLnBrk="1" hangingPunct="1">
+              <a:buClr>
+                <a:schemeClr val="dk1"/>
+              </a:buClr>
+              <a:buSzPts val="1800"/>
+              <a:buFont typeface="Hind"/>
+              <a:buNone/>
+              <a:defRPr sz="2400">
+                <a:solidFill>
+                  <a:schemeClr val="dk1"/>
+                </a:solidFill>
+                <a:latin typeface="Hind"/>
+                <a:ea typeface="Hind"/>
+                <a:cs typeface="Hind"/>
+                <a:sym typeface="Hind"/>
+              </a:defRPr>
+            </a:lvl6pPr>
+            <a:lvl7pPr marL="3200400" indent="-304800" algn="ctr" eaLnBrk="1" hangingPunct="1">
+              <a:buClr>
+                <a:schemeClr val="dk1"/>
+              </a:buClr>
+              <a:buSzPts val="1800"/>
+              <a:buFont typeface="Hind"/>
+              <a:buNone/>
+              <a:defRPr sz="2400">
+                <a:solidFill>
+                  <a:schemeClr val="dk1"/>
+                </a:solidFill>
+                <a:latin typeface="Hind"/>
+                <a:ea typeface="Hind"/>
+                <a:cs typeface="Hind"/>
+                <a:sym typeface="Hind"/>
+              </a:defRPr>
+            </a:lvl7pPr>
+            <a:lvl8pPr marL="3657600" indent="-304800" algn="ctr" eaLnBrk="1" hangingPunct="1">
+              <a:buClr>
+                <a:schemeClr val="dk1"/>
+              </a:buClr>
+              <a:buSzPts val="1800"/>
+              <a:buFont typeface="Hind"/>
+              <a:buNone/>
+              <a:defRPr sz="2400">
+                <a:solidFill>
+                  <a:schemeClr val="dk1"/>
+                </a:solidFill>
+                <a:latin typeface="Hind"/>
+                <a:ea typeface="Hind"/>
+                <a:cs typeface="Hind"/>
+                <a:sym typeface="Hind"/>
+              </a:defRPr>
+            </a:lvl8pPr>
+            <a:lvl9pPr marL="4114800" indent="-304800" algn="ctr" eaLnBrk="1" hangingPunct="1">
+              <a:buClr>
+                <a:schemeClr val="dk1"/>
+              </a:buClr>
+              <a:buSzPts val="1800"/>
+              <a:buFont typeface="Hind"/>
+              <a:buNone/>
+              <a:defRPr sz="2400">
+                <a:solidFill>
+                  <a:schemeClr val="dk1"/>
+                </a:solidFill>
+                <a:latin typeface="Hind"/>
+                <a:ea typeface="Hind"/>
+                <a:cs typeface="Hind"/>
+                <a:sym typeface="Hind"/>
+              </a:defRPr>
+            </a:lvl9pPr>
+          </a:lstStyle>
+          <a:p>
+            <a:pPr marL="342900" indent="-342900">
+              <a:buFont typeface="Arial" panose="020B0604020202020204" pitchFamily="34" charset="0"/>
+              <a:buChar char="•"/>
+            </a:pPr>
+            <a:r>
+              <a:rPr lang="en-GB" dirty="0"/>
+              <a:t>Show password</a:t>
+            </a:r>
+          </a:p>
+          <a:p>
+            <a:pPr marL="342900" indent="-342900">
+              <a:buFont typeface="Arial" panose="020B0604020202020204" pitchFamily="34" charset="0"/>
+              <a:buChar char="•"/>
+            </a:pPr>
+            <a:r>
+              <a:rPr lang="en-GB" dirty="0"/>
+              <a:t>Real time error feedback</a:t>
+            </a:r>
+          </a:p>
+        </p:txBody>
+      </p:sp>
     </p:spTree>
     <p:extLst>
       <p:ext uri="{BB962C8B-B14F-4D97-AF65-F5344CB8AC3E}">
@@ -34671,13 +34408,13 @@
   <p:clrMapOvr>
     <a:masterClrMapping/>
   </p:clrMapOvr>
-  <mc:AlternateContent xmlns:mc="http://schemas.openxmlformats.org/markup-compatibility/2006">
-    <mc:Choice xmlns:p159="http://schemas.microsoft.com/office/powerpoint/2015/09/main" Requires="p159">
+  <mc:AlternateContent xmlns:mc="http://schemas.openxmlformats.org/markup-compatibility/2006" xmlns:p159="http://schemas.microsoft.com/office/powerpoint/2015/09/main">
+    <mc:Choice Requires="p159">
       <p:transition xmlns:p14="http://schemas.microsoft.com/office/powerpoint/2010/main" spd="slow" p14:dur="2000">
         <p159:morph option="byObject"/>
       </p:transition>
     </mc:Choice>
-    <mc:Fallback>
+    <mc:Fallback xmlns="">
       <p:transition spd="slow">
         <p:fade/>
       </p:transition>
@@ -34695,6 +34432,9 @@
                     <p:cTn id="3" fill="hold">
                       <p:stCondLst>
                         <p:cond delay="indefinite"/>
+                        <p:cond evt="onBegin" delay="0">
+                          <p:tn val="2"/>
+                        </p:cond>
                       </p:stCondLst>
                       <p:childTnLst>
                         <p:par>
@@ -34704,7 +34444,7 @@
                             </p:stCondLst>
                             <p:childTnLst>
                               <p:par>
-                                <p:cTn id="5" presetID="10" presetClass="entr" presetSubtype="0" fill="hold" nodeType="clickEffect">
+                                <p:cTn id="5" presetID="10" presetClass="entr" presetSubtype="0" fill="hold" nodeType="afterEffect">
                                   <p:stCondLst>
                                     <p:cond delay="0"/>
                                   </p:stCondLst>
@@ -34738,33 +34478,15 @@
                                   </p:childTnLst>
                                 </p:cTn>
                               </p:par>
-                            </p:childTnLst>
-                          </p:cTn>
-                        </p:par>
-                      </p:childTnLst>
-                    </p:cTn>
-                  </p:par>
-                  <p:par>
-                    <p:cTn id="8" fill="hold">
-                      <p:stCondLst>
-                        <p:cond delay="indefinite"/>
-                      </p:stCondLst>
-                      <p:childTnLst>
-                        <p:par>
-                          <p:cTn id="9" fill="hold">
-                            <p:stCondLst>
-                              <p:cond delay="0"/>
-                            </p:stCondLst>
-                            <p:childTnLst>
                               <p:par>
-                                <p:cTn id="10" presetID="10" presetClass="entr" presetSubtype="0" fill="hold" nodeType="clickEffect">
+                                <p:cTn id="8" presetID="10" presetClass="entr" presetSubtype="0" fill="hold" nodeType="withEffect">
                                   <p:stCondLst>
                                     <p:cond delay="0"/>
                                   </p:stCondLst>
                                   <p:childTnLst>
                                     <p:set>
                                       <p:cBhvr>
-                                        <p:cTn id="11" dur="1" fill="hold">
+                                        <p:cTn id="9" dur="1" fill="hold">
                                           <p:stCondLst>
                                             <p:cond delay="0"/>
                                           </p:stCondLst>
@@ -34786,7 +34508,7 @@
                                     </p:set>
                                     <p:animEffect transition="in" filter="fade">
                                       <p:cBhvr>
-                                        <p:cTn id="12" dur="1000"/>
+                                        <p:cTn id="10" dur="1000"/>
                                         <p:tgtEl>
                                           <p:spTgt spid="7">
                                             <p:txEl>
@@ -34799,24 +34521,15 @@
                                   </p:childTnLst>
                                 </p:cTn>
                               </p:par>
-                            </p:childTnLst>
-                          </p:cTn>
-                        </p:par>
-                        <p:par>
-                          <p:cTn id="13" fill="hold">
-                            <p:stCondLst>
-                              <p:cond delay="1000"/>
-                            </p:stCondLst>
-                            <p:childTnLst>
                               <p:par>
-                                <p:cTn id="14" presetID="10" presetClass="entr" presetSubtype="0" fill="hold" nodeType="afterEffect">
+                                <p:cTn id="11" presetID="10" presetClass="entr" presetSubtype="0" fill="hold" nodeType="withEffect">
                                   <p:stCondLst>
-                                    <p:cond delay="1000"/>
+                                    <p:cond delay="0"/>
                                   </p:stCondLst>
                                   <p:childTnLst>
                                     <p:set>
                                       <p:cBhvr>
-                                        <p:cTn id="15" dur="1" fill="hold">
+                                        <p:cTn id="12" dur="1" fill="hold">
                                           <p:stCondLst>
                                             <p:cond delay="0"/>
                                           </p:stCondLst>
@@ -34838,7 +34551,7 @@
                                     </p:set>
                                     <p:animEffect transition="in" filter="fade">
                                       <p:cBhvr>
-                                        <p:cTn id="16" dur="1000"/>
+                                        <p:cTn id="13" dur="1000"/>
                                         <p:tgtEl>
                                           <p:spTgt spid="7">
                                             <p:txEl>
@@ -35749,6 +35462,243 @@
           </a:p>
         </p:txBody>
       </p:sp>
+      <p:sp>
+        <p:nvSpPr>
+          <p:cNvPr id="11" name="Subtitle 2">
+            <a:extLst>
+              <a:ext uri="{FF2B5EF4-FFF2-40B4-BE49-F238E27FC236}">
+                <a16:creationId xmlns:a16="http://schemas.microsoft.com/office/drawing/2014/main" id="{D1F634CB-9BEC-459F-AFF2-D1B51000C00C}"/>
+              </a:ext>
+            </a:extLst>
+          </p:cNvPr>
+          <p:cNvSpPr txBox="1">
+            <a:spLocks/>
+          </p:cNvSpPr>
+          <p:nvPr/>
+        </p:nvSpPr>
+        <p:spPr>
+          <a:xfrm>
+            <a:off x="12379858" y="2996949"/>
+            <a:ext cx="4134760" cy="2085476"/>
+          </a:xfrm>
+          <a:prstGeom prst="rect">
+            <a:avLst/>
+          </a:prstGeom>
+          <a:noFill/>
+          <a:ln>
+            <a:noFill/>
+          </a:ln>
+        </p:spPr>
+        <p:txBody>
+          <a:bodyPr spcFirstLastPara="1" wrap="square" lIns="91425" tIns="91425" rIns="91425" bIns="91425" anchor="t" anchorCtr="0">
+            <a:noAutofit/>
+          </a:bodyPr>
+          <a:lstStyle>
+            <a:defPPr marR="0" lvl="0" algn="l" rtl="0">
+              <a:lnSpc>
+                <a:spcPct val="100000"/>
+              </a:lnSpc>
+              <a:spcBef>
+                <a:spcPts val="0"/>
+              </a:spcBef>
+              <a:spcAft>
+                <a:spcPts val="0"/>
+              </a:spcAft>
+            </a:defPPr>
+            <a:lvl1pPr marL="9525" indent="-9525" eaLnBrk="1" hangingPunct="1">
+              <a:buClr>
+                <a:schemeClr val="dk1"/>
+              </a:buClr>
+              <a:buSzPts val="1200"/>
+              <a:buFont typeface="Hind"/>
+              <a:buNone/>
+              <a:defRPr sz="2100">
+                <a:solidFill>
+                  <a:schemeClr val="dk1"/>
+                </a:solidFill>
+                <a:latin typeface="Oxanium"/>
+                <a:ea typeface="Hind"/>
+                <a:cs typeface="Hind"/>
+                <a:sym typeface="Hind"/>
+              </a:defRPr>
+            </a:lvl1pPr>
+            <a:lvl2pPr marL="914400" indent="-304800" algn="ctr" eaLnBrk="1" hangingPunct="1">
+              <a:buClr>
+                <a:schemeClr val="dk1"/>
+              </a:buClr>
+              <a:buSzPts val="1800"/>
+              <a:buFont typeface="Hind"/>
+              <a:buNone/>
+              <a:defRPr sz="2400">
+                <a:solidFill>
+                  <a:schemeClr val="dk1"/>
+                </a:solidFill>
+                <a:latin typeface="Hind"/>
+                <a:ea typeface="Hind"/>
+                <a:cs typeface="Hind"/>
+                <a:sym typeface="Hind"/>
+              </a:defRPr>
+            </a:lvl2pPr>
+            <a:lvl3pPr marL="1371600" indent="-304800" algn="ctr" eaLnBrk="1" hangingPunct="1">
+              <a:buClr>
+                <a:schemeClr val="dk1"/>
+              </a:buClr>
+              <a:buSzPts val="1800"/>
+              <a:buFont typeface="Hind"/>
+              <a:buNone/>
+              <a:defRPr sz="2400">
+                <a:solidFill>
+                  <a:schemeClr val="dk1"/>
+                </a:solidFill>
+                <a:latin typeface="Hind"/>
+                <a:ea typeface="Hind"/>
+                <a:cs typeface="Hind"/>
+                <a:sym typeface="Hind"/>
+              </a:defRPr>
+            </a:lvl3pPr>
+            <a:lvl4pPr marL="1828800" indent="-304800" algn="ctr" eaLnBrk="1" hangingPunct="1">
+              <a:buClr>
+                <a:schemeClr val="dk1"/>
+              </a:buClr>
+              <a:buSzPts val="1800"/>
+              <a:buFont typeface="Hind"/>
+              <a:buNone/>
+              <a:defRPr sz="2400">
+                <a:solidFill>
+                  <a:schemeClr val="dk1"/>
+                </a:solidFill>
+                <a:latin typeface="Hind"/>
+                <a:ea typeface="Hind"/>
+                <a:cs typeface="Hind"/>
+                <a:sym typeface="Hind"/>
+              </a:defRPr>
+            </a:lvl4pPr>
+            <a:lvl5pPr marL="2286000" indent="-304800" algn="ctr" eaLnBrk="1" hangingPunct="1">
+              <a:buClr>
+                <a:schemeClr val="dk1"/>
+              </a:buClr>
+              <a:buSzPts val="1800"/>
+              <a:buFont typeface="Hind"/>
+              <a:buNone/>
+              <a:defRPr sz="2400">
+                <a:solidFill>
+                  <a:schemeClr val="dk1"/>
+                </a:solidFill>
+                <a:latin typeface="Hind"/>
+                <a:ea typeface="Hind"/>
+                <a:cs typeface="Hind"/>
+                <a:sym typeface="Hind"/>
+              </a:defRPr>
+            </a:lvl5pPr>
+            <a:lvl6pPr marL="2743200" indent="-304800" algn="ctr" eaLnBrk="1" hangingPunct="1">
+              <a:buClr>
+                <a:schemeClr val="dk1"/>
+              </a:buClr>
+              <a:buSzPts val="1800"/>
+              <a:buFont typeface="Hind"/>
+              <a:buNone/>
+              <a:defRPr sz="2400">
+                <a:solidFill>
+                  <a:schemeClr val="dk1"/>
+                </a:solidFill>
+                <a:latin typeface="Hind"/>
+                <a:ea typeface="Hind"/>
+                <a:cs typeface="Hind"/>
+                <a:sym typeface="Hind"/>
+              </a:defRPr>
+            </a:lvl6pPr>
+            <a:lvl7pPr marL="3200400" indent="-304800" algn="ctr" eaLnBrk="1" hangingPunct="1">
+              <a:buClr>
+                <a:schemeClr val="dk1"/>
+              </a:buClr>
+              <a:buSzPts val="1800"/>
+              <a:buFont typeface="Hind"/>
+              <a:buNone/>
+              <a:defRPr sz="2400">
+                <a:solidFill>
+                  <a:schemeClr val="dk1"/>
+                </a:solidFill>
+                <a:latin typeface="Hind"/>
+                <a:ea typeface="Hind"/>
+                <a:cs typeface="Hind"/>
+                <a:sym typeface="Hind"/>
+              </a:defRPr>
+            </a:lvl7pPr>
+            <a:lvl8pPr marL="3657600" indent="-304800" algn="ctr" eaLnBrk="1" hangingPunct="1">
+              <a:buClr>
+                <a:schemeClr val="dk1"/>
+              </a:buClr>
+              <a:buSzPts val="1800"/>
+              <a:buFont typeface="Hind"/>
+              <a:buNone/>
+              <a:defRPr sz="2400">
+                <a:solidFill>
+                  <a:schemeClr val="dk1"/>
+                </a:solidFill>
+                <a:latin typeface="Hind"/>
+                <a:ea typeface="Hind"/>
+                <a:cs typeface="Hind"/>
+                <a:sym typeface="Hind"/>
+              </a:defRPr>
+            </a:lvl8pPr>
+            <a:lvl9pPr marL="4114800" indent="-304800" algn="ctr" eaLnBrk="1" hangingPunct="1">
+              <a:buClr>
+                <a:schemeClr val="dk1"/>
+              </a:buClr>
+              <a:buSzPts val="1800"/>
+              <a:buFont typeface="Hind"/>
+              <a:buNone/>
+              <a:defRPr sz="2400">
+                <a:solidFill>
+                  <a:schemeClr val="dk1"/>
+                </a:solidFill>
+                <a:latin typeface="Hind"/>
+                <a:ea typeface="Hind"/>
+                <a:cs typeface="Hind"/>
+                <a:sym typeface="Hind"/>
+              </a:defRPr>
+            </a:lvl9pPr>
+          </a:lstStyle>
+          <a:p>
+            <a:pPr marL="342900" indent="-342900">
+              <a:buFont typeface="Arial" panose="020B0604020202020204" pitchFamily="34" charset="0"/>
+              <a:buChar char="•"/>
+            </a:pPr>
+            <a:r>
+              <a:rPr lang="en-GB" sz="2400" dirty="0"/>
+              <a:t>Books, user and borrowing statistics</a:t>
+            </a:r>
+            <a:endParaRPr lang="en-GB" sz="2400" dirty="0">
+              <a:effectLst/>
+            </a:endParaRPr>
+          </a:p>
+          <a:p>
+            <a:pPr marL="342900" indent="-342900">
+              <a:buFont typeface="Arial" panose="020B0604020202020204" pitchFamily="34" charset="0"/>
+              <a:buChar char="•"/>
+            </a:pPr>
+            <a:r>
+              <a:rPr lang="en-GB" sz="2400" dirty="0">
+                <a:effectLst/>
+              </a:rPr>
+              <a:t>Manage database through the app</a:t>
+            </a:r>
+          </a:p>
+          <a:p>
+            <a:pPr marL="342900" indent="-342900">
+              <a:buFont typeface="Arial" panose="020B0604020202020204" pitchFamily="34" charset="0"/>
+              <a:buChar char="•"/>
+            </a:pPr>
+            <a:r>
+              <a:rPr lang="en-GB" sz="2400" dirty="0"/>
+              <a:t>Change personal data</a:t>
+            </a:r>
+            <a:endParaRPr lang="en-GB" dirty="0">
+              <a:effectLst/>
+            </a:endParaRPr>
+          </a:p>
+        </p:txBody>
+      </p:sp>
     </p:spTree>
     <p:extLst>
       <p:ext uri="{BB962C8B-B14F-4D97-AF65-F5344CB8AC3E}">
@@ -35771,152 +35721,6 @@
       </p:transition>
     </mc:Fallback>
   </mc:AlternateContent>
-  <p:timing>
-    <p:tnLst>
-      <p:par>
-        <p:cTn id="1" dur="indefinite" restart="never" nodeType="tmRoot">
-          <p:childTnLst>
-            <p:seq concurrent="1" nextAc="seek">
-              <p:cTn id="2" dur="indefinite" nodeType="mainSeq">
-                <p:childTnLst>
-                  <p:par>
-                    <p:cTn id="3" fill="hold">
-                      <p:stCondLst>
-                        <p:cond delay="indefinite"/>
-                        <p:cond evt="onBegin" delay="0">
-                          <p:tn val="2"/>
-                        </p:cond>
-                      </p:stCondLst>
-                      <p:childTnLst>
-                        <p:par>
-                          <p:cTn id="4" fill="hold">
-                            <p:stCondLst>
-                              <p:cond delay="0"/>
-                            </p:stCondLst>
-                            <p:childTnLst>
-                              <p:par>
-                                <p:cTn id="5" presetID="10" presetClass="entr" presetSubtype="0" fill="hold" nodeType="afterEffect">
-                                  <p:stCondLst>
-                                    <p:cond delay="1000"/>
-                                  </p:stCondLst>
-                                  <p:childTnLst>
-                                    <p:set>
-                                      <p:cBhvr>
-                                        <p:cTn id="6" dur="1" fill="hold">
-                                          <p:stCondLst>
-                                            <p:cond delay="0"/>
-                                          </p:stCondLst>
-                                        </p:cTn>
-                                        <p:tgtEl>
-                                          <p:spTgt spid="10">
-                                            <p:txEl>
-                                              <p:pRg st="0" end="0"/>
-                                            </p:txEl>
-                                          </p:spTgt>
-                                        </p:tgtEl>
-                                        <p:attrNameLst>
-                                          <p:attrName>style.visibility</p:attrName>
-                                        </p:attrNameLst>
-                                      </p:cBhvr>
-                                      <p:to>
-                                        <p:strVal val="visible"/>
-                                      </p:to>
-                                    </p:set>
-                                    <p:animEffect transition="in" filter="fade">
-                                      <p:cBhvr>
-                                        <p:cTn id="7" dur="1000"/>
-                                        <p:tgtEl>
-                                          <p:spTgt spid="10">
-                                            <p:txEl>
-                                              <p:pRg st="0" end="0"/>
-                                            </p:txEl>
-                                          </p:spTgt>
-                                        </p:tgtEl>
-                                      </p:cBhvr>
-                                    </p:animEffect>
-                                  </p:childTnLst>
-                                </p:cTn>
-                              </p:par>
-                            </p:childTnLst>
-                          </p:cTn>
-                        </p:par>
-                        <p:par>
-                          <p:cTn id="8" fill="hold">
-                            <p:stCondLst>
-                              <p:cond delay="2000"/>
-                            </p:stCondLst>
-                            <p:childTnLst>
-                              <p:par>
-                                <p:cTn id="9" presetID="10" presetClass="entr" presetSubtype="0" fill="hold" nodeType="afterEffect">
-                                  <p:stCondLst>
-                                    <p:cond delay="1000"/>
-                                  </p:stCondLst>
-                                  <p:childTnLst>
-                                    <p:set>
-                                      <p:cBhvr>
-                                        <p:cTn id="10" dur="1" fill="hold">
-                                          <p:stCondLst>
-                                            <p:cond delay="0"/>
-                                          </p:stCondLst>
-                                        </p:cTn>
-                                        <p:tgtEl>
-                                          <p:spTgt spid="10">
-                                            <p:txEl>
-                                              <p:pRg st="1" end="1"/>
-                                            </p:txEl>
-                                          </p:spTgt>
-                                        </p:tgtEl>
-                                        <p:attrNameLst>
-                                          <p:attrName>style.visibility</p:attrName>
-                                        </p:attrNameLst>
-                                      </p:cBhvr>
-                                      <p:to>
-                                        <p:strVal val="visible"/>
-                                      </p:to>
-                                    </p:set>
-                                    <p:animEffect transition="in" filter="fade">
-                                      <p:cBhvr>
-                                        <p:cTn id="11" dur="1000"/>
-                                        <p:tgtEl>
-                                          <p:spTgt spid="10">
-                                            <p:txEl>
-                                              <p:pRg st="1" end="1"/>
-                                            </p:txEl>
-                                          </p:spTgt>
-                                        </p:tgtEl>
-                                      </p:cBhvr>
-                                    </p:animEffect>
-                                  </p:childTnLst>
-                                </p:cTn>
-                              </p:par>
-                            </p:childTnLst>
-                          </p:cTn>
-                        </p:par>
-                      </p:childTnLst>
-                    </p:cTn>
-                  </p:par>
-                </p:childTnLst>
-              </p:cTn>
-              <p:prevCondLst>
-                <p:cond evt="onPrev" delay="0">
-                  <p:tgtEl>
-                    <p:sldTgt/>
-                  </p:tgtEl>
-                </p:cond>
-              </p:prevCondLst>
-              <p:nextCondLst>
-                <p:cond evt="onNext" delay="0">
-                  <p:tgtEl>
-                    <p:sldTgt/>
-                  </p:tgtEl>
-                </p:cond>
-              </p:nextCondLst>
-            </p:seq>
-          </p:childTnLst>
-        </p:cTn>
-      </p:par>
-    </p:tnLst>
-  </p:timing>
 </p:sld>
 </file>
 
@@ -35953,7 +35757,7 @@
         </p:nvSpPr>
         <p:spPr>
           <a:xfrm>
-            <a:off x="8045101" y="2996949"/>
+            <a:off x="8057240" y="2996949"/>
             <a:ext cx="4134760" cy="2085476"/>
           </a:xfrm>
           <a:prstGeom prst="rect">
@@ -36603,201 +36407,6 @@
       </p:transition>
     </mc:Fallback>
   </mc:AlternateContent>
-  <p:timing>
-    <p:tnLst>
-      <p:par>
-        <p:cTn id="1" dur="indefinite" restart="never" nodeType="tmRoot">
-          <p:childTnLst>
-            <p:seq concurrent="1" nextAc="seek">
-              <p:cTn id="2" dur="indefinite" nodeType="mainSeq">
-                <p:childTnLst>
-                  <p:par>
-                    <p:cTn id="3" fill="hold">
-                      <p:stCondLst>
-                        <p:cond delay="indefinite"/>
-                      </p:stCondLst>
-                      <p:childTnLst>
-                        <p:par>
-                          <p:cTn id="4" fill="hold">
-                            <p:stCondLst>
-                              <p:cond delay="0"/>
-                            </p:stCondLst>
-                            <p:childTnLst>
-                              <p:par>
-                                <p:cTn id="5" presetID="10" presetClass="entr" presetSubtype="0" fill="hold" nodeType="clickEffect">
-                                  <p:stCondLst>
-                                    <p:cond delay="0"/>
-                                  </p:stCondLst>
-                                  <p:childTnLst>
-                                    <p:set>
-                                      <p:cBhvr>
-                                        <p:cTn id="6" dur="1" fill="hold">
-                                          <p:stCondLst>
-                                            <p:cond delay="0"/>
-                                          </p:stCondLst>
-                                        </p:cTn>
-                                        <p:tgtEl>
-                                          <p:spTgt spid="7">
-                                            <p:txEl>
-                                              <p:pRg st="0" end="0"/>
-                                            </p:txEl>
-                                          </p:spTgt>
-                                        </p:tgtEl>
-                                        <p:attrNameLst>
-                                          <p:attrName>style.visibility</p:attrName>
-                                        </p:attrNameLst>
-                                      </p:cBhvr>
-                                      <p:to>
-                                        <p:strVal val="visible"/>
-                                      </p:to>
-                                    </p:set>
-                                    <p:animEffect transition="in" filter="fade">
-                                      <p:cBhvr>
-                                        <p:cTn id="7" dur="1000"/>
-                                        <p:tgtEl>
-                                          <p:spTgt spid="7">
-                                            <p:txEl>
-                                              <p:pRg st="0" end="0"/>
-                                            </p:txEl>
-                                          </p:spTgt>
-                                        </p:tgtEl>
-                                      </p:cBhvr>
-                                    </p:animEffect>
-                                  </p:childTnLst>
-                                </p:cTn>
-                              </p:par>
-                            </p:childTnLst>
-                          </p:cTn>
-                        </p:par>
-                        <p:par>
-                          <p:cTn id="8" fill="hold">
-                            <p:stCondLst>
-                              <p:cond delay="1000"/>
-                            </p:stCondLst>
-                            <p:childTnLst>
-                              <p:par>
-                                <p:cTn id="9" presetID="10" presetClass="entr" presetSubtype="0" fill="hold" nodeType="afterEffect">
-                                  <p:stCondLst>
-                                    <p:cond delay="1000"/>
-                                  </p:stCondLst>
-                                  <p:childTnLst>
-                                    <p:set>
-                                      <p:cBhvr>
-                                        <p:cTn id="10" dur="1" fill="hold">
-                                          <p:stCondLst>
-                                            <p:cond delay="0"/>
-                                          </p:stCondLst>
-                                        </p:cTn>
-                                        <p:tgtEl>
-                                          <p:spTgt spid="7">
-                                            <p:txEl>
-                                              <p:pRg st="1" end="1"/>
-                                            </p:txEl>
-                                          </p:spTgt>
-                                        </p:tgtEl>
-                                        <p:attrNameLst>
-                                          <p:attrName>style.visibility</p:attrName>
-                                        </p:attrNameLst>
-                                      </p:cBhvr>
-                                      <p:to>
-                                        <p:strVal val="visible"/>
-                                      </p:to>
-                                    </p:set>
-                                    <p:animEffect transition="in" filter="fade">
-                                      <p:cBhvr>
-                                        <p:cTn id="11" dur="1000"/>
-                                        <p:tgtEl>
-                                          <p:spTgt spid="7">
-                                            <p:txEl>
-                                              <p:pRg st="1" end="1"/>
-                                            </p:txEl>
-                                          </p:spTgt>
-                                        </p:tgtEl>
-                                      </p:cBhvr>
-                                    </p:animEffect>
-                                  </p:childTnLst>
-                                </p:cTn>
-                              </p:par>
-                            </p:childTnLst>
-                          </p:cTn>
-                        </p:par>
-                        <p:par>
-                          <p:cTn id="12" fill="hold">
-                            <p:stCondLst>
-                              <p:cond delay="3000"/>
-                            </p:stCondLst>
-                            <p:childTnLst>
-                              <p:par>
-                                <p:cTn id="13" presetID="10" presetClass="entr" presetSubtype="0" fill="hold" nodeType="afterEffect">
-                                  <p:stCondLst>
-                                    <p:cond delay="1000"/>
-                                  </p:stCondLst>
-                                  <p:childTnLst>
-                                    <p:set>
-                                      <p:cBhvr>
-                                        <p:cTn id="14" dur="1" fill="hold">
-                                          <p:stCondLst>
-                                            <p:cond delay="0"/>
-                                          </p:stCondLst>
-                                        </p:cTn>
-                                        <p:tgtEl>
-                                          <p:spTgt spid="7">
-                                            <p:txEl>
-                                              <p:pRg st="2" end="2"/>
-                                            </p:txEl>
-                                          </p:spTgt>
-                                        </p:tgtEl>
-                                        <p:attrNameLst>
-                                          <p:attrName>style.visibility</p:attrName>
-                                        </p:attrNameLst>
-                                      </p:cBhvr>
-                                      <p:to>
-                                        <p:strVal val="visible"/>
-                                      </p:to>
-                                    </p:set>
-                                    <p:animEffect transition="in" filter="fade">
-                                      <p:cBhvr>
-                                        <p:cTn id="15" dur="1000"/>
-                                        <p:tgtEl>
-                                          <p:spTgt spid="7">
-                                            <p:txEl>
-                                              <p:pRg st="2" end="2"/>
-                                            </p:txEl>
-                                          </p:spTgt>
-                                        </p:tgtEl>
-                                      </p:cBhvr>
-                                    </p:animEffect>
-                                  </p:childTnLst>
-                                </p:cTn>
-                              </p:par>
-                            </p:childTnLst>
-                          </p:cTn>
-                        </p:par>
-                      </p:childTnLst>
-                    </p:cTn>
-                  </p:par>
-                </p:childTnLst>
-              </p:cTn>
-              <p:prevCondLst>
-                <p:cond evt="onPrev" delay="0">
-                  <p:tgtEl>
-                    <p:sldTgt/>
-                  </p:tgtEl>
-                </p:cond>
-              </p:prevCondLst>
-              <p:nextCondLst>
-                <p:cond evt="onNext" delay="0">
-                  <p:tgtEl>
-                    <p:sldTgt/>
-                  </p:tgtEl>
-                </p:cond>
-              </p:nextCondLst>
-            </p:seq>
-          </p:childTnLst>
-        </p:cTn>
-      </p:par>
-    </p:tnLst>
-  </p:timing>
 </p:sld>
 </file>
 
@@ -37571,6 +37180,9 @@
                     <p:cTn id="3" fill="hold">
                       <p:stCondLst>
                         <p:cond delay="indefinite"/>
+                        <p:cond evt="onBegin" delay="0">
+                          <p:tn val="2"/>
+                        </p:cond>
                       </p:stCondLst>
                       <p:childTnLst>
                         <p:par>
@@ -37580,7 +37192,7 @@
                             </p:stCondLst>
                             <p:childTnLst>
                               <p:par>
-                                <p:cTn id="5" presetID="10" presetClass="entr" presetSubtype="0" fill="hold" nodeType="clickEffect">
+                                <p:cTn id="5" presetID="10" presetClass="entr" presetSubtype="0" fill="hold" nodeType="afterEffect">
                                   <p:stCondLst>
                                     <p:cond delay="0"/>
                                   </p:stCondLst>
@@ -37622,24 +37234,15 @@
                                   </p:childTnLst>
                                 </p:cTn>
                               </p:par>
-                            </p:childTnLst>
-                          </p:cTn>
-                        </p:par>
-                        <p:par>
-                          <p:cTn id="8" fill="hold">
-                            <p:stCondLst>
-                              <p:cond delay="1000"/>
-                            </p:stCondLst>
-                            <p:childTnLst>
                               <p:par>
-                                <p:cTn id="9" presetID="10" presetClass="entr" presetSubtype="0" fill="hold" nodeType="afterEffect">
+                                <p:cTn id="8" presetID="10" presetClass="entr" presetSubtype="0" fill="hold" nodeType="withEffect">
                                   <p:stCondLst>
-                                    <p:cond delay="500"/>
+                                    <p:cond delay="0"/>
                                   </p:stCondLst>
                                   <p:childTnLst>
                                     <p:set>
                                       <p:cBhvr>
-                                        <p:cTn id="10" dur="1" fill="hold">
+                                        <p:cTn id="9" dur="1" fill="hold">
                                           <p:stCondLst>
                                             <p:cond delay="0"/>
                                           </p:stCondLst>
@@ -37661,7 +37264,7 @@
                                     </p:set>
                                     <p:animEffect transition="in" filter="fade">
                                       <p:cBhvr>
-                                        <p:cTn id="11" dur="1000"/>
+                                        <p:cTn id="10" dur="1000"/>
                                         <p:tgtEl>
                                           <p:spTgt spid="7">
                                             <p:txEl>
@@ -37674,24 +37277,15 @@
                                   </p:childTnLst>
                                 </p:cTn>
                               </p:par>
-                            </p:childTnLst>
-                          </p:cTn>
-                        </p:par>
-                        <p:par>
-                          <p:cTn id="12" fill="hold">
-                            <p:stCondLst>
-                              <p:cond delay="2500"/>
-                            </p:stCondLst>
-                            <p:childTnLst>
                               <p:par>
-                                <p:cTn id="13" presetID="10" presetClass="entr" presetSubtype="0" fill="hold" nodeType="afterEffect">
+                                <p:cTn id="11" presetID="10" presetClass="entr" presetSubtype="0" fill="hold" nodeType="withEffect">
                                   <p:stCondLst>
-                                    <p:cond delay="500"/>
+                                    <p:cond delay="0"/>
                                   </p:stCondLst>
                                   <p:childTnLst>
                                     <p:set>
                                       <p:cBhvr>
-                                        <p:cTn id="14" dur="1" fill="hold">
+                                        <p:cTn id="12" dur="1" fill="hold">
                                           <p:stCondLst>
                                             <p:cond delay="0"/>
                                           </p:stCondLst>
@@ -37713,7 +37307,7 @@
                                     </p:set>
                                     <p:animEffect transition="in" filter="fade">
                                       <p:cBhvr>
-                                        <p:cTn id="15" dur="1000"/>
+                                        <p:cTn id="13" dur="1000"/>
                                         <p:tgtEl>
                                           <p:spTgt spid="7">
                                             <p:txEl>
@@ -37726,24 +37320,15 @@
                                   </p:childTnLst>
                                 </p:cTn>
                               </p:par>
-                            </p:childTnLst>
-                          </p:cTn>
-                        </p:par>
-                        <p:par>
-                          <p:cTn id="16" fill="hold">
-                            <p:stCondLst>
-                              <p:cond delay="4000"/>
-                            </p:stCondLst>
-                            <p:childTnLst>
                               <p:par>
-                                <p:cTn id="17" presetID="10" presetClass="entr" presetSubtype="0" fill="hold" nodeType="afterEffect">
+                                <p:cTn id="14" presetID="10" presetClass="entr" presetSubtype="0" fill="hold" nodeType="withEffect">
                                   <p:stCondLst>
-                                    <p:cond delay="500"/>
+                                    <p:cond delay="0"/>
                                   </p:stCondLst>
                                   <p:childTnLst>
                                     <p:set>
                                       <p:cBhvr>
-                                        <p:cTn id="18" dur="1" fill="hold">
+                                        <p:cTn id="15" dur="1" fill="hold">
                                           <p:stCondLst>
                                             <p:cond delay="0"/>
                                           </p:stCondLst>
@@ -37765,7 +37350,7 @@
                                     </p:set>
                                     <p:animEffect transition="in" filter="fade">
                                       <p:cBhvr>
-                                        <p:cTn id="19" dur="1000"/>
+                                        <p:cTn id="16" dur="1000"/>
                                         <p:tgtEl>
                                           <p:spTgt spid="7">
                                             <p:txEl>
@@ -37778,24 +37363,15 @@
                                   </p:childTnLst>
                                 </p:cTn>
                               </p:par>
-                            </p:childTnLst>
-                          </p:cTn>
-                        </p:par>
-                        <p:par>
-                          <p:cTn id="20" fill="hold">
-                            <p:stCondLst>
-                              <p:cond delay="5500"/>
-                            </p:stCondLst>
-                            <p:childTnLst>
                               <p:par>
-                                <p:cTn id="21" presetID="10" presetClass="entr" presetSubtype="0" fill="hold" nodeType="afterEffect">
+                                <p:cTn id="17" presetID="10" presetClass="entr" presetSubtype="0" fill="hold" nodeType="withEffect">
                                   <p:stCondLst>
-                                    <p:cond delay="500"/>
+                                    <p:cond delay="0"/>
                                   </p:stCondLst>
                                   <p:childTnLst>
                                     <p:set>
                                       <p:cBhvr>
-                                        <p:cTn id="22" dur="1" fill="hold">
+                                        <p:cTn id="18" dur="1" fill="hold">
                                           <p:stCondLst>
                                             <p:cond delay="0"/>
                                           </p:stCondLst>
@@ -37817,7 +37393,7 @@
                                     </p:set>
                                     <p:animEffect transition="in" filter="fade">
                                       <p:cBhvr>
-                                        <p:cTn id="23" dur="1000"/>
+                                        <p:cTn id="19" dur="1000"/>
                                         <p:tgtEl>
                                           <p:spTgt spid="7">
                                             <p:txEl>
@@ -37830,24 +37406,15 @@
                                   </p:childTnLst>
                                 </p:cTn>
                               </p:par>
-                            </p:childTnLst>
-                          </p:cTn>
-                        </p:par>
-                        <p:par>
-                          <p:cTn id="24" fill="hold">
-                            <p:stCondLst>
-                              <p:cond delay="7000"/>
-                            </p:stCondLst>
-                            <p:childTnLst>
                               <p:par>
-                                <p:cTn id="25" presetID="10" presetClass="entr" presetSubtype="0" fill="hold" nodeType="afterEffect">
+                                <p:cTn id="20" presetID="10" presetClass="entr" presetSubtype="0" fill="hold" nodeType="withEffect">
                                   <p:stCondLst>
-                                    <p:cond delay="500"/>
+                                    <p:cond delay="0"/>
                                   </p:stCondLst>
                                   <p:childTnLst>
                                     <p:set>
                                       <p:cBhvr>
-                                        <p:cTn id="26" dur="1" fill="hold">
+                                        <p:cTn id="21" dur="1" fill="hold">
                                           <p:stCondLst>
                                             <p:cond delay="0"/>
                                           </p:stCondLst>
@@ -37869,7 +37436,7 @@
                                     </p:set>
                                     <p:animEffect transition="in" filter="fade">
                                       <p:cBhvr>
-                                        <p:cTn id="27" dur="1000"/>
+                                        <p:cTn id="22" dur="1000"/>
                                         <p:tgtEl>
                                           <p:spTgt spid="7">
                                             <p:txEl>
@@ -37882,24 +37449,15 @@
                                   </p:childTnLst>
                                 </p:cTn>
                               </p:par>
-                            </p:childTnLst>
-                          </p:cTn>
-                        </p:par>
-                        <p:par>
-                          <p:cTn id="28" fill="hold">
-                            <p:stCondLst>
-                              <p:cond delay="8500"/>
-                            </p:stCondLst>
-                            <p:childTnLst>
                               <p:par>
-                                <p:cTn id="29" presetID="10" presetClass="entr" presetSubtype="0" fill="hold" nodeType="afterEffect">
+                                <p:cTn id="23" presetID="10" presetClass="entr" presetSubtype="0" fill="hold" nodeType="withEffect">
                                   <p:stCondLst>
-                                    <p:cond delay="500"/>
+                                    <p:cond delay="0"/>
                                   </p:stCondLst>
                                   <p:childTnLst>
                                     <p:set>
                                       <p:cBhvr>
-                                        <p:cTn id="30" dur="1" fill="hold">
+                                        <p:cTn id="24" dur="1" fill="hold">
                                           <p:stCondLst>
                                             <p:cond delay="0"/>
                                           </p:stCondLst>
@@ -37921,7 +37479,7 @@
                                     </p:set>
                                     <p:animEffect transition="in" filter="fade">
                                       <p:cBhvr>
-                                        <p:cTn id="31" dur="1000"/>
+                                        <p:cTn id="25" dur="1000"/>
                                         <p:tgtEl>
                                           <p:spTgt spid="7">
                                             <p:txEl>
@@ -37934,24 +37492,15 @@
                                   </p:childTnLst>
                                 </p:cTn>
                               </p:par>
-                            </p:childTnLst>
-                          </p:cTn>
-                        </p:par>
-                        <p:par>
-                          <p:cTn id="32" fill="hold">
-                            <p:stCondLst>
-                              <p:cond delay="10000"/>
-                            </p:stCondLst>
-                            <p:childTnLst>
                               <p:par>
-                                <p:cTn id="33" presetID="10" presetClass="entr" presetSubtype="0" fill="hold" nodeType="afterEffect">
+                                <p:cTn id="26" presetID="10" presetClass="entr" presetSubtype="0" fill="hold" nodeType="withEffect">
                                   <p:stCondLst>
-                                    <p:cond delay="500"/>
+                                    <p:cond delay="0"/>
                                   </p:stCondLst>
                                   <p:childTnLst>
                                     <p:set>
                                       <p:cBhvr>
-                                        <p:cTn id="34" dur="1" fill="hold">
+                                        <p:cTn id="27" dur="1" fill="hold">
                                           <p:stCondLst>
                                             <p:cond delay="0"/>
                                           </p:stCondLst>
@@ -37973,7 +37522,7 @@
                                     </p:set>
                                     <p:animEffect transition="in" filter="fade">
                                       <p:cBhvr>
-                                        <p:cTn id="35" dur="1000"/>
+                                        <p:cTn id="28" dur="1000"/>
                                         <p:tgtEl>
                                           <p:spTgt spid="7">
                                             <p:txEl>
@@ -37986,24 +37535,15 @@
                                   </p:childTnLst>
                                 </p:cTn>
                               </p:par>
-                            </p:childTnLst>
-                          </p:cTn>
-                        </p:par>
-                        <p:par>
-                          <p:cTn id="36" fill="hold">
-                            <p:stCondLst>
-                              <p:cond delay="11500"/>
-                            </p:stCondLst>
-                            <p:childTnLst>
                               <p:par>
-                                <p:cTn id="37" presetID="10" presetClass="entr" presetSubtype="0" fill="hold" nodeType="afterEffect">
+                                <p:cTn id="29" presetID="10" presetClass="entr" presetSubtype="0" fill="hold" nodeType="withEffect">
                                   <p:stCondLst>
-                                    <p:cond delay="500"/>
+                                    <p:cond delay="0"/>
                                   </p:stCondLst>
                                   <p:childTnLst>
                                     <p:set>
                                       <p:cBhvr>
-                                        <p:cTn id="38" dur="1" fill="hold">
+                                        <p:cTn id="30" dur="1" fill="hold">
                                           <p:stCondLst>
                                             <p:cond delay="0"/>
                                           </p:stCondLst>
@@ -38025,7 +37565,7 @@
                                     </p:set>
                                     <p:animEffect transition="in" filter="fade">
                                       <p:cBhvr>
-                                        <p:cTn id="39" dur="1000"/>
+                                        <p:cTn id="31" dur="1000"/>
                                         <p:tgtEl>
                                           <p:spTgt spid="7">
                                             <p:txEl>
@@ -38045,26 +37585,26 @@
                     </p:cTn>
                   </p:par>
                   <p:par>
-                    <p:cTn id="40" fill="hold">
+                    <p:cTn id="32" fill="hold">
                       <p:stCondLst>
                         <p:cond delay="indefinite"/>
                       </p:stCondLst>
                       <p:childTnLst>
                         <p:par>
-                          <p:cTn id="41" fill="hold">
+                          <p:cTn id="33" fill="hold">
                             <p:stCondLst>
                               <p:cond delay="0"/>
                             </p:stCondLst>
                             <p:childTnLst>
                               <p:par>
-                                <p:cTn id="42" presetID="10" presetClass="entr" presetSubtype="0" fill="hold" nodeType="clickEffect">
+                                <p:cTn id="34" presetID="10" presetClass="entr" presetSubtype="0" fill="hold" nodeType="clickEffect">
                                   <p:stCondLst>
                                     <p:cond delay="0"/>
                                   </p:stCondLst>
                                   <p:childTnLst>
                                     <p:set>
                                       <p:cBhvr>
-                                        <p:cTn id="43" dur="1" fill="hold">
+                                        <p:cTn id="35" dur="1" fill="hold">
                                           <p:stCondLst>
                                             <p:cond delay="0"/>
                                           </p:stCondLst>
@@ -38082,7 +37622,7 @@
                                     </p:set>
                                     <p:animEffect transition="in" filter="fade">
                                       <p:cBhvr>
-                                        <p:cTn id="44" dur="500"/>
+                                        <p:cTn id="36" dur="500"/>
                                         <p:tgtEl>
                                           <p:spTgt spid="6"/>
                                         </p:tgtEl>
@@ -38098,26 +37638,26 @@
                     </p:cTn>
                   </p:par>
                   <p:par>
-                    <p:cTn id="45" fill="hold">
+                    <p:cTn id="37" fill="hold">
                       <p:stCondLst>
                         <p:cond delay="indefinite"/>
                       </p:stCondLst>
                       <p:childTnLst>
                         <p:par>
-                          <p:cTn id="46" fill="hold">
+                          <p:cTn id="38" fill="hold">
                             <p:stCondLst>
                               <p:cond delay="0"/>
                             </p:stCondLst>
                             <p:childTnLst>
                               <p:par>
-                                <p:cTn id="47" presetID="10" presetClass="entr" presetSubtype="0" fill="hold" nodeType="clickEffect">
+                                <p:cTn id="39" presetID="10" presetClass="entr" presetSubtype="0" fill="hold" nodeType="clickEffect">
                                   <p:stCondLst>
                                     <p:cond delay="0"/>
                                   </p:stCondLst>
                                   <p:childTnLst>
                                     <p:set>
                                       <p:cBhvr>
-                                        <p:cTn id="48" dur="1" fill="hold">
+                                        <p:cTn id="40" dur="1" fill="hold">
                                           <p:stCondLst>
                                             <p:cond delay="0"/>
                                           </p:stCondLst>
@@ -38135,7 +37675,7 @@
                                     </p:set>
                                     <p:animEffect transition="in" filter="fade">
                                       <p:cBhvr>
-                                        <p:cTn id="49" dur="500"/>
+                                        <p:cTn id="41" dur="500"/>
                                         <p:tgtEl>
                                           <p:spTgt spid="12"/>
                                         </p:tgtEl>
@@ -38151,26 +37691,26 @@
                     </p:cTn>
                   </p:par>
                   <p:par>
-                    <p:cTn id="50" fill="hold">
+                    <p:cTn id="42" fill="hold">
                       <p:stCondLst>
                         <p:cond delay="indefinite"/>
                       </p:stCondLst>
                       <p:childTnLst>
                         <p:par>
-                          <p:cTn id="51" fill="hold">
+                          <p:cTn id="43" fill="hold">
                             <p:stCondLst>
                               <p:cond delay="0"/>
                             </p:stCondLst>
                             <p:childTnLst>
                               <p:par>
-                                <p:cTn id="52" presetID="10" presetClass="entr" presetSubtype="0" fill="hold" nodeType="clickEffect">
+                                <p:cTn id="44" presetID="10" presetClass="entr" presetSubtype="0" fill="hold" nodeType="clickEffect">
                                   <p:stCondLst>
                                     <p:cond delay="0"/>
                                   </p:stCondLst>
                                   <p:childTnLst>
                                     <p:set>
                                       <p:cBhvr>
-                                        <p:cTn id="53" dur="1" fill="hold">
+                                        <p:cTn id="45" dur="1" fill="hold">
                                           <p:stCondLst>
                                             <p:cond delay="0"/>
                                           </p:stCondLst>
@@ -38188,7 +37728,7 @@
                                     </p:set>
                                     <p:animEffect transition="in" filter="fade">
                                       <p:cBhvr>
-                                        <p:cTn id="54" dur="500"/>
+                                        <p:cTn id="46" dur="500"/>
                                         <p:tgtEl>
                                           <p:spTgt spid="9"/>
                                         </p:tgtEl>
@@ -39077,6 +38617,9 @@
                     <p:cTn id="3" fill="hold">
                       <p:stCondLst>
                         <p:cond delay="indefinite"/>
+                        <p:cond evt="onBegin" delay="0">
+                          <p:tn val="2"/>
+                        </p:cond>
                       </p:stCondLst>
                       <p:childTnLst>
                         <p:par>
@@ -39086,7 +38629,7 @@
                             </p:stCondLst>
                             <p:childTnLst>
                               <p:par>
-                                <p:cTn id="5" presetID="10" presetClass="entr" presetSubtype="0" fill="hold" grpId="0" nodeType="clickEffect">
+                                <p:cTn id="5" presetID="10" presetClass="entr" presetSubtype="0" fill="hold" grpId="0" nodeType="afterEffect">
                                   <p:stCondLst>
                                     <p:cond delay="0"/>
                                   </p:stCondLst>
@@ -40128,6 +39671,9 @@
                     <p:cTn id="3" fill="hold">
                       <p:stCondLst>
                         <p:cond delay="indefinite"/>
+                        <p:cond evt="onBegin" delay="0">
+                          <p:tn val="2"/>
+                        </p:cond>
                       </p:stCondLst>
                       <p:childTnLst>
                         <p:par>
@@ -40137,7 +39683,7 @@
                             </p:stCondLst>
                             <p:childTnLst>
                               <p:par>
-                                <p:cTn id="5" presetID="10" presetClass="entr" presetSubtype="0" fill="hold" nodeType="clickEffect">
+                                <p:cTn id="5" presetID="10" presetClass="entr" presetSubtype="0" fill="hold" nodeType="afterEffect">
                                   <p:stCondLst>
                                     <p:cond delay="0"/>
                                   </p:stCondLst>
@@ -41115,100 +40661,6 @@
       </p:transition>
     </mc:Fallback>
   </mc:AlternateContent>
-  <p:timing>
-    <p:tnLst>
-      <p:par>
-        <p:cTn id="1" dur="indefinite" restart="never" nodeType="tmRoot">
-          <p:childTnLst>
-            <p:seq concurrent="1" nextAc="seek">
-              <p:cTn id="2" dur="indefinite" nodeType="mainSeq">
-                <p:childTnLst>
-                  <p:par>
-                    <p:cTn id="3" fill="hold">
-                      <p:stCondLst>
-                        <p:cond delay="indefinite"/>
-                        <p:cond evt="onBegin" delay="0">
-                          <p:tn val="2"/>
-                        </p:cond>
-                      </p:stCondLst>
-                      <p:childTnLst>
-                        <p:par>
-                          <p:cTn id="4" fill="hold">
-                            <p:stCondLst>
-                              <p:cond delay="0"/>
-                            </p:stCondLst>
-                            <p:childTnLst>
-                              <p:par>
-                                <p:cTn id="5" presetID="10" presetClass="entr" presetSubtype="0" fill="hold" nodeType="afterEffect">
-                                  <p:stCondLst>
-                                    <p:cond delay="1000"/>
-                                  </p:stCondLst>
-                                  <p:childTnLst>
-                                    <p:set>
-                                      <p:cBhvr>
-                                        <p:cTn id="6" dur="1" fill="hold">
-                                          <p:stCondLst>
-                                            <p:cond delay="0"/>
-                                          </p:stCondLst>
-                                        </p:cTn>
-                                        <p:tgtEl>
-                                          <p:spTgt spid="11">
-                                            <p:txEl>
-                                              <p:pRg st="1" end="1"/>
-                                            </p:txEl>
-                                          </p:spTgt>
-                                        </p:tgtEl>
-                                        <p:attrNameLst>
-                                          <p:attrName>style.visibility</p:attrName>
-                                        </p:attrNameLst>
-                                      </p:cBhvr>
-                                      <p:to>
-                                        <p:strVal val="visible"/>
-                                      </p:to>
-                                    </p:set>
-                                    <p:animEffect transition="in" filter="fade">
-                                      <p:cBhvr>
-                                        <p:cTn id="7" dur="1000"/>
-                                        <p:tgtEl>
-                                          <p:spTgt spid="11">
-                                            <p:txEl>
-                                              <p:pRg st="1" end="1"/>
-                                            </p:txEl>
-                                          </p:spTgt>
-                                        </p:tgtEl>
-                                      </p:cBhvr>
-                                    </p:animEffect>
-                                  </p:childTnLst>
-                                </p:cTn>
-                              </p:par>
-                            </p:childTnLst>
-                          </p:cTn>
-                        </p:par>
-                      </p:childTnLst>
-                    </p:cTn>
-                  </p:par>
-                </p:childTnLst>
-              </p:cTn>
-              <p:prevCondLst>
-                <p:cond evt="onPrev" delay="0">
-                  <p:tgtEl>
-                    <p:sldTgt/>
-                  </p:tgtEl>
-                </p:cond>
-              </p:prevCondLst>
-              <p:nextCondLst>
-                <p:cond evt="onNext" delay="0">
-                  <p:tgtEl>
-                    <p:sldTgt/>
-                  </p:tgtEl>
-                </p:cond>
-              </p:nextCondLst>
-            </p:seq>
-          </p:childTnLst>
-        </p:cTn>
-      </p:par>
-    </p:tnLst>
-  </p:timing>
 </p:sld>
 </file>
 
@@ -41631,7 +41083,7 @@
                               <p:par>
                                 <p:cTn id="5" presetID="10" presetClass="entr" presetSubtype="0" fill="hold" nodeType="afterEffect">
                                   <p:stCondLst>
-                                    <p:cond delay="500"/>
+                                    <p:cond delay="0"/>
                                   </p:stCondLst>
                                   <p:childTnLst>
                                     <p:set>
@@ -41671,24 +41123,15 @@
                                   </p:childTnLst>
                                 </p:cTn>
                               </p:par>
-                            </p:childTnLst>
-                          </p:cTn>
-                        </p:par>
-                        <p:par>
-                          <p:cTn id="8" fill="hold">
-                            <p:stCondLst>
-                              <p:cond delay="1500"/>
-                            </p:stCondLst>
-                            <p:childTnLst>
                               <p:par>
-                                <p:cTn id="9" presetID="10" presetClass="entr" presetSubtype="0" fill="hold" nodeType="afterEffect">
+                                <p:cTn id="8" presetID="10" presetClass="entr" presetSubtype="0" fill="hold" nodeType="withEffect">
                                   <p:stCondLst>
-                                    <p:cond delay="500"/>
+                                    <p:cond delay="0"/>
                                   </p:stCondLst>
                                   <p:childTnLst>
                                     <p:set>
                                       <p:cBhvr>
-                                        <p:cTn id="10" dur="1" fill="hold">
+                                        <p:cTn id="9" dur="1" fill="hold">
                                           <p:stCondLst>
                                             <p:cond delay="0"/>
                                           </p:stCondLst>
@@ -41710,7 +41153,7 @@
                                     </p:set>
                                     <p:animEffect transition="in" filter="fade">
                                       <p:cBhvr>
-                                        <p:cTn id="11" dur="1000"/>
+                                        <p:cTn id="10" dur="1000"/>
                                         <p:tgtEl>
                                           <p:spTgt spid="11">
                                             <p:txEl>
@@ -41723,24 +41166,15 @@
                                   </p:childTnLst>
                                 </p:cTn>
                               </p:par>
-                            </p:childTnLst>
-                          </p:cTn>
-                        </p:par>
-                        <p:par>
-                          <p:cTn id="12" fill="hold">
-                            <p:stCondLst>
-                              <p:cond delay="3000"/>
-                            </p:stCondLst>
-                            <p:childTnLst>
                               <p:par>
-                                <p:cTn id="13" presetID="10" presetClass="entr" presetSubtype="0" fill="hold" nodeType="afterEffect">
+                                <p:cTn id="11" presetID="10" presetClass="entr" presetSubtype="0" fill="hold" nodeType="withEffect">
                                   <p:stCondLst>
-                                    <p:cond delay="500"/>
+                                    <p:cond delay="0"/>
                                   </p:stCondLst>
                                   <p:childTnLst>
                                     <p:set>
                                       <p:cBhvr>
-                                        <p:cTn id="14" dur="1" fill="hold">
+                                        <p:cTn id="12" dur="1" fill="hold">
                                           <p:stCondLst>
                                             <p:cond delay="0"/>
                                           </p:stCondLst>
@@ -41762,7 +41196,7 @@
                                     </p:set>
                                     <p:animEffect transition="in" filter="fade">
                                       <p:cBhvr>
-                                        <p:cTn id="15" dur="1000"/>
+                                        <p:cTn id="13" dur="1000"/>
                                         <p:tgtEl>
                                           <p:spTgt spid="11">
                                             <p:txEl>
@@ -41775,24 +41209,15 @@
                                   </p:childTnLst>
                                 </p:cTn>
                               </p:par>
-                            </p:childTnLst>
-                          </p:cTn>
-                        </p:par>
-                        <p:par>
-                          <p:cTn id="16" fill="hold">
-                            <p:stCondLst>
-                              <p:cond delay="4500"/>
-                            </p:stCondLst>
-                            <p:childTnLst>
                               <p:par>
-                                <p:cTn id="17" presetID="10" presetClass="entr" presetSubtype="0" fill="hold" nodeType="afterEffect">
+                                <p:cTn id="14" presetID="10" presetClass="entr" presetSubtype="0" fill="hold" nodeType="withEffect">
                                   <p:stCondLst>
-                                    <p:cond delay="500"/>
+                                    <p:cond delay="0"/>
                                   </p:stCondLst>
                                   <p:childTnLst>
                                     <p:set>
                                       <p:cBhvr>
-                                        <p:cTn id="18" dur="1" fill="hold">
+                                        <p:cTn id="15" dur="1" fill="hold">
                                           <p:stCondLst>
                                             <p:cond delay="0"/>
                                           </p:stCondLst>
@@ -41814,7 +41239,7 @@
                                     </p:set>
                                     <p:animEffect transition="in" filter="fade">
                                       <p:cBhvr>
-                                        <p:cTn id="19" dur="1000"/>
+                                        <p:cTn id="16" dur="1000"/>
                                         <p:tgtEl>
                                           <p:spTgt spid="11">
                                             <p:txEl>
@@ -41926,8 +41351,8 @@
         </p:nvSpPr>
         <p:spPr>
           <a:xfrm>
-            <a:off x="1602267" y="1516384"/>
-            <a:ext cx="6028000" cy="698716"/>
+            <a:off x="1602267" y="1516383"/>
+            <a:ext cx="6028000" cy="873525"/>
           </a:xfrm>
         </p:spPr>
         <p:txBody>
@@ -41955,13 +41380,6 @@
               <a:rPr lang="en-GB" sz="2000" dirty="0"/>
               <a:t>All source for the pictures are linked to them</a:t>
             </a:r>
-          </a:p>
-          <a:p>
-            <a:pPr marL="495300" indent="-342900">
-              <a:buFont typeface="Arial" panose="020B0604020202020204" pitchFamily="34" charset="0"/>
-              <a:buChar char="•"/>
-            </a:pPr>
-            <a:endParaRPr lang="en-GB" sz="2000" dirty="0"/>
           </a:p>
         </p:txBody>
       </p:sp>
@@ -45528,24 +44946,15 @@
                                   </p:childTnLst>
                                 </p:cTn>
                               </p:par>
-                            </p:childTnLst>
-                          </p:cTn>
-                        </p:par>
-                        <p:par>
-                          <p:cTn id="8" fill="hold">
-                            <p:stCondLst>
-                              <p:cond delay="1000"/>
-                            </p:stCondLst>
-                            <p:childTnLst>
                               <p:par>
-                                <p:cTn id="9" presetID="10" presetClass="entr" presetSubtype="0" fill="hold" nodeType="afterEffect">
+                                <p:cTn id="8" presetID="10" presetClass="entr" presetSubtype="0" fill="hold" nodeType="withEffect">
                                   <p:stCondLst>
                                     <p:cond delay="0"/>
                                   </p:stCondLst>
                                   <p:childTnLst>
                                     <p:set>
                                       <p:cBhvr>
-                                        <p:cTn id="10" dur="1" fill="hold">
+                                        <p:cTn id="9" dur="1" fill="hold">
                                           <p:stCondLst>
                                             <p:cond delay="0"/>
                                           </p:stCondLst>
@@ -45567,7 +44976,7 @@
                                     </p:set>
                                     <p:animEffect transition="in" filter="fade">
                                       <p:cBhvr>
-                                        <p:cTn id="11" dur="1000"/>
+                                        <p:cTn id="10" dur="1000"/>
                                         <p:tgtEl>
                                           <p:spTgt spid="11">
                                             <p:txEl>
@@ -45580,24 +44989,15 @@
                                   </p:childTnLst>
                                 </p:cTn>
                               </p:par>
-                            </p:childTnLst>
-                          </p:cTn>
-                        </p:par>
-                        <p:par>
-                          <p:cTn id="12" fill="hold">
-                            <p:stCondLst>
-                              <p:cond delay="2000"/>
-                            </p:stCondLst>
-                            <p:childTnLst>
                               <p:par>
-                                <p:cTn id="13" presetID="10" presetClass="entr" presetSubtype="0" fill="hold" nodeType="afterEffect">
+                                <p:cTn id="11" presetID="10" presetClass="entr" presetSubtype="0" fill="hold" nodeType="withEffect">
                                   <p:stCondLst>
                                     <p:cond delay="0"/>
                                   </p:stCondLst>
                                   <p:childTnLst>
                                     <p:set>
                                       <p:cBhvr>
-                                        <p:cTn id="14" dur="1" fill="hold">
+                                        <p:cTn id="12" dur="1" fill="hold">
                                           <p:stCondLst>
                                             <p:cond delay="0"/>
                                           </p:stCondLst>
@@ -45619,7 +45019,7 @@
                                     </p:set>
                                     <p:animEffect transition="in" filter="fade">
                                       <p:cBhvr>
-                                        <p:cTn id="15" dur="1000"/>
+                                        <p:cTn id="13" dur="1000"/>
                                         <p:tgtEl>
                                           <p:spTgt spid="11">
                                             <p:txEl>
@@ -45632,24 +45032,15 @@
                                   </p:childTnLst>
                                 </p:cTn>
                               </p:par>
-                            </p:childTnLst>
-                          </p:cTn>
-                        </p:par>
-                        <p:par>
-                          <p:cTn id="16" fill="hold">
-                            <p:stCondLst>
-                              <p:cond delay="3000"/>
-                            </p:stCondLst>
-                            <p:childTnLst>
                               <p:par>
-                                <p:cTn id="17" presetID="10" presetClass="entr" presetSubtype="0" fill="hold" nodeType="afterEffect">
+                                <p:cTn id="14" presetID="10" presetClass="entr" presetSubtype="0" fill="hold" nodeType="withEffect">
                                   <p:stCondLst>
                                     <p:cond delay="0"/>
                                   </p:stCondLst>
                                   <p:childTnLst>
                                     <p:set>
                                       <p:cBhvr>
-                                        <p:cTn id="18" dur="1" fill="hold">
+                                        <p:cTn id="15" dur="1" fill="hold">
                                           <p:stCondLst>
                                             <p:cond delay="0"/>
                                           </p:stCondLst>
@@ -45671,7 +45062,7 @@
                                     </p:set>
                                     <p:animEffect transition="in" filter="fade">
                                       <p:cBhvr>
-                                        <p:cTn id="19" dur="1000"/>
+                                        <p:cTn id="16" dur="1000"/>
                                         <p:tgtEl>
                                           <p:spTgt spid="11">
                                             <p:txEl>
@@ -45684,24 +45075,15 @@
                                   </p:childTnLst>
                                 </p:cTn>
                               </p:par>
-                            </p:childTnLst>
-                          </p:cTn>
-                        </p:par>
-                        <p:par>
-                          <p:cTn id="20" fill="hold">
-                            <p:stCondLst>
-                              <p:cond delay="4000"/>
-                            </p:stCondLst>
-                            <p:childTnLst>
                               <p:par>
-                                <p:cTn id="21" presetID="10" presetClass="entr" presetSubtype="0" fill="hold" nodeType="afterEffect">
+                                <p:cTn id="17" presetID="10" presetClass="entr" presetSubtype="0" fill="hold" nodeType="withEffect">
                                   <p:stCondLst>
                                     <p:cond delay="0"/>
                                   </p:stCondLst>
                                   <p:childTnLst>
                                     <p:set>
                                       <p:cBhvr>
-                                        <p:cTn id="22" dur="1" fill="hold">
+                                        <p:cTn id="18" dur="1" fill="hold">
                                           <p:stCondLst>
                                             <p:cond delay="0"/>
                                           </p:stCondLst>
@@ -45723,7 +45105,7 @@
                                     </p:set>
                                     <p:animEffect transition="in" filter="fade">
                                       <p:cBhvr>
-                                        <p:cTn id="23" dur="1000"/>
+                                        <p:cTn id="19" dur="1000"/>
                                         <p:tgtEl>
                                           <p:spTgt spid="11">
                                             <p:txEl>
@@ -45740,20 +45122,20 @@
                           </p:cTn>
                         </p:par>
                         <p:par>
-                          <p:cTn id="24" fill="hold">
+                          <p:cTn id="20" fill="hold">
                             <p:stCondLst>
-                              <p:cond delay="5000"/>
+                              <p:cond delay="1000"/>
                             </p:stCondLst>
                             <p:childTnLst>
                               <p:par>
-                                <p:cTn id="25" presetID="10" presetClass="entr" presetSubtype="0" fill="hold" nodeType="afterEffect">
+                                <p:cTn id="21" presetID="10" presetClass="entr" presetSubtype="0" fill="hold" nodeType="afterEffect">
                                   <p:stCondLst>
-                                    <p:cond delay="500"/>
+                                    <p:cond delay="0"/>
                                   </p:stCondLst>
                                   <p:childTnLst>
                                     <p:set>
                                       <p:cBhvr>
-                                        <p:cTn id="26" dur="1" fill="hold">
+                                        <p:cTn id="22" dur="1" fill="hold">
                                           <p:stCondLst>
                                             <p:cond delay="0"/>
                                           </p:stCondLst>
@@ -45771,7 +45153,7 @@
                                     </p:set>
                                     <p:animEffect transition="in" filter="fade">
                                       <p:cBhvr>
-                                        <p:cTn id="27" dur="1000"/>
+                                        <p:cTn id="23" dur="1000"/>
                                         <p:tgtEl>
                                           <p:spTgt spid="2050"/>
                                         </p:tgtEl>
@@ -45780,24 +45162,15 @@
                                   </p:childTnLst>
                                 </p:cTn>
                               </p:par>
-                            </p:childTnLst>
-                          </p:cTn>
-                        </p:par>
-                        <p:par>
-                          <p:cTn id="28" fill="hold">
-                            <p:stCondLst>
-                              <p:cond delay="6500"/>
-                            </p:stCondLst>
-                            <p:childTnLst>
                               <p:par>
-                                <p:cTn id="29" presetID="10" presetClass="entr" presetSubtype="0" fill="hold" nodeType="afterEffect">
+                                <p:cTn id="24" presetID="10" presetClass="entr" presetSubtype="0" fill="hold" nodeType="withEffect">
                                   <p:stCondLst>
                                     <p:cond delay="0"/>
                                   </p:stCondLst>
                                   <p:childTnLst>
                                     <p:set>
                                       <p:cBhvr>
-                                        <p:cTn id="30" dur="1" fill="hold">
+                                        <p:cTn id="25" dur="1" fill="hold">
                                           <p:stCondLst>
                                             <p:cond delay="0"/>
                                           </p:stCondLst>
@@ -45815,7 +45188,7 @@
                                     </p:set>
                                     <p:animEffect transition="in" filter="fade">
                                       <p:cBhvr>
-                                        <p:cTn id="31" dur="1000"/>
+                                        <p:cTn id="26" dur="1000"/>
                                         <p:tgtEl>
                                           <p:spTgt spid="2062"/>
                                         </p:tgtEl>
@@ -45824,24 +45197,15 @@
                                   </p:childTnLst>
                                 </p:cTn>
                               </p:par>
-                            </p:childTnLst>
-                          </p:cTn>
-                        </p:par>
-                        <p:par>
-                          <p:cTn id="32" fill="hold">
-                            <p:stCondLst>
-                              <p:cond delay="7500"/>
-                            </p:stCondLst>
-                            <p:childTnLst>
                               <p:par>
-                                <p:cTn id="33" presetID="10" presetClass="entr" presetSubtype="0" fill="hold" nodeType="afterEffect">
+                                <p:cTn id="27" presetID="10" presetClass="entr" presetSubtype="0" fill="hold" nodeType="withEffect">
                                   <p:stCondLst>
                                     <p:cond delay="0"/>
                                   </p:stCondLst>
                                   <p:childTnLst>
                                     <p:set>
                                       <p:cBhvr>
-                                        <p:cTn id="34" dur="1" fill="hold">
+                                        <p:cTn id="28" dur="1" fill="hold">
                                           <p:stCondLst>
                                             <p:cond delay="0"/>
                                           </p:stCondLst>
@@ -45859,7 +45223,7 @@
                                     </p:set>
                                     <p:animEffect transition="in" filter="fade">
                                       <p:cBhvr>
-                                        <p:cTn id="35" dur="1000"/>
+                                        <p:cTn id="29" dur="1000"/>
                                         <p:tgtEl>
                                           <p:spTgt spid="2"/>
                                         </p:tgtEl>
@@ -45868,24 +45232,15 @@
                                   </p:childTnLst>
                                 </p:cTn>
                               </p:par>
-                            </p:childTnLst>
-                          </p:cTn>
-                        </p:par>
-                        <p:par>
-                          <p:cTn id="36" fill="hold">
-                            <p:stCondLst>
-                              <p:cond delay="8500"/>
-                            </p:stCondLst>
-                            <p:childTnLst>
                               <p:par>
-                                <p:cTn id="37" presetID="10" presetClass="entr" presetSubtype="0" fill="hold" nodeType="afterEffect">
+                                <p:cTn id="30" presetID="10" presetClass="entr" presetSubtype="0" fill="hold" nodeType="withEffect">
                                   <p:stCondLst>
                                     <p:cond delay="0"/>
                                   </p:stCondLst>
                                   <p:childTnLst>
                                     <p:set>
                                       <p:cBhvr>
-                                        <p:cTn id="38" dur="1" fill="hold">
+                                        <p:cTn id="31" dur="1" fill="hold">
                                           <p:stCondLst>
                                             <p:cond delay="0"/>
                                           </p:stCondLst>
@@ -45903,7 +45258,7 @@
                                     </p:set>
                                     <p:animEffect transition="in" filter="fade">
                                       <p:cBhvr>
-                                        <p:cTn id="39" dur="1000"/>
+                                        <p:cTn id="32" dur="1000"/>
                                         <p:tgtEl>
                                           <p:spTgt spid="2052"/>
                                         </p:tgtEl>
@@ -45916,20 +45271,20 @@
                           </p:cTn>
                         </p:par>
                         <p:par>
-                          <p:cTn id="40" fill="hold">
+                          <p:cTn id="33" fill="hold">
                             <p:stCondLst>
-                              <p:cond delay="9500"/>
+                              <p:cond delay="2000"/>
                             </p:stCondLst>
                             <p:childTnLst>
                               <p:par>
-                                <p:cTn id="41" presetID="10" presetClass="entr" presetSubtype="0" fill="hold" nodeType="afterEffect">
+                                <p:cTn id="34" presetID="10" presetClass="entr" presetSubtype="0" fill="hold" nodeType="afterEffect">
                                   <p:stCondLst>
-                                    <p:cond delay="1500"/>
+                                    <p:cond delay="0"/>
                                   </p:stCondLst>
                                   <p:childTnLst>
                                     <p:set>
                                       <p:cBhvr>
-                                        <p:cTn id="42" dur="1" fill="hold">
+                                        <p:cTn id="35" dur="1" fill="hold">
                                           <p:stCondLst>
                                             <p:cond delay="0"/>
                                           </p:stCondLst>
@@ -45951,7 +45306,7 @@
                                     </p:set>
                                     <p:animEffect transition="in" filter="fade">
                                       <p:cBhvr>
-                                        <p:cTn id="43" dur="1000"/>
+                                        <p:cTn id="36" dur="1000"/>
                                         <p:tgtEl>
                                           <p:spTgt spid="7">
                                             <p:txEl>
@@ -45964,24 +45319,15 @@
                                   </p:childTnLst>
                                 </p:cTn>
                               </p:par>
-                            </p:childTnLst>
-                          </p:cTn>
-                        </p:par>
-                        <p:par>
-                          <p:cTn id="44" fill="hold">
-                            <p:stCondLst>
-                              <p:cond delay="12000"/>
-                            </p:stCondLst>
-                            <p:childTnLst>
                               <p:par>
-                                <p:cTn id="45" presetID="10" presetClass="entr" presetSubtype="0" fill="hold" nodeType="afterEffect">
+                                <p:cTn id="37" presetID="10" presetClass="entr" presetSubtype="0" fill="hold" nodeType="withEffect">
                                   <p:stCondLst>
                                     <p:cond delay="0"/>
                                   </p:stCondLst>
                                   <p:childTnLst>
                                     <p:set>
                                       <p:cBhvr>
-                                        <p:cTn id="46" dur="1" fill="hold">
+                                        <p:cTn id="38" dur="1" fill="hold">
                                           <p:stCondLst>
                                             <p:cond delay="0"/>
                                           </p:stCondLst>
@@ -46003,7 +45349,7 @@
                                     </p:set>
                                     <p:animEffect transition="in" filter="fade">
                                       <p:cBhvr>
-                                        <p:cTn id="47" dur="1000"/>
+                                        <p:cTn id="39" dur="1000"/>
                                         <p:tgtEl>
                                           <p:spTgt spid="7">
                                             <p:txEl>
@@ -46016,24 +45362,15 @@
                                   </p:childTnLst>
                                 </p:cTn>
                               </p:par>
-                            </p:childTnLst>
-                          </p:cTn>
-                        </p:par>
-                        <p:par>
-                          <p:cTn id="48" fill="hold">
-                            <p:stCondLst>
-                              <p:cond delay="13000"/>
-                            </p:stCondLst>
-                            <p:childTnLst>
                               <p:par>
-                                <p:cTn id="49" presetID="10" presetClass="entr" presetSubtype="0" fill="hold" nodeType="afterEffect">
+                                <p:cTn id="40" presetID="10" presetClass="entr" presetSubtype="0" fill="hold" nodeType="withEffect">
                                   <p:stCondLst>
                                     <p:cond delay="0"/>
                                   </p:stCondLst>
                                   <p:childTnLst>
                                     <p:set>
                                       <p:cBhvr>
-                                        <p:cTn id="50" dur="1" fill="hold">
+                                        <p:cTn id="41" dur="1" fill="hold">
                                           <p:stCondLst>
                                             <p:cond delay="0"/>
                                           </p:stCondLst>
@@ -46055,7 +45392,7 @@
                                     </p:set>
                                     <p:animEffect transition="in" filter="fade">
                                       <p:cBhvr>
-                                        <p:cTn id="51" dur="1000"/>
+                                        <p:cTn id="42" dur="1000"/>
                                         <p:tgtEl>
                                           <p:spTgt spid="7">
                                             <p:txEl>
@@ -46068,24 +45405,15 @@
                                   </p:childTnLst>
                                 </p:cTn>
                               </p:par>
-                            </p:childTnLst>
-                          </p:cTn>
-                        </p:par>
-                        <p:par>
-                          <p:cTn id="52" fill="hold">
-                            <p:stCondLst>
-                              <p:cond delay="14000"/>
-                            </p:stCondLst>
-                            <p:childTnLst>
                               <p:par>
-                                <p:cTn id="53" presetID="10" presetClass="entr" presetSubtype="0" fill="hold" nodeType="afterEffect">
+                                <p:cTn id="43" presetID="10" presetClass="entr" presetSubtype="0" fill="hold" nodeType="withEffect">
                                   <p:stCondLst>
                                     <p:cond delay="0"/>
                                   </p:stCondLst>
                                   <p:childTnLst>
                                     <p:set>
                                       <p:cBhvr>
-                                        <p:cTn id="54" dur="1" fill="hold">
+                                        <p:cTn id="44" dur="1" fill="hold">
                                           <p:stCondLst>
                                             <p:cond delay="0"/>
                                           </p:stCondLst>
@@ -46107,7 +45435,7 @@
                                     </p:set>
                                     <p:animEffect transition="in" filter="fade">
                                       <p:cBhvr>
-                                        <p:cTn id="55" dur="1000"/>
+                                        <p:cTn id="45" dur="1000"/>
                                         <p:tgtEl>
                                           <p:spTgt spid="7">
                                             <p:txEl>
@@ -46124,20 +45452,20 @@
                           </p:cTn>
                         </p:par>
                         <p:par>
-                          <p:cTn id="56" fill="hold">
+                          <p:cTn id="46" fill="hold">
                             <p:stCondLst>
-                              <p:cond delay="15000"/>
+                              <p:cond delay="3000"/>
                             </p:stCondLst>
                             <p:childTnLst>
                               <p:par>
-                                <p:cTn id="57" presetID="10" presetClass="entr" presetSubtype="0" fill="hold" nodeType="afterEffect">
+                                <p:cTn id="47" presetID="10" presetClass="entr" presetSubtype="0" fill="hold" nodeType="afterEffect">
                                   <p:stCondLst>
-                                    <p:cond delay="500"/>
+                                    <p:cond delay="0"/>
                                   </p:stCondLst>
                                   <p:childTnLst>
                                     <p:set>
                                       <p:cBhvr>
-                                        <p:cTn id="58" dur="1" fill="hold">
+                                        <p:cTn id="48" dur="1" fill="hold">
                                           <p:stCondLst>
                                             <p:cond delay="0"/>
                                           </p:stCondLst>
@@ -46155,7 +45483,7 @@
                                     </p:set>
                                     <p:animEffect transition="in" filter="fade">
                                       <p:cBhvr>
-                                        <p:cTn id="59" dur="1000"/>
+                                        <p:cTn id="49" dur="1000"/>
                                         <p:tgtEl>
                                           <p:spTgt spid="1026"/>
                                         </p:tgtEl>
@@ -46164,24 +45492,15 @@
                                   </p:childTnLst>
                                 </p:cTn>
                               </p:par>
-                            </p:childTnLst>
-                          </p:cTn>
-                        </p:par>
-                        <p:par>
-                          <p:cTn id="60" fill="hold">
-                            <p:stCondLst>
-                              <p:cond delay="16500"/>
-                            </p:stCondLst>
-                            <p:childTnLst>
                               <p:par>
-                                <p:cTn id="61" presetID="10" presetClass="entr" presetSubtype="0" fill="hold" nodeType="afterEffect">
+                                <p:cTn id="50" presetID="10" presetClass="entr" presetSubtype="0" fill="hold" nodeType="withEffect">
                                   <p:stCondLst>
                                     <p:cond delay="0"/>
                                   </p:stCondLst>
                                   <p:childTnLst>
                                     <p:set>
                                       <p:cBhvr>
-                                        <p:cTn id="62" dur="1" fill="hold">
+                                        <p:cTn id="51" dur="1" fill="hold">
                                           <p:stCondLst>
                                             <p:cond delay="0"/>
                                           </p:stCondLst>
@@ -46199,7 +45518,7 @@
                                     </p:set>
                                     <p:animEffect transition="in" filter="fade">
                                       <p:cBhvr>
-                                        <p:cTn id="63" dur="1000"/>
+                                        <p:cTn id="52" dur="1000"/>
                                         <p:tgtEl>
                                           <p:spTgt spid="1030"/>
                                         </p:tgtEl>
@@ -46208,24 +45527,15 @@
                                   </p:childTnLst>
                                 </p:cTn>
                               </p:par>
-                            </p:childTnLst>
-                          </p:cTn>
-                        </p:par>
-                        <p:par>
-                          <p:cTn id="64" fill="hold">
-                            <p:stCondLst>
-                              <p:cond delay="17500"/>
-                            </p:stCondLst>
-                            <p:childTnLst>
                               <p:par>
-                                <p:cTn id="65" presetID="10" presetClass="entr" presetSubtype="0" fill="hold" nodeType="afterEffect">
+                                <p:cTn id="53" presetID="10" presetClass="entr" presetSubtype="0" fill="hold" nodeType="withEffect">
                                   <p:stCondLst>
                                     <p:cond delay="0"/>
                                   </p:stCondLst>
                                   <p:childTnLst>
                                     <p:set>
                                       <p:cBhvr>
-                                        <p:cTn id="66" dur="1" fill="hold">
+                                        <p:cTn id="54" dur="1" fill="hold">
                                           <p:stCondLst>
                                             <p:cond delay="0"/>
                                           </p:stCondLst>
@@ -46243,7 +45553,7 @@
                                     </p:set>
                                     <p:animEffect transition="in" filter="fade">
                                       <p:cBhvr>
-                                        <p:cTn id="67" dur="1000"/>
+                                        <p:cTn id="55" dur="1000"/>
                                         <p:tgtEl>
                                           <p:spTgt spid="1034"/>
                                         </p:tgtEl>

--- a/Presentation/LMS Presentation.pptx
+++ b/Presentation/LMS Presentation.pptx
@@ -21,24 +21,28 @@
     <p:sldId id="286" r:id="rId15"/>
     <p:sldId id="297" r:id="rId16"/>
     <p:sldId id="301" r:id="rId17"/>
-    <p:sldId id="295" r:id="rId18"/>
-    <p:sldId id="300" r:id="rId19"/>
-    <p:sldId id="290" r:id="rId20"/>
-    <p:sldId id="289" r:id="rId21"/>
-    <p:sldId id="291" r:id="rId22"/>
-    <p:sldId id="298" r:id="rId23"/>
-    <p:sldId id="293" r:id="rId24"/>
-    <p:sldId id="294" r:id="rId25"/>
-    <p:sldId id="266" r:id="rId26"/>
-    <p:sldId id="299" r:id="rId27"/>
-    <p:sldId id="267" r:id="rId28"/>
-    <p:sldId id="262" r:id="rId29"/>
-    <p:sldId id="264" r:id="rId30"/>
-    <p:sldId id="265" r:id="rId31"/>
-    <p:sldId id="288" r:id="rId32"/>
-    <p:sldId id="257" r:id="rId33"/>
-    <p:sldId id="270" r:id="rId34"/>
-    <p:sldId id="272" r:id="rId35"/>
+    <p:sldId id="305" r:id="rId18"/>
+    <p:sldId id="303" r:id="rId19"/>
+    <p:sldId id="304" r:id="rId20"/>
+    <p:sldId id="306" r:id="rId21"/>
+    <p:sldId id="295" r:id="rId22"/>
+    <p:sldId id="300" r:id="rId23"/>
+    <p:sldId id="290" r:id="rId24"/>
+    <p:sldId id="289" r:id="rId25"/>
+    <p:sldId id="291" r:id="rId26"/>
+    <p:sldId id="298" r:id="rId27"/>
+    <p:sldId id="293" r:id="rId28"/>
+    <p:sldId id="294" r:id="rId29"/>
+    <p:sldId id="266" r:id="rId30"/>
+    <p:sldId id="299" r:id="rId31"/>
+    <p:sldId id="267" r:id="rId32"/>
+    <p:sldId id="262" r:id="rId33"/>
+    <p:sldId id="264" r:id="rId34"/>
+    <p:sldId id="265" r:id="rId35"/>
+    <p:sldId id="288" r:id="rId36"/>
+    <p:sldId id="257" r:id="rId37"/>
+    <p:sldId id="270" r:id="rId38"/>
+    <p:sldId id="272" r:id="rId39"/>
   </p:sldIdLst>
   <p:sldSz cx="12192000" cy="6858000"/>
   <p:notesSz cx="6858000" cy="9144000"/>
@@ -23702,6 +23706,181 @@
           </a:p>
         </p:txBody>
       </p:sp>
+      <p:sp>
+        <p:nvSpPr>
+          <p:cNvPr id="2" name="Title 1">
+            <a:extLst>
+              <a:ext uri="{FF2B5EF4-FFF2-40B4-BE49-F238E27FC236}">
+                <a16:creationId xmlns:a16="http://schemas.microsoft.com/office/drawing/2014/main" id="{CE61BC08-5443-4747-92A8-AA008312E1B1}"/>
+              </a:ext>
+            </a:extLst>
+          </p:cNvPr>
+          <p:cNvSpPr>
+            <a:spLocks noGrp="1"/>
+          </p:cNvSpPr>
+          <p:nvPr>
+            <p:ph type="title"/>
+          </p:nvPr>
+        </p:nvSpPr>
+        <p:spPr/>
+        <p:txBody>
+          <a:bodyPr/>
+          <a:lstStyle/>
+          <a:p>
+            <a:endParaRPr lang="en-GB"/>
+          </a:p>
+        </p:txBody>
+      </p:sp>
+      <p:sp>
+        <p:nvSpPr>
+          <p:cNvPr id="3" name="Subtitle 2">
+            <a:extLst>
+              <a:ext uri="{FF2B5EF4-FFF2-40B4-BE49-F238E27FC236}">
+                <a16:creationId xmlns:a16="http://schemas.microsoft.com/office/drawing/2014/main" id="{0672B9F9-9A1F-4584-87F8-12EF02CB3E7B}"/>
+              </a:ext>
+            </a:extLst>
+          </p:cNvPr>
+          <p:cNvSpPr>
+            <a:spLocks noGrp="1"/>
+          </p:cNvSpPr>
+          <p:nvPr>
+            <p:ph type="subTitle" idx="1"/>
+          </p:nvPr>
+        </p:nvSpPr>
+        <p:spPr/>
+        <p:txBody>
+          <a:bodyPr/>
+          <a:lstStyle/>
+          <a:p>
+            <a:endParaRPr lang="en-GB"/>
+          </a:p>
+        </p:txBody>
+      </p:sp>
+      <p:sp>
+        <p:nvSpPr>
+          <p:cNvPr id="4" name="Subtitle 3">
+            <a:extLst>
+              <a:ext uri="{FF2B5EF4-FFF2-40B4-BE49-F238E27FC236}">
+                <a16:creationId xmlns:a16="http://schemas.microsoft.com/office/drawing/2014/main" id="{062565DD-F062-4C55-91DA-2B307D31CBC1}"/>
+              </a:ext>
+            </a:extLst>
+          </p:cNvPr>
+          <p:cNvSpPr>
+            <a:spLocks noGrp="1"/>
+          </p:cNvSpPr>
+          <p:nvPr>
+            <p:ph type="subTitle" idx="2"/>
+          </p:nvPr>
+        </p:nvSpPr>
+        <p:spPr/>
+        <p:txBody>
+          <a:bodyPr/>
+          <a:lstStyle/>
+          <a:p>
+            <a:endParaRPr lang="en-GB"/>
+          </a:p>
+        </p:txBody>
+      </p:sp>
+      <p:sp>
+        <p:nvSpPr>
+          <p:cNvPr id="5" name="Subtitle 4">
+            <a:extLst>
+              <a:ext uri="{FF2B5EF4-FFF2-40B4-BE49-F238E27FC236}">
+                <a16:creationId xmlns:a16="http://schemas.microsoft.com/office/drawing/2014/main" id="{30D69157-60DE-4325-AF7A-03900F7478E8}"/>
+              </a:ext>
+            </a:extLst>
+          </p:cNvPr>
+          <p:cNvSpPr>
+            <a:spLocks noGrp="1"/>
+          </p:cNvSpPr>
+          <p:nvPr>
+            <p:ph type="subTitle" idx="3"/>
+          </p:nvPr>
+        </p:nvSpPr>
+        <p:spPr/>
+        <p:txBody>
+          <a:bodyPr/>
+          <a:lstStyle/>
+          <a:p>
+            <a:endParaRPr lang="en-GB"/>
+          </a:p>
+        </p:txBody>
+      </p:sp>
+      <p:sp>
+        <p:nvSpPr>
+          <p:cNvPr id="7" name="Subtitle 6">
+            <a:extLst>
+              <a:ext uri="{FF2B5EF4-FFF2-40B4-BE49-F238E27FC236}">
+                <a16:creationId xmlns:a16="http://schemas.microsoft.com/office/drawing/2014/main" id="{875D2A9D-5A67-46D6-AED4-DE2C2E8B9187}"/>
+              </a:ext>
+            </a:extLst>
+          </p:cNvPr>
+          <p:cNvSpPr>
+            <a:spLocks noGrp="1"/>
+          </p:cNvSpPr>
+          <p:nvPr>
+            <p:ph type="subTitle" idx="4"/>
+          </p:nvPr>
+        </p:nvSpPr>
+        <p:spPr/>
+        <p:txBody>
+          <a:bodyPr/>
+          <a:lstStyle/>
+          <a:p>
+            <a:endParaRPr lang="en-GB"/>
+          </a:p>
+        </p:txBody>
+      </p:sp>
+      <p:sp>
+        <p:nvSpPr>
+          <p:cNvPr id="8" name="Subtitle 7">
+            <a:extLst>
+              <a:ext uri="{FF2B5EF4-FFF2-40B4-BE49-F238E27FC236}">
+                <a16:creationId xmlns:a16="http://schemas.microsoft.com/office/drawing/2014/main" id="{DEE5107E-876B-4071-B95E-BC18526F1A29}"/>
+              </a:ext>
+            </a:extLst>
+          </p:cNvPr>
+          <p:cNvSpPr>
+            <a:spLocks noGrp="1"/>
+          </p:cNvSpPr>
+          <p:nvPr>
+            <p:ph type="subTitle" idx="5"/>
+          </p:nvPr>
+        </p:nvSpPr>
+        <p:spPr/>
+        <p:txBody>
+          <a:bodyPr/>
+          <a:lstStyle/>
+          <a:p>
+            <a:endParaRPr lang="en-GB"/>
+          </a:p>
+        </p:txBody>
+      </p:sp>
+      <p:sp>
+        <p:nvSpPr>
+          <p:cNvPr id="9" name="Subtitle 8">
+            <a:extLst>
+              <a:ext uri="{FF2B5EF4-FFF2-40B4-BE49-F238E27FC236}">
+                <a16:creationId xmlns:a16="http://schemas.microsoft.com/office/drawing/2014/main" id="{D3A74636-B087-4456-989A-F9D3C5C89D7D}"/>
+              </a:ext>
+            </a:extLst>
+          </p:cNvPr>
+          <p:cNvSpPr>
+            <a:spLocks noGrp="1"/>
+          </p:cNvSpPr>
+          <p:nvPr>
+            <p:ph type="subTitle" idx="6"/>
+          </p:nvPr>
+        </p:nvSpPr>
+        <p:spPr/>
+        <p:txBody>
+          <a:bodyPr/>
+          <a:lstStyle/>
+          <a:p>
+            <a:endParaRPr lang="en-GB"/>
+          </a:p>
+        </p:txBody>
+      </p:sp>
     </p:spTree>
     <p:extLst>
       <p:ext uri="{BB962C8B-B14F-4D97-AF65-F5344CB8AC3E}">
@@ -24048,8 +24227,8 @@
         </p:nvSpPr>
         <p:spPr>
           <a:xfrm>
-            <a:off x="1438642" y="1535159"/>
-            <a:ext cx="4657358" cy="3787681"/>
+            <a:off x="6096000" y="2539664"/>
+            <a:ext cx="4657358" cy="2543782"/>
           </a:xfrm>
           <a:prstGeom prst="rect">
             <a:avLst/>
@@ -24234,6 +24413,1121 @@
               <a:buFont typeface="Arial" panose="020B0604020202020204" pitchFamily="34" charset="0"/>
               <a:buChar char="•"/>
             </a:pPr>
+            <a:r>
+              <a:rPr lang="en-GB" dirty="0"/>
+              <a:t>Login</a:t>
+            </a:r>
+          </a:p>
+          <a:p>
+            <a:pPr marL="342900" indent="-342900">
+              <a:buFont typeface="Arial" panose="020B0604020202020204" pitchFamily="34" charset="0"/>
+              <a:buChar char="•"/>
+            </a:pPr>
+            <a:r>
+              <a:rPr lang="en-GB" dirty="0"/>
+              <a:t>Register</a:t>
+            </a:r>
+          </a:p>
+          <a:p>
+            <a:pPr marL="342900" indent="-342900">
+              <a:buFont typeface="Arial" panose="020B0604020202020204" pitchFamily="34" charset="0"/>
+              <a:buChar char="•"/>
+            </a:pPr>
+            <a:r>
+              <a:rPr lang="en-GB" dirty="0"/>
+              <a:t>Finalize registration</a:t>
+            </a:r>
+          </a:p>
+          <a:p>
+            <a:pPr marL="342900" indent="-342900">
+              <a:buFont typeface="Arial" panose="020B0604020202020204" pitchFamily="34" charset="0"/>
+              <a:buChar char="•"/>
+            </a:pPr>
+            <a:r>
+              <a:rPr lang="en-GB" dirty="0"/>
+              <a:t>Verification</a:t>
+            </a:r>
+          </a:p>
+          <a:p>
+            <a:pPr marL="342900" indent="-342900">
+              <a:buFont typeface="Arial" panose="020B0604020202020204" pitchFamily="34" charset="0"/>
+              <a:buChar char="•"/>
+            </a:pPr>
+            <a:r>
+              <a:rPr lang="en-GB" dirty="0"/>
+              <a:t>Search in available books</a:t>
+            </a:r>
+          </a:p>
+          <a:p>
+            <a:pPr marL="342900" indent="-342900">
+              <a:buFont typeface="Arial" panose="020B0604020202020204" pitchFamily="34" charset="0"/>
+              <a:buChar char="•"/>
+            </a:pPr>
+            <a:r>
+              <a:rPr lang="en-GB" dirty="0"/>
+              <a:t>User’s reservations</a:t>
+            </a:r>
+          </a:p>
+          <a:p>
+            <a:pPr marL="342900" indent="-342900">
+              <a:buFont typeface="Arial" panose="020B0604020202020204" pitchFamily="34" charset="0"/>
+              <a:buChar char="•"/>
+            </a:pPr>
+            <a:r>
+              <a:rPr lang="en-GB" dirty="0"/>
+              <a:t>User’s borrowings</a:t>
+            </a:r>
+          </a:p>
+        </p:txBody>
+      </p:sp>
+      <p:sp>
+        <p:nvSpPr>
+          <p:cNvPr id="6" name="Title 3">
+            <a:extLst>
+              <a:ext uri="{FF2B5EF4-FFF2-40B4-BE49-F238E27FC236}">
+                <a16:creationId xmlns:a16="http://schemas.microsoft.com/office/drawing/2014/main" id="{5F9A6822-1AA9-4E8E-8D80-093D90B41D28}"/>
+              </a:ext>
+            </a:extLst>
+          </p:cNvPr>
+          <p:cNvSpPr txBox="1">
+            <a:spLocks/>
+          </p:cNvSpPr>
+          <p:nvPr/>
+        </p:nvSpPr>
+        <p:spPr>
+          <a:xfrm>
+            <a:off x="6606420" y="603886"/>
+            <a:ext cx="2134380" cy="763600"/>
+          </a:xfrm>
+          <a:prstGeom prst="rect">
+            <a:avLst/>
+          </a:prstGeom>
+          <a:noFill/>
+          <a:ln>
+            <a:noFill/>
+          </a:ln>
+        </p:spPr>
+        <p:txBody>
+          <a:bodyPr spcFirstLastPara="1" wrap="square" lIns="91425" tIns="91425" rIns="91425" bIns="91425" anchor="t" anchorCtr="0">
+            <a:noAutofit/>
+          </a:bodyPr>
+          <a:lstStyle>
+            <a:defPPr marR="0" lvl="0" algn="l" rtl="0">
+              <a:lnSpc>
+                <a:spcPct val="100000"/>
+              </a:lnSpc>
+              <a:spcBef>
+                <a:spcPts val="0"/>
+              </a:spcBef>
+              <a:spcAft>
+                <a:spcPts val="0"/>
+              </a:spcAft>
+            </a:defPPr>
+            <a:lvl1pPr marR="0" lvl="0" algn="l" rtl="0" eaLnBrk="1" hangingPunct="1">
+              <a:lnSpc>
+                <a:spcPct val="100000"/>
+              </a:lnSpc>
+              <a:spcBef>
+                <a:spcPts val="0"/>
+              </a:spcBef>
+              <a:spcAft>
+                <a:spcPts val="0"/>
+              </a:spcAft>
+              <a:buClr>
+                <a:schemeClr val="dk1"/>
+              </a:buClr>
+              <a:buSzPts val="3000"/>
+              <a:buFont typeface="Oxanium"/>
+              <a:buNone/>
+              <a:defRPr sz="3000" b="1" i="0" u="none" strike="noStrike" cap="none">
+                <a:solidFill>
+                  <a:schemeClr val="dk1"/>
+                </a:solidFill>
+                <a:latin typeface="Oxanium"/>
+                <a:ea typeface="Oxanium"/>
+                <a:cs typeface="Oxanium"/>
+                <a:sym typeface="Oxanium"/>
+              </a:defRPr>
+            </a:lvl1pPr>
+            <a:lvl2pPr marR="0" lvl="1" algn="l" rtl="0" eaLnBrk="1" hangingPunct="1">
+              <a:lnSpc>
+                <a:spcPct val="100000"/>
+              </a:lnSpc>
+              <a:spcBef>
+                <a:spcPts val="0"/>
+              </a:spcBef>
+              <a:spcAft>
+                <a:spcPts val="0"/>
+              </a:spcAft>
+              <a:buClr>
+                <a:schemeClr val="dk1"/>
+              </a:buClr>
+              <a:buSzPts val="3000"/>
+              <a:buFont typeface="Oxanium"/>
+              <a:buNone/>
+              <a:defRPr sz="3000" b="1" i="0" u="none" strike="noStrike" cap="none">
+                <a:solidFill>
+                  <a:schemeClr val="dk1"/>
+                </a:solidFill>
+                <a:latin typeface="Oxanium"/>
+                <a:ea typeface="Oxanium"/>
+                <a:cs typeface="Oxanium"/>
+                <a:sym typeface="Oxanium"/>
+              </a:defRPr>
+            </a:lvl2pPr>
+            <a:lvl3pPr marR="0" lvl="2" algn="l" rtl="0" eaLnBrk="1" hangingPunct="1">
+              <a:lnSpc>
+                <a:spcPct val="100000"/>
+              </a:lnSpc>
+              <a:spcBef>
+                <a:spcPts val="0"/>
+              </a:spcBef>
+              <a:spcAft>
+                <a:spcPts val="0"/>
+              </a:spcAft>
+              <a:buClr>
+                <a:schemeClr val="dk1"/>
+              </a:buClr>
+              <a:buSzPts val="3000"/>
+              <a:buFont typeface="Oxanium"/>
+              <a:buNone/>
+              <a:defRPr sz="3000" b="1" i="0" u="none" strike="noStrike" cap="none">
+                <a:solidFill>
+                  <a:schemeClr val="dk1"/>
+                </a:solidFill>
+                <a:latin typeface="Oxanium"/>
+                <a:ea typeface="Oxanium"/>
+                <a:cs typeface="Oxanium"/>
+                <a:sym typeface="Oxanium"/>
+              </a:defRPr>
+            </a:lvl3pPr>
+            <a:lvl4pPr marR="0" lvl="3" algn="l" rtl="0" eaLnBrk="1" hangingPunct="1">
+              <a:lnSpc>
+                <a:spcPct val="100000"/>
+              </a:lnSpc>
+              <a:spcBef>
+                <a:spcPts val="0"/>
+              </a:spcBef>
+              <a:spcAft>
+                <a:spcPts val="0"/>
+              </a:spcAft>
+              <a:buClr>
+                <a:schemeClr val="dk1"/>
+              </a:buClr>
+              <a:buSzPts val="3000"/>
+              <a:buFont typeface="Oxanium"/>
+              <a:buNone/>
+              <a:defRPr sz="3000" b="1" i="0" u="none" strike="noStrike" cap="none">
+                <a:solidFill>
+                  <a:schemeClr val="dk1"/>
+                </a:solidFill>
+                <a:latin typeface="Oxanium"/>
+                <a:ea typeface="Oxanium"/>
+                <a:cs typeface="Oxanium"/>
+                <a:sym typeface="Oxanium"/>
+              </a:defRPr>
+            </a:lvl4pPr>
+            <a:lvl5pPr marR="0" lvl="4" algn="l" rtl="0" eaLnBrk="1" hangingPunct="1">
+              <a:lnSpc>
+                <a:spcPct val="100000"/>
+              </a:lnSpc>
+              <a:spcBef>
+                <a:spcPts val="0"/>
+              </a:spcBef>
+              <a:spcAft>
+                <a:spcPts val="0"/>
+              </a:spcAft>
+              <a:buClr>
+                <a:schemeClr val="dk1"/>
+              </a:buClr>
+              <a:buSzPts val="3000"/>
+              <a:buFont typeface="Oxanium"/>
+              <a:buNone/>
+              <a:defRPr sz="3000" b="1" i="0" u="none" strike="noStrike" cap="none">
+                <a:solidFill>
+                  <a:schemeClr val="dk1"/>
+                </a:solidFill>
+                <a:latin typeface="Oxanium"/>
+                <a:ea typeface="Oxanium"/>
+                <a:cs typeface="Oxanium"/>
+                <a:sym typeface="Oxanium"/>
+              </a:defRPr>
+            </a:lvl5pPr>
+            <a:lvl6pPr marR="0" lvl="5" algn="l" rtl="0" eaLnBrk="1" hangingPunct="1">
+              <a:lnSpc>
+                <a:spcPct val="100000"/>
+              </a:lnSpc>
+              <a:spcBef>
+                <a:spcPts val="0"/>
+              </a:spcBef>
+              <a:spcAft>
+                <a:spcPts val="0"/>
+              </a:spcAft>
+              <a:buClr>
+                <a:schemeClr val="dk1"/>
+              </a:buClr>
+              <a:buSzPts val="3000"/>
+              <a:buFont typeface="Oxanium"/>
+              <a:buNone/>
+              <a:defRPr sz="3000" b="1" i="0" u="none" strike="noStrike" cap="none">
+                <a:solidFill>
+                  <a:schemeClr val="dk1"/>
+                </a:solidFill>
+                <a:latin typeface="Oxanium"/>
+                <a:ea typeface="Oxanium"/>
+                <a:cs typeface="Oxanium"/>
+                <a:sym typeface="Oxanium"/>
+              </a:defRPr>
+            </a:lvl6pPr>
+            <a:lvl7pPr marR="0" lvl="6" algn="l" rtl="0" eaLnBrk="1" hangingPunct="1">
+              <a:lnSpc>
+                <a:spcPct val="100000"/>
+              </a:lnSpc>
+              <a:spcBef>
+                <a:spcPts val="0"/>
+              </a:spcBef>
+              <a:spcAft>
+                <a:spcPts val="0"/>
+              </a:spcAft>
+              <a:buClr>
+                <a:schemeClr val="dk1"/>
+              </a:buClr>
+              <a:buSzPts val="3000"/>
+              <a:buFont typeface="Oxanium"/>
+              <a:buNone/>
+              <a:defRPr sz="3000" b="1" i="0" u="none" strike="noStrike" cap="none">
+                <a:solidFill>
+                  <a:schemeClr val="dk1"/>
+                </a:solidFill>
+                <a:latin typeface="Oxanium"/>
+                <a:ea typeface="Oxanium"/>
+                <a:cs typeface="Oxanium"/>
+                <a:sym typeface="Oxanium"/>
+              </a:defRPr>
+            </a:lvl7pPr>
+            <a:lvl8pPr marR="0" lvl="7" algn="l" rtl="0" eaLnBrk="1" hangingPunct="1">
+              <a:lnSpc>
+                <a:spcPct val="100000"/>
+              </a:lnSpc>
+              <a:spcBef>
+                <a:spcPts val="0"/>
+              </a:spcBef>
+              <a:spcAft>
+                <a:spcPts val="0"/>
+              </a:spcAft>
+              <a:buClr>
+                <a:schemeClr val="dk1"/>
+              </a:buClr>
+              <a:buSzPts val="3000"/>
+              <a:buFont typeface="Oxanium"/>
+              <a:buNone/>
+              <a:defRPr sz="3000" b="1" i="0" u="none" strike="noStrike" cap="none">
+                <a:solidFill>
+                  <a:schemeClr val="dk1"/>
+                </a:solidFill>
+                <a:latin typeface="Oxanium"/>
+                <a:ea typeface="Oxanium"/>
+                <a:cs typeface="Oxanium"/>
+                <a:sym typeface="Oxanium"/>
+              </a:defRPr>
+            </a:lvl8pPr>
+            <a:lvl9pPr marR="0" lvl="8" algn="l" rtl="0" eaLnBrk="1" hangingPunct="1">
+              <a:lnSpc>
+                <a:spcPct val="100000"/>
+              </a:lnSpc>
+              <a:spcBef>
+                <a:spcPts val="0"/>
+              </a:spcBef>
+              <a:spcAft>
+                <a:spcPts val="0"/>
+              </a:spcAft>
+              <a:buClr>
+                <a:schemeClr val="dk1"/>
+              </a:buClr>
+              <a:buSzPts val="3000"/>
+              <a:buFont typeface="Oxanium"/>
+              <a:buNone/>
+              <a:defRPr sz="3000" b="1" i="0" u="none" strike="noStrike" cap="none">
+                <a:solidFill>
+                  <a:schemeClr val="dk1"/>
+                </a:solidFill>
+                <a:latin typeface="Oxanium"/>
+                <a:ea typeface="Oxanium"/>
+                <a:cs typeface="Oxanium"/>
+                <a:sym typeface="Oxanium"/>
+              </a:defRPr>
+            </a:lvl9pPr>
+          </a:lstStyle>
+          <a:p>
+            <a:r>
+              <a:rPr lang="en-GB" sz="4000" dirty="0">
+                <a:effectLst/>
+              </a:rPr>
+              <a:t>Frontend</a:t>
+            </a:r>
+          </a:p>
+        </p:txBody>
+      </p:sp>
+      <p:pic>
+        <p:nvPicPr>
+          <p:cNvPr id="14" name="Kép 1">
+            <a:extLst>
+              <a:ext uri="{FF2B5EF4-FFF2-40B4-BE49-F238E27FC236}">
+                <a16:creationId xmlns:a16="http://schemas.microsoft.com/office/drawing/2014/main" id="{83A10EF5-9E1F-47B3-B669-306CD552AE91}"/>
+              </a:ext>
+            </a:extLst>
+          </p:cNvPr>
+          <p:cNvPicPr>
+            <a:picLocks noChangeAspect="1"/>
+          </p:cNvPicPr>
+          <p:nvPr/>
+        </p:nvPicPr>
+        <p:blipFill>
+          <a:blip r:embed="rId2"/>
+          <a:stretch>
+            <a:fillRect/>
+          </a:stretch>
+        </p:blipFill>
+        <p:spPr>
+          <a:xfrm>
+            <a:off x="960000" y="1651594"/>
+            <a:ext cx="3368217" cy="4706345"/>
+          </a:xfrm>
+          <a:prstGeom prst="rect">
+            <a:avLst/>
+          </a:prstGeom>
+          <a:ln>
+            <a:noFill/>
+          </a:ln>
+          <a:effectLst>
+            <a:outerShdw blurRad="190500" algn="tl" rotWithShape="0">
+              <a:srgbClr val="000000">
+                <a:alpha val="70000"/>
+              </a:srgbClr>
+            </a:outerShdw>
+          </a:effectLst>
+        </p:spPr>
+      </p:pic>
+    </p:spTree>
+    <p:extLst>
+      <p:ext uri="{BB962C8B-B14F-4D97-AF65-F5344CB8AC3E}">
+        <p14:creationId xmlns:p14="http://schemas.microsoft.com/office/powerpoint/2010/main" val="1131662375"/>
+      </p:ext>
+    </p:extLst>
+  </p:cSld>
+  <p:clrMapOvr>
+    <a:masterClrMapping/>
+  </p:clrMapOvr>
+  <mc:AlternateContent xmlns:mc="http://schemas.openxmlformats.org/markup-compatibility/2006" xmlns:p159="http://schemas.microsoft.com/office/powerpoint/2015/09/main">
+    <mc:Choice Requires="p159">
+      <p:transition xmlns:p14="http://schemas.microsoft.com/office/powerpoint/2010/main" spd="slow" p14:dur="2000">
+        <p159:morph option="byObject"/>
+      </p:transition>
+    </mc:Choice>
+    <mc:Fallback xmlns="">
+      <p:transition spd="slow">
+        <p:fade/>
+      </p:transition>
+    </mc:Fallback>
+  </mc:AlternateContent>
+  <p:timing>
+    <p:tnLst>
+      <p:par>
+        <p:cTn id="1" dur="indefinite" restart="never" nodeType="tmRoot">
+          <p:childTnLst>
+            <p:seq concurrent="1" nextAc="seek">
+              <p:cTn id="2" dur="indefinite" nodeType="mainSeq">
+                <p:childTnLst>
+                  <p:par>
+                    <p:cTn id="3" fill="hold">
+                      <p:stCondLst>
+                        <p:cond delay="indefinite"/>
+                        <p:cond evt="onBegin" delay="0">
+                          <p:tn val="2"/>
+                        </p:cond>
+                      </p:stCondLst>
+                      <p:childTnLst>
+                        <p:par>
+                          <p:cTn id="4" fill="hold">
+                            <p:stCondLst>
+                              <p:cond delay="0"/>
+                            </p:stCondLst>
+                            <p:childTnLst>
+                              <p:par>
+                                <p:cTn id="5" presetID="10" presetClass="entr" presetSubtype="0" fill="hold" nodeType="afterEffect">
+                                  <p:stCondLst>
+                                    <p:cond delay="0"/>
+                                  </p:stCondLst>
+                                  <p:childTnLst>
+                                    <p:set>
+                                      <p:cBhvr>
+                                        <p:cTn id="6" dur="1" fill="hold">
+                                          <p:stCondLst>
+                                            <p:cond delay="0"/>
+                                          </p:stCondLst>
+                                        </p:cTn>
+                                        <p:tgtEl>
+                                          <p:spTgt spid="14"/>
+                                        </p:tgtEl>
+                                        <p:attrNameLst>
+                                          <p:attrName>style.visibility</p:attrName>
+                                        </p:attrNameLst>
+                                      </p:cBhvr>
+                                      <p:to>
+                                        <p:strVal val="visible"/>
+                                      </p:to>
+                                    </p:set>
+                                    <p:animEffect transition="in" filter="fade">
+                                      <p:cBhvr>
+                                        <p:cTn id="7" dur="500"/>
+                                        <p:tgtEl>
+                                          <p:spTgt spid="14"/>
+                                        </p:tgtEl>
+                                      </p:cBhvr>
+                                    </p:animEffect>
+                                  </p:childTnLst>
+                                </p:cTn>
+                              </p:par>
+                            </p:childTnLst>
+                          </p:cTn>
+                        </p:par>
+                      </p:childTnLst>
+                    </p:cTn>
+                  </p:par>
+                  <p:par>
+                    <p:cTn id="8" fill="hold">
+                      <p:stCondLst>
+                        <p:cond delay="indefinite"/>
+                      </p:stCondLst>
+                      <p:childTnLst>
+                        <p:par>
+                          <p:cTn id="9" fill="hold">
+                            <p:stCondLst>
+                              <p:cond delay="0"/>
+                            </p:stCondLst>
+                            <p:childTnLst>
+                              <p:par>
+                                <p:cTn id="10" presetID="10" presetClass="entr" presetSubtype="0" fill="hold" grpId="0" nodeType="clickEffect">
+                                  <p:stCondLst>
+                                    <p:cond delay="0"/>
+                                  </p:stCondLst>
+                                  <p:childTnLst>
+                                    <p:set>
+                                      <p:cBhvr>
+                                        <p:cTn id="11" dur="1" fill="hold">
+                                          <p:stCondLst>
+                                            <p:cond delay="0"/>
+                                          </p:stCondLst>
+                                        </p:cTn>
+                                        <p:tgtEl>
+                                          <p:spTgt spid="7"/>
+                                        </p:tgtEl>
+                                        <p:attrNameLst>
+                                          <p:attrName>style.visibility</p:attrName>
+                                        </p:attrNameLst>
+                                      </p:cBhvr>
+                                      <p:to>
+                                        <p:strVal val="visible"/>
+                                      </p:to>
+                                    </p:set>
+                                    <p:animEffect transition="in" filter="fade">
+                                      <p:cBhvr>
+                                        <p:cTn id="12" dur="500"/>
+                                        <p:tgtEl>
+                                          <p:spTgt spid="7"/>
+                                        </p:tgtEl>
+                                      </p:cBhvr>
+                                    </p:animEffect>
+                                  </p:childTnLst>
+                                </p:cTn>
+                              </p:par>
+                            </p:childTnLst>
+                          </p:cTn>
+                        </p:par>
+                      </p:childTnLst>
+                    </p:cTn>
+                  </p:par>
+                </p:childTnLst>
+              </p:cTn>
+              <p:prevCondLst>
+                <p:cond evt="onPrev" delay="0">
+                  <p:tgtEl>
+                    <p:sldTgt/>
+                  </p:tgtEl>
+                </p:cond>
+              </p:prevCondLst>
+              <p:nextCondLst>
+                <p:cond evt="onNext" delay="0">
+                  <p:tgtEl>
+                    <p:sldTgt/>
+                  </p:tgtEl>
+                </p:cond>
+              </p:nextCondLst>
+            </p:seq>
+          </p:childTnLst>
+        </p:cTn>
+      </p:par>
+    </p:tnLst>
+    <p:bldLst>
+      <p:bldP spid="7" grpId="0"/>
+    </p:bldLst>
+  </p:timing>
+</p:sld>
+</file>
+
+<file path=ppt/slides/slide16.xml><?xml version="1.0" encoding="utf-8"?>
+<p:sld xmlns:a="http://schemas.openxmlformats.org/drawingml/2006/main" xmlns:r="http://schemas.openxmlformats.org/officeDocument/2006/relationships" xmlns:p="http://schemas.openxmlformats.org/presentationml/2006/main">
+  <p:cSld>
+    <p:spTree>
+      <p:nvGrpSpPr>
+        <p:cNvPr id="1" name=""/>
+        <p:cNvGrpSpPr/>
+        <p:nvPr/>
+      </p:nvGrpSpPr>
+      <p:grpSpPr>
+        <a:xfrm>
+          <a:off x="0" y="0"/>
+          <a:ext cx="0" cy="0"/>
+          <a:chOff x="0" y="0"/>
+          <a:chExt cx="0" cy="0"/>
+        </a:xfrm>
+      </p:grpSpPr>
+      <p:sp>
+        <p:nvSpPr>
+          <p:cNvPr id="4" name="Title 3">
+            <a:extLst>
+              <a:ext uri="{FF2B5EF4-FFF2-40B4-BE49-F238E27FC236}">
+                <a16:creationId xmlns:a16="http://schemas.microsoft.com/office/drawing/2014/main" id="{ACB83B76-EEC6-49EB-82AB-A62075662CBE}"/>
+              </a:ext>
+            </a:extLst>
+          </p:cNvPr>
+          <p:cNvSpPr txBox="1">
+            <a:spLocks/>
+          </p:cNvSpPr>
+          <p:nvPr/>
+        </p:nvSpPr>
+        <p:spPr>
+          <a:xfrm>
+            <a:off x="960000" y="593367"/>
+            <a:ext cx="5753220" cy="763600"/>
+          </a:xfrm>
+          <a:prstGeom prst="rect">
+            <a:avLst/>
+          </a:prstGeom>
+          <a:noFill/>
+          <a:ln>
+            <a:noFill/>
+          </a:ln>
+        </p:spPr>
+        <p:txBody>
+          <a:bodyPr spcFirstLastPara="1" wrap="square" lIns="91425" tIns="91425" rIns="91425" bIns="91425" anchor="t" anchorCtr="0">
+            <a:noAutofit/>
+          </a:bodyPr>
+          <a:lstStyle>
+            <a:defPPr marR="0" lvl="0" algn="l" rtl="0">
+              <a:lnSpc>
+                <a:spcPct val="100000"/>
+              </a:lnSpc>
+              <a:spcBef>
+                <a:spcPts val="0"/>
+              </a:spcBef>
+              <a:spcAft>
+                <a:spcPts val="0"/>
+              </a:spcAft>
+            </a:defPPr>
+            <a:lvl1pPr marR="0" lvl="0" algn="l" rtl="0" eaLnBrk="1" hangingPunct="1">
+              <a:lnSpc>
+                <a:spcPct val="100000"/>
+              </a:lnSpc>
+              <a:spcBef>
+                <a:spcPts val="0"/>
+              </a:spcBef>
+              <a:spcAft>
+                <a:spcPts val="0"/>
+              </a:spcAft>
+              <a:buClr>
+                <a:schemeClr val="dk1"/>
+              </a:buClr>
+              <a:buSzPts val="3000"/>
+              <a:buFont typeface="Oxanium"/>
+              <a:buNone/>
+              <a:defRPr sz="3000" b="1" i="0" u="none" strike="noStrike" cap="none">
+                <a:solidFill>
+                  <a:schemeClr val="dk1"/>
+                </a:solidFill>
+                <a:latin typeface="Oxanium"/>
+                <a:ea typeface="Oxanium"/>
+                <a:cs typeface="Oxanium"/>
+                <a:sym typeface="Oxanium"/>
+              </a:defRPr>
+            </a:lvl1pPr>
+            <a:lvl2pPr marR="0" lvl="1" algn="l" rtl="0" eaLnBrk="1" hangingPunct="1">
+              <a:lnSpc>
+                <a:spcPct val="100000"/>
+              </a:lnSpc>
+              <a:spcBef>
+                <a:spcPts val="0"/>
+              </a:spcBef>
+              <a:spcAft>
+                <a:spcPts val="0"/>
+              </a:spcAft>
+              <a:buClr>
+                <a:schemeClr val="dk1"/>
+              </a:buClr>
+              <a:buSzPts val="3000"/>
+              <a:buFont typeface="Oxanium"/>
+              <a:buNone/>
+              <a:defRPr sz="3000" b="1" i="0" u="none" strike="noStrike" cap="none">
+                <a:solidFill>
+                  <a:schemeClr val="dk1"/>
+                </a:solidFill>
+                <a:latin typeface="Oxanium"/>
+                <a:ea typeface="Oxanium"/>
+                <a:cs typeface="Oxanium"/>
+                <a:sym typeface="Oxanium"/>
+              </a:defRPr>
+            </a:lvl2pPr>
+            <a:lvl3pPr marR="0" lvl="2" algn="l" rtl="0" eaLnBrk="1" hangingPunct="1">
+              <a:lnSpc>
+                <a:spcPct val="100000"/>
+              </a:lnSpc>
+              <a:spcBef>
+                <a:spcPts val="0"/>
+              </a:spcBef>
+              <a:spcAft>
+                <a:spcPts val="0"/>
+              </a:spcAft>
+              <a:buClr>
+                <a:schemeClr val="dk1"/>
+              </a:buClr>
+              <a:buSzPts val="3000"/>
+              <a:buFont typeface="Oxanium"/>
+              <a:buNone/>
+              <a:defRPr sz="3000" b="1" i="0" u="none" strike="noStrike" cap="none">
+                <a:solidFill>
+                  <a:schemeClr val="dk1"/>
+                </a:solidFill>
+                <a:latin typeface="Oxanium"/>
+                <a:ea typeface="Oxanium"/>
+                <a:cs typeface="Oxanium"/>
+                <a:sym typeface="Oxanium"/>
+              </a:defRPr>
+            </a:lvl3pPr>
+            <a:lvl4pPr marR="0" lvl="3" algn="l" rtl="0" eaLnBrk="1" hangingPunct="1">
+              <a:lnSpc>
+                <a:spcPct val="100000"/>
+              </a:lnSpc>
+              <a:spcBef>
+                <a:spcPts val="0"/>
+              </a:spcBef>
+              <a:spcAft>
+                <a:spcPts val="0"/>
+              </a:spcAft>
+              <a:buClr>
+                <a:schemeClr val="dk1"/>
+              </a:buClr>
+              <a:buSzPts val="3000"/>
+              <a:buFont typeface="Oxanium"/>
+              <a:buNone/>
+              <a:defRPr sz="3000" b="1" i="0" u="none" strike="noStrike" cap="none">
+                <a:solidFill>
+                  <a:schemeClr val="dk1"/>
+                </a:solidFill>
+                <a:latin typeface="Oxanium"/>
+                <a:ea typeface="Oxanium"/>
+                <a:cs typeface="Oxanium"/>
+                <a:sym typeface="Oxanium"/>
+              </a:defRPr>
+            </a:lvl4pPr>
+            <a:lvl5pPr marR="0" lvl="4" algn="l" rtl="0" eaLnBrk="1" hangingPunct="1">
+              <a:lnSpc>
+                <a:spcPct val="100000"/>
+              </a:lnSpc>
+              <a:spcBef>
+                <a:spcPts val="0"/>
+              </a:spcBef>
+              <a:spcAft>
+                <a:spcPts val="0"/>
+              </a:spcAft>
+              <a:buClr>
+                <a:schemeClr val="dk1"/>
+              </a:buClr>
+              <a:buSzPts val="3000"/>
+              <a:buFont typeface="Oxanium"/>
+              <a:buNone/>
+              <a:defRPr sz="3000" b="1" i="0" u="none" strike="noStrike" cap="none">
+                <a:solidFill>
+                  <a:schemeClr val="dk1"/>
+                </a:solidFill>
+                <a:latin typeface="Oxanium"/>
+                <a:ea typeface="Oxanium"/>
+                <a:cs typeface="Oxanium"/>
+                <a:sym typeface="Oxanium"/>
+              </a:defRPr>
+            </a:lvl5pPr>
+            <a:lvl6pPr marR="0" lvl="5" algn="l" rtl="0" eaLnBrk="1" hangingPunct="1">
+              <a:lnSpc>
+                <a:spcPct val="100000"/>
+              </a:lnSpc>
+              <a:spcBef>
+                <a:spcPts val="0"/>
+              </a:spcBef>
+              <a:spcAft>
+                <a:spcPts val="0"/>
+              </a:spcAft>
+              <a:buClr>
+                <a:schemeClr val="dk1"/>
+              </a:buClr>
+              <a:buSzPts val="3000"/>
+              <a:buFont typeface="Oxanium"/>
+              <a:buNone/>
+              <a:defRPr sz="3000" b="1" i="0" u="none" strike="noStrike" cap="none">
+                <a:solidFill>
+                  <a:schemeClr val="dk1"/>
+                </a:solidFill>
+                <a:latin typeface="Oxanium"/>
+                <a:ea typeface="Oxanium"/>
+                <a:cs typeface="Oxanium"/>
+                <a:sym typeface="Oxanium"/>
+              </a:defRPr>
+            </a:lvl6pPr>
+            <a:lvl7pPr marR="0" lvl="6" algn="l" rtl="0" eaLnBrk="1" hangingPunct="1">
+              <a:lnSpc>
+                <a:spcPct val="100000"/>
+              </a:lnSpc>
+              <a:spcBef>
+                <a:spcPts val="0"/>
+              </a:spcBef>
+              <a:spcAft>
+                <a:spcPts val="0"/>
+              </a:spcAft>
+              <a:buClr>
+                <a:schemeClr val="dk1"/>
+              </a:buClr>
+              <a:buSzPts val="3000"/>
+              <a:buFont typeface="Oxanium"/>
+              <a:buNone/>
+              <a:defRPr sz="3000" b="1" i="0" u="none" strike="noStrike" cap="none">
+                <a:solidFill>
+                  <a:schemeClr val="dk1"/>
+                </a:solidFill>
+                <a:latin typeface="Oxanium"/>
+                <a:ea typeface="Oxanium"/>
+                <a:cs typeface="Oxanium"/>
+                <a:sym typeface="Oxanium"/>
+              </a:defRPr>
+            </a:lvl7pPr>
+            <a:lvl8pPr marR="0" lvl="7" algn="l" rtl="0" eaLnBrk="1" hangingPunct="1">
+              <a:lnSpc>
+                <a:spcPct val="100000"/>
+              </a:lnSpc>
+              <a:spcBef>
+                <a:spcPts val="0"/>
+              </a:spcBef>
+              <a:spcAft>
+                <a:spcPts val="0"/>
+              </a:spcAft>
+              <a:buClr>
+                <a:schemeClr val="dk1"/>
+              </a:buClr>
+              <a:buSzPts val="3000"/>
+              <a:buFont typeface="Oxanium"/>
+              <a:buNone/>
+              <a:defRPr sz="3000" b="1" i="0" u="none" strike="noStrike" cap="none">
+                <a:solidFill>
+                  <a:schemeClr val="dk1"/>
+                </a:solidFill>
+                <a:latin typeface="Oxanium"/>
+                <a:ea typeface="Oxanium"/>
+                <a:cs typeface="Oxanium"/>
+                <a:sym typeface="Oxanium"/>
+              </a:defRPr>
+            </a:lvl8pPr>
+            <a:lvl9pPr marR="0" lvl="8" algn="l" rtl="0" eaLnBrk="1" hangingPunct="1">
+              <a:lnSpc>
+                <a:spcPct val="100000"/>
+              </a:lnSpc>
+              <a:spcBef>
+                <a:spcPts val="0"/>
+              </a:spcBef>
+              <a:spcAft>
+                <a:spcPts val="0"/>
+              </a:spcAft>
+              <a:buClr>
+                <a:schemeClr val="dk1"/>
+              </a:buClr>
+              <a:buSzPts val="3000"/>
+              <a:buFont typeface="Oxanium"/>
+              <a:buNone/>
+              <a:defRPr sz="3000" b="1" i="0" u="none" strike="noStrike" cap="none">
+                <a:solidFill>
+                  <a:schemeClr val="dk1"/>
+                </a:solidFill>
+                <a:latin typeface="Oxanium"/>
+                <a:ea typeface="Oxanium"/>
+                <a:cs typeface="Oxanium"/>
+                <a:sym typeface="Oxanium"/>
+              </a:defRPr>
+            </a:lvl9pPr>
+          </a:lstStyle>
+          <a:p>
+            <a:r>
+              <a:rPr lang="en-GB" sz="4000" dirty="0">
+                <a:effectLst/>
+              </a:rPr>
+              <a:t>Functions of the Website -</a:t>
+            </a:r>
+          </a:p>
+        </p:txBody>
+      </p:sp>
+      <p:sp>
+        <p:nvSpPr>
+          <p:cNvPr id="7" name="Subtitle 2">
+            <a:extLst>
+              <a:ext uri="{FF2B5EF4-FFF2-40B4-BE49-F238E27FC236}">
+                <a16:creationId xmlns:a16="http://schemas.microsoft.com/office/drawing/2014/main" id="{AD740177-E2ED-47F4-A372-155FF5715CBC}"/>
+              </a:ext>
+            </a:extLst>
+          </p:cNvPr>
+          <p:cNvSpPr txBox="1">
+            <a:spLocks/>
+          </p:cNvSpPr>
+          <p:nvPr/>
+        </p:nvSpPr>
+        <p:spPr>
+          <a:xfrm>
+            <a:off x="6096000" y="2931550"/>
+            <a:ext cx="4657358" cy="1528483"/>
+          </a:xfrm>
+          <a:prstGeom prst="rect">
+            <a:avLst/>
+          </a:prstGeom>
+          <a:noFill/>
+          <a:ln>
+            <a:noFill/>
+          </a:ln>
+        </p:spPr>
+        <p:txBody>
+          <a:bodyPr spcFirstLastPara="1" wrap="square" lIns="91425" tIns="91425" rIns="91425" bIns="91425" anchor="t" anchorCtr="0">
+            <a:noAutofit/>
+          </a:bodyPr>
+          <a:lstStyle>
+            <a:defPPr marR="0" lvl="0" algn="l" rtl="0">
+              <a:lnSpc>
+                <a:spcPct val="100000"/>
+              </a:lnSpc>
+              <a:spcBef>
+                <a:spcPts val="0"/>
+              </a:spcBef>
+              <a:spcAft>
+                <a:spcPts val="0"/>
+              </a:spcAft>
+            </a:defPPr>
+            <a:lvl1pPr marL="9525" indent="-9525" eaLnBrk="1" hangingPunct="1">
+              <a:buClr>
+                <a:schemeClr val="dk1"/>
+              </a:buClr>
+              <a:buSzPts val="1200"/>
+              <a:buFont typeface="Hind"/>
+              <a:buNone/>
+              <a:defRPr sz="2100">
+                <a:solidFill>
+                  <a:schemeClr val="dk1"/>
+                </a:solidFill>
+                <a:latin typeface="Oxanium"/>
+                <a:ea typeface="Hind"/>
+                <a:cs typeface="Hind"/>
+                <a:sym typeface="Hind"/>
+              </a:defRPr>
+            </a:lvl1pPr>
+            <a:lvl2pPr marL="914400" indent="-304800" algn="ctr" eaLnBrk="1" hangingPunct="1">
+              <a:buClr>
+                <a:schemeClr val="dk1"/>
+              </a:buClr>
+              <a:buSzPts val="1800"/>
+              <a:buFont typeface="Hind"/>
+              <a:buNone/>
+              <a:defRPr sz="2400">
+                <a:solidFill>
+                  <a:schemeClr val="dk1"/>
+                </a:solidFill>
+                <a:latin typeface="Hind"/>
+                <a:ea typeface="Hind"/>
+                <a:cs typeface="Hind"/>
+                <a:sym typeface="Hind"/>
+              </a:defRPr>
+            </a:lvl2pPr>
+            <a:lvl3pPr marL="1371600" indent="-304800" algn="ctr" eaLnBrk="1" hangingPunct="1">
+              <a:buClr>
+                <a:schemeClr val="dk1"/>
+              </a:buClr>
+              <a:buSzPts val="1800"/>
+              <a:buFont typeface="Hind"/>
+              <a:buNone/>
+              <a:defRPr sz="2400">
+                <a:solidFill>
+                  <a:schemeClr val="dk1"/>
+                </a:solidFill>
+                <a:latin typeface="Hind"/>
+                <a:ea typeface="Hind"/>
+                <a:cs typeface="Hind"/>
+                <a:sym typeface="Hind"/>
+              </a:defRPr>
+            </a:lvl3pPr>
+            <a:lvl4pPr marL="1828800" indent="-304800" algn="ctr" eaLnBrk="1" hangingPunct="1">
+              <a:buClr>
+                <a:schemeClr val="dk1"/>
+              </a:buClr>
+              <a:buSzPts val="1800"/>
+              <a:buFont typeface="Hind"/>
+              <a:buNone/>
+              <a:defRPr sz="2400">
+                <a:solidFill>
+                  <a:schemeClr val="dk1"/>
+                </a:solidFill>
+                <a:latin typeface="Hind"/>
+                <a:ea typeface="Hind"/>
+                <a:cs typeface="Hind"/>
+                <a:sym typeface="Hind"/>
+              </a:defRPr>
+            </a:lvl4pPr>
+            <a:lvl5pPr marL="2286000" indent="-304800" algn="ctr" eaLnBrk="1" hangingPunct="1">
+              <a:buClr>
+                <a:schemeClr val="dk1"/>
+              </a:buClr>
+              <a:buSzPts val="1800"/>
+              <a:buFont typeface="Hind"/>
+              <a:buNone/>
+              <a:defRPr sz="2400">
+                <a:solidFill>
+                  <a:schemeClr val="dk1"/>
+                </a:solidFill>
+                <a:latin typeface="Hind"/>
+                <a:ea typeface="Hind"/>
+                <a:cs typeface="Hind"/>
+                <a:sym typeface="Hind"/>
+              </a:defRPr>
+            </a:lvl5pPr>
+            <a:lvl6pPr marL="2743200" indent="-304800" algn="ctr" eaLnBrk="1" hangingPunct="1">
+              <a:buClr>
+                <a:schemeClr val="dk1"/>
+              </a:buClr>
+              <a:buSzPts val="1800"/>
+              <a:buFont typeface="Hind"/>
+              <a:buNone/>
+              <a:defRPr sz="2400">
+                <a:solidFill>
+                  <a:schemeClr val="dk1"/>
+                </a:solidFill>
+                <a:latin typeface="Hind"/>
+                <a:ea typeface="Hind"/>
+                <a:cs typeface="Hind"/>
+                <a:sym typeface="Hind"/>
+              </a:defRPr>
+            </a:lvl6pPr>
+            <a:lvl7pPr marL="3200400" indent="-304800" algn="ctr" eaLnBrk="1" hangingPunct="1">
+              <a:buClr>
+                <a:schemeClr val="dk1"/>
+              </a:buClr>
+              <a:buSzPts val="1800"/>
+              <a:buFont typeface="Hind"/>
+              <a:buNone/>
+              <a:defRPr sz="2400">
+                <a:solidFill>
+                  <a:schemeClr val="dk1"/>
+                </a:solidFill>
+                <a:latin typeface="Hind"/>
+                <a:ea typeface="Hind"/>
+                <a:cs typeface="Hind"/>
+                <a:sym typeface="Hind"/>
+              </a:defRPr>
+            </a:lvl7pPr>
+            <a:lvl8pPr marL="3657600" indent="-304800" algn="ctr" eaLnBrk="1" hangingPunct="1">
+              <a:buClr>
+                <a:schemeClr val="dk1"/>
+              </a:buClr>
+              <a:buSzPts val="1800"/>
+              <a:buFont typeface="Hind"/>
+              <a:buNone/>
+              <a:defRPr sz="2400">
+                <a:solidFill>
+                  <a:schemeClr val="dk1"/>
+                </a:solidFill>
+                <a:latin typeface="Hind"/>
+                <a:ea typeface="Hind"/>
+                <a:cs typeface="Hind"/>
+                <a:sym typeface="Hind"/>
+              </a:defRPr>
+            </a:lvl8pPr>
+            <a:lvl9pPr marL="4114800" indent="-304800" algn="ctr" eaLnBrk="1" hangingPunct="1">
+              <a:buClr>
+                <a:schemeClr val="dk1"/>
+              </a:buClr>
+              <a:buSzPts val="1800"/>
+              <a:buFont typeface="Hind"/>
+              <a:buNone/>
+              <a:defRPr sz="2400">
+                <a:solidFill>
+                  <a:schemeClr val="dk1"/>
+                </a:solidFill>
+                <a:latin typeface="Hind"/>
+                <a:ea typeface="Hind"/>
+                <a:cs typeface="Hind"/>
+                <a:sym typeface="Hind"/>
+              </a:defRPr>
+            </a:lvl9pPr>
+          </a:lstStyle>
+          <a:p>
+            <a:pPr marL="342900" indent="-342900">
+              <a:buFont typeface="Arial" panose="020B0604020202020204" pitchFamily="34" charset="0"/>
+              <a:buChar char="•"/>
+            </a:pPr>
+            <a:r>
+              <a:rPr lang="en-GB" dirty="0"/>
+              <a:t>JWT </a:t>
+            </a:r>
+            <a:r>
+              <a:rPr lang="en-GB" dirty="0" err="1"/>
+              <a:t>Webtoken</a:t>
+            </a:r>
+            <a:r>
+              <a:rPr lang="en-GB" dirty="0"/>
+              <a:t> for authorization</a:t>
+            </a:r>
+          </a:p>
+          <a:p>
+            <a:pPr marL="342900" indent="-342900">
+              <a:buFont typeface="Arial" panose="020B0604020202020204" pitchFamily="34" charset="0"/>
+              <a:buChar char="•"/>
+            </a:pPr>
+            <a:r>
+              <a:rPr lang="en-GB" dirty="0"/>
+              <a:t>Store token in session storage</a:t>
+            </a:r>
+          </a:p>
+          <a:p>
+            <a:pPr marL="342900" indent="-342900">
+              <a:buFont typeface="Arial" panose="020B0604020202020204" pitchFamily="34" charset="0"/>
+              <a:buChar char="•"/>
+            </a:pPr>
+            <a:r>
+              <a:rPr lang="en-GB" dirty="0"/>
+              <a:t>Forgot password option</a:t>
+            </a:r>
+          </a:p>
+          <a:p>
+            <a:pPr marL="342900" indent="-342900">
+              <a:buFont typeface="Arial" panose="020B0604020202020204" pitchFamily="34" charset="0"/>
+              <a:buChar char="•"/>
+            </a:pPr>
+            <a:r>
+              <a:rPr lang="en-GB" dirty="0"/>
+              <a:t>Get method with </a:t>
+            </a:r>
+            <a:r>
+              <a:rPr lang="en-GB" dirty="0" err="1"/>
+              <a:t>Axios</a:t>
+            </a:r>
             <a:endParaRPr lang="en-GB" dirty="0"/>
           </a:p>
         </p:txBody>
@@ -24526,10 +25820,50 @@
           </a:p>
         </p:txBody>
       </p:sp>
+      <p:pic>
+        <p:nvPicPr>
+          <p:cNvPr id="14" name="Kép 1">
+            <a:extLst>
+              <a:ext uri="{FF2B5EF4-FFF2-40B4-BE49-F238E27FC236}">
+                <a16:creationId xmlns:a16="http://schemas.microsoft.com/office/drawing/2014/main" id="{83A10EF5-9E1F-47B3-B669-306CD552AE91}"/>
+              </a:ext>
+            </a:extLst>
+          </p:cNvPr>
+          <p:cNvPicPr>
+            <a:picLocks noChangeAspect="1"/>
+          </p:cNvPicPr>
+          <p:nvPr/>
+        </p:nvPicPr>
+        <p:blipFill>
+          <a:blip r:embed="rId2"/>
+          <a:stretch>
+            <a:fillRect/>
+          </a:stretch>
+        </p:blipFill>
+        <p:spPr>
+          <a:xfrm>
+            <a:off x="960000" y="1651594"/>
+            <a:ext cx="3368217" cy="4706345"/>
+          </a:xfrm>
+          <a:prstGeom prst="rect">
+            <a:avLst/>
+          </a:prstGeom>
+          <a:ln>
+            <a:noFill/>
+          </a:ln>
+          <a:effectLst>
+            <a:outerShdw blurRad="190500" algn="tl" rotWithShape="0">
+              <a:srgbClr val="000000">
+                <a:alpha val="70000"/>
+              </a:srgbClr>
+            </a:outerShdw>
+          </a:effectLst>
+        </p:spPr>
+      </p:pic>
     </p:spTree>
     <p:extLst>
       <p:ext uri="{BB962C8B-B14F-4D97-AF65-F5344CB8AC3E}">
-        <p14:creationId xmlns:p14="http://schemas.microsoft.com/office/powerpoint/2010/main" val="1131662375"/>
+        <p14:creationId xmlns:p14="http://schemas.microsoft.com/office/powerpoint/2010/main" val="3175781123"/>
       </p:ext>
     </p:extLst>
   </p:cSld>
@@ -24551,7 +25885,3165 @@
 </p:sld>
 </file>
 
-<file path=ppt/slides/slide16.xml><?xml version="1.0" encoding="utf-8"?>
+<file path=ppt/slides/slide17.xml><?xml version="1.0" encoding="utf-8"?>
+<p:sld xmlns:a="http://schemas.openxmlformats.org/drawingml/2006/main" xmlns:r="http://schemas.openxmlformats.org/officeDocument/2006/relationships" xmlns:p="http://schemas.openxmlformats.org/presentationml/2006/main">
+  <p:cSld>
+    <p:spTree>
+      <p:nvGrpSpPr>
+        <p:cNvPr id="1" name=""/>
+        <p:cNvGrpSpPr/>
+        <p:nvPr/>
+      </p:nvGrpSpPr>
+      <p:grpSpPr>
+        <a:xfrm>
+          <a:off x="0" y="0"/>
+          <a:ext cx="0" cy="0"/>
+          <a:chOff x="0" y="0"/>
+          <a:chExt cx="0" cy="0"/>
+        </a:xfrm>
+      </p:grpSpPr>
+      <p:sp>
+        <p:nvSpPr>
+          <p:cNvPr id="4" name="Title 3">
+            <a:extLst>
+              <a:ext uri="{FF2B5EF4-FFF2-40B4-BE49-F238E27FC236}">
+                <a16:creationId xmlns:a16="http://schemas.microsoft.com/office/drawing/2014/main" id="{ACB83B76-EEC6-49EB-82AB-A62075662CBE}"/>
+              </a:ext>
+            </a:extLst>
+          </p:cNvPr>
+          <p:cNvSpPr txBox="1">
+            <a:spLocks/>
+          </p:cNvSpPr>
+          <p:nvPr/>
+        </p:nvSpPr>
+        <p:spPr>
+          <a:xfrm>
+            <a:off x="960000" y="593367"/>
+            <a:ext cx="5753220" cy="763600"/>
+          </a:xfrm>
+          <a:prstGeom prst="rect">
+            <a:avLst/>
+          </a:prstGeom>
+          <a:noFill/>
+          <a:ln>
+            <a:noFill/>
+          </a:ln>
+        </p:spPr>
+        <p:txBody>
+          <a:bodyPr spcFirstLastPara="1" wrap="square" lIns="91425" tIns="91425" rIns="91425" bIns="91425" anchor="t" anchorCtr="0">
+            <a:noAutofit/>
+          </a:bodyPr>
+          <a:lstStyle>
+            <a:defPPr marR="0" lvl="0" algn="l" rtl="0">
+              <a:lnSpc>
+                <a:spcPct val="100000"/>
+              </a:lnSpc>
+              <a:spcBef>
+                <a:spcPts val="0"/>
+              </a:spcBef>
+              <a:spcAft>
+                <a:spcPts val="0"/>
+              </a:spcAft>
+            </a:defPPr>
+            <a:lvl1pPr marR="0" lvl="0" algn="l" rtl="0" eaLnBrk="1" hangingPunct="1">
+              <a:lnSpc>
+                <a:spcPct val="100000"/>
+              </a:lnSpc>
+              <a:spcBef>
+                <a:spcPts val="0"/>
+              </a:spcBef>
+              <a:spcAft>
+                <a:spcPts val="0"/>
+              </a:spcAft>
+              <a:buClr>
+                <a:schemeClr val="dk1"/>
+              </a:buClr>
+              <a:buSzPts val="3000"/>
+              <a:buFont typeface="Oxanium"/>
+              <a:buNone/>
+              <a:defRPr sz="3000" b="1" i="0" u="none" strike="noStrike" cap="none">
+                <a:solidFill>
+                  <a:schemeClr val="dk1"/>
+                </a:solidFill>
+                <a:latin typeface="Oxanium"/>
+                <a:ea typeface="Oxanium"/>
+                <a:cs typeface="Oxanium"/>
+                <a:sym typeface="Oxanium"/>
+              </a:defRPr>
+            </a:lvl1pPr>
+            <a:lvl2pPr marR="0" lvl="1" algn="l" rtl="0" eaLnBrk="1" hangingPunct="1">
+              <a:lnSpc>
+                <a:spcPct val="100000"/>
+              </a:lnSpc>
+              <a:spcBef>
+                <a:spcPts val="0"/>
+              </a:spcBef>
+              <a:spcAft>
+                <a:spcPts val="0"/>
+              </a:spcAft>
+              <a:buClr>
+                <a:schemeClr val="dk1"/>
+              </a:buClr>
+              <a:buSzPts val="3000"/>
+              <a:buFont typeface="Oxanium"/>
+              <a:buNone/>
+              <a:defRPr sz="3000" b="1" i="0" u="none" strike="noStrike" cap="none">
+                <a:solidFill>
+                  <a:schemeClr val="dk1"/>
+                </a:solidFill>
+                <a:latin typeface="Oxanium"/>
+                <a:ea typeface="Oxanium"/>
+                <a:cs typeface="Oxanium"/>
+                <a:sym typeface="Oxanium"/>
+              </a:defRPr>
+            </a:lvl2pPr>
+            <a:lvl3pPr marR="0" lvl="2" algn="l" rtl="0" eaLnBrk="1" hangingPunct="1">
+              <a:lnSpc>
+                <a:spcPct val="100000"/>
+              </a:lnSpc>
+              <a:spcBef>
+                <a:spcPts val="0"/>
+              </a:spcBef>
+              <a:spcAft>
+                <a:spcPts val="0"/>
+              </a:spcAft>
+              <a:buClr>
+                <a:schemeClr val="dk1"/>
+              </a:buClr>
+              <a:buSzPts val="3000"/>
+              <a:buFont typeface="Oxanium"/>
+              <a:buNone/>
+              <a:defRPr sz="3000" b="1" i="0" u="none" strike="noStrike" cap="none">
+                <a:solidFill>
+                  <a:schemeClr val="dk1"/>
+                </a:solidFill>
+                <a:latin typeface="Oxanium"/>
+                <a:ea typeface="Oxanium"/>
+                <a:cs typeface="Oxanium"/>
+                <a:sym typeface="Oxanium"/>
+              </a:defRPr>
+            </a:lvl3pPr>
+            <a:lvl4pPr marR="0" lvl="3" algn="l" rtl="0" eaLnBrk="1" hangingPunct="1">
+              <a:lnSpc>
+                <a:spcPct val="100000"/>
+              </a:lnSpc>
+              <a:spcBef>
+                <a:spcPts val="0"/>
+              </a:spcBef>
+              <a:spcAft>
+                <a:spcPts val="0"/>
+              </a:spcAft>
+              <a:buClr>
+                <a:schemeClr val="dk1"/>
+              </a:buClr>
+              <a:buSzPts val="3000"/>
+              <a:buFont typeface="Oxanium"/>
+              <a:buNone/>
+              <a:defRPr sz="3000" b="1" i="0" u="none" strike="noStrike" cap="none">
+                <a:solidFill>
+                  <a:schemeClr val="dk1"/>
+                </a:solidFill>
+                <a:latin typeface="Oxanium"/>
+                <a:ea typeface="Oxanium"/>
+                <a:cs typeface="Oxanium"/>
+                <a:sym typeface="Oxanium"/>
+              </a:defRPr>
+            </a:lvl4pPr>
+            <a:lvl5pPr marR="0" lvl="4" algn="l" rtl="0" eaLnBrk="1" hangingPunct="1">
+              <a:lnSpc>
+                <a:spcPct val="100000"/>
+              </a:lnSpc>
+              <a:spcBef>
+                <a:spcPts val="0"/>
+              </a:spcBef>
+              <a:spcAft>
+                <a:spcPts val="0"/>
+              </a:spcAft>
+              <a:buClr>
+                <a:schemeClr val="dk1"/>
+              </a:buClr>
+              <a:buSzPts val="3000"/>
+              <a:buFont typeface="Oxanium"/>
+              <a:buNone/>
+              <a:defRPr sz="3000" b="1" i="0" u="none" strike="noStrike" cap="none">
+                <a:solidFill>
+                  <a:schemeClr val="dk1"/>
+                </a:solidFill>
+                <a:latin typeface="Oxanium"/>
+                <a:ea typeface="Oxanium"/>
+                <a:cs typeface="Oxanium"/>
+                <a:sym typeface="Oxanium"/>
+              </a:defRPr>
+            </a:lvl5pPr>
+            <a:lvl6pPr marR="0" lvl="5" algn="l" rtl="0" eaLnBrk="1" hangingPunct="1">
+              <a:lnSpc>
+                <a:spcPct val="100000"/>
+              </a:lnSpc>
+              <a:spcBef>
+                <a:spcPts val="0"/>
+              </a:spcBef>
+              <a:spcAft>
+                <a:spcPts val="0"/>
+              </a:spcAft>
+              <a:buClr>
+                <a:schemeClr val="dk1"/>
+              </a:buClr>
+              <a:buSzPts val="3000"/>
+              <a:buFont typeface="Oxanium"/>
+              <a:buNone/>
+              <a:defRPr sz="3000" b="1" i="0" u="none" strike="noStrike" cap="none">
+                <a:solidFill>
+                  <a:schemeClr val="dk1"/>
+                </a:solidFill>
+                <a:latin typeface="Oxanium"/>
+                <a:ea typeface="Oxanium"/>
+                <a:cs typeface="Oxanium"/>
+                <a:sym typeface="Oxanium"/>
+              </a:defRPr>
+            </a:lvl6pPr>
+            <a:lvl7pPr marR="0" lvl="6" algn="l" rtl="0" eaLnBrk="1" hangingPunct="1">
+              <a:lnSpc>
+                <a:spcPct val="100000"/>
+              </a:lnSpc>
+              <a:spcBef>
+                <a:spcPts val="0"/>
+              </a:spcBef>
+              <a:spcAft>
+                <a:spcPts val="0"/>
+              </a:spcAft>
+              <a:buClr>
+                <a:schemeClr val="dk1"/>
+              </a:buClr>
+              <a:buSzPts val="3000"/>
+              <a:buFont typeface="Oxanium"/>
+              <a:buNone/>
+              <a:defRPr sz="3000" b="1" i="0" u="none" strike="noStrike" cap="none">
+                <a:solidFill>
+                  <a:schemeClr val="dk1"/>
+                </a:solidFill>
+                <a:latin typeface="Oxanium"/>
+                <a:ea typeface="Oxanium"/>
+                <a:cs typeface="Oxanium"/>
+                <a:sym typeface="Oxanium"/>
+              </a:defRPr>
+            </a:lvl7pPr>
+            <a:lvl8pPr marR="0" lvl="7" algn="l" rtl="0" eaLnBrk="1" hangingPunct="1">
+              <a:lnSpc>
+                <a:spcPct val="100000"/>
+              </a:lnSpc>
+              <a:spcBef>
+                <a:spcPts val="0"/>
+              </a:spcBef>
+              <a:spcAft>
+                <a:spcPts val="0"/>
+              </a:spcAft>
+              <a:buClr>
+                <a:schemeClr val="dk1"/>
+              </a:buClr>
+              <a:buSzPts val="3000"/>
+              <a:buFont typeface="Oxanium"/>
+              <a:buNone/>
+              <a:defRPr sz="3000" b="1" i="0" u="none" strike="noStrike" cap="none">
+                <a:solidFill>
+                  <a:schemeClr val="dk1"/>
+                </a:solidFill>
+                <a:latin typeface="Oxanium"/>
+                <a:ea typeface="Oxanium"/>
+                <a:cs typeface="Oxanium"/>
+                <a:sym typeface="Oxanium"/>
+              </a:defRPr>
+            </a:lvl8pPr>
+            <a:lvl9pPr marR="0" lvl="8" algn="l" rtl="0" eaLnBrk="1" hangingPunct="1">
+              <a:lnSpc>
+                <a:spcPct val="100000"/>
+              </a:lnSpc>
+              <a:spcBef>
+                <a:spcPts val="0"/>
+              </a:spcBef>
+              <a:spcAft>
+                <a:spcPts val="0"/>
+              </a:spcAft>
+              <a:buClr>
+                <a:schemeClr val="dk1"/>
+              </a:buClr>
+              <a:buSzPts val="3000"/>
+              <a:buFont typeface="Oxanium"/>
+              <a:buNone/>
+              <a:defRPr sz="3000" b="1" i="0" u="none" strike="noStrike" cap="none">
+                <a:solidFill>
+                  <a:schemeClr val="dk1"/>
+                </a:solidFill>
+                <a:latin typeface="Oxanium"/>
+                <a:ea typeface="Oxanium"/>
+                <a:cs typeface="Oxanium"/>
+                <a:sym typeface="Oxanium"/>
+              </a:defRPr>
+            </a:lvl9pPr>
+          </a:lstStyle>
+          <a:p>
+            <a:r>
+              <a:rPr lang="en-GB" sz="4000" dirty="0">
+                <a:effectLst/>
+              </a:rPr>
+              <a:t>Functions of the Website -</a:t>
+            </a:r>
+          </a:p>
+        </p:txBody>
+      </p:sp>
+      <p:sp>
+        <p:nvSpPr>
+          <p:cNvPr id="7" name="Subtitle 2">
+            <a:extLst>
+              <a:ext uri="{FF2B5EF4-FFF2-40B4-BE49-F238E27FC236}">
+                <a16:creationId xmlns:a16="http://schemas.microsoft.com/office/drawing/2014/main" id="{AD740177-E2ED-47F4-A372-155FF5715CBC}"/>
+              </a:ext>
+            </a:extLst>
+          </p:cNvPr>
+          <p:cNvSpPr txBox="1">
+            <a:spLocks/>
+          </p:cNvSpPr>
+          <p:nvPr/>
+        </p:nvSpPr>
+        <p:spPr>
+          <a:xfrm>
+            <a:off x="1455543" y="2985699"/>
+            <a:ext cx="4762133" cy="1849374"/>
+          </a:xfrm>
+          <a:prstGeom prst="rect">
+            <a:avLst/>
+          </a:prstGeom>
+          <a:noFill/>
+          <a:ln>
+            <a:noFill/>
+          </a:ln>
+        </p:spPr>
+        <p:txBody>
+          <a:bodyPr spcFirstLastPara="1" wrap="square" lIns="91425" tIns="91425" rIns="91425" bIns="91425" anchor="t" anchorCtr="0">
+            <a:noAutofit/>
+          </a:bodyPr>
+          <a:lstStyle>
+            <a:defPPr marR="0" lvl="0" algn="l" rtl="0">
+              <a:lnSpc>
+                <a:spcPct val="100000"/>
+              </a:lnSpc>
+              <a:spcBef>
+                <a:spcPts val="0"/>
+              </a:spcBef>
+              <a:spcAft>
+                <a:spcPts val="0"/>
+              </a:spcAft>
+            </a:defPPr>
+            <a:lvl1pPr marL="9525" indent="-9525" eaLnBrk="1" hangingPunct="1">
+              <a:buClr>
+                <a:schemeClr val="dk1"/>
+              </a:buClr>
+              <a:buSzPts val="1200"/>
+              <a:buFont typeface="Hind"/>
+              <a:buNone/>
+              <a:defRPr sz="2100">
+                <a:solidFill>
+                  <a:schemeClr val="dk1"/>
+                </a:solidFill>
+                <a:latin typeface="Oxanium"/>
+                <a:ea typeface="Hind"/>
+                <a:cs typeface="Hind"/>
+                <a:sym typeface="Hind"/>
+              </a:defRPr>
+            </a:lvl1pPr>
+            <a:lvl2pPr marL="914400" indent="-304800" algn="ctr" eaLnBrk="1" hangingPunct="1">
+              <a:buClr>
+                <a:schemeClr val="dk1"/>
+              </a:buClr>
+              <a:buSzPts val="1800"/>
+              <a:buFont typeface="Hind"/>
+              <a:buNone/>
+              <a:defRPr sz="2400">
+                <a:solidFill>
+                  <a:schemeClr val="dk1"/>
+                </a:solidFill>
+                <a:latin typeface="Hind"/>
+                <a:ea typeface="Hind"/>
+                <a:cs typeface="Hind"/>
+                <a:sym typeface="Hind"/>
+              </a:defRPr>
+            </a:lvl2pPr>
+            <a:lvl3pPr marL="1371600" indent="-304800" algn="ctr" eaLnBrk="1" hangingPunct="1">
+              <a:buClr>
+                <a:schemeClr val="dk1"/>
+              </a:buClr>
+              <a:buSzPts val="1800"/>
+              <a:buFont typeface="Hind"/>
+              <a:buNone/>
+              <a:defRPr sz="2400">
+                <a:solidFill>
+                  <a:schemeClr val="dk1"/>
+                </a:solidFill>
+                <a:latin typeface="Hind"/>
+                <a:ea typeface="Hind"/>
+                <a:cs typeface="Hind"/>
+                <a:sym typeface="Hind"/>
+              </a:defRPr>
+            </a:lvl3pPr>
+            <a:lvl4pPr marL="1828800" indent="-304800" algn="ctr" eaLnBrk="1" hangingPunct="1">
+              <a:buClr>
+                <a:schemeClr val="dk1"/>
+              </a:buClr>
+              <a:buSzPts val="1800"/>
+              <a:buFont typeface="Hind"/>
+              <a:buNone/>
+              <a:defRPr sz="2400">
+                <a:solidFill>
+                  <a:schemeClr val="dk1"/>
+                </a:solidFill>
+                <a:latin typeface="Hind"/>
+                <a:ea typeface="Hind"/>
+                <a:cs typeface="Hind"/>
+                <a:sym typeface="Hind"/>
+              </a:defRPr>
+            </a:lvl4pPr>
+            <a:lvl5pPr marL="2286000" indent="-304800" algn="ctr" eaLnBrk="1" hangingPunct="1">
+              <a:buClr>
+                <a:schemeClr val="dk1"/>
+              </a:buClr>
+              <a:buSzPts val="1800"/>
+              <a:buFont typeface="Hind"/>
+              <a:buNone/>
+              <a:defRPr sz="2400">
+                <a:solidFill>
+                  <a:schemeClr val="dk1"/>
+                </a:solidFill>
+                <a:latin typeface="Hind"/>
+                <a:ea typeface="Hind"/>
+                <a:cs typeface="Hind"/>
+                <a:sym typeface="Hind"/>
+              </a:defRPr>
+            </a:lvl5pPr>
+            <a:lvl6pPr marL="2743200" indent="-304800" algn="ctr" eaLnBrk="1" hangingPunct="1">
+              <a:buClr>
+                <a:schemeClr val="dk1"/>
+              </a:buClr>
+              <a:buSzPts val="1800"/>
+              <a:buFont typeface="Hind"/>
+              <a:buNone/>
+              <a:defRPr sz="2400">
+                <a:solidFill>
+                  <a:schemeClr val="dk1"/>
+                </a:solidFill>
+                <a:latin typeface="Hind"/>
+                <a:ea typeface="Hind"/>
+                <a:cs typeface="Hind"/>
+                <a:sym typeface="Hind"/>
+              </a:defRPr>
+            </a:lvl6pPr>
+            <a:lvl7pPr marL="3200400" indent="-304800" algn="ctr" eaLnBrk="1" hangingPunct="1">
+              <a:buClr>
+                <a:schemeClr val="dk1"/>
+              </a:buClr>
+              <a:buSzPts val="1800"/>
+              <a:buFont typeface="Hind"/>
+              <a:buNone/>
+              <a:defRPr sz="2400">
+                <a:solidFill>
+                  <a:schemeClr val="dk1"/>
+                </a:solidFill>
+                <a:latin typeface="Hind"/>
+                <a:ea typeface="Hind"/>
+                <a:cs typeface="Hind"/>
+                <a:sym typeface="Hind"/>
+              </a:defRPr>
+            </a:lvl7pPr>
+            <a:lvl8pPr marL="3657600" indent="-304800" algn="ctr" eaLnBrk="1" hangingPunct="1">
+              <a:buClr>
+                <a:schemeClr val="dk1"/>
+              </a:buClr>
+              <a:buSzPts val="1800"/>
+              <a:buFont typeface="Hind"/>
+              <a:buNone/>
+              <a:defRPr sz="2400">
+                <a:solidFill>
+                  <a:schemeClr val="dk1"/>
+                </a:solidFill>
+                <a:latin typeface="Hind"/>
+                <a:ea typeface="Hind"/>
+                <a:cs typeface="Hind"/>
+                <a:sym typeface="Hind"/>
+              </a:defRPr>
+            </a:lvl8pPr>
+            <a:lvl9pPr marL="4114800" indent="-304800" algn="ctr" eaLnBrk="1" hangingPunct="1">
+              <a:buClr>
+                <a:schemeClr val="dk1"/>
+              </a:buClr>
+              <a:buSzPts val="1800"/>
+              <a:buFont typeface="Hind"/>
+              <a:buNone/>
+              <a:defRPr sz="2400">
+                <a:solidFill>
+                  <a:schemeClr val="dk1"/>
+                </a:solidFill>
+                <a:latin typeface="Hind"/>
+                <a:ea typeface="Hind"/>
+                <a:cs typeface="Hind"/>
+                <a:sym typeface="Hind"/>
+              </a:defRPr>
+            </a:lvl9pPr>
+          </a:lstStyle>
+          <a:p>
+            <a:pPr marL="342900" indent="-342900">
+              <a:buFont typeface="Arial" panose="020B0604020202020204" pitchFamily="34" charset="0"/>
+              <a:buChar char="•"/>
+            </a:pPr>
+            <a:r>
+              <a:rPr lang="en-GB" dirty="0"/>
+              <a:t>Post method using </a:t>
+            </a:r>
+            <a:r>
+              <a:rPr lang="en-GB" dirty="0" err="1"/>
+              <a:t>Axios</a:t>
+            </a:r>
+            <a:endParaRPr lang="en-GB" dirty="0"/>
+          </a:p>
+          <a:p>
+            <a:pPr marL="342900" indent="-342900">
+              <a:buFont typeface="Arial" panose="020B0604020202020204" pitchFamily="34" charset="0"/>
+              <a:buChar char="•"/>
+            </a:pPr>
+            <a:r>
+              <a:rPr lang="en-GB" dirty="0"/>
+              <a:t>Finalize registration option</a:t>
+            </a:r>
+          </a:p>
+          <a:p>
+            <a:pPr marL="809625" lvl="1" indent="-342900" algn="l">
+              <a:buFont typeface="Arial" panose="020B0604020202020204" pitchFamily="34" charset="0"/>
+              <a:buChar char="•"/>
+            </a:pPr>
+            <a:r>
+              <a:rPr lang="en-GB" sz="2100" dirty="0">
+                <a:latin typeface="Oxanium"/>
+              </a:rPr>
+              <a:t>If a librarian added the user, they can finalize their registration</a:t>
+            </a:r>
+          </a:p>
+          <a:p>
+            <a:pPr marL="0" indent="-438150">
+              <a:buFont typeface="Arial" panose="020B0604020202020204" pitchFamily="34" charset="0"/>
+              <a:buChar char="•"/>
+            </a:pPr>
+            <a:r>
+              <a:rPr lang="en-GB" dirty="0"/>
+              <a:t>Verification</a:t>
+            </a:r>
+            <a:endParaRPr lang="en-GB" sz="2100" dirty="0">
+              <a:latin typeface="Oxanium"/>
+            </a:endParaRPr>
+          </a:p>
+        </p:txBody>
+      </p:sp>
+      <p:sp>
+        <p:nvSpPr>
+          <p:cNvPr id="6" name="Title 3">
+            <a:extLst>
+              <a:ext uri="{FF2B5EF4-FFF2-40B4-BE49-F238E27FC236}">
+                <a16:creationId xmlns:a16="http://schemas.microsoft.com/office/drawing/2014/main" id="{5F9A6822-1AA9-4E8E-8D80-093D90B41D28}"/>
+              </a:ext>
+            </a:extLst>
+          </p:cNvPr>
+          <p:cNvSpPr txBox="1">
+            <a:spLocks/>
+          </p:cNvSpPr>
+          <p:nvPr/>
+        </p:nvSpPr>
+        <p:spPr>
+          <a:xfrm>
+            <a:off x="6606420" y="603886"/>
+            <a:ext cx="2134380" cy="763600"/>
+          </a:xfrm>
+          <a:prstGeom prst="rect">
+            <a:avLst/>
+          </a:prstGeom>
+          <a:noFill/>
+          <a:ln>
+            <a:noFill/>
+          </a:ln>
+        </p:spPr>
+        <p:txBody>
+          <a:bodyPr spcFirstLastPara="1" wrap="square" lIns="91425" tIns="91425" rIns="91425" bIns="91425" anchor="t" anchorCtr="0">
+            <a:noAutofit/>
+          </a:bodyPr>
+          <a:lstStyle>
+            <a:defPPr marR="0" lvl="0" algn="l" rtl="0">
+              <a:lnSpc>
+                <a:spcPct val="100000"/>
+              </a:lnSpc>
+              <a:spcBef>
+                <a:spcPts val="0"/>
+              </a:spcBef>
+              <a:spcAft>
+                <a:spcPts val="0"/>
+              </a:spcAft>
+            </a:defPPr>
+            <a:lvl1pPr marR="0" lvl="0" algn="l" rtl="0" eaLnBrk="1" hangingPunct="1">
+              <a:lnSpc>
+                <a:spcPct val="100000"/>
+              </a:lnSpc>
+              <a:spcBef>
+                <a:spcPts val="0"/>
+              </a:spcBef>
+              <a:spcAft>
+                <a:spcPts val="0"/>
+              </a:spcAft>
+              <a:buClr>
+                <a:schemeClr val="dk1"/>
+              </a:buClr>
+              <a:buSzPts val="3000"/>
+              <a:buFont typeface="Oxanium"/>
+              <a:buNone/>
+              <a:defRPr sz="3000" b="1" i="0" u="none" strike="noStrike" cap="none">
+                <a:solidFill>
+                  <a:schemeClr val="dk1"/>
+                </a:solidFill>
+                <a:latin typeface="Oxanium"/>
+                <a:ea typeface="Oxanium"/>
+                <a:cs typeface="Oxanium"/>
+                <a:sym typeface="Oxanium"/>
+              </a:defRPr>
+            </a:lvl1pPr>
+            <a:lvl2pPr marR="0" lvl="1" algn="l" rtl="0" eaLnBrk="1" hangingPunct="1">
+              <a:lnSpc>
+                <a:spcPct val="100000"/>
+              </a:lnSpc>
+              <a:spcBef>
+                <a:spcPts val="0"/>
+              </a:spcBef>
+              <a:spcAft>
+                <a:spcPts val="0"/>
+              </a:spcAft>
+              <a:buClr>
+                <a:schemeClr val="dk1"/>
+              </a:buClr>
+              <a:buSzPts val="3000"/>
+              <a:buFont typeface="Oxanium"/>
+              <a:buNone/>
+              <a:defRPr sz="3000" b="1" i="0" u="none" strike="noStrike" cap="none">
+                <a:solidFill>
+                  <a:schemeClr val="dk1"/>
+                </a:solidFill>
+                <a:latin typeface="Oxanium"/>
+                <a:ea typeface="Oxanium"/>
+                <a:cs typeface="Oxanium"/>
+                <a:sym typeface="Oxanium"/>
+              </a:defRPr>
+            </a:lvl2pPr>
+            <a:lvl3pPr marR="0" lvl="2" algn="l" rtl="0" eaLnBrk="1" hangingPunct="1">
+              <a:lnSpc>
+                <a:spcPct val="100000"/>
+              </a:lnSpc>
+              <a:spcBef>
+                <a:spcPts val="0"/>
+              </a:spcBef>
+              <a:spcAft>
+                <a:spcPts val="0"/>
+              </a:spcAft>
+              <a:buClr>
+                <a:schemeClr val="dk1"/>
+              </a:buClr>
+              <a:buSzPts val="3000"/>
+              <a:buFont typeface="Oxanium"/>
+              <a:buNone/>
+              <a:defRPr sz="3000" b="1" i="0" u="none" strike="noStrike" cap="none">
+                <a:solidFill>
+                  <a:schemeClr val="dk1"/>
+                </a:solidFill>
+                <a:latin typeface="Oxanium"/>
+                <a:ea typeface="Oxanium"/>
+                <a:cs typeface="Oxanium"/>
+                <a:sym typeface="Oxanium"/>
+              </a:defRPr>
+            </a:lvl3pPr>
+            <a:lvl4pPr marR="0" lvl="3" algn="l" rtl="0" eaLnBrk="1" hangingPunct="1">
+              <a:lnSpc>
+                <a:spcPct val="100000"/>
+              </a:lnSpc>
+              <a:spcBef>
+                <a:spcPts val="0"/>
+              </a:spcBef>
+              <a:spcAft>
+                <a:spcPts val="0"/>
+              </a:spcAft>
+              <a:buClr>
+                <a:schemeClr val="dk1"/>
+              </a:buClr>
+              <a:buSzPts val="3000"/>
+              <a:buFont typeface="Oxanium"/>
+              <a:buNone/>
+              <a:defRPr sz="3000" b="1" i="0" u="none" strike="noStrike" cap="none">
+                <a:solidFill>
+                  <a:schemeClr val="dk1"/>
+                </a:solidFill>
+                <a:latin typeface="Oxanium"/>
+                <a:ea typeface="Oxanium"/>
+                <a:cs typeface="Oxanium"/>
+                <a:sym typeface="Oxanium"/>
+              </a:defRPr>
+            </a:lvl4pPr>
+            <a:lvl5pPr marR="0" lvl="4" algn="l" rtl="0" eaLnBrk="1" hangingPunct="1">
+              <a:lnSpc>
+                <a:spcPct val="100000"/>
+              </a:lnSpc>
+              <a:spcBef>
+                <a:spcPts val="0"/>
+              </a:spcBef>
+              <a:spcAft>
+                <a:spcPts val="0"/>
+              </a:spcAft>
+              <a:buClr>
+                <a:schemeClr val="dk1"/>
+              </a:buClr>
+              <a:buSzPts val="3000"/>
+              <a:buFont typeface="Oxanium"/>
+              <a:buNone/>
+              <a:defRPr sz="3000" b="1" i="0" u="none" strike="noStrike" cap="none">
+                <a:solidFill>
+                  <a:schemeClr val="dk1"/>
+                </a:solidFill>
+                <a:latin typeface="Oxanium"/>
+                <a:ea typeface="Oxanium"/>
+                <a:cs typeface="Oxanium"/>
+                <a:sym typeface="Oxanium"/>
+              </a:defRPr>
+            </a:lvl5pPr>
+            <a:lvl6pPr marR="0" lvl="5" algn="l" rtl="0" eaLnBrk="1" hangingPunct="1">
+              <a:lnSpc>
+                <a:spcPct val="100000"/>
+              </a:lnSpc>
+              <a:spcBef>
+                <a:spcPts val="0"/>
+              </a:spcBef>
+              <a:spcAft>
+                <a:spcPts val="0"/>
+              </a:spcAft>
+              <a:buClr>
+                <a:schemeClr val="dk1"/>
+              </a:buClr>
+              <a:buSzPts val="3000"/>
+              <a:buFont typeface="Oxanium"/>
+              <a:buNone/>
+              <a:defRPr sz="3000" b="1" i="0" u="none" strike="noStrike" cap="none">
+                <a:solidFill>
+                  <a:schemeClr val="dk1"/>
+                </a:solidFill>
+                <a:latin typeface="Oxanium"/>
+                <a:ea typeface="Oxanium"/>
+                <a:cs typeface="Oxanium"/>
+                <a:sym typeface="Oxanium"/>
+              </a:defRPr>
+            </a:lvl6pPr>
+            <a:lvl7pPr marR="0" lvl="6" algn="l" rtl="0" eaLnBrk="1" hangingPunct="1">
+              <a:lnSpc>
+                <a:spcPct val="100000"/>
+              </a:lnSpc>
+              <a:spcBef>
+                <a:spcPts val="0"/>
+              </a:spcBef>
+              <a:spcAft>
+                <a:spcPts val="0"/>
+              </a:spcAft>
+              <a:buClr>
+                <a:schemeClr val="dk1"/>
+              </a:buClr>
+              <a:buSzPts val="3000"/>
+              <a:buFont typeface="Oxanium"/>
+              <a:buNone/>
+              <a:defRPr sz="3000" b="1" i="0" u="none" strike="noStrike" cap="none">
+                <a:solidFill>
+                  <a:schemeClr val="dk1"/>
+                </a:solidFill>
+                <a:latin typeface="Oxanium"/>
+                <a:ea typeface="Oxanium"/>
+                <a:cs typeface="Oxanium"/>
+                <a:sym typeface="Oxanium"/>
+              </a:defRPr>
+            </a:lvl7pPr>
+            <a:lvl8pPr marR="0" lvl="7" algn="l" rtl="0" eaLnBrk="1" hangingPunct="1">
+              <a:lnSpc>
+                <a:spcPct val="100000"/>
+              </a:lnSpc>
+              <a:spcBef>
+                <a:spcPts val="0"/>
+              </a:spcBef>
+              <a:spcAft>
+                <a:spcPts val="0"/>
+              </a:spcAft>
+              <a:buClr>
+                <a:schemeClr val="dk1"/>
+              </a:buClr>
+              <a:buSzPts val="3000"/>
+              <a:buFont typeface="Oxanium"/>
+              <a:buNone/>
+              <a:defRPr sz="3000" b="1" i="0" u="none" strike="noStrike" cap="none">
+                <a:solidFill>
+                  <a:schemeClr val="dk1"/>
+                </a:solidFill>
+                <a:latin typeface="Oxanium"/>
+                <a:ea typeface="Oxanium"/>
+                <a:cs typeface="Oxanium"/>
+                <a:sym typeface="Oxanium"/>
+              </a:defRPr>
+            </a:lvl8pPr>
+            <a:lvl9pPr marR="0" lvl="8" algn="l" rtl="0" eaLnBrk="1" hangingPunct="1">
+              <a:lnSpc>
+                <a:spcPct val="100000"/>
+              </a:lnSpc>
+              <a:spcBef>
+                <a:spcPts val="0"/>
+              </a:spcBef>
+              <a:spcAft>
+                <a:spcPts val="0"/>
+              </a:spcAft>
+              <a:buClr>
+                <a:schemeClr val="dk1"/>
+              </a:buClr>
+              <a:buSzPts val="3000"/>
+              <a:buFont typeface="Oxanium"/>
+              <a:buNone/>
+              <a:defRPr sz="3000" b="1" i="0" u="none" strike="noStrike" cap="none">
+                <a:solidFill>
+                  <a:schemeClr val="dk1"/>
+                </a:solidFill>
+                <a:latin typeface="Oxanium"/>
+                <a:ea typeface="Oxanium"/>
+                <a:cs typeface="Oxanium"/>
+                <a:sym typeface="Oxanium"/>
+              </a:defRPr>
+            </a:lvl9pPr>
+          </a:lstStyle>
+          <a:p>
+            <a:r>
+              <a:rPr lang="en-GB" sz="4000" dirty="0">
+                <a:effectLst/>
+              </a:rPr>
+              <a:t>Frontend</a:t>
+            </a:r>
+          </a:p>
+        </p:txBody>
+      </p:sp>
+      <p:pic>
+        <p:nvPicPr>
+          <p:cNvPr id="8" name="Kép 3">
+            <a:extLst>
+              <a:ext uri="{FF2B5EF4-FFF2-40B4-BE49-F238E27FC236}">
+                <a16:creationId xmlns:a16="http://schemas.microsoft.com/office/drawing/2014/main" id="{595AD304-776D-4B06-8B58-60FB7F1BE2A1}"/>
+              </a:ext>
+            </a:extLst>
+          </p:cNvPr>
+          <p:cNvPicPr>
+            <a:picLocks noChangeAspect="1"/>
+          </p:cNvPicPr>
+          <p:nvPr/>
+        </p:nvPicPr>
+        <p:blipFill>
+          <a:blip r:embed="rId2"/>
+          <a:stretch>
+            <a:fillRect/>
+          </a:stretch>
+        </p:blipFill>
+        <p:spPr>
+          <a:xfrm>
+            <a:off x="6820425" y="1566659"/>
+            <a:ext cx="3526491" cy="4687455"/>
+          </a:xfrm>
+          <a:prstGeom prst="rect">
+            <a:avLst/>
+          </a:prstGeom>
+          <a:ln>
+            <a:noFill/>
+          </a:ln>
+          <a:effectLst>
+            <a:outerShdw blurRad="190500" algn="tl" rotWithShape="0">
+              <a:srgbClr val="000000">
+                <a:alpha val="70000"/>
+              </a:srgbClr>
+            </a:outerShdw>
+          </a:effectLst>
+        </p:spPr>
+      </p:pic>
+    </p:spTree>
+    <p:extLst>
+      <p:ext uri="{BB962C8B-B14F-4D97-AF65-F5344CB8AC3E}">
+        <p14:creationId xmlns:p14="http://schemas.microsoft.com/office/powerpoint/2010/main" val="1829243746"/>
+      </p:ext>
+    </p:extLst>
+  </p:cSld>
+  <p:clrMapOvr>
+    <a:masterClrMapping/>
+  </p:clrMapOvr>
+  <mc:AlternateContent xmlns:mc="http://schemas.openxmlformats.org/markup-compatibility/2006">
+    <mc:Choice xmlns:p159="http://schemas.microsoft.com/office/powerpoint/2015/09/main" Requires="p159">
+      <p:transition xmlns:p14="http://schemas.microsoft.com/office/powerpoint/2010/main" spd="slow" p14:dur="2000">
+        <p159:morph option="byObject"/>
+      </p:transition>
+    </mc:Choice>
+    <mc:Fallback>
+      <p:transition spd="slow">
+        <p:fade/>
+      </p:transition>
+    </mc:Fallback>
+  </mc:AlternateContent>
+  <p:timing>
+    <p:tnLst>
+      <p:par>
+        <p:cTn id="1" dur="indefinite" restart="never" nodeType="tmRoot">
+          <p:childTnLst>
+            <p:seq concurrent="1" nextAc="seek">
+              <p:cTn id="2" dur="indefinite" nodeType="mainSeq">
+                <p:childTnLst>
+                  <p:par>
+                    <p:cTn id="3" fill="hold">
+                      <p:stCondLst>
+                        <p:cond delay="indefinite"/>
+                      </p:stCondLst>
+                      <p:childTnLst>
+                        <p:par>
+                          <p:cTn id="4" fill="hold">
+                            <p:stCondLst>
+                              <p:cond delay="0"/>
+                            </p:stCondLst>
+                            <p:childTnLst>
+                              <p:par>
+                                <p:cTn id="5" presetID="10" presetClass="entr" presetSubtype="0" fill="hold" grpId="0" nodeType="clickEffect">
+                                  <p:stCondLst>
+                                    <p:cond delay="0"/>
+                                  </p:stCondLst>
+                                  <p:childTnLst>
+                                    <p:set>
+                                      <p:cBhvr>
+                                        <p:cTn id="6" dur="1" fill="hold">
+                                          <p:stCondLst>
+                                            <p:cond delay="0"/>
+                                          </p:stCondLst>
+                                        </p:cTn>
+                                        <p:tgtEl>
+                                          <p:spTgt spid="7"/>
+                                        </p:tgtEl>
+                                        <p:attrNameLst>
+                                          <p:attrName>style.visibility</p:attrName>
+                                        </p:attrNameLst>
+                                      </p:cBhvr>
+                                      <p:to>
+                                        <p:strVal val="visible"/>
+                                      </p:to>
+                                    </p:set>
+                                    <p:animEffect transition="in" filter="fade">
+                                      <p:cBhvr>
+                                        <p:cTn id="7" dur="500"/>
+                                        <p:tgtEl>
+                                          <p:spTgt spid="7"/>
+                                        </p:tgtEl>
+                                      </p:cBhvr>
+                                    </p:animEffect>
+                                  </p:childTnLst>
+                                </p:cTn>
+                              </p:par>
+                            </p:childTnLst>
+                          </p:cTn>
+                        </p:par>
+                      </p:childTnLst>
+                    </p:cTn>
+                  </p:par>
+                </p:childTnLst>
+              </p:cTn>
+              <p:prevCondLst>
+                <p:cond evt="onPrev" delay="0">
+                  <p:tgtEl>
+                    <p:sldTgt/>
+                  </p:tgtEl>
+                </p:cond>
+              </p:prevCondLst>
+              <p:nextCondLst>
+                <p:cond evt="onNext" delay="0">
+                  <p:tgtEl>
+                    <p:sldTgt/>
+                  </p:tgtEl>
+                </p:cond>
+              </p:nextCondLst>
+            </p:seq>
+          </p:childTnLst>
+        </p:cTn>
+      </p:par>
+    </p:tnLst>
+    <p:bldLst>
+      <p:bldP spid="7" grpId="0"/>
+    </p:bldLst>
+  </p:timing>
+</p:sld>
+</file>
+
+<file path=ppt/slides/slide18.xml><?xml version="1.0" encoding="utf-8"?>
+<p:sld xmlns:a="http://schemas.openxmlformats.org/drawingml/2006/main" xmlns:r="http://schemas.openxmlformats.org/officeDocument/2006/relationships" xmlns:p="http://schemas.openxmlformats.org/presentationml/2006/main">
+  <p:cSld>
+    <p:spTree>
+      <p:nvGrpSpPr>
+        <p:cNvPr id="1" name=""/>
+        <p:cNvGrpSpPr/>
+        <p:nvPr/>
+      </p:nvGrpSpPr>
+      <p:grpSpPr>
+        <a:xfrm>
+          <a:off x="0" y="0"/>
+          <a:ext cx="0" cy="0"/>
+          <a:chOff x="0" y="0"/>
+          <a:chExt cx="0" cy="0"/>
+        </a:xfrm>
+      </p:grpSpPr>
+      <p:sp>
+        <p:nvSpPr>
+          <p:cNvPr id="4" name="Title 3">
+            <a:extLst>
+              <a:ext uri="{FF2B5EF4-FFF2-40B4-BE49-F238E27FC236}">
+                <a16:creationId xmlns:a16="http://schemas.microsoft.com/office/drawing/2014/main" id="{ACB83B76-EEC6-49EB-82AB-A62075662CBE}"/>
+              </a:ext>
+            </a:extLst>
+          </p:cNvPr>
+          <p:cNvSpPr txBox="1">
+            <a:spLocks/>
+          </p:cNvSpPr>
+          <p:nvPr/>
+        </p:nvSpPr>
+        <p:spPr>
+          <a:xfrm>
+            <a:off x="960000" y="593367"/>
+            <a:ext cx="5753220" cy="763600"/>
+          </a:xfrm>
+          <a:prstGeom prst="rect">
+            <a:avLst/>
+          </a:prstGeom>
+          <a:noFill/>
+          <a:ln>
+            <a:noFill/>
+          </a:ln>
+        </p:spPr>
+        <p:txBody>
+          <a:bodyPr spcFirstLastPara="1" wrap="square" lIns="91425" tIns="91425" rIns="91425" bIns="91425" anchor="t" anchorCtr="0">
+            <a:noAutofit/>
+          </a:bodyPr>
+          <a:lstStyle>
+            <a:defPPr marR="0" lvl="0" algn="l" rtl="0">
+              <a:lnSpc>
+                <a:spcPct val="100000"/>
+              </a:lnSpc>
+              <a:spcBef>
+                <a:spcPts val="0"/>
+              </a:spcBef>
+              <a:spcAft>
+                <a:spcPts val="0"/>
+              </a:spcAft>
+            </a:defPPr>
+            <a:lvl1pPr marR="0" lvl="0" algn="l" rtl="0" eaLnBrk="1" hangingPunct="1">
+              <a:lnSpc>
+                <a:spcPct val="100000"/>
+              </a:lnSpc>
+              <a:spcBef>
+                <a:spcPts val="0"/>
+              </a:spcBef>
+              <a:spcAft>
+                <a:spcPts val="0"/>
+              </a:spcAft>
+              <a:buClr>
+                <a:schemeClr val="dk1"/>
+              </a:buClr>
+              <a:buSzPts val="3000"/>
+              <a:buFont typeface="Oxanium"/>
+              <a:buNone/>
+              <a:defRPr sz="3000" b="1" i="0" u="none" strike="noStrike" cap="none">
+                <a:solidFill>
+                  <a:schemeClr val="dk1"/>
+                </a:solidFill>
+                <a:latin typeface="Oxanium"/>
+                <a:ea typeface="Oxanium"/>
+                <a:cs typeface="Oxanium"/>
+                <a:sym typeface="Oxanium"/>
+              </a:defRPr>
+            </a:lvl1pPr>
+            <a:lvl2pPr marR="0" lvl="1" algn="l" rtl="0" eaLnBrk="1" hangingPunct="1">
+              <a:lnSpc>
+                <a:spcPct val="100000"/>
+              </a:lnSpc>
+              <a:spcBef>
+                <a:spcPts val="0"/>
+              </a:spcBef>
+              <a:spcAft>
+                <a:spcPts val="0"/>
+              </a:spcAft>
+              <a:buClr>
+                <a:schemeClr val="dk1"/>
+              </a:buClr>
+              <a:buSzPts val="3000"/>
+              <a:buFont typeface="Oxanium"/>
+              <a:buNone/>
+              <a:defRPr sz="3000" b="1" i="0" u="none" strike="noStrike" cap="none">
+                <a:solidFill>
+                  <a:schemeClr val="dk1"/>
+                </a:solidFill>
+                <a:latin typeface="Oxanium"/>
+                <a:ea typeface="Oxanium"/>
+                <a:cs typeface="Oxanium"/>
+                <a:sym typeface="Oxanium"/>
+              </a:defRPr>
+            </a:lvl2pPr>
+            <a:lvl3pPr marR="0" lvl="2" algn="l" rtl="0" eaLnBrk="1" hangingPunct="1">
+              <a:lnSpc>
+                <a:spcPct val="100000"/>
+              </a:lnSpc>
+              <a:spcBef>
+                <a:spcPts val="0"/>
+              </a:spcBef>
+              <a:spcAft>
+                <a:spcPts val="0"/>
+              </a:spcAft>
+              <a:buClr>
+                <a:schemeClr val="dk1"/>
+              </a:buClr>
+              <a:buSzPts val="3000"/>
+              <a:buFont typeface="Oxanium"/>
+              <a:buNone/>
+              <a:defRPr sz="3000" b="1" i="0" u="none" strike="noStrike" cap="none">
+                <a:solidFill>
+                  <a:schemeClr val="dk1"/>
+                </a:solidFill>
+                <a:latin typeface="Oxanium"/>
+                <a:ea typeface="Oxanium"/>
+                <a:cs typeface="Oxanium"/>
+                <a:sym typeface="Oxanium"/>
+              </a:defRPr>
+            </a:lvl3pPr>
+            <a:lvl4pPr marR="0" lvl="3" algn="l" rtl="0" eaLnBrk="1" hangingPunct="1">
+              <a:lnSpc>
+                <a:spcPct val="100000"/>
+              </a:lnSpc>
+              <a:spcBef>
+                <a:spcPts val="0"/>
+              </a:spcBef>
+              <a:spcAft>
+                <a:spcPts val="0"/>
+              </a:spcAft>
+              <a:buClr>
+                <a:schemeClr val="dk1"/>
+              </a:buClr>
+              <a:buSzPts val="3000"/>
+              <a:buFont typeface="Oxanium"/>
+              <a:buNone/>
+              <a:defRPr sz="3000" b="1" i="0" u="none" strike="noStrike" cap="none">
+                <a:solidFill>
+                  <a:schemeClr val="dk1"/>
+                </a:solidFill>
+                <a:latin typeface="Oxanium"/>
+                <a:ea typeface="Oxanium"/>
+                <a:cs typeface="Oxanium"/>
+                <a:sym typeface="Oxanium"/>
+              </a:defRPr>
+            </a:lvl4pPr>
+            <a:lvl5pPr marR="0" lvl="4" algn="l" rtl="0" eaLnBrk="1" hangingPunct="1">
+              <a:lnSpc>
+                <a:spcPct val="100000"/>
+              </a:lnSpc>
+              <a:spcBef>
+                <a:spcPts val="0"/>
+              </a:spcBef>
+              <a:spcAft>
+                <a:spcPts val="0"/>
+              </a:spcAft>
+              <a:buClr>
+                <a:schemeClr val="dk1"/>
+              </a:buClr>
+              <a:buSzPts val="3000"/>
+              <a:buFont typeface="Oxanium"/>
+              <a:buNone/>
+              <a:defRPr sz="3000" b="1" i="0" u="none" strike="noStrike" cap="none">
+                <a:solidFill>
+                  <a:schemeClr val="dk1"/>
+                </a:solidFill>
+                <a:latin typeface="Oxanium"/>
+                <a:ea typeface="Oxanium"/>
+                <a:cs typeface="Oxanium"/>
+                <a:sym typeface="Oxanium"/>
+              </a:defRPr>
+            </a:lvl5pPr>
+            <a:lvl6pPr marR="0" lvl="5" algn="l" rtl="0" eaLnBrk="1" hangingPunct="1">
+              <a:lnSpc>
+                <a:spcPct val="100000"/>
+              </a:lnSpc>
+              <a:spcBef>
+                <a:spcPts val="0"/>
+              </a:spcBef>
+              <a:spcAft>
+                <a:spcPts val="0"/>
+              </a:spcAft>
+              <a:buClr>
+                <a:schemeClr val="dk1"/>
+              </a:buClr>
+              <a:buSzPts val="3000"/>
+              <a:buFont typeface="Oxanium"/>
+              <a:buNone/>
+              <a:defRPr sz="3000" b="1" i="0" u="none" strike="noStrike" cap="none">
+                <a:solidFill>
+                  <a:schemeClr val="dk1"/>
+                </a:solidFill>
+                <a:latin typeface="Oxanium"/>
+                <a:ea typeface="Oxanium"/>
+                <a:cs typeface="Oxanium"/>
+                <a:sym typeface="Oxanium"/>
+              </a:defRPr>
+            </a:lvl6pPr>
+            <a:lvl7pPr marR="0" lvl="6" algn="l" rtl="0" eaLnBrk="1" hangingPunct="1">
+              <a:lnSpc>
+                <a:spcPct val="100000"/>
+              </a:lnSpc>
+              <a:spcBef>
+                <a:spcPts val="0"/>
+              </a:spcBef>
+              <a:spcAft>
+                <a:spcPts val="0"/>
+              </a:spcAft>
+              <a:buClr>
+                <a:schemeClr val="dk1"/>
+              </a:buClr>
+              <a:buSzPts val="3000"/>
+              <a:buFont typeface="Oxanium"/>
+              <a:buNone/>
+              <a:defRPr sz="3000" b="1" i="0" u="none" strike="noStrike" cap="none">
+                <a:solidFill>
+                  <a:schemeClr val="dk1"/>
+                </a:solidFill>
+                <a:latin typeface="Oxanium"/>
+                <a:ea typeface="Oxanium"/>
+                <a:cs typeface="Oxanium"/>
+                <a:sym typeface="Oxanium"/>
+              </a:defRPr>
+            </a:lvl7pPr>
+            <a:lvl8pPr marR="0" lvl="7" algn="l" rtl="0" eaLnBrk="1" hangingPunct="1">
+              <a:lnSpc>
+                <a:spcPct val="100000"/>
+              </a:lnSpc>
+              <a:spcBef>
+                <a:spcPts val="0"/>
+              </a:spcBef>
+              <a:spcAft>
+                <a:spcPts val="0"/>
+              </a:spcAft>
+              <a:buClr>
+                <a:schemeClr val="dk1"/>
+              </a:buClr>
+              <a:buSzPts val="3000"/>
+              <a:buFont typeface="Oxanium"/>
+              <a:buNone/>
+              <a:defRPr sz="3000" b="1" i="0" u="none" strike="noStrike" cap="none">
+                <a:solidFill>
+                  <a:schemeClr val="dk1"/>
+                </a:solidFill>
+                <a:latin typeface="Oxanium"/>
+                <a:ea typeface="Oxanium"/>
+                <a:cs typeface="Oxanium"/>
+                <a:sym typeface="Oxanium"/>
+              </a:defRPr>
+            </a:lvl8pPr>
+            <a:lvl9pPr marR="0" lvl="8" algn="l" rtl="0" eaLnBrk="1" hangingPunct="1">
+              <a:lnSpc>
+                <a:spcPct val="100000"/>
+              </a:lnSpc>
+              <a:spcBef>
+                <a:spcPts val="0"/>
+              </a:spcBef>
+              <a:spcAft>
+                <a:spcPts val="0"/>
+              </a:spcAft>
+              <a:buClr>
+                <a:schemeClr val="dk1"/>
+              </a:buClr>
+              <a:buSzPts val="3000"/>
+              <a:buFont typeface="Oxanium"/>
+              <a:buNone/>
+              <a:defRPr sz="3000" b="1" i="0" u="none" strike="noStrike" cap="none">
+                <a:solidFill>
+                  <a:schemeClr val="dk1"/>
+                </a:solidFill>
+                <a:latin typeface="Oxanium"/>
+                <a:ea typeface="Oxanium"/>
+                <a:cs typeface="Oxanium"/>
+                <a:sym typeface="Oxanium"/>
+              </a:defRPr>
+            </a:lvl9pPr>
+          </a:lstStyle>
+          <a:p>
+            <a:r>
+              <a:rPr lang="en-GB" sz="4000" dirty="0">
+                <a:effectLst/>
+              </a:rPr>
+              <a:t>Functions of the Website -</a:t>
+            </a:r>
+          </a:p>
+        </p:txBody>
+      </p:sp>
+      <p:sp>
+        <p:nvSpPr>
+          <p:cNvPr id="6" name="Title 3">
+            <a:extLst>
+              <a:ext uri="{FF2B5EF4-FFF2-40B4-BE49-F238E27FC236}">
+                <a16:creationId xmlns:a16="http://schemas.microsoft.com/office/drawing/2014/main" id="{5F9A6822-1AA9-4E8E-8D80-093D90B41D28}"/>
+              </a:ext>
+            </a:extLst>
+          </p:cNvPr>
+          <p:cNvSpPr txBox="1">
+            <a:spLocks/>
+          </p:cNvSpPr>
+          <p:nvPr/>
+        </p:nvSpPr>
+        <p:spPr>
+          <a:xfrm>
+            <a:off x="6606420" y="603886"/>
+            <a:ext cx="2134380" cy="763600"/>
+          </a:xfrm>
+          <a:prstGeom prst="rect">
+            <a:avLst/>
+          </a:prstGeom>
+          <a:noFill/>
+          <a:ln>
+            <a:noFill/>
+          </a:ln>
+        </p:spPr>
+        <p:txBody>
+          <a:bodyPr spcFirstLastPara="1" wrap="square" lIns="91425" tIns="91425" rIns="91425" bIns="91425" anchor="t" anchorCtr="0">
+            <a:noAutofit/>
+          </a:bodyPr>
+          <a:lstStyle>
+            <a:defPPr marR="0" lvl="0" algn="l" rtl="0">
+              <a:lnSpc>
+                <a:spcPct val="100000"/>
+              </a:lnSpc>
+              <a:spcBef>
+                <a:spcPts val="0"/>
+              </a:spcBef>
+              <a:spcAft>
+                <a:spcPts val="0"/>
+              </a:spcAft>
+            </a:defPPr>
+            <a:lvl1pPr marR="0" lvl="0" algn="l" rtl="0" eaLnBrk="1" hangingPunct="1">
+              <a:lnSpc>
+                <a:spcPct val="100000"/>
+              </a:lnSpc>
+              <a:spcBef>
+                <a:spcPts val="0"/>
+              </a:spcBef>
+              <a:spcAft>
+                <a:spcPts val="0"/>
+              </a:spcAft>
+              <a:buClr>
+                <a:schemeClr val="dk1"/>
+              </a:buClr>
+              <a:buSzPts val="3000"/>
+              <a:buFont typeface="Oxanium"/>
+              <a:buNone/>
+              <a:defRPr sz="3000" b="1" i="0" u="none" strike="noStrike" cap="none">
+                <a:solidFill>
+                  <a:schemeClr val="dk1"/>
+                </a:solidFill>
+                <a:latin typeface="Oxanium"/>
+                <a:ea typeface="Oxanium"/>
+                <a:cs typeface="Oxanium"/>
+                <a:sym typeface="Oxanium"/>
+              </a:defRPr>
+            </a:lvl1pPr>
+            <a:lvl2pPr marR="0" lvl="1" algn="l" rtl="0" eaLnBrk="1" hangingPunct="1">
+              <a:lnSpc>
+                <a:spcPct val="100000"/>
+              </a:lnSpc>
+              <a:spcBef>
+                <a:spcPts val="0"/>
+              </a:spcBef>
+              <a:spcAft>
+                <a:spcPts val="0"/>
+              </a:spcAft>
+              <a:buClr>
+                <a:schemeClr val="dk1"/>
+              </a:buClr>
+              <a:buSzPts val="3000"/>
+              <a:buFont typeface="Oxanium"/>
+              <a:buNone/>
+              <a:defRPr sz="3000" b="1" i="0" u="none" strike="noStrike" cap="none">
+                <a:solidFill>
+                  <a:schemeClr val="dk1"/>
+                </a:solidFill>
+                <a:latin typeface="Oxanium"/>
+                <a:ea typeface="Oxanium"/>
+                <a:cs typeface="Oxanium"/>
+                <a:sym typeface="Oxanium"/>
+              </a:defRPr>
+            </a:lvl2pPr>
+            <a:lvl3pPr marR="0" lvl="2" algn="l" rtl="0" eaLnBrk="1" hangingPunct="1">
+              <a:lnSpc>
+                <a:spcPct val="100000"/>
+              </a:lnSpc>
+              <a:spcBef>
+                <a:spcPts val="0"/>
+              </a:spcBef>
+              <a:spcAft>
+                <a:spcPts val="0"/>
+              </a:spcAft>
+              <a:buClr>
+                <a:schemeClr val="dk1"/>
+              </a:buClr>
+              <a:buSzPts val="3000"/>
+              <a:buFont typeface="Oxanium"/>
+              <a:buNone/>
+              <a:defRPr sz="3000" b="1" i="0" u="none" strike="noStrike" cap="none">
+                <a:solidFill>
+                  <a:schemeClr val="dk1"/>
+                </a:solidFill>
+                <a:latin typeface="Oxanium"/>
+                <a:ea typeface="Oxanium"/>
+                <a:cs typeface="Oxanium"/>
+                <a:sym typeface="Oxanium"/>
+              </a:defRPr>
+            </a:lvl3pPr>
+            <a:lvl4pPr marR="0" lvl="3" algn="l" rtl="0" eaLnBrk="1" hangingPunct="1">
+              <a:lnSpc>
+                <a:spcPct val="100000"/>
+              </a:lnSpc>
+              <a:spcBef>
+                <a:spcPts val="0"/>
+              </a:spcBef>
+              <a:spcAft>
+                <a:spcPts val="0"/>
+              </a:spcAft>
+              <a:buClr>
+                <a:schemeClr val="dk1"/>
+              </a:buClr>
+              <a:buSzPts val="3000"/>
+              <a:buFont typeface="Oxanium"/>
+              <a:buNone/>
+              <a:defRPr sz="3000" b="1" i="0" u="none" strike="noStrike" cap="none">
+                <a:solidFill>
+                  <a:schemeClr val="dk1"/>
+                </a:solidFill>
+                <a:latin typeface="Oxanium"/>
+                <a:ea typeface="Oxanium"/>
+                <a:cs typeface="Oxanium"/>
+                <a:sym typeface="Oxanium"/>
+              </a:defRPr>
+            </a:lvl4pPr>
+            <a:lvl5pPr marR="0" lvl="4" algn="l" rtl="0" eaLnBrk="1" hangingPunct="1">
+              <a:lnSpc>
+                <a:spcPct val="100000"/>
+              </a:lnSpc>
+              <a:spcBef>
+                <a:spcPts val="0"/>
+              </a:spcBef>
+              <a:spcAft>
+                <a:spcPts val="0"/>
+              </a:spcAft>
+              <a:buClr>
+                <a:schemeClr val="dk1"/>
+              </a:buClr>
+              <a:buSzPts val="3000"/>
+              <a:buFont typeface="Oxanium"/>
+              <a:buNone/>
+              <a:defRPr sz="3000" b="1" i="0" u="none" strike="noStrike" cap="none">
+                <a:solidFill>
+                  <a:schemeClr val="dk1"/>
+                </a:solidFill>
+                <a:latin typeface="Oxanium"/>
+                <a:ea typeface="Oxanium"/>
+                <a:cs typeface="Oxanium"/>
+                <a:sym typeface="Oxanium"/>
+              </a:defRPr>
+            </a:lvl5pPr>
+            <a:lvl6pPr marR="0" lvl="5" algn="l" rtl="0" eaLnBrk="1" hangingPunct="1">
+              <a:lnSpc>
+                <a:spcPct val="100000"/>
+              </a:lnSpc>
+              <a:spcBef>
+                <a:spcPts val="0"/>
+              </a:spcBef>
+              <a:spcAft>
+                <a:spcPts val="0"/>
+              </a:spcAft>
+              <a:buClr>
+                <a:schemeClr val="dk1"/>
+              </a:buClr>
+              <a:buSzPts val="3000"/>
+              <a:buFont typeface="Oxanium"/>
+              <a:buNone/>
+              <a:defRPr sz="3000" b="1" i="0" u="none" strike="noStrike" cap="none">
+                <a:solidFill>
+                  <a:schemeClr val="dk1"/>
+                </a:solidFill>
+                <a:latin typeface="Oxanium"/>
+                <a:ea typeface="Oxanium"/>
+                <a:cs typeface="Oxanium"/>
+                <a:sym typeface="Oxanium"/>
+              </a:defRPr>
+            </a:lvl6pPr>
+            <a:lvl7pPr marR="0" lvl="6" algn="l" rtl="0" eaLnBrk="1" hangingPunct="1">
+              <a:lnSpc>
+                <a:spcPct val="100000"/>
+              </a:lnSpc>
+              <a:spcBef>
+                <a:spcPts val="0"/>
+              </a:spcBef>
+              <a:spcAft>
+                <a:spcPts val="0"/>
+              </a:spcAft>
+              <a:buClr>
+                <a:schemeClr val="dk1"/>
+              </a:buClr>
+              <a:buSzPts val="3000"/>
+              <a:buFont typeface="Oxanium"/>
+              <a:buNone/>
+              <a:defRPr sz="3000" b="1" i="0" u="none" strike="noStrike" cap="none">
+                <a:solidFill>
+                  <a:schemeClr val="dk1"/>
+                </a:solidFill>
+                <a:latin typeface="Oxanium"/>
+                <a:ea typeface="Oxanium"/>
+                <a:cs typeface="Oxanium"/>
+                <a:sym typeface="Oxanium"/>
+              </a:defRPr>
+            </a:lvl7pPr>
+            <a:lvl8pPr marR="0" lvl="7" algn="l" rtl="0" eaLnBrk="1" hangingPunct="1">
+              <a:lnSpc>
+                <a:spcPct val="100000"/>
+              </a:lnSpc>
+              <a:spcBef>
+                <a:spcPts val="0"/>
+              </a:spcBef>
+              <a:spcAft>
+                <a:spcPts val="0"/>
+              </a:spcAft>
+              <a:buClr>
+                <a:schemeClr val="dk1"/>
+              </a:buClr>
+              <a:buSzPts val="3000"/>
+              <a:buFont typeface="Oxanium"/>
+              <a:buNone/>
+              <a:defRPr sz="3000" b="1" i="0" u="none" strike="noStrike" cap="none">
+                <a:solidFill>
+                  <a:schemeClr val="dk1"/>
+                </a:solidFill>
+                <a:latin typeface="Oxanium"/>
+                <a:ea typeface="Oxanium"/>
+                <a:cs typeface="Oxanium"/>
+                <a:sym typeface="Oxanium"/>
+              </a:defRPr>
+            </a:lvl8pPr>
+            <a:lvl9pPr marR="0" lvl="8" algn="l" rtl="0" eaLnBrk="1" hangingPunct="1">
+              <a:lnSpc>
+                <a:spcPct val="100000"/>
+              </a:lnSpc>
+              <a:spcBef>
+                <a:spcPts val="0"/>
+              </a:spcBef>
+              <a:spcAft>
+                <a:spcPts val="0"/>
+              </a:spcAft>
+              <a:buClr>
+                <a:schemeClr val="dk1"/>
+              </a:buClr>
+              <a:buSzPts val="3000"/>
+              <a:buFont typeface="Oxanium"/>
+              <a:buNone/>
+              <a:defRPr sz="3000" b="1" i="0" u="none" strike="noStrike" cap="none">
+                <a:solidFill>
+                  <a:schemeClr val="dk1"/>
+                </a:solidFill>
+                <a:latin typeface="Oxanium"/>
+                <a:ea typeface="Oxanium"/>
+                <a:cs typeface="Oxanium"/>
+                <a:sym typeface="Oxanium"/>
+              </a:defRPr>
+            </a:lvl9pPr>
+          </a:lstStyle>
+          <a:p>
+            <a:r>
+              <a:rPr lang="en-GB" sz="4000" dirty="0">
+                <a:effectLst/>
+              </a:rPr>
+              <a:t>Frontend</a:t>
+            </a:r>
+          </a:p>
+        </p:txBody>
+      </p:sp>
+      <p:pic>
+        <p:nvPicPr>
+          <p:cNvPr id="11" name="Kép 9">
+            <a:extLst>
+              <a:ext uri="{FF2B5EF4-FFF2-40B4-BE49-F238E27FC236}">
+                <a16:creationId xmlns:a16="http://schemas.microsoft.com/office/drawing/2014/main" id="{C944FE48-E7C9-415C-85CC-D3133968BFDE}"/>
+              </a:ext>
+            </a:extLst>
+          </p:cNvPr>
+          <p:cNvPicPr>
+            <a:picLocks noChangeAspect="1"/>
+          </p:cNvPicPr>
+          <p:nvPr/>
+        </p:nvPicPr>
+        <p:blipFill>
+          <a:blip r:embed="rId2"/>
+          <a:stretch>
+            <a:fillRect/>
+          </a:stretch>
+        </p:blipFill>
+        <p:spPr>
+          <a:xfrm>
+            <a:off x="710526" y="1479271"/>
+            <a:ext cx="10770948" cy="5232316"/>
+          </a:xfrm>
+          <a:prstGeom prst="rect">
+            <a:avLst/>
+          </a:prstGeom>
+          <a:ln>
+            <a:noFill/>
+          </a:ln>
+          <a:effectLst>
+            <a:outerShdw blurRad="190500" algn="tl" rotWithShape="0">
+              <a:srgbClr val="000000">
+                <a:alpha val="70000"/>
+              </a:srgbClr>
+            </a:outerShdw>
+          </a:effectLst>
+        </p:spPr>
+      </p:pic>
+    </p:spTree>
+    <p:extLst>
+      <p:ext uri="{BB962C8B-B14F-4D97-AF65-F5344CB8AC3E}">
+        <p14:creationId xmlns:p14="http://schemas.microsoft.com/office/powerpoint/2010/main" val="2891529231"/>
+      </p:ext>
+    </p:extLst>
+  </p:cSld>
+  <p:clrMapOvr>
+    <a:masterClrMapping/>
+  </p:clrMapOvr>
+  <mc:AlternateContent xmlns:mc="http://schemas.openxmlformats.org/markup-compatibility/2006">
+    <mc:Choice xmlns:p159="http://schemas.microsoft.com/office/powerpoint/2015/09/main" Requires="p159">
+      <p:transition xmlns:p14="http://schemas.microsoft.com/office/powerpoint/2010/main" spd="slow" p14:dur="2000">
+        <p159:morph option="byObject"/>
+      </p:transition>
+    </mc:Choice>
+    <mc:Fallback>
+      <p:transition spd="slow">
+        <p:fade/>
+      </p:transition>
+    </mc:Fallback>
+  </mc:AlternateContent>
+</p:sld>
+</file>
+
+<file path=ppt/slides/slide19.xml><?xml version="1.0" encoding="utf-8"?>
+<p:sld xmlns:a="http://schemas.openxmlformats.org/drawingml/2006/main" xmlns:r="http://schemas.openxmlformats.org/officeDocument/2006/relationships" xmlns:p="http://schemas.openxmlformats.org/presentationml/2006/main">
+  <p:cSld>
+    <p:spTree>
+      <p:nvGrpSpPr>
+        <p:cNvPr id="1" name=""/>
+        <p:cNvGrpSpPr/>
+        <p:nvPr/>
+      </p:nvGrpSpPr>
+      <p:grpSpPr>
+        <a:xfrm>
+          <a:off x="0" y="0"/>
+          <a:ext cx="0" cy="0"/>
+          <a:chOff x="0" y="0"/>
+          <a:chExt cx="0" cy="0"/>
+        </a:xfrm>
+      </p:grpSpPr>
+      <p:sp>
+        <p:nvSpPr>
+          <p:cNvPr id="4" name="Title 3">
+            <a:extLst>
+              <a:ext uri="{FF2B5EF4-FFF2-40B4-BE49-F238E27FC236}">
+                <a16:creationId xmlns:a16="http://schemas.microsoft.com/office/drawing/2014/main" id="{ACB83B76-EEC6-49EB-82AB-A62075662CBE}"/>
+              </a:ext>
+            </a:extLst>
+          </p:cNvPr>
+          <p:cNvSpPr txBox="1">
+            <a:spLocks/>
+          </p:cNvSpPr>
+          <p:nvPr/>
+        </p:nvSpPr>
+        <p:spPr>
+          <a:xfrm>
+            <a:off x="960000" y="593367"/>
+            <a:ext cx="5753220" cy="763600"/>
+          </a:xfrm>
+          <a:prstGeom prst="rect">
+            <a:avLst/>
+          </a:prstGeom>
+          <a:noFill/>
+          <a:ln>
+            <a:noFill/>
+          </a:ln>
+        </p:spPr>
+        <p:txBody>
+          <a:bodyPr spcFirstLastPara="1" wrap="square" lIns="91425" tIns="91425" rIns="91425" bIns="91425" anchor="t" anchorCtr="0">
+            <a:noAutofit/>
+          </a:bodyPr>
+          <a:lstStyle>
+            <a:defPPr marR="0" lvl="0" algn="l" rtl="0">
+              <a:lnSpc>
+                <a:spcPct val="100000"/>
+              </a:lnSpc>
+              <a:spcBef>
+                <a:spcPts val="0"/>
+              </a:spcBef>
+              <a:spcAft>
+                <a:spcPts val="0"/>
+              </a:spcAft>
+            </a:defPPr>
+            <a:lvl1pPr marR="0" lvl="0" algn="l" rtl="0" eaLnBrk="1" hangingPunct="1">
+              <a:lnSpc>
+                <a:spcPct val="100000"/>
+              </a:lnSpc>
+              <a:spcBef>
+                <a:spcPts val="0"/>
+              </a:spcBef>
+              <a:spcAft>
+                <a:spcPts val="0"/>
+              </a:spcAft>
+              <a:buClr>
+                <a:schemeClr val="dk1"/>
+              </a:buClr>
+              <a:buSzPts val="3000"/>
+              <a:buFont typeface="Oxanium"/>
+              <a:buNone/>
+              <a:defRPr sz="3000" b="1" i="0" u="none" strike="noStrike" cap="none">
+                <a:solidFill>
+                  <a:schemeClr val="dk1"/>
+                </a:solidFill>
+                <a:latin typeface="Oxanium"/>
+                <a:ea typeface="Oxanium"/>
+                <a:cs typeface="Oxanium"/>
+                <a:sym typeface="Oxanium"/>
+              </a:defRPr>
+            </a:lvl1pPr>
+            <a:lvl2pPr marR="0" lvl="1" algn="l" rtl="0" eaLnBrk="1" hangingPunct="1">
+              <a:lnSpc>
+                <a:spcPct val="100000"/>
+              </a:lnSpc>
+              <a:spcBef>
+                <a:spcPts val="0"/>
+              </a:spcBef>
+              <a:spcAft>
+                <a:spcPts val="0"/>
+              </a:spcAft>
+              <a:buClr>
+                <a:schemeClr val="dk1"/>
+              </a:buClr>
+              <a:buSzPts val="3000"/>
+              <a:buFont typeface="Oxanium"/>
+              <a:buNone/>
+              <a:defRPr sz="3000" b="1" i="0" u="none" strike="noStrike" cap="none">
+                <a:solidFill>
+                  <a:schemeClr val="dk1"/>
+                </a:solidFill>
+                <a:latin typeface="Oxanium"/>
+                <a:ea typeface="Oxanium"/>
+                <a:cs typeface="Oxanium"/>
+                <a:sym typeface="Oxanium"/>
+              </a:defRPr>
+            </a:lvl2pPr>
+            <a:lvl3pPr marR="0" lvl="2" algn="l" rtl="0" eaLnBrk="1" hangingPunct="1">
+              <a:lnSpc>
+                <a:spcPct val="100000"/>
+              </a:lnSpc>
+              <a:spcBef>
+                <a:spcPts val="0"/>
+              </a:spcBef>
+              <a:spcAft>
+                <a:spcPts val="0"/>
+              </a:spcAft>
+              <a:buClr>
+                <a:schemeClr val="dk1"/>
+              </a:buClr>
+              <a:buSzPts val="3000"/>
+              <a:buFont typeface="Oxanium"/>
+              <a:buNone/>
+              <a:defRPr sz="3000" b="1" i="0" u="none" strike="noStrike" cap="none">
+                <a:solidFill>
+                  <a:schemeClr val="dk1"/>
+                </a:solidFill>
+                <a:latin typeface="Oxanium"/>
+                <a:ea typeface="Oxanium"/>
+                <a:cs typeface="Oxanium"/>
+                <a:sym typeface="Oxanium"/>
+              </a:defRPr>
+            </a:lvl3pPr>
+            <a:lvl4pPr marR="0" lvl="3" algn="l" rtl="0" eaLnBrk="1" hangingPunct="1">
+              <a:lnSpc>
+                <a:spcPct val="100000"/>
+              </a:lnSpc>
+              <a:spcBef>
+                <a:spcPts val="0"/>
+              </a:spcBef>
+              <a:spcAft>
+                <a:spcPts val="0"/>
+              </a:spcAft>
+              <a:buClr>
+                <a:schemeClr val="dk1"/>
+              </a:buClr>
+              <a:buSzPts val="3000"/>
+              <a:buFont typeface="Oxanium"/>
+              <a:buNone/>
+              <a:defRPr sz="3000" b="1" i="0" u="none" strike="noStrike" cap="none">
+                <a:solidFill>
+                  <a:schemeClr val="dk1"/>
+                </a:solidFill>
+                <a:latin typeface="Oxanium"/>
+                <a:ea typeface="Oxanium"/>
+                <a:cs typeface="Oxanium"/>
+                <a:sym typeface="Oxanium"/>
+              </a:defRPr>
+            </a:lvl4pPr>
+            <a:lvl5pPr marR="0" lvl="4" algn="l" rtl="0" eaLnBrk="1" hangingPunct="1">
+              <a:lnSpc>
+                <a:spcPct val="100000"/>
+              </a:lnSpc>
+              <a:spcBef>
+                <a:spcPts val="0"/>
+              </a:spcBef>
+              <a:spcAft>
+                <a:spcPts val="0"/>
+              </a:spcAft>
+              <a:buClr>
+                <a:schemeClr val="dk1"/>
+              </a:buClr>
+              <a:buSzPts val="3000"/>
+              <a:buFont typeface="Oxanium"/>
+              <a:buNone/>
+              <a:defRPr sz="3000" b="1" i="0" u="none" strike="noStrike" cap="none">
+                <a:solidFill>
+                  <a:schemeClr val="dk1"/>
+                </a:solidFill>
+                <a:latin typeface="Oxanium"/>
+                <a:ea typeface="Oxanium"/>
+                <a:cs typeface="Oxanium"/>
+                <a:sym typeface="Oxanium"/>
+              </a:defRPr>
+            </a:lvl5pPr>
+            <a:lvl6pPr marR="0" lvl="5" algn="l" rtl="0" eaLnBrk="1" hangingPunct="1">
+              <a:lnSpc>
+                <a:spcPct val="100000"/>
+              </a:lnSpc>
+              <a:spcBef>
+                <a:spcPts val="0"/>
+              </a:spcBef>
+              <a:spcAft>
+                <a:spcPts val="0"/>
+              </a:spcAft>
+              <a:buClr>
+                <a:schemeClr val="dk1"/>
+              </a:buClr>
+              <a:buSzPts val="3000"/>
+              <a:buFont typeface="Oxanium"/>
+              <a:buNone/>
+              <a:defRPr sz="3000" b="1" i="0" u="none" strike="noStrike" cap="none">
+                <a:solidFill>
+                  <a:schemeClr val="dk1"/>
+                </a:solidFill>
+                <a:latin typeface="Oxanium"/>
+                <a:ea typeface="Oxanium"/>
+                <a:cs typeface="Oxanium"/>
+                <a:sym typeface="Oxanium"/>
+              </a:defRPr>
+            </a:lvl6pPr>
+            <a:lvl7pPr marR="0" lvl="6" algn="l" rtl="0" eaLnBrk="1" hangingPunct="1">
+              <a:lnSpc>
+                <a:spcPct val="100000"/>
+              </a:lnSpc>
+              <a:spcBef>
+                <a:spcPts val="0"/>
+              </a:spcBef>
+              <a:spcAft>
+                <a:spcPts val="0"/>
+              </a:spcAft>
+              <a:buClr>
+                <a:schemeClr val="dk1"/>
+              </a:buClr>
+              <a:buSzPts val="3000"/>
+              <a:buFont typeface="Oxanium"/>
+              <a:buNone/>
+              <a:defRPr sz="3000" b="1" i="0" u="none" strike="noStrike" cap="none">
+                <a:solidFill>
+                  <a:schemeClr val="dk1"/>
+                </a:solidFill>
+                <a:latin typeface="Oxanium"/>
+                <a:ea typeface="Oxanium"/>
+                <a:cs typeface="Oxanium"/>
+                <a:sym typeface="Oxanium"/>
+              </a:defRPr>
+            </a:lvl7pPr>
+            <a:lvl8pPr marR="0" lvl="7" algn="l" rtl="0" eaLnBrk="1" hangingPunct="1">
+              <a:lnSpc>
+                <a:spcPct val="100000"/>
+              </a:lnSpc>
+              <a:spcBef>
+                <a:spcPts val="0"/>
+              </a:spcBef>
+              <a:spcAft>
+                <a:spcPts val="0"/>
+              </a:spcAft>
+              <a:buClr>
+                <a:schemeClr val="dk1"/>
+              </a:buClr>
+              <a:buSzPts val="3000"/>
+              <a:buFont typeface="Oxanium"/>
+              <a:buNone/>
+              <a:defRPr sz="3000" b="1" i="0" u="none" strike="noStrike" cap="none">
+                <a:solidFill>
+                  <a:schemeClr val="dk1"/>
+                </a:solidFill>
+                <a:latin typeface="Oxanium"/>
+                <a:ea typeface="Oxanium"/>
+                <a:cs typeface="Oxanium"/>
+                <a:sym typeface="Oxanium"/>
+              </a:defRPr>
+            </a:lvl8pPr>
+            <a:lvl9pPr marR="0" lvl="8" algn="l" rtl="0" eaLnBrk="1" hangingPunct="1">
+              <a:lnSpc>
+                <a:spcPct val="100000"/>
+              </a:lnSpc>
+              <a:spcBef>
+                <a:spcPts val="0"/>
+              </a:spcBef>
+              <a:spcAft>
+                <a:spcPts val="0"/>
+              </a:spcAft>
+              <a:buClr>
+                <a:schemeClr val="dk1"/>
+              </a:buClr>
+              <a:buSzPts val="3000"/>
+              <a:buFont typeface="Oxanium"/>
+              <a:buNone/>
+              <a:defRPr sz="3000" b="1" i="0" u="none" strike="noStrike" cap="none">
+                <a:solidFill>
+                  <a:schemeClr val="dk1"/>
+                </a:solidFill>
+                <a:latin typeface="Oxanium"/>
+                <a:ea typeface="Oxanium"/>
+                <a:cs typeface="Oxanium"/>
+                <a:sym typeface="Oxanium"/>
+              </a:defRPr>
+            </a:lvl9pPr>
+          </a:lstStyle>
+          <a:p>
+            <a:r>
+              <a:rPr lang="en-GB" sz="4000" dirty="0">
+                <a:effectLst/>
+              </a:rPr>
+              <a:t>Functions of the Website -</a:t>
+            </a:r>
+          </a:p>
+        </p:txBody>
+      </p:sp>
+      <p:sp>
+        <p:nvSpPr>
+          <p:cNvPr id="6" name="Title 3">
+            <a:extLst>
+              <a:ext uri="{FF2B5EF4-FFF2-40B4-BE49-F238E27FC236}">
+                <a16:creationId xmlns:a16="http://schemas.microsoft.com/office/drawing/2014/main" id="{5F9A6822-1AA9-4E8E-8D80-093D90B41D28}"/>
+              </a:ext>
+            </a:extLst>
+          </p:cNvPr>
+          <p:cNvSpPr txBox="1">
+            <a:spLocks/>
+          </p:cNvSpPr>
+          <p:nvPr/>
+        </p:nvSpPr>
+        <p:spPr>
+          <a:xfrm>
+            <a:off x="6606420" y="603886"/>
+            <a:ext cx="2134380" cy="763600"/>
+          </a:xfrm>
+          <a:prstGeom prst="rect">
+            <a:avLst/>
+          </a:prstGeom>
+          <a:noFill/>
+          <a:ln>
+            <a:noFill/>
+          </a:ln>
+        </p:spPr>
+        <p:txBody>
+          <a:bodyPr spcFirstLastPara="1" wrap="square" lIns="91425" tIns="91425" rIns="91425" bIns="91425" anchor="t" anchorCtr="0">
+            <a:noAutofit/>
+          </a:bodyPr>
+          <a:lstStyle>
+            <a:defPPr marR="0" lvl="0" algn="l" rtl="0">
+              <a:lnSpc>
+                <a:spcPct val="100000"/>
+              </a:lnSpc>
+              <a:spcBef>
+                <a:spcPts val="0"/>
+              </a:spcBef>
+              <a:spcAft>
+                <a:spcPts val="0"/>
+              </a:spcAft>
+            </a:defPPr>
+            <a:lvl1pPr marR="0" lvl="0" algn="l" rtl="0" eaLnBrk="1" hangingPunct="1">
+              <a:lnSpc>
+                <a:spcPct val="100000"/>
+              </a:lnSpc>
+              <a:spcBef>
+                <a:spcPts val="0"/>
+              </a:spcBef>
+              <a:spcAft>
+                <a:spcPts val="0"/>
+              </a:spcAft>
+              <a:buClr>
+                <a:schemeClr val="dk1"/>
+              </a:buClr>
+              <a:buSzPts val="3000"/>
+              <a:buFont typeface="Oxanium"/>
+              <a:buNone/>
+              <a:defRPr sz="3000" b="1" i="0" u="none" strike="noStrike" cap="none">
+                <a:solidFill>
+                  <a:schemeClr val="dk1"/>
+                </a:solidFill>
+                <a:latin typeface="Oxanium"/>
+                <a:ea typeface="Oxanium"/>
+                <a:cs typeface="Oxanium"/>
+                <a:sym typeface="Oxanium"/>
+              </a:defRPr>
+            </a:lvl1pPr>
+            <a:lvl2pPr marR="0" lvl="1" algn="l" rtl="0" eaLnBrk="1" hangingPunct="1">
+              <a:lnSpc>
+                <a:spcPct val="100000"/>
+              </a:lnSpc>
+              <a:spcBef>
+                <a:spcPts val="0"/>
+              </a:spcBef>
+              <a:spcAft>
+                <a:spcPts val="0"/>
+              </a:spcAft>
+              <a:buClr>
+                <a:schemeClr val="dk1"/>
+              </a:buClr>
+              <a:buSzPts val="3000"/>
+              <a:buFont typeface="Oxanium"/>
+              <a:buNone/>
+              <a:defRPr sz="3000" b="1" i="0" u="none" strike="noStrike" cap="none">
+                <a:solidFill>
+                  <a:schemeClr val="dk1"/>
+                </a:solidFill>
+                <a:latin typeface="Oxanium"/>
+                <a:ea typeface="Oxanium"/>
+                <a:cs typeface="Oxanium"/>
+                <a:sym typeface="Oxanium"/>
+              </a:defRPr>
+            </a:lvl2pPr>
+            <a:lvl3pPr marR="0" lvl="2" algn="l" rtl="0" eaLnBrk="1" hangingPunct="1">
+              <a:lnSpc>
+                <a:spcPct val="100000"/>
+              </a:lnSpc>
+              <a:spcBef>
+                <a:spcPts val="0"/>
+              </a:spcBef>
+              <a:spcAft>
+                <a:spcPts val="0"/>
+              </a:spcAft>
+              <a:buClr>
+                <a:schemeClr val="dk1"/>
+              </a:buClr>
+              <a:buSzPts val="3000"/>
+              <a:buFont typeface="Oxanium"/>
+              <a:buNone/>
+              <a:defRPr sz="3000" b="1" i="0" u="none" strike="noStrike" cap="none">
+                <a:solidFill>
+                  <a:schemeClr val="dk1"/>
+                </a:solidFill>
+                <a:latin typeface="Oxanium"/>
+                <a:ea typeface="Oxanium"/>
+                <a:cs typeface="Oxanium"/>
+                <a:sym typeface="Oxanium"/>
+              </a:defRPr>
+            </a:lvl3pPr>
+            <a:lvl4pPr marR="0" lvl="3" algn="l" rtl="0" eaLnBrk="1" hangingPunct="1">
+              <a:lnSpc>
+                <a:spcPct val="100000"/>
+              </a:lnSpc>
+              <a:spcBef>
+                <a:spcPts val="0"/>
+              </a:spcBef>
+              <a:spcAft>
+                <a:spcPts val="0"/>
+              </a:spcAft>
+              <a:buClr>
+                <a:schemeClr val="dk1"/>
+              </a:buClr>
+              <a:buSzPts val="3000"/>
+              <a:buFont typeface="Oxanium"/>
+              <a:buNone/>
+              <a:defRPr sz="3000" b="1" i="0" u="none" strike="noStrike" cap="none">
+                <a:solidFill>
+                  <a:schemeClr val="dk1"/>
+                </a:solidFill>
+                <a:latin typeface="Oxanium"/>
+                <a:ea typeface="Oxanium"/>
+                <a:cs typeface="Oxanium"/>
+                <a:sym typeface="Oxanium"/>
+              </a:defRPr>
+            </a:lvl4pPr>
+            <a:lvl5pPr marR="0" lvl="4" algn="l" rtl="0" eaLnBrk="1" hangingPunct="1">
+              <a:lnSpc>
+                <a:spcPct val="100000"/>
+              </a:lnSpc>
+              <a:spcBef>
+                <a:spcPts val="0"/>
+              </a:spcBef>
+              <a:spcAft>
+                <a:spcPts val="0"/>
+              </a:spcAft>
+              <a:buClr>
+                <a:schemeClr val="dk1"/>
+              </a:buClr>
+              <a:buSzPts val="3000"/>
+              <a:buFont typeface="Oxanium"/>
+              <a:buNone/>
+              <a:defRPr sz="3000" b="1" i="0" u="none" strike="noStrike" cap="none">
+                <a:solidFill>
+                  <a:schemeClr val="dk1"/>
+                </a:solidFill>
+                <a:latin typeface="Oxanium"/>
+                <a:ea typeface="Oxanium"/>
+                <a:cs typeface="Oxanium"/>
+                <a:sym typeface="Oxanium"/>
+              </a:defRPr>
+            </a:lvl5pPr>
+            <a:lvl6pPr marR="0" lvl="5" algn="l" rtl="0" eaLnBrk="1" hangingPunct="1">
+              <a:lnSpc>
+                <a:spcPct val="100000"/>
+              </a:lnSpc>
+              <a:spcBef>
+                <a:spcPts val="0"/>
+              </a:spcBef>
+              <a:spcAft>
+                <a:spcPts val="0"/>
+              </a:spcAft>
+              <a:buClr>
+                <a:schemeClr val="dk1"/>
+              </a:buClr>
+              <a:buSzPts val="3000"/>
+              <a:buFont typeface="Oxanium"/>
+              <a:buNone/>
+              <a:defRPr sz="3000" b="1" i="0" u="none" strike="noStrike" cap="none">
+                <a:solidFill>
+                  <a:schemeClr val="dk1"/>
+                </a:solidFill>
+                <a:latin typeface="Oxanium"/>
+                <a:ea typeface="Oxanium"/>
+                <a:cs typeface="Oxanium"/>
+                <a:sym typeface="Oxanium"/>
+              </a:defRPr>
+            </a:lvl6pPr>
+            <a:lvl7pPr marR="0" lvl="6" algn="l" rtl="0" eaLnBrk="1" hangingPunct="1">
+              <a:lnSpc>
+                <a:spcPct val="100000"/>
+              </a:lnSpc>
+              <a:spcBef>
+                <a:spcPts val="0"/>
+              </a:spcBef>
+              <a:spcAft>
+                <a:spcPts val="0"/>
+              </a:spcAft>
+              <a:buClr>
+                <a:schemeClr val="dk1"/>
+              </a:buClr>
+              <a:buSzPts val="3000"/>
+              <a:buFont typeface="Oxanium"/>
+              <a:buNone/>
+              <a:defRPr sz="3000" b="1" i="0" u="none" strike="noStrike" cap="none">
+                <a:solidFill>
+                  <a:schemeClr val="dk1"/>
+                </a:solidFill>
+                <a:latin typeface="Oxanium"/>
+                <a:ea typeface="Oxanium"/>
+                <a:cs typeface="Oxanium"/>
+                <a:sym typeface="Oxanium"/>
+              </a:defRPr>
+            </a:lvl7pPr>
+            <a:lvl8pPr marR="0" lvl="7" algn="l" rtl="0" eaLnBrk="1" hangingPunct="1">
+              <a:lnSpc>
+                <a:spcPct val="100000"/>
+              </a:lnSpc>
+              <a:spcBef>
+                <a:spcPts val="0"/>
+              </a:spcBef>
+              <a:spcAft>
+                <a:spcPts val="0"/>
+              </a:spcAft>
+              <a:buClr>
+                <a:schemeClr val="dk1"/>
+              </a:buClr>
+              <a:buSzPts val="3000"/>
+              <a:buFont typeface="Oxanium"/>
+              <a:buNone/>
+              <a:defRPr sz="3000" b="1" i="0" u="none" strike="noStrike" cap="none">
+                <a:solidFill>
+                  <a:schemeClr val="dk1"/>
+                </a:solidFill>
+                <a:latin typeface="Oxanium"/>
+                <a:ea typeface="Oxanium"/>
+                <a:cs typeface="Oxanium"/>
+                <a:sym typeface="Oxanium"/>
+              </a:defRPr>
+            </a:lvl8pPr>
+            <a:lvl9pPr marR="0" lvl="8" algn="l" rtl="0" eaLnBrk="1" hangingPunct="1">
+              <a:lnSpc>
+                <a:spcPct val="100000"/>
+              </a:lnSpc>
+              <a:spcBef>
+                <a:spcPts val="0"/>
+              </a:spcBef>
+              <a:spcAft>
+                <a:spcPts val="0"/>
+              </a:spcAft>
+              <a:buClr>
+                <a:schemeClr val="dk1"/>
+              </a:buClr>
+              <a:buSzPts val="3000"/>
+              <a:buFont typeface="Oxanium"/>
+              <a:buNone/>
+              <a:defRPr sz="3000" b="1" i="0" u="none" strike="noStrike" cap="none">
+                <a:solidFill>
+                  <a:schemeClr val="dk1"/>
+                </a:solidFill>
+                <a:latin typeface="Oxanium"/>
+                <a:ea typeface="Oxanium"/>
+                <a:cs typeface="Oxanium"/>
+                <a:sym typeface="Oxanium"/>
+              </a:defRPr>
+            </a:lvl9pPr>
+          </a:lstStyle>
+          <a:p>
+            <a:r>
+              <a:rPr lang="en-GB" sz="4000" dirty="0">
+                <a:effectLst/>
+              </a:rPr>
+              <a:t>Frontend</a:t>
+            </a:r>
+          </a:p>
+        </p:txBody>
+      </p:sp>
+      <p:pic>
+        <p:nvPicPr>
+          <p:cNvPr id="11" name="Kép 9">
+            <a:extLst>
+              <a:ext uri="{FF2B5EF4-FFF2-40B4-BE49-F238E27FC236}">
+                <a16:creationId xmlns:a16="http://schemas.microsoft.com/office/drawing/2014/main" id="{C944FE48-E7C9-415C-85CC-D3133968BFDE}"/>
+              </a:ext>
+            </a:extLst>
+          </p:cNvPr>
+          <p:cNvPicPr>
+            <a:picLocks noChangeAspect="1"/>
+          </p:cNvPicPr>
+          <p:nvPr/>
+        </p:nvPicPr>
+        <p:blipFill>
+          <a:blip r:embed="rId2"/>
+          <a:stretch>
+            <a:fillRect/>
+          </a:stretch>
+        </p:blipFill>
+        <p:spPr>
+          <a:xfrm>
+            <a:off x="5800774" y="2275250"/>
+            <a:ext cx="6226142" cy="3024538"/>
+          </a:xfrm>
+          <a:prstGeom prst="rect">
+            <a:avLst/>
+          </a:prstGeom>
+          <a:ln>
+            <a:noFill/>
+          </a:ln>
+          <a:effectLst>
+            <a:outerShdw blurRad="190500" algn="tl" rotWithShape="0">
+              <a:srgbClr val="000000">
+                <a:alpha val="70000"/>
+              </a:srgbClr>
+            </a:outerShdw>
+          </a:effectLst>
+        </p:spPr>
+      </p:pic>
+      <p:sp>
+        <p:nvSpPr>
+          <p:cNvPr id="5" name="Subtitle 2">
+            <a:extLst>
+              <a:ext uri="{FF2B5EF4-FFF2-40B4-BE49-F238E27FC236}">
+                <a16:creationId xmlns:a16="http://schemas.microsoft.com/office/drawing/2014/main" id="{99B58EB0-A9CB-41AF-9755-775A2FDE622A}"/>
+              </a:ext>
+            </a:extLst>
+          </p:cNvPr>
+          <p:cNvSpPr txBox="1">
+            <a:spLocks/>
+          </p:cNvSpPr>
+          <p:nvPr/>
+        </p:nvSpPr>
+        <p:spPr>
+          <a:xfrm>
+            <a:off x="1202597" y="2556491"/>
+            <a:ext cx="3705306" cy="2743297"/>
+          </a:xfrm>
+          <a:prstGeom prst="rect">
+            <a:avLst/>
+          </a:prstGeom>
+          <a:noFill/>
+          <a:ln>
+            <a:noFill/>
+          </a:ln>
+        </p:spPr>
+        <p:txBody>
+          <a:bodyPr spcFirstLastPara="1" wrap="square" lIns="91425" tIns="91425" rIns="91425" bIns="91425" anchor="t" anchorCtr="0">
+            <a:noAutofit/>
+          </a:bodyPr>
+          <a:lstStyle>
+            <a:defPPr marR="0" lvl="0" algn="l" rtl="0">
+              <a:lnSpc>
+                <a:spcPct val="100000"/>
+              </a:lnSpc>
+              <a:spcBef>
+                <a:spcPts val="0"/>
+              </a:spcBef>
+              <a:spcAft>
+                <a:spcPts val="0"/>
+              </a:spcAft>
+            </a:defPPr>
+            <a:lvl1pPr marL="9525" indent="-9525" eaLnBrk="1" hangingPunct="1">
+              <a:buClr>
+                <a:schemeClr val="dk1"/>
+              </a:buClr>
+              <a:buSzPts val="1200"/>
+              <a:buFont typeface="Hind"/>
+              <a:buNone/>
+              <a:defRPr sz="2100">
+                <a:solidFill>
+                  <a:schemeClr val="dk1"/>
+                </a:solidFill>
+                <a:latin typeface="Oxanium"/>
+                <a:ea typeface="Hind"/>
+                <a:cs typeface="Hind"/>
+                <a:sym typeface="Hind"/>
+              </a:defRPr>
+            </a:lvl1pPr>
+            <a:lvl2pPr marL="914400" indent="-304800" algn="ctr" eaLnBrk="1" hangingPunct="1">
+              <a:buClr>
+                <a:schemeClr val="dk1"/>
+              </a:buClr>
+              <a:buSzPts val="1800"/>
+              <a:buFont typeface="Hind"/>
+              <a:buNone/>
+              <a:defRPr sz="2400">
+                <a:solidFill>
+                  <a:schemeClr val="dk1"/>
+                </a:solidFill>
+                <a:latin typeface="Hind"/>
+                <a:ea typeface="Hind"/>
+                <a:cs typeface="Hind"/>
+                <a:sym typeface="Hind"/>
+              </a:defRPr>
+            </a:lvl2pPr>
+            <a:lvl3pPr marL="1371600" indent="-304800" algn="ctr" eaLnBrk="1" hangingPunct="1">
+              <a:buClr>
+                <a:schemeClr val="dk1"/>
+              </a:buClr>
+              <a:buSzPts val="1800"/>
+              <a:buFont typeface="Hind"/>
+              <a:buNone/>
+              <a:defRPr sz="2400">
+                <a:solidFill>
+                  <a:schemeClr val="dk1"/>
+                </a:solidFill>
+                <a:latin typeface="Hind"/>
+                <a:ea typeface="Hind"/>
+                <a:cs typeface="Hind"/>
+                <a:sym typeface="Hind"/>
+              </a:defRPr>
+            </a:lvl3pPr>
+            <a:lvl4pPr marL="1828800" indent="-304800" algn="ctr" eaLnBrk="1" hangingPunct="1">
+              <a:buClr>
+                <a:schemeClr val="dk1"/>
+              </a:buClr>
+              <a:buSzPts val="1800"/>
+              <a:buFont typeface="Hind"/>
+              <a:buNone/>
+              <a:defRPr sz="2400">
+                <a:solidFill>
+                  <a:schemeClr val="dk1"/>
+                </a:solidFill>
+                <a:latin typeface="Hind"/>
+                <a:ea typeface="Hind"/>
+                <a:cs typeface="Hind"/>
+                <a:sym typeface="Hind"/>
+              </a:defRPr>
+            </a:lvl4pPr>
+            <a:lvl5pPr marL="2286000" indent="-304800" algn="ctr" eaLnBrk="1" hangingPunct="1">
+              <a:buClr>
+                <a:schemeClr val="dk1"/>
+              </a:buClr>
+              <a:buSzPts val="1800"/>
+              <a:buFont typeface="Hind"/>
+              <a:buNone/>
+              <a:defRPr sz="2400">
+                <a:solidFill>
+                  <a:schemeClr val="dk1"/>
+                </a:solidFill>
+                <a:latin typeface="Hind"/>
+                <a:ea typeface="Hind"/>
+                <a:cs typeface="Hind"/>
+                <a:sym typeface="Hind"/>
+              </a:defRPr>
+            </a:lvl5pPr>
+            <a:lvl6pPr marL="2743200" indent="-304800" algn="ctr" eaLnBrk="1" hangingPunct="1">
+              <a:buClr>
+                <a:schemeClr val="dk1"/>
+              </a:buClr>
+              <a:buSzPts val="1800"/>
+              <a:buFont typeface="Hind"/>
+              <a:buNone/>
+              <a:defRPr sz="2400">
+                <a:solidFill>
+                  <a:schemeClr val="dk1"/>
+                </a:solidFill>
+                <a:latin typeface="Hind"/>
+                <a:ea typeface="Hind"/>
+                <a:cs typeface="Hind"/>
+                <a:sym typeface="Hind"/>
+              </a:defRPr>
+            </a:lvl6pPr>
+            <a:lvl7pPr marL="3200400" indent="-304800" algn="ctr" eaLnBrk="1" hangingPunct="1">
+              <a:buClr>
+                <a:schemeClr val="dk1"/>
+              </a:buClr>
+              <a:buSzPts val="1800"/>
+              <a:buFont typeface="Hind"/>
+              <a:buNone/>
+              <a:defRPr sz="2400">
+                <a:solidFill>
+                  <a:schemeClr val="dk1"/>
+                </a:solidFill>
+                <a:latin typeface="Hind"/>
+                <a:ea typeface="Hind"/>
+                <a:cs typeface="Hind"/>
+                <a:sym typeface="Hind"/>
+              </a:defRPr>
+            </a:lvl7pPr>
+            <a:lvl8pPr marL="3657600" indent="-304800" algn="ctr" eaLnBrk="1" hangingPunct="1">
+              <a:buClr>
+                <a:schemeClr val="dk1"/>
+              </a:buClr>
+              <a:buSzPts val="1800"/>
+              <a:buFont typeface="Hind"/>
+              <a:buNone/>
+              <a:defRPr sz="2400">
+                <a:solidFill>
+                  <a:schemeClr val="dk1"/>
+                </a:solidFill>
+                <a:latin typeface="Hind"/>
+                <a:ea typeface="Hind"/>
+                <a:cs typeface="Hind"/>
+                <a:sym typeface="Hind"/>
+              </a:defRPr>
+            </a:lvl8pPr>
+            <a:lvl9pPr marL="4114800" indent="-304800" algn="ctr" eaLnBrk="1" hangingPunct="1">
+              <a:buClr>
+                <a:schemeClr val="dk1"/>
+              </a:buClr>
+              <a:buSzPts val="1800"/>
+              <a:buFont typeface="Hind"/>
+              <a:buNone/>
+              <a:defRPr sz="2400">
+                <a:solidFill>
+                  <a:schemeClr val="dk1"/>
+                </a:solidFill>
+                <a:latin typeface="Hind"/>
+                <a:ea typeface="Hind"/>
+                <a:cs typeface="Hind"/>
+                <a:sym typeface="Hind"/>
+              </a:defRPr>
+            </a:lvl9pPr>
+          </a:lstStyle>
+          <a:p>
+            <a:pPr marL="342900" indent="-342900">
+              <a:buFont typeface="Arial" panose="020B0604020202020204" pitchFamily="34" charset="0"/>
+              <a:buChar char="•"/>
+            </a:pPr>
+            <a:r>
+              <a:rPr lang="en-GB" sz="2100" dirty="0">
+                <a:latin typeface="Oxanium"/>
+              </a:rPr>
+              <a:t>Live search</a:t>
+            </a:r>
+          </a:p>
+          <a:p>
+            <a:pPr marL="342900" indent="-342900">
+              <a:buFont typeface="Arial" panose="020B0604020202020204" pitchFamily="34" charset="0"/>
+              <a:buChar char="•"/>
+            </a:pPr>
+            <a:r>
+              <a:rPr lang="en-GB" dirty="0"/>
+              <a:t>Filter books</a:t>
+            </a:r>
+          </a:p>
+          <a:p>
+            <a:pPr marL="719138" lvl="1" indent="-342900" algn="l">
+              <a:buFont typeface="Arial" panose="020B0604020202020204" pitchFamily="34" charset="0"/>
+              <a:buChar char="•"/>
+            </a:pPr>
+            <a:r>
+              <a:rPr lang="en-GB" sz="2100" dirty="0">
+                <a:latin typeface="Oxanium"/>
+              </a:rPr>
+              <a:t>Author</a:t>
+            </a:r>
+          </a:p>
+          <a:p>
+            <a:pPr marL="719138" lvl="1" indent="-342900" algn="l">
+              <a:buFont typeface="Arial" panose="020B0604020202020204" pitchFamily="34" charset="0"/>
+              <a:buChar char="•"/>
+            </a:pPr>
+            <a:r>
+              <a:rPr lang="en-GB" sz="2100" dirty="0">
+                <a:latin typeface="Oxanium"/>
+              </a:rPr>
+              <a:t>Publisher</a:t>
+            </a:r>
+          </a:p>
+          <a:p>
+            <a:pPr marL="719138" lvl="1" indent="-342900" algn="l">
+              <a:buFont typeface="Arial" panose="020B0604020202020204" pitchFamily="34" charset="0"/>
+              <a:buChar char="•"/>
+            </a:pPr>
+            <a:r>
+              <a:rPr lang="en-GB" sz="2100" dirty="0">
+                <a:latin typeface="Oxanium"/>
+              </a:rPr>
+              <a:t>Publication year</a:t>
+            </a:r>
+          </a:p>
+          <a:p>
+            <a:pPr marL="719138" lvl="1" indent="-342900" algn="l">
+              <a:buFont typeface="Arial" panose="020B0604020202020204" pitchFamily="34" charset="0"/>
+              <a:buChar char="•"/>
+            </a:pPr>
+            <a:r>
+              <a:rPr lang="en-GB" sz="2100" dirty="0">
+                <a:latin typeface="Oxanium"/>
+              </a:rPr>
+              <a:t>Category</a:t>
+            </a:r>
+          </a:p>
+          <a:p>
+            <a:pPr marL="354013" indent="-349250">
+              <a:buFont typeface="Arial" panose="020B0604020202020204" pitchFamily="34" charset="0"/>
+              <a:buChar char="•"/>
+            </a:pPr>
+            <a:r>
+              <a:rPr lang="en-GB" dirty="0"/>
+              <a:t>Reserve books if logged in</a:t>
+            </a:r>
+          </a:p>
+        </p:txBody>
+      </p:sp>
+    </p:spTree>
+    <p:extLst>
+      <p:ext uri="{BB962C8B-B14F-4D97-AF65-F5344CB8AC3E}">
+        <p14:creationId xmlns:p14="http://schemas.microsoft.com/office/powerpoint/2010/main" val="1970982156"/>
+      </p:ext>
+    </p:extLst>
+  </p:cSld>
+  <p:clrMapOvr>
+    <a:masterClrMapping/>
+  </p:clrMapOvr>
+  <mc:AlternateContent xmlns:mc="http://schemas.openxmlformats.org/markup-compatibility/2006">
+    <mc:Choice xmlns:p159="http://schemas.microsoft.com/office/powerpoint/2015/09/main" Requires="p159">
+      <p:transition xmlns:p14="http://schemas.microsoft.com/office/powerpoint/2010/main" spd="slow" p14:dur="2000">
+        <p159:morph option="byObject"/>
+      </p:transition>
+    </mc:Choice>
+    <mc:Fallback>
+      <p:transition spd="slow">
+        <p:fade/>
+      </p:transition>
+    </mc:Fallback>
+  </mc:AlternateContent>
+</p:sld>
+</file>
+
+<file path=ppt/slides/slide2.xml><?xml version="1.0" encoding="utf-8"?>
+<p:sld xmlns:a="http://schemas.openxmlformats.org/drawingml/2006/main" xmlns:r="http://schemas.openxmlformats.org/officeDocument/2006/relationships" xmlns:p="http://schemas.openxmlformats.org/presentationml/2006/main">
+  <p:cSld>
+    <p:spTree>
+      <p:nvGrpSpPr>
+        <p:cNvPr id="1" name=""/>
+        <p:cNvGrpSpPr/>
+        <p:nvPr/>
+      </p:nvGrpSpPr>
+      <p:grpSpPr>
+        <a:xfrm>
+          <a:off x="0" y="0"/>
+          <a:ext cx="0" cy="0"/>
+          <a:chOff x="0" y="0"/>
+          <a:chExt cx="0" cy="0"/>
+        </a:xfrm>
+      </p:grpSpPr>
+      <p:sp>
+        <p:nvSpPr>
+          <p:cNvPr id="9" name="Title 3">
+            <a:extLst>
+              <a:ext uri="{FF2B5EF4-FFF2-40B4-BE49-F238E27FC236}">
+                <a16:creationId xmlns:a16="http://schemas.microsoft.com/office/drawing/2014/main" id="{1C8BAD0D-43DE-4316-957D-7E1B4FC0D0AA}"/>
+              </a:ext>
+            </a:extLst>
+          </p:cNvPr>
+          <p:cNvSpPr>
+            <a:spLocks noGrp="1"/>
+          </p:cNvSpPr>
+          <p:nvPr>
+            <p:ph type="title"/>
+          </p:nvPr>
+        </p:nvSpPr>
+        <p:spPr>
+          <a:xfrm>
+            <a:off x="4131189" y="2980785"/>
+            <a:ext cx="3929622" cy="896430"/>
+          </a:xfrm>
+        </p:spPr>
+        <p:txBody>
+          <a:bodyPr/>
+          <a:lstStyle/>
+          <a:p>
+            <a:r>
+              <a:rPr lang="en-GB" sz="5400" dirty="0"/>
+              <a:t>The problem</a:t>
+            </a:r>
+          </a:p>
+        </p:txBody>
+      </p:sp>
+      <p:sp>
+        <p:nvSpPr>
+          <p:cNvPr id="16" name="Title 3">
+            <a:extLst>
+              <a:ext uri="{FF2B5EF4-FFF2-40B4-BE49-F238E27FC236}">
+                <a16:creationId xmlns:a16="http://schemas.microsoft.com/office/drawing/2014/main" id="{7C5DCB7D-F93F-4AD0-8CE4-17A8B1CA7F30}"/>
+              </a:ext>
+            </a:extLst>
+          </p:cNvPr>
+          <p:cNvSpPr txBox="1">
+            <a:spLocks/>
+          </p:cNvSpPr>
+          <p:nvPr/>
+        </p:nvSpPr>
+        <p:spPr>
+          <a:xfrm>
+            <a:off x="12810834" y="2007704"/>
+            <a:ext cx="3065348" cy="580553"/>
+          </a:xfrm>
+          <a:prstGeom prst="rect">
+            <a:avLst/>
+          </a:prstGeom>
+          <a:noFill/>
+          <a:ln>
+            <a:noFill/>
+          </a:ln>
+        </p:spPr>
+        <p:txBody>
+          <a:bodyPr spcFirstLastPara="1" wrap="square" lIns="91425" tIns="91425" rIns="91425" bIns="91425" anchor="b" anchorCtr="0">
+            <a:noAutofit/>
+          </a:bodyPr>
+          <a:lstStyle>
+            <a:defPPr marR="0" lvl="0" algn="l" rtl="0">
+              <a:lnSpc>
+                <a:spcPct val="100000"/>
+              </a:lnSpc>
+              <a:spcBef>
+                <a:spcPts val="0"/>
+              </a:spcBef>
+              <a:spcAft>
+                <a:spcPts val="0"/>
+              </a:spcAft>
+            </a:defPPr>
+            <a:lvl1pPr marR="0" lvl="0" algn="l" rtl="0" eaLnBrk="1" hangingPunct="1">
+              <a:lnSpc>
+                <a:spcPct val="100000"/>
+              </a:lnSpc>
+              <a:spcBef>
+                <a:spcPts val="0"/>
+              </a:spcBef>
+              <a:spcAft>
+                <a:spcPts val="0"/>
+              </a:spcAft>
+              <a:buClr>
+                <a:schemeClr val="dk1"/>
+              </a:buClr>
+              <a:buSzPts val="3000"/>
+              <a:buFont typeface="Oxanium"/>
+              <a:buNone/>
+              <a:defRPr sz="3000" b="1" i="0" u="none" strike="noStrike" cap="none">
+                <a:solidFill>
+                  <a:schemeClr val="dk1"/>
+                </a:solidFill>
+                <a:latin typeface="Oxanium"/>
+                <a:ea typeface="Oxanium"/>
+                <a:cs typeface="Oxanium"/>
+                <a:sym typeface="Oxanium"/>
+              </a:defRPr>
+            </a:lvl1pPr>
+            <a:lvl2pPr marR="0" lvl="1" algn="l" rtl="0" eaLnBrk="1" hangingPunct="1">
+              <a:lnSpc>
+                <a:spcPct val="100000"/>
+              </a:lnSpc>
+              <a:spcBef>
+                <a:spcPts val="0"/>
+              </a:spcBef>
+              <a:spcAft>
+                <a:spcPts val="0"/>
+              </a:spcAft>
+              <a:buClr>
+                <a:schemeClr val="dk1"/>
+              </a:buClr>
+              <a:buSzPts val="3000"/>
+              <a:buFont typeface="Oxanium"/>
+              <a:buNone/>
+              <a:defRPr sz="3000" b="1" i="0" u="none" strike="noStrike" cap="none">
+                <a:solidFill>
+                  <a:schemeClr val="dk1"/>
+                </a:solidFill>
+                <a:latin typeface="Oxanium"/>
+                <a:ea typeface="Oxanium"/>
+                <a:cs typeface="Oxanium"/>
+                <a:sym typeface="Oxanium"/>
+              </a:defRPr>
+            </a:lvl2pPr>
+            <a:lvl3pPr marR="0" lvl="2" algn="l" rtl="0" eaLnBrk="1" hangingPunct="1">
+              <a:lnSpc>
+                <a:spcPct val="100000"/>
+              </a:lnSpc>
+              <a:spcBef>
+                <a:spcPts val="0"/>
+              </a:spcBef>
+              <a:spcAft>
+                <a:spcPts val="0"/>
+              </a:spcAft>
+              <a:buClr>
+                <a:schemeClr val="dk1"/>
+              </a:buClr>
+              <a:buSzPts val="3000"/>
+              <a:buFont typeface="Oxanium"/>
+              <a:buNone/>
+              <a:defRPr sz="3000" b="1" i="0" u="none" strike="noStrike" cap="none">
+                <a:solidFill>
+                  <a:schemeClr val="dk1"/>
+                </a:solidFill>
+                <a:latin typeface="Oxanium"/>
+                <a:ea typeface="Oxanium"/>
+                <a:cs typeface="Oxanium"/>
+                <a:sym typeface="Oxanium"/>
+              </a:defRPr>
+            </a:lvl3pPr>
+            <a:lvl4pPr marR="0" lvl="3" algn="l" rtl="0" eaLnBrk="1" hangingPunct="1">
+              <a:lnSpc>
+                <a:spcPct val="100000"/>
+              </a:lnSpc>
+              <a:spcBef>
+                <a:spcPts val="0"/>
+              </a:spcBef>
+              <a:spcAft>
+                <a:spcPts val="0"/>
+              </a:spcAft>
+              <a:buClr>
+                <a:schemeClr val="dk1"/>
+              </a:buClr>
+              <a:buSzPts val="3000"/>
+              <a:buFont typeface="Oxanium"/>
+              <a:buNone/>
+              <a:defRPr sz="3000" b="1" i="0" u="none" strike="noStrike" cap="none">
+                <a:solidFill>
+                  <a:schemeClr val="dk1"/>
+                </a:solidFill>
+                <a:latin typeface="Oxanium"/>
+                <a:ea typeface="Oxanium"/>
+                <a:cs typeface="Oxanium"/>
+                <a:sym typeface="Oxanium"/>
+              </a:defRPr>
+            </a:lvl4pPr>
+            <a:lvl5pPr marR="0" lvl="4" algn="l" rtl="0" eaLnBrk="1" hangingPunct="1">
+              <a:lnSpc>
+                <a:spcPct val="100000"/>
+              </a:lnSpc>
+              <a:spcBef>
+                <a:spcPts val="0"/>
+              </a:spcBef>
+              <a:spcAft>
+                <a:spcPts val="0"/>
+              </a:spcAft>
+              <a:buClr>
+                <a:schemeClr val="dk1"/>
+              </a:buClr>
+              <a:buSzPts val="3000"/>
+              <a:buFont typeface="Oxanium"/>
+              <a:buNone/>
+              <a:defRPr sz="3000" b="1" i="0" u="none" strike="noStrike" cap="none">
+                <a:solidFill>
+                  <a:schemeClr val="dk1"/>
+                </a:solidFill>
+                <a:latin typeface="Oxanium"/>
+                <a:ea typeface="Oxanium"/>
+                <a:cs typeface="Oxanium"/>
+                <a:sym typeface="Oxanium"/>
+              </a:defRPr>
+            </a:lvl5pPr>
+            <a:lvl6pPr marR="0" lvl="5" algn="l" rtl="0" eaLnBrk="1" hangingPunct="1">
+              <a:lnSpc>
+                <a:spcPct val="100000"/>
+              </a:lnSpc>
+              <a:spcBef>
+                <a:spcPts val="0"/>
+              </a:spcBef>
+              <a:spcAft>
+                <a:spcPts val="0"/>
+              </a:spcAft>
+              <a:buClr>
+                <a:schemeClr val="dk1"/>
+              </a:buClr>
+              <a:buSzPts val="3000"/>
+              <a:buFont typeface="Oxanium"/>
+              <a:buNone/>
+              <a:defRPr sz="3000" b="1" i="0" u="none" strike="noStrike" cap="none">
+                <a:solidFill>
+                  <a:schemeClr val="dk1"/>
+                </a:solidFill>
+                <a:latin typeface="Oxanium"/>
+                <a:ea typeface="Oxanium"/>
+                <a:cs typeface="Oxanium"/>
+                <a:sym typeface="Oxanium"/>
+              </a:defRPr>
+            </a:lvl6pPr>
+            <a:lvl7pPr marR="0" lvl="6" algn="l" rtl="0" eaLnBrk="1" hangingPunct="1">
+              <a:lnSpc>
+                <a:spcPct val="100000"/>
+              </a:lnSpc>
+              <a:spcBef>
+                <a:spcPts val="0"/>
+              </a:spcBef>
+              <a:spcAft>
+                <a:spcPts val="0"/>
+              </a:spcAft>
+              <a:buClr>
+                <a:schemeClr val="dk1"/>
+              </a:buClr>
+              <a:buSzPts val="3000"/>
+              <a:buFont typeface="Oxanium"/>
+              <a:buNone/>
+              <a:defRPr sz="3000" b="1" i="0" u="none" strike="noStrike" cap="none">
+                <a:solidFill>
+                  <a:schemeClr val="dk1"/>
+                </a:solidFill>
+                <a:latin typeface="Oxanium"/>
+                <a:ea typeface="Oxanium"/>
+                <a:cs typeface="Oxanium"/>
+                <a:sym typeface="Oxanium"/>
+              </a:defRPr>
+            </a:lvl7pPr>
+            <a:lvl8pPr marR="0" lvl="7" algn="l" rtl="0" eaLnBrk="1" hangingPunct="1">
+              <a:lnSpc>
+                <a:spcPct val="100000"/>
+              </a:lnSpc>
+              <a:spcBef>
+                <a:spcPts val="0"/>
+              </a:spcBef>
+              <a:spcAft>
+                <a:spcPts val="0"/>
+              </a:spcAft>
+              <a:buClr>
+                <a:schemeClr val="dk1"/>
+              </a:buClr>
+              <a:buSzPts val="3000"/>
+              <a:buFont typeface="Oxanium"/>
+              <a:buNone/>
+              <a:defRPr sz="3000" b="1" i="0" u="none" strike="noStrike" cap="none">
+                <a:solidFill>
+                  <a:schemeClr val="dk1"/>
+                </a:solidFill>
+                <a:latin typeface="Oxanium"/>
+                <a:ea typeface="Oxanium"/>
+                <a:cs typeface="Oxanium"/>
+                <a:sym typeface="Oxanium"/>
+              </a:defRPr>
+            </a:lvl8pPr>
+            <a:lvl9pPr marR="0" lvl="8" algn="l" rtl="0" eaLnBrk="1" hangingPunct="1">
+              <a:lnSpc>
+                <a:spcPct val="100000"/>
+              </a:lnSpc>
+              <a:spcBef>
+                <a:spcPts val="0"/>
+              </a:spcBef>
+              <a:spcAft>
+                <a:spcPts val="0"/>
+              </a:spcAft>
+              <a:buClr>
+                <a:schemeClr val="dk1"/>
+              </a:buClr>
+              <a:buSzPts val="3000"/>
+              <a:buFont typeface="Oxanium"/>
+              <a:buNone/>
+              <a:defRPr sz="3000" b="1" i="0" u="none" strike="noStrike" cap="none">
+                <a:solidFill>
+                  <a:schemeClr val="dk1"/>
+                </a:solidFill>
+                <a:latin typeface="Oxanium"/>
+                <a:ea typeface="Oxanium"/>
+                <a:cs typeface="Oxanium"/>
+                <a:sym typeface="Oxanium"/>
+              </a:defRPr>
+            </a:lvl9pPr>
+          </a:lstStyle>
+          <a:p>
+            <a:r>
+              <a:rPr lang="en-GB" sz="4000" dirty="0"/>
+              <a:t>The solution</a:t>
+            </a:r>
+          </a:p>
+        </p:txBody>
+      </p:sp>
+      <p:sp>
+        <p:nvSpPr>
+          <p:cNvPr id="17" name="Subtitle 2">
+            <a:extLst>
+              <a:ext uri="{FF2B5EF4-FFF2-40B4-BE49-F238E27FC236}">
+                <a16:creationId xmlns:a16="http://schemas.microsoft.com/office/drawing/2014/main" id="{EDB4A5A8-ECFE-4865-BA36-945355C6E767}"/>
+              </a:ext>
+            </a:extLst>
+          </p:cNvPr>
+          <p:cNvSpPr txBox="1">
+            <a:spLocks/>
+          </p:cNvSpPr>
+          <p:nvPr/>
+        </p:nvSpPr>
+        <p:spPr>
+          <a:xfrm>
+            <a:off x="12373512" y="2813865"/>
+            <a:ext cx="3939993" cy="2066249"/>
+          </a:xfrm>
+          <a:prstGeom prst="rect">
+            <a:avLst/>
+          </a:prstGeom>
+          <a:noFill/>
+          <a:ln>
+            <a:noFill/>
+          </a:ln>
+        </p:spPr>
+        <p:txBody>
+          <a:bodyPr spcFirstLastPara="1" wrap="square" lIns="91425" tIns="91425" rIns="91425" bIns="91425" anchor="t" anchorCtr="0">
+            <a:noAutofit/>
+          </a:bodyPr>
+          <a:lstStyle>
+            <a:defPPr marR="0" lvl="0" algn="l" rtl="0">
+              <a:lnSpc>
+                <a:spcPct val="100000"/>
+              </a:lnSpc>
+              <a:spcBef>
+                <a:spcPts val="0"/>
+              </a:spcBef>
+              <a:spcAft>
+                <a:spcPts val="0"/>
+              </a:spcAft>
+            </a:defPPr>
+            <a:lvl1pPr marL="9525" indent="-9525" eaLnBrk="1" hangingPunct="1">
+              <a:buClr>
+                <a:schemeClr val="dk1"/>
+              </a:buClr>
+              <a:buSzPts val="1200"/>
+              <a:buFont typeface="Hind"/>
+              <a:buNone/>
+              <a:defRPr sz="2100">
+                <a:solidFill>
+                  <a:schemeClr val="dk1"/>
+                </a:solidFill>
+                <a:latin typeface="Oxanium"/>
+                <a:ea typeface="Hind"/>
+                <a:cs typeface="Hind"/>
+                <a:sym typeface="Hind"/>
+              </a:defRPr>
+            </a:lvl1pPr>
+            <a:lvl2pPr marL="914400" indent="-304800" algn="ctr" eaLnBrk="1" hangingPunct="1">
+              <a:buClr>
+                <a:schemeClr val="dk1"/>
+              </a:buClr>
+              <a:buSzPts val="1800"/>
+              <a:buFont typeface="Hind"/>
+              <a:buNone/>
+              <a:defRPr sz="2400">
+                <a:solidFill>
+                  <a:schemeClr val="dk1"/>
+                </a:solidFill>
+                <a:latin typeface="Hind"/>
+                <a:ea typeface="Hind"/>
+                <a:cs typeface="Hind"/>
+                <a:sym typeface="Hind"/>
+              </a:defRPr>
+            </a:lvl2pPr>
+            <a:lvl3pPr marL="1371600" indent="-304800" algn="ctr" eaLnBrk="1" hangingPunct="1">
+              <a:buClr>
+                <a:schemeClr val="dk1"/>
+              </a:buClr>
+              <a:buSzPts val="1800"/>
+              <a:buFont typeface="Hind"/>
+              <a:buNone/>
+              <a:defRPr sz="2400">
+                <a:solidFill>
+                  <a:schemeClr val="dk1"/>
+                </a:solidFill>
+                <a:latin typeface="Hind"/>
+                <a:ea typeface="Hind"/>
+                <a:cs typeface="Hind"/>
+                <a:sym typeface="Hind"/>
+              </a:defRPr>
+            </a:lvl3pPr>
+            <a:lvl4pPr marL="1828800" indent="-304800" algn="ctr" eaLnBrk="1" hangingPunct="1">
+              <a:buClr>
+                <a:schemeClr val="dk1"/>
+              </a:buClr>
+              <a:buSzPts val="1800"/>
+              <a:buFont typeface="Hind"/>
+              <a:buNone/>
+              <a:defRPr sz="2400">
+                <a:solidFill>
+                  <a:schemeClr val="dk1"/>
+                </a:solidFill>
+                <a:latin typeface="Hind"/>
+                <a:ea typeface="Hind"/>
+                <a:cs typeface="Hind"/>
+                <a:sym typeface="Hind"/>
+              </a:defRPr>
+            </a:lvl4pPr>
+            <a:lvl5pPr marL="2286000" indent="-304800" algn="ctr" eaLnBrk="1" hangingPunct="1">
+              <a:buClr>
+                <a:schemeClr val="dk1"/>
+              </a:buClr>
+              <a:buSzPts val="1800"/>
+              <a:buFont typeface="Hind"/>
+              <a:buNone/>
+              <a:defRPr sz="2400">
+                <a:solidFill>
+                  <a:schemeClr val="dk1"/>
+                </a:solidFill>
+                <a:latin typeface="Hind"/>
+                <a:ea typeface="Hind"/>
+                <a:cs typeface="Hind"/>
+                <a:sym typeface="Hind"/>
+              </a:defRPr>
+            </a:lvl5pPr>
+            <a:lvl6pPr marL="2743200" indent="-304800" algn="ctr" eaLnBrk="1" hangingPunct="1">
+              <a:buClr>
+                <a:schemeClr val="dk1"/>
+              </a:buClr>
+              <a:buSzPts val="1800"/>
+              <a:buFont typeface="Hind"/>
+              <a:buNone/>
+              <a:defRPr sz="2400">
+                <a:solidFill>
+                  <a:schemeClr val="dk1"/>
+                </a:solidFill>
+                <a:latin typeface="Hind"/>
+                <a:ea typeface="Hind"/>
+                <a:cs typeface="Hind"/>
+                <a:sym typeface="Hind"/>
+              </a:defRPr>
+            </a:lvl6pPr>
+            <a:lvl7pPr marL="3200400" indent="-304800" algn="ctr" eaLnBrk="1" hangingPunct="1">
+              <a:buClr>
+                <a:schemeClr val="dk1"/>
+              </a:buClr>
+              <a:buSzPts val="1800"/>
+              <a:buFont typeface="Hind"/>
+              <a:buNone/>
+              <a:defRPr sz="2400">
+                <a:solidFill>
+                  <a:schemeClr val="dk1"/>
+                </a:solidFill>
+                <a:latin typeface="Hind"/>
+                <a:ea typeface="Hind"/>
+                <a:cs typeface="Hind"/>
+                <a:sym typeface="Hind"/>
+              </a:defRPr>
+            </a:lvl7pPr>
+            <a:lvl8pPr marL="3657600" indent="-304800" algn="ctr" eaLnBrk="1" hangingPunct="1">
+              <a:buClr>
+                <a:schemeClr val="dk1"/>
+              </a:buClr>
+              <a:buSzPts val="1800"/>
+              <a:buFont typeface="Hind"/>
+              <a:buNone/>
+              <a:defRPr sz="2400">
+                <a:solidFill>
+                  <a:schemeClr val="dk1"/>
+                </a:solidFill>
+                <a:latin typeface="Hind"/>
+                <a:ea typeface="Hind"/>
+                <a:cs typeface="Hind"/>
+                <a:sym typeface="Hind"/>
+              </a:defRPr>
+            </a:lvl8pPr>
+            <a:lvl9pPr marL="4114800" indent="-304800" algn="ctr" eaLnBrk="1" hangingPunct="1">
+              <a:buClr>
+                <a:schemeClr val="dk1"/>
+              </a:buClr>
+              <a:buSzPts val="1800"/>
+              <a:buFont typeface="Hind"/>
+              <a:buNone/>
+              <a:defRPr sz="2400">
+                <a:solidFill>
+                  <a:schemeClr val="dk1"/>
+                </a:solidFill>
+                <a:latin typeface="Hind"/>
+                <a:ea typeface="Hind"/>
+                <a:cs typeface="Hind"/>
+                <a:sym typeface="Hind"/>
+              </a:defRPr>
+            </a:lvl9pPr>
+          </a:lstStyle>
+          <a:p>
+            <a:pPr marL="342900" indent="-342900">
+              <a:buFont typeface="Arial" panose="020B0604020202020204" pitchFamily="34" charset="0"/>
+              <a:buChar char="•"/>
+            </a:pPr>
+            <a:r>
+              <a:rPr lang="en-GB" sz="2400" dirty="0"/>
+              <a:t>We decided to create our own program to replace the obsolete software with managing books, users and all the borrowings.</a:t>
+            </a:r>
+          </a:p>
+        </p:txBody>
+      </p:sp>
+    </p:spTree>
+    <p:extLst>
+      <p:ext uri="{BB962C8B-B14F-4D97-AF65-F5344CB8AC3E}">
+        <p14:creationId xmlns:p14="http://schemas.microsoft.com/office/powerpoint/2010/main" val="4108073779"/>
+      </p:ext>
+    </p:extLst>
+  </p:cSld>
+  <p:clrMapOvr>
+    <a:masterClrMapping/>
+  </p:clrMapOvr>
+  <mc:AlternateContent xmlns:mc="http://schemas.openxmlformats.org/markup-compatibility/2006" xmlns:p159="http://schemas.microsoft.com/office/powerpoint/2015/09/main">
+    <mc:Choice Requires="p159">
+      <p:transition xmlns:p14="http://schemas.microsoft.com/office/powerpoint/2010/main" spd="slow" p14:dur="2000">
+        <p159:morph option="byObject"/>
+      </p:transition>
+    </mc:Choice>
+    <mc:Fallback xmlns="">
+      <p:transition spd="slow">
+        <p:fade/>
+      </p:transition>
+    </mc:Fallback>
+  </mc:AlternateContent>
+</p:sld>
+</file>
+
+<file path=ppt/slides/slide20.xml><?xml version="1.0" encoding="utf-8"?>
 <p:sld xmlns:a="http://schemas.openxmlformats.org/drawingml/2006/main" xmlns:r="http://schemas.openxmlformats.org/officeDocument/2006/relationships" xmlns:p="http://schemas.openxmlformats.org/presentationml/2006/main">
   <p:cSld>
     <p:spTree>
@@ -25466,7 +29958,7 @@
 </p:sld>
 </file>
 
-<file path=ppt/slides/slide17.xml><?xml version="1.0" encoding="utf-8"?>
+<file path=ppt/slides/slide21.xml><?xml version="1.0" encoding="utf-8"?>
 <p:sld xmlns:a="http://schemas.openxmlformats.org/drawingml/2006/main" xmlns:r="http://schemas.openxmlformats.org/officeDocument/2006/relationships" xmlns:p="http://schemas.openxmlformats.org/presentationml/2006/main">
   <p:cSld>
     <p:spTree>
@@ -26410,13 +30902,13 @@
   <p:clrMapOvr>
     <a:masterClrMapping/>
   </p:clrMapOvr>
-  <mc:AlternateContent xmlns:mc="http://schemas.openxmlformats.org/markup-compatibility/2006">
-    <mc:Choice xmlns:p159="http://schemas.microsoft.com/office/powerpoint/2015/09/main" Requires="p159">
+  <mc:AlternateContent xmlns:mc="http://schemas.openxmlformats.org/markup-compatibility/2006" xmlns:p159="http://schemas.microsoft.com/office/powerpoint/2015/09/main">
+    <mc:Choice Requires="p159">
       <p:transition xmlns:p14="http://schemas.microsoft.com/office/powerpoint/2010/main" spd="slow" p14:dur="2000">
         <p159:morph option="byObject"/>
       </p:transition>
     </mc:Choice>
-    <mc:Fallback>
+    <mc:Fallback xmlns="">
       <p:transition spd="slow">
         <p:fade/>
       </p:transition>
@@ -26425,7 +30917,7 @@
 </p:sld>
 </file>
 
-<file path=ppt/slides/slide18.xml><?xml version="1.0" encoding="utf-8"?>
+<file path=ppt/slides/slide22.xml><?xml version="1.0" encoding="utf-8"?>
 <p:sld xmlns:a="http://schemas.openxmlformats.org/drawingml/2006/main" xmlns:r="http://schemas.openxmlformats.org/officeDocument/2006/relationships" xmlns:p="http://schemas.openxmlformats.org/presentationml/2006/main">
   <p:cSld>
     <p:spTree>
@@ -26808,7 +31300,7 @@
 </p:sld>
 </file>
 
-<file path=ppt/slides/slide19.xml><?xml version="1.0" encoding="utf-8"?>
+<file path=ppt/slides/slide23.xml><?xml version="1.0" encoding="utf-8"?>
 <p:sld xmlns:a="http://schemas.openxmlformats.org/drawingml/2006/main" xmlns:r="http://schemas.openxmlformats.org/officeDocument/2006/relationships" xmlns:p="http://schemas.openxmlformats.org/presentationml/2006/main">
   <p:cSld>
     <p:spTree>
@@ -27851,577 +32343,7 @@
 </p:sld>
 </file>
 
-<file path=ppt/slides/slide2.xml><?xml version="1.0" encoding="utf-8"?>
-<p:sld xmlns:a="http://schemas.openxmlformats.org/drawingml/2006/main" xmlns:r="http://schemas.openxmlformats.org/officeDocument/2006/relationships" xmlns:p="http://schemas.openxmlformats.org/presentationml/2006/main">
-  <p:cSld>
-    <p:spTree>
-      <p:nvGrpSpPr>
-        <p:cNvPr id="1" name=""/>
-        <p:cNvGrpSpPr/>
-        <p:nvPr/>
-      </p:nvGrpSpPr>
-      <p:grpSpPr>
-        <a:xfrm>
-          <a:off x="0" y="0"/>
-          <a:ext cx="0" cy="0"/>
-          <a:chOff x="0" y="0"/>
-          <a:chExt cx="0" cy="0"/>
-        </a:xfrm>
-      </p:grpSpPr>
-      <p:sp>
-        <p:nvSpPr>
-          <p:cNvPr id="9" name="Title 3">
-            <a:extLst>
-              <a:ext uri="{FF2B5EF4-FFF2-40B4-BE49-F238E27FC236}">
-                <a16:creationId xmlns:a16="http://schemas.microsoft.com/office/drawing/2014/main" id="{1C8BAD0D-43DE-4316-957D-7E1B4FC0D0AA}"/>
-              </a:ext>
-            </a:extLst>
-          </p:cNvPr>
-          <p:cNvSpPr>
-            <a:spLocks noGrp="1"/>
-          </p:cNvSpPr>
-          <p:nvPr>
-            <p:ph type="title"/>
-          </p:nvPr>
-        </p:nvSpPr>
-        <p:spPr>
-          <a:xfrm>
-            <a:off x="4131189" y="2980785"/>
-            <a:ext cx="3929622" cy="896430"/>
-          </a:xfrm>
-        </p:spPr>
-        <p:txBody>
-          <a:bodyPr/>
-          <a:lstStyle/>
-          <a:p>
-            <a:r>
-              <a:rPr lang="en-GB" sz="5400" dirty="0"/>
-              <a:t>The problem</a:t>
-            </a:r>
-          </a:p>
-        </p:txBody>
-      </p:sp>
-      <p:sp>
-        <p:nvSpPr>
-          <p:cNvPr id="16" name="Title 3">
-            <a:extLst>
-              <a:ext uri="{FF2B5EF4-FFF2-40B4-BE49-F238E27FC236}">
-                <a16:creationId xmlns:a16="http://schemas.microsoft.com/office/drawing/2014/main" id="{7C5DCB7D-F93F-4AD0-8CE4-17A8B1CA7F30}"/>
-              </a:ext>
-            </a:extLst>
-          </p:cNvPr>
-          <p:cNvSpPr txBox="1">
-            <a:spLocks/>
-          </p:cNvSpPr>
-          <p:nvPr/>
-        </p:nvSpPr>
-        <p:spPr>
-          <a:xfrm>
-            <a:off x="12810834" y="2007704"/>
-            <a:ext cx="3065348" cy="580553"/>
-          </a:xfrm>
-          <a:prstGeom prst="rect">
-            <a:avLst/>
-          </a:prstGeom>
-          <a:noFill/>
-          <a:ln>
-            <a:noFill/>
-          </a:ln>
-        </p:spPr>
-        <p:txBody>
-          <a:bodyPr spcFirstLastPara="1" wrap="square" lIns="91425" tIns="91425" rIns="91425" bIns="91425" anchor="b" anchorCtr="0">
-            <a:noAutofit/>
-          </a:bodyPr>
-          <a:lstStyle>
-            <a:defPPr marR="0" lvl="0" algn="l" rtl="0">
-              <a:lnSpc>
-                <a:spcPct val="100000"/>
-              </a:lnSpc>
-              <a:spcBef>
-                <a:spcPts val="0"/>
-              </a:spcBef>
-              <a:spcAft>
-                <a:spcPts val="0"/>
-              </a:spcAft>
-            </a:defPPr>
-            <a:lvl1pPr marR="0" lvl="0" algn="l" rtl="0" eaLnBrk="1" hangingPunct="1">
-              <a:lnSpc>
-                <a:spcPct val="100000"/>
-              </a:lnSpc>
-              <a:spcBef>
-                <a:spcPts val="0"/>
-              </a:spcBef>
-              <a:spcAft>
-                <a:spcPts val="0"/>
-              </a:spcAft>
-              <a:buClr>
-                <a:schemeClr val="dk1"/>
-              </a:buClr>
-              <a:buSzPts val="3000"/>
-              <a:buFont typeface="Oxanium"/>
-              <a:buNone/>
-              <a:defRPr sz="3000" b="1" i="0" u="none" strike="noStrike" cap="none">
-                <a:solidFill>
-                  <a:schemeClr val="dk1"/>
-                </a:solidFill>
-                <a:latin typeface="Oxanium"/>
-                <a:ea typeface="Oxanium"/>
-                <a:cs typeface="Oxanium"/>
-                <a:sym typeface="Oxanium"/>
-              </a:defRPr>
-            </a:lvl1pPr>
-            <a:lvl2pPr marR="0" lvl="1" algn="l" rtl="0" eaLnBrk="1" hangingPunct="1">
-              <a:lnSpc>
-                <a:spcPct val="100000"/>
-              </a:lnSpc>
-              <a:spcBef>
-                <a:spcPts val="0"/>
-              </a:spcBef>
-              <a:spcAft>
-                <a:spcPts val="0"/>
-              </a:spcAft>
-              <a:buClr>
-                <a:schemeClr val="dk1"/>
-              </a:buClr>
-              <a:buSzPts val="3000"/>
-              <a:buFont typeface="Oxanium"/>
-              <a:buNone/>
-              <a:defRPr sz="3000" b="1" i="0" u="none" strike="noStrike" cap="none">
-                <a:solidFill>
-                  <a:schemeClr val="dk1"/>
-                </a:solidFill>
-                <a:latin typeface="Oxanium"/>
-                <a:ea typeface="Oxanium"/>
-                <a:cs typeface="Oxanium"/>
-                <a:sym typeface="Oxanium"/>
-              </a:defRPr>
-            </a:lvl2pPr>
-            <a:lvl3pPr marR="0" lvl="2" algn="l" rtl="0" eaLnBrk="1" hangingPunct="1">
-              <a:lnSpc>
-                <a:spcPct val="100000"/>
-              </a:lnSpc>
-              <a:spcBef>
-                <a:spcPts val="0"/>
-              </a:spcBef>
-              <a:spcAft>
-                <a:spcPts val="0"/>
-              </a:spcAft>
-              <a:buClr>
-                <a:schemeClr val="dk1"/>
-              </a:buClr>
-              <a:buSzPts val="3000"/>
-              <a:buFont typeface="Oxanium"/>
-              <a:buNone/>
-              <a:defRPr sz="3000" b="1" i="0" u="none" strike="noStrike" cap="none">
-                <a:solidFill>
-                  <a:schemeClr val="dk1"/>
-                </a:solidFill>
-                <a:latin typeface="Oxanium"/>
-                <a:ea typeface="Oxanium"/>
-                <a:cs typeface="Oxanium"/>
-                <a:sym typeface="Oxanium"/>
-              </a:defRPr>
-            </a:lvl3pPr>
-            <a:lvl4pPr marR="0" lvl="3" algn="l" rtl="0" eaLnBrk="1" hangingPunct="1">
-              <a:lnSpc>
-                <a:spcPct val="100000"/>
-              </a:lnSpc>
-              <a:spcBef>
-                <a:spcPts val="0"/>
-              </a:spcBef>
-              <a:spcAft>
-                <a:spcPts val="0"/>
-              </a:spcAft>
-              <a:buClr>
-                <a:schemeClr val="dk1"/>
-              </a:buClr>
-              <a:buSzPts val="3000"/>
-              <a:buFont typeface="Oxanium"/>
-              <a:buNone/>
-              <a:defRPr sz="3000" b="1" i="0" u="none" strike="noStrike" cap="none">
-                <a:solidFill>
-                  <a:schemeClr val="dk1"/>
-                </a:solidFill>
-                <a:latin typeface="Oxanium"/>
-                <a:ea typeface="Oxanium"/>
-                <a:cs typeface="Oxanium"/>
-                <a:sym typeface="Oxanium"/>
-              </a:defRPr>
-            </a:lvl4pPr>
-            <a:lvl5pPr marR="0" lvl="4" algn="l" rtl="0" eaLnBrk="1" hangingPunct="1">
-              <a:lnSpc>
-                <a:spcPct val="100000"/>
-              </a:lnSpc>
-              <a:spcBef>
-                <a:spcPts val="0"/>
-              </a:spcBef>
-              <a:spcAft>
-                <a:spcPts val="0"/>
-              </a:spcAft>
-              <a:buClr>
-                <a:schemeClr val="dk1"/>
-              </a:buClr>
-              <a:buSzPts val="3000"/>
-              <a:buFont typeface="Oxanium"/>
-              <a:buNone/>
-              <a:defRPr sz="3000" b="1" i="0" u="none" strike="noStrike" cap="none">
-                <a:solidFill>
-                  <a:schemeClr val="dk1"/>
-                </a:solidFill>
-                <a:latin typeface="Oxanium"/>
-                <a:ea typeface="Oxanium"/>
-                <a:cs typeface="Oxanium"/>
-                <a:sym typeface="Oxanium"/>
-              </a:defRPr>
-            </a:lvl5pPr>
-            <a:lvl6pPr marR="0" lvl="5" algn="l" rtl="0" eaLnBrk="1" hangingPunct="1">
-              <a:lnSpc>
-                <a:spcPct val="100000"/>
-              </a:lnSpc>
-              <a:spcBef>
-                <a:spcPts val="0"/>
-              </a:spcBef>
-              <a:spcAft>
-                <a:spcPts val="0"/>
-              </a:spcAft>
-              <a:buClr>
-                <a:schemeClr val="dk1"/>
-              </a:buClr>
-              <a:buSzPts val="3000"/>
-              <a:buFont typeface="Oxanium"/>
-              <a:buNone/>
-              <a:defRPr sz="3000" b="1" i="0" u="none" strike="noStrike" cap="none">
-                <a:solidFill>
-                  <a:schemeClr val="dk1"/>
-                </a:solidFill>
-                <a:latin typeface="Oxanium"/>
-                <a:ea typeface="Oxanium"/>
-                <a:cs typeface="Oxanium"/>
-                <a:sym typeface="Oxanium"/>
-              </a:defRPr>
-            </a:lvl6pPr>
-            <a:lvl7pPr marR="0" lvl="6" algn="l" rtl="0" eaLnBrk="1" hangingPunct="1">
-              <a:lnSpc>
-                <a:spcPct val="100000"/>
-              </a:lnSpc>
-              <a:spcBef>
-                <a:spcPts val="0"/>
-              </a:spcBef>
-              <a:spcAft>
-                <a:spcPts val="0"/>
-              </a:spcAft>
-              <a:buClr>
-                <a:schemeClr val="dk1"/>
-              </a:buClr>
-              <a:buSzPts val="3000"/>
-              <a:buFont typeface="Oxanium"/>
-              <a:buNone/>
-              <a:defRPr sz="3000" b="1" i="0" u="none" strike="noStrike" cap="none">
-                <a:solidFill>
-                  <a:schemeClr val="dk1"/>
-                </a:solidFill>
-                <a:latin typeface="Oxanium"/>
-                <a:ea typeface="Oxanium"/>
-                <a:cs typeface="Oxanium"/>
-                <a:sym typeface="Oxanium"/>
-              </a:defRPr>
-            </a:lvl7pPr>
-            <a:lvl8pPr marR="0" lvl="7" algn="l" rtl="0" eaLnBrk="1" hangingPunct="1">
-              <a:lnSpc>
-                <a:spcPct val="100000"/>
-              </a:lnSpc>
-              <a:spcBef>
-                <a:spcPts val="0"/>
-              </a:spcBef>
-              <a:spcAft>
-                <a:spcPts val="0"/>
-              </a:spcAft>
-              <a:buClr>
-                <a:schemeClr val="dk1"/>
-              </a:buClr>
-              <a:buSzPts val="3000"/>
-              <a:buFont typeface="Oxanium"/>
-              <a:buNone/>
-              <a:defRPr sz="3000" b="1" i="0" u="none" strike="noStrike" cap="none">
-                <a:solidFill>
-                  <a:schemeClr val="dk1"/>
-                </a:solidFill>
-                <a:latin typeface="Oxanium"/>
-                <a:ea typeface="Oxanium"/>
-                <a:cs typeface="Oxanium"/>
-                <a:sym typeface="Oxanium"/>
-              </a:defRPr>
-            </a:lvl8pPr>
-            <a:lvl9pPr marR="0" lvl="8" algn="l" rtl="0" eaLnBrk="1" hangingPunct="1">
-              <a:lnSpc>
-                <a:spcPct val="100000"/>
-              </a:lnSpc>
-              <a:spcBef>
-                <a:spcPts val="0"/>
-              </a:spcBef>
-              <a:spcAft>
-                <a:spcPts val="0"/>
-              </a:spcAft>
-              <a:buClr>
-                <a:schemeClr val="dk1"/>
-              </a:buClr>
-              <a:buSzPts val="3000"/>
-              <a:buFont typeface="Oxanium"/>
-              <a:buNone/>
-              <a:defRPr sz="3000" b="1" i="0" u="none" strike="noStrike" cap="none">
-                <a:solidFill>
-                  <a:schemeClr val="dk1"/>
-                </a:solidFill>
-                <a:latin typeface="Oxanium"/>
-                <a:ea typeface="Oxanium"/>
-                <a:cs typeface="Oxanium"/>
-                <a:sym typeface="Oxanium"/>
-              </a:defRPr>
-            </a:lvl9pPr>
-          </a:lstStyle>
-          <a:p>
-            <a:r>
-              <a:rPr lang="en-GB" sz="4000" dirty="0"/>
-              <a:t>The solution</a:t>
-            </a:r>
-          </a:p>
-        </p:txBody>
-      </p:sp>
-      <p:sp>
-        <p:nvSpPr>
-          <p:cNvPr id="17" name="Subtitle 2">
-            <a:extLst>
-              <a:ext uri="{FF2B5EF4-FFF2-40B4-BE49-F238E27FC236}">
-                <a16:creationId xmlns:a16="http://schemas.microsoft.com/office/drawing/2014/main" id="{EDB4A5A8-ECFE-4865-BA36-945355C6E767}"/>
-              </a:ext>
-            </a:extLst>
-          </p:cNvPr>
-          <p:cNvSpPr txBox="1">
-            <a:spLocks/>
-          </p:cNvSpPr>
-          <p:nvPr/>
-        </p:nvSpPr>
-        <p:spPr>
-          <a:xfrm>
-            <a:off x="12373512" y="2813865"/>
-            <a:ext cx="3939993" cy="2066249"/>
-          </a:xfrm>
-          <a:prstGeom prst="rect">
-            <a:avLst/>
-          </a:prstGeom>
-          <a:noFill/>
-          <a:ln>
-            <a:noFill/>
-          </a:ln>
-        </p:spPr>
-        <p:txBody>
-          <a:bodyPr spcFirstLastPara="1" wrap="square" lIns="91425" tIns="91425" rIns="91425" bIns="91425" anchor="t" anchorCtr="0">
-            <a:noAutofit/>
-          </a:bodyPr>
-          <a:lstStyle>
-            <a:defPPr marR="0" lvl="0" algn="l" rtl="0">
-              <a:lnSpc>
-                <a:spcPct val="100000"/>
-              </a:lnSpc>
-              <a:spcBef>
-                <a:spcPts val="0"/>
-              </a:spcBef>
-              <a:spcAft>
-                <a:spcPts val="0"/>
-              </a:spcAft>
-            </a:defPPr>
-            <a:lvl1pPr marL="9525" indent="-9525" eaLnBrk="1" hangingPunct="1">
-              <a:buClr>
-                <a:schemeClr val="dk1"/>
-              </a:buClr>
-              <a:buSzPts val="1200"/>
-              <a:buFont typeface="Hind"/>
-              <a:buNone/>
-              <a:defRPr sz="2100">
-                <a:solidFill>
-                  <a:schemeClr val="dk1"/>
-                </a:solidFill>
-                <a:latin typeface="Oxanium"/>
-                <a:ea typeface="Hind"/>
-                <a:cs typeface="Hind"/>
-                <a:sym typeface="Hind"/>
-              </a:defRPr>
-            </a:lvl1pPr>
-            <a:lvl2pPr marL="914400" indent="-304800" algn="ctr" eaLnBrk="1" hangingPunct="1">
-              <a:buClr>
-                <a:schemeClr val="dk1"/>
-              </a:buClr>
-              <a:buSzPts val="1800"/>
-              <a:buFont typeface="Hind"/>
-              <a:buNone/>
-              <a:defRPr sz="2400">
-                <a:solidFill>
-                  <a:schemeClr val="dk1"/>
-                </a:solidFill>
-                <a:latin typeface="Hind"/>
-                <a:ea typeface="Hind"/>
-                <a:cs typeface="Hind"/>
-                <a:sym typeface="Hind"/>
-              </a:defRPr>
-            </a:lvl2pPr>
-            <a:lvl3pPr marL="1371600" indent="-304800" algn="ctr" eaLnBrk="1" hangingPunct="1">
-              <a:buClr>
-                <a:schemeClr val="dk1"/>
-              </a:buClr>
-              <a:buSzPts val="1800"/>
-              <a:buFont typeface="Hind"/>
-              <a:buNone/>
-              <a:defRPr sz="2400">
-                <a:solidFill>
-                  <a:schemeClr val="dk1"/>
-                </a:solidFill>
-                <a:latin typeface="Hind"/>
-                <a:ea typeface="Hind"/>
-                <a:cs typeface="Hind"/>
-                <a:sym typeface="Hind"/>
-              </a:defRPr>
-            </a:lvl3pPr>
-            <a:lvl4pPr marL="1828800" indent="-304800" algn="ctr" eaLnBrk="1" hangingPunct="1">
-              <a:buClr>
-                <a:schemeClr val="dk1"/>
-              </a:buClr>
-              <a:buSzPts val="1800"/>
-              <a:buFont typeface="Hind"/>
-              <a:buNone/>
-              <a:defRPr sz="2400">
-                <a:solidFill>
-                  <a:schemeClr val="dk1"/>
-                </a:solidFill>
-                <a:latin typeface="Hind"/>
-                <a:ea typeface="Hind"/>
-                <a:cs typeface="Hind"/>
-                <a:sym typeface="Hind"/>
-              </a:defRPr>
-            </a:lvl4pPr>
-            <a:lvl5pPr marL="2286000" indent="-304800" algn="ctr" eaLnBrk="1" hangingPunct="1">
-              <a:buClr>
-                <a:schemeClr val="dk1"/>
-              </a:buClr>
-              <a:buSzPts val="1800"/>
-              <a:buFont typeface="Hind"/>
-              <a:buNone/>
-              <a:defRPr sz="2400">
-                <a:solidFill>
-                  <a:schemeClr val="dk1"/>
-                </a:solidFill>
-                <a:latin typeface="Hind"/>
-                <a:ea typeface="Hind"/>
-                <a:cs typeface="Hind"/>
-                <a:sym typeface="Hind"/>
-              </a:defRPr>
-            </a:lvl5pPr>
-            <a:lvl6pPr marL="2743200" indent="-304800" algn="ctr" eaLnBrk="1" hangingPunct="1">
-              <a:buClr>
-                <a:schemeClr val="dk1"/>
-              </a:buClr>
-              <a:buSzPts val="1800"/>
-              <a:buFont typeface="Hind"/>
-              <a:buNone/>
-              <a:defRPr sz="2400">
-                <a:solidFill>
-                  <a:schemeClr val="dk1"/>
-                </a:solidFill>
-                <a:latin typeface="Hind"/>
-                <a:ea typeface="Hind"/>
-                <a:cs typeface="Hind"/>
-                <a:sym typeface="Hind"/>
-              </a:defRPr>
-            </a:lvl6pPr>
-            <a:lvl7pPr marL="3200400" indent="-304800" algn="ctr" eaLnBrk="1" hangingPunct="1">
-              <a:buClr>
-                <a:schemeClr val="dk1"/>
-              </a:buClr>
-              <a:buSzPts val="1800"/>
-              <a:buFont typeface="Hind"/>
-              <a:buNone/>
-              <a:defRPr sz="2400">
-                <a:solidFill>
-                  <a:schemeClr val="dk1"/>
-                </a:solidFill>
-                <a:latin typeface="Hind"/>
-                <a:ea typeface="Hind"/>
-                <a:cs typeface="Hind"/>
-                <a:sym typeface="Hind"/>
-              </a:defRPr>
-            </a:lvl7pPr>
-            <a:lvl8pPr marL="3657600" indent="-304800" algn="ctr" eaLnBrk="1" hangingPunct="1">
-              <a:buClr>
-                <a:schemeClr val="dk1"/>
-              </a:buClr>
-              <a:buSzPts val="1800"/>
-              <a:buFont typeface="Hind"/>
-              <a:buNone/>
-              <a:defRPr sz="2400">
-                <a:solidFill>
-                  <a:schemeClr val="dk1"/>
-                </a:solidFill>
-                <a:latin typeface="Hind"/>
-                <a:ea typeface="Hind"/>
-                <a:cs typeface="Hind"/>
-                <a:sym typeface="Hind"/>
-              </a:defRPr>
-            </a:lvl8pPr>
-            <a:lvl9pPr marL="4114800" indent="-304800" algn="ctr" eaLnBrk="1" hangingPunct="1">
-              <a:buClr>
-                <a:schemeClr val="dk1"/>
-              </a:buClr>
-              <a:buSzPts val="1800"/>
-              <a:buFont typeface="Hind"/>
-              <a:buNone/>
-              <a:defRPr sz="2400">
-                <a:solidFill>
-                  <a:schemeClr val="dk1"/>
-                </a:solidFill>
-                <a:latin typeface="Hind"/>
-                <a:ea typeface="Hind"/>
-                <a:cs typeface="Hind"/>
-                <a:sym typeface="Hind"/>
-              </a:defRPr>
-            </a:lvl9pPr>
-          </a:lstStyle>
-          <a:p>
-            <a:pPr marL="342900" indent="-342900">
-              <a:buFont typeface="Arial" panose="020B0604020202020204" pitchFamily="34" charset="0"/>
-              <a:buChar char="•"/>
-            </a:pPr>
-            <a:r>
-              <a:rPr lang="en-GB" sz="2400" dirty="0"/>
-              <a:t>We decided to create our own program to replace the obsolete software with managing books, users and all the borrowings.</a:t>
-            </a:r>
-          </a:p>
-        </p:txBody>
-      </p:sp>
-    </p:spTree>
-    <p:extLst>
-      <p:ext uri="{BB962C8B-B14F-4D97-AF65-F5344CB8AC3E}">
-        <p14:creationId xmlns:p14="http://schemas.microsoft.com/office/powerpoint/2010/main" val="4108073779"/>
-      </p:ext>
-    </p:extLst>
-  </p:cSld>
-  <p:clrMapOvr>
-    <a:masterClrMapping/>
-  </p:clrMapOvr>
-  <mc:AlternateContent xmlns:mc="http://schemas.openxmlformats.org/markup-compatibility/2006" xmlns:p159="http://schemas.microsoft.com/office/powerpoint/2015/09/main">
-    <mc:Choice Requires="p159">
-      <p:transition xmlns:p14="http://schemas.microsoft.com/office/powerpoint/2010/main" spd="slow" p14:dur="2000">
-        <p159:morph option="byObject"/>
-      </p:transition>
-    </mc:Choice>
-    <mc:Fallback xmlns="">
-      <p:transition spd="slow">
-        <p:fade/>
-      </p:transition>
-    </mc:Fallback>
-  </mc:AlternateContent>
-</p:sld>
-</file>
-
-<file path=ppt/slides/slide20.xml><?xml version="1.0" encoding="utf-8"?>
+<file path=ppt/slides/slide24.xml><?xml version="1.0" encoding="utf-8"?>
 <p:sld xmlns:a="http://schemas.openxmlformats.org/drawingml/2006/main" xmlns:r="http://schemas.openxmlformats.org/officeDocument/2006/relationships" xmlns:p="http://schemas.openxmlformats.org/presentationml/2006/main">
   <p:cSld>
     <p:spTree>
@@ -29330,7 +33252,7 @@
 </p:sld>
 </file>
 
-<file path=ppt/slides/slide21.xml><?xml version="1.0" encoding="utf-8"?>
+<file path=ppt/slides/slide25.xml><?xml version="1.0" encoding="utf-8"?>
 <p:sld xmlns:a="http://schemas.openxmlformats.org/drawingml/2006/main" xmlns:r="http://schemas.openxmlformats.org/officeDocument/2006/relationships" xmlns:p="http://schemas.openxmlformats.org/presentationml/2006/main">
   <p:cSld>
     <p:spTree>
@@ -30765,7 +34687,7 @@
 </p:sld>
 </file>
 
-<file path=ppt/slides/slide22.xml><?xml version="1.0" encoding="utf-8"?>
+<file path=ppt/slides/slide26.xml><?xml version="1.0" encoding="utf-8"?>
 <p:sld xmlns:a="http://schemas.openxmlformats.org/drawingml/2006/main" xmlns:r="http://schemas.openxmlformats.org/officeDocument/2006/relationships" xmlns:p="http://schemas.openxmlformats.org/presentationml/2006/main">
   <p:cSld>
     <p:spTree>
@@ -32034,7 +35956,7 @@
 </p:sld>
 </file>
 
-<file path=ppt/slides/slide23.xml><?xml version="1.0" encoding="utf-8"?>
+<file path=ppt/slides/slide27.xml><?xml version="1.0" encoding="utf-8"?>
 <p:sld xmlns:a="http://schemas.openxmlformats.org/drawingml/2006/main" xmlns:r="http://schemas.openxmlformats.org/officeDocument/2006/relationships" xmlns:p="http://schemas.openxmlformats.org/presentationml/2006/main">
   <p:cSld>
     <p:spTree>
@@ -33445,7 +37367,7 @@
 </p:sld>
 </file>
 
-<file path=ppt/slides/slide24.xml><?xml version="1.0" encoding="utf-8"?>
+<file path=ppt/slides/slide28.xml><?xml version="1.0" encoding="utf-8"?>
 <p:sld xmlns:a="http://schemas.openxmlformats.org/drawingml/2006/main" xmlns:r="http://schemas.openxmlformats.org/officeDocument/2006/relationships" xmlns:p="http://schemas.openxmlformats.org/presentationml/2006/main">
   <p:cSld>
     <p:spTree>
@@ -33773,7 +37695,7 @@
 </p:sld>
 </file>
 
-<file path=ppt/slides/slide25.xml><?xml version="1.0" encoding="utf-8"?>
+<file path=ppt/slides/slide29.xml><?xml version="1.0" encoding="utf-8"?>
 <p:sld xmlns:a="http://schemas.openxmlformats.org/drawingml/2006/main" xmlns:r="http://schemas.openxmlformats.org/officeDocument/2006/relationships" xmlns:p="http://schemas.openxmlformats.org/presentationml/2006/main">
   <p:cSld>
     <p:spTree>
@@ -35086,7 +39008,796 @@
 </p:sld>
 </file>
 
-<file path=ppt/slides/slide26.xml><?xml version="1.0" encoding="utf-8"?>
+<file path=ppt/slides/slide3.xml><?xml version="1.0" encoding="utf-8"?>
+<p:sld xmlns:a="http://schemas.openxmlformats.org/drawingml/2006/main" xmlns:r="http://schemas.openxmlformats.org/officeDocument/2006/relationships" xmlns:p="http://schemas.openxmlformats.org/presentationml/2006/main">
+  <p:cSld>
+    <p:spTree>
+      <p:nvGrpSpPr>
+        <p:cNvPr id="1" name=""/>
+        <p:cNvGrpSpPr/>
+        <p:nvPr/>
+      </p:nvGrpSpPr>
+      <p:grpSpPr>
+        <a:xfrm>
+          <a:off x="0" y="0"/>
+          <a:ext cx="0" cy="0"/>
+          <a:chOff x="0" y="0"/>
+          <a:chExt cx="0" cy="0"/>
+        </a:xfrm>
+      </p:grpSpPr>
+      <p:sp>
+        <p:nvSpPr>
+          <p:cNvPr id="9" name="Title 3">
+            <a:extLst>
+              <a:ext uri="{FF2B5EF4-FFF2-40B4-BE49-F238E27FC236}">
+                <a16:creationId xmlns:a16="http://schemas.microsoft.com/office/drawing/2014/main" id="{1C8BAD0D-43DE-4316-957D-7E1B4FC0D0AA}"/>
+              </a:ext>
+            </a:extLst>
+          </p:cNvPr>
+          <p:cNvSpPr>
+            <a:spLocks noGrp="1"/>
+          </p:cNvSpPr>
+          <p:nvPr>
+            <p:ph type="title"/>
+          </p:nvPr>
+        </p:nvSpPr>
+        <p:spPr>
+          <a:xfrm>
+            <a:off x="4563325" y="2007704"/>
+            <a:ext cx="3065348" cy="580553"/>
+          </a:xfrm>
+        </p:spPr>
+        <p:txBody>
+          <a:bodyPr/>
+          <a:lstStyle/>
+          <a:p>
+            <a:r>
+              <a:rPr lang="en-GB" sz="4000" dirty="0"/>
+              <a:t>The problem</a:t>
+            </a:r>
+          </a:p>
+        </p:txBody>
+      </p:sp>
+      <p:sp>
+        <p:nvSpPr>
+          <p:cNvPr id="11" name="Subtitle 2">
+            <a:extLst>
+              <a:ext uri="{FF2B5EF4-FFF2-40B4-BE49-F238E27FC236}">
+                <a16:creationId xmlns:a16="http://schemas.microsoft.com/office/drawing/2014/main" id="{5AD56862-9EFA-4BCF-AA67-2DDAA70FCC07}"/>
+              </a:ext>
+            </a:extLst>
+          </p:cNvPr>
+          <p:cNvSpPr txBox="1">
+            <a:spLocks/>
+          </p:cNvSpPr>
+          <p:nvPr/>
+        </p:nvSpPr>
+        <p:spPr>
+          <a:xfrm>
+            <a:off x="4126003" y="2813865"/>
+            <a:ext cx="3939993" cy="2066249"/>
+          </a:xfrm>
+          <a:prstGeom prst="rect">
+            <a:avLst/>
+          </a:prstGeom>
+          <a:noFill/>
+          <a:ln>
+            <a:noFill/>
+          </a:ln>
+        </p:spPr>
+        <p:txBody>
+          <a:bodyPr spcFirstLastPara="1" wrap="square" lIns="91425" tIns="91425" rIns="91425" bIns="91425" anchor="t" anchorCtr="0">
+            <a:noAutofit/>
+          </a:bodyPr>
+          <a:lstStyle>
+            <a:defPPr marR="0" lvl="0" algn="l" rtl="0">
+              <a:lnSpc>
+                <a:spcPct val="100000"/>
+              </a:lnSpc>
+              <a:spcBef>
+                <a:spcPts val="0"/>
+              </a:spcBef>
+              <a:spcAft>
+                <a:spcPts val="0"/>
+              </a:spcAft>
+            </a:defPPr>
+            <a:lvl1pPr marL="9525" indent="-9525" eaLnBrk="1" hangingPunct="1">
+              <a:buClr>
+                <a:schemeClr val="dk1"/>
+              </a:buClr>
+              <a:buSzPts val="1200"/>
+              <a:buFont typeface="Hind"/>
+              <a:buNone/>
+              <a:defRPr sz="2100">
+                <a:solidFill>
+                  <a:schemeClr val="dk1"/>
+                </a:solidFill>
+                <a:latin typeface="Oxanium"/>
+                <a:ea typeface="Hind"/>
+                <a:cs typeface="Hind"/>
+                <a:sym typeface="Hind"/>
+              </a:defRPr>
+            </a:lvl1pPr>
+            <a:lvl2pPr marL="914400" indent="-304800" algn="ctr" eaLnBrk="1" hangingPunct="1">
+              <a:buClr>
+                <a:schemeClr val="dk1"/>
+              </a:buClr>
+              <a:buSzPts val="1800"/>
+              <a:buFont typeface="Hind"/>
+              <a:buNone/>
+              <a:defRPr sz="2400">
+                <a:solidFill>
+                  <a:schemeClr val="dk1"/>
+                </a:solidFill>
+                <a:latin typeface="Hind"/>
+                <a:ea typeface="Hind"/>
+                <a:cs typeface="Hind"/>
+                <a:sym typeface="Hind"/>
+              </a:defRPr>
+            </a:lvl2pPr>
+            <a:lvl3pPr marL="1371600" indent="-304800" algn="ctr" eaLnBrk="1" hangingPunct="1">
+              <a:buClr>
+                <a:schemeClr val="dk1"/>
+              </a:buClr>
+              <a:buSzPts val="1800"/>
+              <a:buFont typeface="Hind"/>
+              <a:buNone/>
+              <a:defRPr sz="2400">
+                <a:solidFill>
+                  <a:schemeClr val="dk1"/>
+                </a:solidFill>
+                <a:latin typeface="Hind"/>
+                <a:ea typeface="Hind"/>
+                <a:cs typeface="Hind"/>
+                <a:sym typeface="Hind"/>
+              </a:defRPr>
+            </a:lvl3pPr>
+            <a:lvl4pPr marL="1828800" indent="-304800" algn="ctr" eaLnBrk="1" hangingPunct="1">
+              <a:buClr>
+                <a:schemeClr val="dk1"/>
+              </a:buClr>
+              <a:buSzPts val="1800"/>
+              <a:buFont typeface="Hind"/>
+              <a:buNone/>
+              <a:defRPr sz="2400">
+                <a:solidFill>
+                  <a:schemeClr val="dk1"/>
+                </a:solidFill>
+                <a:latin typeface="Hind"/>
+                <a:ea typeface="Hind"/>
+                <a:cs typeface="Hind"/>
+                <a:sym typeface="Hind"/>
+              </a:defRPr>
+            </a:lvl4pPr>
+            <a:lvl5pPr marL="2286000" indent="-304800" algn="ctr" eaLnBrk="1" hangingPunct="1">
+              <a:buClr>
+                <a:schemeClr val="dk1"/>
+              </a:buClr>
+              <a:buSzPts val="1800"/>
+              <a:buFont typeface="Hind"/>
+              <a:buNone/>
+              <a:defRPr sz="2400">
+                <a:solidFill>
+                  <a:schemeClr val="dk1"/>
+                </a:solidFill>
+                <a:latin typeface="Hind"/>
+                <a:ea typeface="Hind"/>
+                <a:cs typeface="Hind"/>
+                <a:sym typeface="Hind"/>
+              </a:defRPr>
+            </a:lvl5pPr>
+            <a:lvl6pPr marL="2743200" indent="-304800" algn="ctr" eaLnBrk="1" hangingPunct="1">
+              <a:buClr>
+                <a:schemeClr val="dk1"/>
+              </a:buClr>
+              <a:buSzPts val="1800"/>
+              <a:buFont typeface="Hind"/>
+              <a:buNone/>
+              <a:defRPr sz="2400">
+                <a:solidFill>
+                  <a:schemeClr val="dk1"/>
+                </a:solidFill>
+                <a:latin typeface="Hind"/>
+                <a:ea typeface="Hind"/>
+                <a:cs typeface="Hind"/>
+                <a:sym typeface="Hind"/>
+              </a:defRPr>
+            </a:lvl6pPr>
+            <a:lvl7pPr marL="3200400" indent="-304800" algn="ctr" eaLnBrk="1" hangingPunct="1">
+              <a:buClr>
+                <a:schemeClr val="dk1"/>
+              </a:buClr>
+              <a:buSzPts val="1800"/>
+              <a:buFont typeface="Hind"/>
+              <a:buNone/>
+              <a:defRPr sz="2400">
+                <a:solidFill>
+                  <a:schemeClr val="dk1"/>
+                </a:solidFill>
+                <a:latin typeface="Hind"/>
+                <a:ea typeface="Hind"/>
+                <a:cs typeface="Hind"/>
+                <a:sym typeface="Hind"/>
+              </a:defRPr>
+            </a:lvl7pPr>
+            <a:lvl8pPr marL="3657600" indent="-304800" algn="ctr" eaLnBrk="1" hangingPunct="1">
+              <a:buClr>
+                <a:schemeClr val="dk1"/>
+              </a:buClr>
+              <a:buSzPts val="1800"/>
+              <a:buFont typeface="Hind"/>
+              <a:buNone/>
+              <a:defRPr sz="2400">
+                <a:solidFill>
+                  <a:schemeClr val="dk1"/>
+                </a:solidFill>
+                <a:latin typeface="Hind"/>
+                <a:ea typeface="Hind"/>
+                <a:cs typeface="Hind"/>
+                <a:sym typeface="Hind"/>
+              </a:defRPr>
+            </a:lvl8pPr>
+            <a:lvl9pPr marL="4114800" indent="-304800" algn="ctr" eaLnBrk="1" hangingPunct="1">
+              <a:buClr>
+                <a:schemeClr val="dk1"/>
+              </a:buClr>
+              <a:buSzPts val="1800"/>
+              <a:buFont typeface="Hind"/>
+              <a:buNone/>
+              <a:defRPr sz="2400">
+                <a:solidFill>
+                  <a:schemeClr val="dk1"/>
+                </a:solidFill>
+                <a:latin typeface="Hind"/>
+                <a:ea typeface="Hind"/>
+                <a:cs typeface="Hind"/>
+                <a:sym typeface="Hind"/>
+              </a:defRPr>
+            </a:lvl9pPr>
+          </a:lstStyle>
+          <a:p>
+            <a:pPr marL="342900" indent="-342900">
+              <a:buFont typeface="Arial" panose="020B0604020202020204" pitchFamily="34" charset="0"/>
+              <a:buChar char="•"/>
+            </a:pPr>
+            <a:r>
+              <a:rPr lang="en-GB" sz="2400" dirty="0"/>
+              <a:t>We heard librarians say they are dissatisfied with the current system.</a:t>
+            </a:r>
+          </a:p>
+          <a:p>
+            <a:pPr marL="342900" indent="-342900">
+              <a:buFont typeface="Arial" panose="020B0604020202020204" pitchFamily="34" charset="0"/>
+              <a:buChar char="•"/>
+            </a:pPr>
+            <a:r>
+              <a:rPr lang="en-GB" sz="2400" dirty="0"/>
+              <a:t>It was also inconvenient for us, students.</a:t>
+            </a:r>
+          </a:p>
+        </p:txBody>
+      </p:sp>
+      <p:sp>
+        <p:nvSpPr>
+          <p:cNvPr id="16" name="Title 3">
+            <a:extLst>
+              <a:ext uri="{FF2B5EF4-FFF2-40B4-BE49-F238E27FC236}">
+                <a16:creationId xmlns:a16="http://schemas.microsoft.com/office/drawing/2014/main" id="{7C5DCB7D-F93F-4AD0-8CE4-17A8B1CA7F30}"/>
+              </a:ext>
+            </a:extLst>
+          </p:cNvPr>
+          <p:cNvSpPr txBox="1">
+            <a:spLocks/>
+          </p:cNvSpPr>
+          <p:nvPr/>
+        </p:nvSpPr>
+        <p:spPr>
+          <a:xfrm>
+            <a:off x="12810834" y="2007704"/>
+            <a:ext cx="3065348" cy="580553"/>
+          </a:xfrm>
+          <a:prstGeom prst="rect">
+            <a:avLst/>
+          </a:prstGeom>
+          <a:noFill/>
+          <a:ln>
+            <a:noFill/>
+          </a:ln>
+        </p:spPr>
+        <p:txBody>
+          <a:bodyPr spcFirstLastPara="1" wrap="square" lIns="91425" tIns="91425" rIns="91425" bIns="91425" anchor="b" anchorCtr="0">
+            <a:noAutofit/>
+          </a:bodyPr>
+          <a:lstStyle>
+            <a:defPPr marR="0" lvl="0" algn="l" rtl="0">
+              <a:lnSpc>
+                <a:spcPct val="100000"/>
+              </a:lnSpc>
+              <a:spcBef>
+                <a:spcPts val="0"/>
+              </a:spcBef>
+              <a:spcAft>
+                <a:spcPts val="0"/>
+              </a:spcAft>
+            </a:defPPr>
+            <a:lvl1pPr marR="0" lvl="0" algn="l" rtl="0" eaLnBrk="1" hangingPunct="1">
+              <a:lnSpc>
+                <a:spcPct val="100000"/>
+              </a:lnSpc>
+              <a:spcBef>
+                <a:spcPts val="0"/>
+              </a:spcBef>
+              <a:spcAft>
+                <a:spcPts val="0"/>
+              </a:spcAft>
+              <a:buClr>
+                <a:schemeClr val="dk1"/>
+              </a:buClr>
+              <a:buSzPts val="3000"/>
+              <a:buFont typeface="Oxanium"/>
+              <a:buNone/>
+              <a:defRPr sz="3000" b="1" i="0" u="none" strike="noStrike" cap="none">
+                <a:solidFill>
+                  <a:schemeClr val="dk1"/>
+                </a:solidFill>
+                <a:latin typeface="Oxanium"/>
+                <a:ea typeface="Oxanium"/>
+                <a:cs typeface="Oxanium"/>
+                <a:sym typeface="Oxanium"/>
+              </a:defRPr>
+            </a:lvl1pPr>
+            <a:lvl2pPr marR="0" lvl="1" algn="l" rtl="0" eaLnBrk="1" hangingPunct="1">
+              <a:lnSpc>
+                <a:spcPct val="100000"/>
+              </a:lnSpc>
+              <a:spcBef>
+                <a:spcPts val="0"/>
+              </a:spcBef>
+              <a:spcAft>
+                <a:spcPts val="0"/>
+              </a:spcAft>
+              <a:buClr>
+                <a:schemeClr val="dk1"/>
+              </a:buClr>
+              <a:buSzPts val="3000"/>
+              <a:buFont typeface="Oxanium"/>
+              <a:buNone/>
+              <a:defRPr sz="3000" b="1" i="0" u="none" strike="noStrike" cap="none">
+                <a:solidFill>
+                  <a:schemeClr val="dk1"/>
+                </a:solidFill>
+                <a:latin typeface="Oxanium"/>
+                <a:ea typeface="Oxanium"/>
+                <a:cs typeface="Oxanium"/>
+                <a:sym typeface="Oxanium"/>
+              </a:defRPr>
+            </a:lvl2pPr>
+            <a:lvl3pPr marR="0" lvl="2" algn="l" rtl="0" eaLnBrk="1" hangingPunct="1">
+              <a:lnSpc>
+                <a:spcPct val="100000"/>
+              </a:lnSpc>
+              <a:spcBef>
+                <a:spcPts val="0"/>
+              </a:spcBef>
+              <a:spcAft>
+                <a:spcPts val="0"/>
+              </a:spcAft>
+              <a:buClr>
+                <a:schemeClr val="dk1"/>
+              </a:buClr>
+              <a:buSzPts val="3000"/>
+              <a:buFont typeface="Oxanium"/>
+              <a:buNone/>
+              <a:defRPr sz="3000" b="1" i="0" u="none" strike="noStrike" cap="none">
+                <a:solidFill>
+                  <a:schemeClr val="dk1"/>
+                </a:solidFill>
+                <a:latin typeface="Oxanium"/>
+                <a:ea typeface="Oxanium"/>
+                <a:cs typeface="Oxanium"/>
+                <a:sym typeface="Oxanium"/>
+              </a:defRPr>
+            </a:lvl3pPr>
+            <a:lvl4pPr marR="0" lvl="3" algn="l" rtl="0" eaLnBrk="1" hangingPunct="1">
+              <a:lnSpc>
+                <a:spcPct val="100000"/>
+              </a:lnSpc>
+              <a:spcBef>
+                <a:spcPts val="0"/>
+              </a:spcBef>
+              <a:spcAft>
+                <a:spcPts val="0"/>
+              </a:spcAft>
+              <a:buClr>
+                <a:schemeClr val="dk1"/>
+              </a:buClr>
+              <a:buSzPts val="3000"/>
+              <a:buFont typeface="Oxanium"/>
+              <a:buNone/>
+              <a:defRPr sz="3000" b="1" i="0" u="none" strike="noStrike" cap="none">
+                <a:solidFill>
+                  <a:schemeClr val="dk1"/>
+                </a:solidFill>
+                <a:latin typeface="Oxanium"/>
+                <a:ea typeface="Oxanium"/>
+                <a:cs typeface="Oxanium"/>
+                <a:sym typeface="Oxanium"/>
+              </a:defRPr>
+            </a:lvl4pPr>
+            <a:lvl5pPr marR="0" lvl="4" algn="l" rtl="0" eaLnBrk="1" hangingPunct="1">
+              <a:lnSpc>
+                <a:spcPct val="100000"/>
+              </a:lnSpc>
+              <a:spcBef>
+                <a:spcPts val="0"/>
+              </a:spcBef>
+              <a:spcAft>
+                <a:spcPts val="0"/>
+              </a:spcAft>
+              <a:buClr>
+                <a:schemeClr val="dk1"/>
+              </a:buClr>
+              <a:buSzPts val="3000"/>
+              <a:buFont typeface="Oxanium"/>
+              <a:buNone/>
+              <a:defRPr sz="3000" b="1" i="0" u="none" strike="noStrike" cap="none">
+                <a:solidFill>
+                  <a:schemeClr val="dk1"/>
+                </a:solidFill>
+                <a:latin typeface="Oxanium"/>
+                <a:ea typeface="Oxanium"/>
+                <a:cs typeface="Oxanium"/>
+                <a:sym typeface="Oxanium"/>
+              </a:defRPr>
+            </a:lvl5pPr>
+            <a:lvl6pPr marR="0" lvl="5" algn="l" rtl="0" eaLnBrk="1" hangingPunct="1">
+              <a:lnSpc>
+                <a:spcPct val="100000"/>
+              </a:lnSpc>
+              <a:spcBef>
+                <a:spcPts val="0"/>
+              </a:spcBef>
+              <a:spcAft>
+                <a:spcPts val="0"/>
+              </a:spcAft>
+              <a:buClr>
+                <a:schemeClr val="dk1"/>
+              </a:buClr>
+              <a:buSzPts val="3000"/>
+              <a:buFont typeface="Oxanium"/>
+              <a:buNone/>
+              <a:defRPr sz="3000" b="1" i="0" u="none" strike="noStrike" cap="none">
+                <a:solidFill>
+                  <a:schemeClr val="dk1"/>
+                </a:solidFill>
+                <a:latin typeface="Oxanium"/>
+                <a:ea typeface="Oxanium"/>
+                <a:cs typeface="Oxanium"/>
+                <a:sym typeface="Oxanium"/>
+              </a:defRPr>
+            </a:lvl6pPr>
+            <a:lvl7pPr marR="0" lvl="6" algn="l" rtl="0" eaLnBrk="1" hangingPunct="1">
+              <a:lnSpc>
+                <a:spcPct val="100000"/>
+              </a:lnSpc>
+              <a:spcBef>
+                <a:spcPts val="0"/>
+              </a:spcBef>
+              <a:spcAft>
+                <a:spcPts val="0"/>
+              </a:spcAft>
+              <a:buClr>
+                <a:schemeClr val="dk1"/>
+              </a:buClr>
+              <a:buSzPts val="3000"/>
+              <a:buFont typeface="Oxanium"/>
+              <a:buNone/>
+              <a:defRPr sz="3000" b="1" i="0" u="none" strike="noStrike" cap="none">
+                <a:solidFill>
+                  <a:schemeClr val="dk1"/>
+                </a:solidFill>
+                <a:latin typeface="Oxanium"/>
+                <a:ea typeface="Oxanium"/>
+                <a:cs typeface="Oxanium"/>
+                <a:sym typeface="Oxanium"/>
+              </a:defRPr>
+            </a:lvl7pPr>
+            <a:lvl8pPr marR="0" lvl="7" algn="l" rtl="0" eaLnBrk="1" hangingPunct="1">
+              <a:lnSpc>
+                <a:spcPct val="100000"/>
+              </a:lnSpc>
+              <a:spcBef>
+                <a:spcPts val="0"/>
+              </a:spcBef>
+              <a:spcAft>
+                <a:spcPts val="0"/>
+              </a:spcAft>
+              <a:buClr>
+                <a:schemeClr val="dk1"/>
+              </a:buClr>
+              <a:buSzPts val="3000"/>
+              <a:buFont typeface="Oxanium"/>
+              <a:buNone/>
+              <a:defRPr sz="3000" b="1" i="0" u="none" strike="noStrike" cap="none">
+                <a:solidFill>
+                  <a:schemeClr val="dk1"/>
+                </a:solidFill>
+                <a:latin typeface="Oxanium"/>
+                <a:ea typeface="Oxanium"/>
+                <a:cs typeface="Oxanium"/>
+                <a:sym typeface="Oxanium"/>
+              </a:defRPr>
+            </a:lvl8pPr>
+            <a:lvl9pPr marR="0" lvl="8" algn="l" rtl="0" eaLnBrk="1" hangingPunct="1">
+              <a:lnSpc>
+                <a:spcPct val="100000"/>
+              </a:lnSpc>
+              <a:spcBef>
+                <a:spcPts val="0"/>
+              </a:spcBef>
+              <a:spcAft>
+                <a:spcPts val="0"/>
+              </a:spcAft>
+              <a:buClr>
+                <a:schemeClr val="dk1"/>
+              </a:buClr>
+              <a:buSzPts val="3000"/>
+              <a:buFont typeface="Oxanium"/>
+              <a:buNone/>
+              <a:defRPr sz="3000" b="1" i="0" u="none" strike="noStrike" cap="none">
+                <a:solidFill>
+                  <a:schemeClr val="dk1"/>
+                </a:solidFill>
+                <a:latin typeface="Oxanium"/>
+                <a:ea typeface="Oxanium"/>
+                <a:cs typeface="Oxanium"/>
+                <a:sym typeface="Oxanium"/>
+              </a:defRPr>
+            </a:lvl9pPr>
+          </a:lstStyle>
+          <a:p>
+            <a:r>
+              <a:rPr lang="en-GB" sz="4000" dirty="0"/>
+              <a:t>The solution</a:t>
+            </a:r>
+          </a:p>
+        </p:txBody>
+      </p:sp>
+      <p:sp>
+        <p:nvSpPr>
+          <p:cNvPr id="17" name="Subtitle 2">
+            <a:extLst>
+              <a:ext uri="{FF2B5EF4-FFF2-40B4-BE49-F238E27FC236}">
+                <a16:creationId xmlns:a16="http://schemas.microsoft.com/office/drawing/2014/main" id="{EDB4A5A8-ECFE-4865-BA36-945355C6E767}"/>
+              </a:ext>
+            </a:extLst>
+          </p:cNvPr>
+          <p:cNvSpPr txBox="1">
+            <a:spLocks/>
+          </p:cNvSpPr>
+          <p:nvPr/>
+        </p:nvSpPr>
+        <p:spPr>
+          <a:xfrm>
+            <a:off x="12373512" y="2813865"/>
+            <a:ext cx="3939993" cy="2066249"/>
+          </a:xfrm>
+          <a:prstGeom prst="rect">
+            <a:avLst/>
+          </a:prstGeom>
+          <a:noFill/>
+          <a:ln>
+            <a:noFill/>
+          </a:ln>
+        </p:spPr>
+        <p:txBody>
+          <a:bodyPr spcFirstLastPara="1" wrap="square" lIns="91425" tIns="91425" rIns="91425" bIns="91425" anchor="t" anchorCtr="0">
+            <a:noAutofit/>
+          </a:bodyPr>
+          <a:lstStyle>
+            <a:defPPr marR="0" lvl="0" algn="l" rtl="0">
+              <a:lnSpc>
+                <a:spcPct val="100000"/>
+              </a:lnSpc>
+              <a:spcBef>
+                <a:spcPts val="0"/>
+              </a:spcBef>
+              <a:spcAft>
+                <a:spcPts val="0"/>
+              </a:spcAft>
+            </a:defPPr>
+            <a:lvl1pPr marL="9525" indent="-9525" eaLnBrk="1" hangingPunct="1">
+              <a:buClr>
+                <a:schemeClr val="dk1"/>
+              </a:buClr>
+              <a:buSzPts val="1200"/>
+              <a:buFont typeface="Hind"/>
+              <a:buNone/>
+              <a:defRPr sz="2100">
+                <a:solidFill>
+                  <a:schemeClr val="dk1"/>
+                </a:solidFill>
+                <a:latin typeface="Oxanium"/>
+                <a:ea typeface="Hind"/>
+                <a:cs typeface="Hind"/>
+                <a:sym typeface="Hind"/>
+              </a:defRPr>
+            </a:lvl1pPr>
+            <a:lvl2pPr marL="914400" indent="-304800" algn="ctr" eaLnBrk="1" hangingPunct="1">
+              <a:buClr>
+                <a:schemeClr val="dk1"/>
+              </a:buClr>
+              <a:buSzPts val="1800"/>
+              <a:buFont typeface="Hind"/>
+              <a:buNone/>
+              <a:defRPr sz="2400">
+                <a:solidFill>
+                  <a:schemeClr val="dk1"/>
+                </a:solidFill>
+                <a:latin typeface="Hind"/>
+                <a:ea typeface="Hind"/>
+                <a:cs typeface="Hind"/>
+                <a:sym typeface="Hind"/>
+              </a:defRPr>
+            </a:lvl2pPr>
+            <a:lvl3pPr marL="1371600" indent="-304800" algn="ctr" eaLnBrk="1" hangingPunct="1">
+              <a:buClr>
+                <a:schemeClr val="dk1"/>
+              </a:buClr>
+              <a:buSzPts val="1800"/>
+              <a:buFont typeface="Hind"/>
+              <a:buNone/>
+              <a:defRPr sz="2400">
+                <a:solidFill>
+                  <a:schemeClr val="dk1"/>
+                </a:solidFill>
+                <a:latin typeface="Hind"/>
+                <a:ea typeface="Hind"/>
+                <a:cs typeface="Hind"/>
+                <a:sym typeface="Hind"/>
+              </a:defRPr>
+            </a:lvl3pPr>
+            <a:lvl4pPr marL="1828800" indent="-304800" algn="ctr" eaLnBrk="1" hangingPunct="1">
+              <a:buClr>
+                <a:schemeClr val="dk1"/>
+              </a:buClr>
+              <a:buSzPts val="1800"/>
+              <a:buFont typeface="Hind"/>
+              <a:buNone/>
+              <a:defRPr sz="2400">
+                <a:solidFill>
+                  <a:schemeClr val="dk1"/>
+                </a:solidFill>
+                <a:latin typeface="Hind"/>
+                <a:ea typeface="Hind"/>
+                <a:cs typeface="Hind"/>
+                <a:sym typeface="Hind"/>
+              </a:defRPr>
+            </a:lvl4pPr>
+            <a:lvl5pPr marL="2286000" indent="-304800" algn="ctr" eaLnBrk="1" hangingPunct="1">
+              <a:buClr>
+                <a:schemeClr val="dk1"/>
+              </a:buClr>
+              <a:buSzPts val="1800"/>
+              <a:buFont typeface="Hind"/>
+              <a:buNone/>
+              <a:defRPr sz="2400">
+                <a:solidFill>
+                  <a:schemeClr val="dk1"/>
+                </a:solidFill>
+                <a:latin typeface="Hind"/>
+                <a:ea typeface="Hind"/>
+                <a:cs typeface="Hind"/>
+                <a:sym typeface="Hind"/>
+              </a:defRPr>
+            </a:lvl5pPr>
+            <a:lvl6pPr marL="2743200" indent="-304800" algn="ctr" eaLnBrk="1" hangingPunct="1">
+              <a:buClr>
+                <a:schemeClr val="dk1"/>
+              </a:buClr>
+              <a:buSzPts val="1800"/>
+              <a:buFont typeface="Hind"/>
+              <a:buNone/>
+              <a:defRPr sz="2400">
+                <a:solidFill>
+                  <a:schemeClr val="dk1"/>
+                </a:solidFill>
+                <a:latin typeface="Hind"/>
+                <a:ea typeface="Hind"/>
+                <a:cs typeface="Hind"/>
+                <a:sym typeface="Hind"/>
+              </a:defRPr>
+            </a:lvl6pPr>
+            <a:lvl7pPr marL="3200400" indent="-304800" algn="ctr" eaLnBrk="1" hangingPunct="1">
+              <a:buClr>
+                <a:schemeClr val="dk1"/>
+              </a:buClr>
+              <a:buSzPts val="1800"/>
+              <a:buFont typeface="Hind"/>
+              <a:buNone/>
+              <a:defRPr sz="2400">
+                <a:solidFill>
+                  <a:schemeClr val="dk1"/>
+                </a:solidFill>
+                <a:latin typeface="Hind"/>
+                <a:ea typeface="Hind"/>
+                <a:cs typeface="Hind"/>
+                <a:sym typeface="Hind"/>
+              </a:defRPr>
+            </a:lvl7pPr>
+            <a:lvl8pPr marL="3657600" indent="-304800" algn="ctr" eaLnBrk="1" hangingPunct="1">
+              <a:buClr>
+                <a:schemeClr val="dk1"/>
+              </a:buClr>
+              <a:buSzPts val="1800"/>
+              <a:buFont typeface="Hind"/>
+              <a:buNone/>
+              <a:defRPr sz="2400">
+                <a:solidFill>
+                  <a:schemeClr val="dk1"/>
+                </a:solidFill>
+                <a:latin typeface="Hind"/>
+                <a:ea typeface="Hind"/>
+                <a:cs typeface="Hind"/>
+                <a:sym typeface="Hind"/>
+              </a:defRPr>
+            </a:lvl8pPr>
+            <a:lvl9pPr marL="4114800" indent="-304800" algn="ctr" eaLnBrk="1" hangingPunct="1">
+              <a:buClr>
+                <a:schemeClr val="dk1"/>
+              </a:buClr>
+              <a:buSzPts val="1800"/>
+              <a:buFont typeface="Hind"/>
+              <a:buNone/>
+              <a:defRPr sz="2400">
+                <a:solidFill>
+                  <a:schemeClr val="dk1"/>
+                </a:solidFill>
+                <a:latin typeface="Hind"/>
+                <a:ea typeface="Hind"/>
+                <a:cs typeface="Hind"/>
+                <a:sym typeface="Hind"/>
+              </a:defRPr>
+            </a:lvl9pPr>
+          </a:lstStyle>
+          <a:p>
+            <a:pPr marL="342900" indent="-342900">
+              <a:buFont typeface="Arial" panose="020B0604020202020204" pitchFamily="34" charset="0"/>
+              <a:buChar char="•"/>
+            </a:pPr>
+            <a:r>
+              <a:rPr lang="en-GB" sz="2400" dirty="0"/>
+              <a:t>We decided to create our own program to replace the obsolete software with managing books, users and all the borrowings.</a:t>
+            </a:r>
+          </a:p>
+        </p:txBody>
+      </p:sp>
+    </p:spTree>
+    <p:extLst>
+      <p:ext uri="{BB962C8B-B14F-4D97-AF65-F5344CB8AC3E}">
+        <p14:creationId xmlns:p14="http://schemas.microsoft.com/office/powerpoint/2010/main" val="879818075"/>
+      </p:ext>
+    </p:extLst>
+  </p:cSld>
+  <p:clrMapOvr>
+    <a:masterClrMapping/>
+  </p:clrMapOvr>
+  <mc:AlternateContent xmlns:mc="http://schemas.openxmlformats.org/markup-compatibility/2006" xmlns:p159="http://schemas.microsoft.com/office/powerpoint/2015/09/main">
+    <mc:Choice Requires="p159">
+      <p:transition xmlns:p14="http://schemas.microsoft.com/office/powerpoint/2010/main" spd="slow" p14:dur="2000">
+        <p159:morph option="byObject"/>
+      </p:transition>
+    </mc:Choice>
+    <mc:Fallback xmlns="">
+      <p:transition spd="slow">
+        <p:fade/>
+      </p:transition>
+    </mc:Fallback>
+  </mc:AlternateContent>
+</p:sld>
+</file>
+
+<file path=ppt/slides/slide30.xml><?xml version="1.0" encoding="utf-8"?>
 <p:sld xmlns:a="http://schemas.openxmlformats.org/drawingml/2006/main" xmlns:r="http://schemas.openxmlformats.org/officeDocument/2006/relationships" xmlns:p="http://schemas.openxmlformats.org/presentationml/2006/main">
   <p:cSld>
     <p:spTree>
@@ -36215,7 +40926,7 @@
 </p:sld>
 </file>
 
-<file path=ppt/slides/slide27.xml><?xml version="1.0" encoding="utf-8"?>
+<file path=ppt/slides/slide31.xml><?xml version="1.0" encoding="utf-8"?>
 <p:sld xmlns:a="http://schemas.openxmlformats.org/drawingml/2006/main" xmlns:r="http://schemas.openxmlformats.org/officeDocument/2006/relationships" xmlns:p="http://schemas.openxmlformats.org/presentationml/2006/main">
   <p:cSld>
     <p:spTree>
@@ -36901,7 +41612,7 @@
 </p:sld>
 </file>
 
-<file path=ppt/slides/slide28.xml><?xml version="1.0" encoding="utf-8"?>
+<file path=ppt/slides/slide32.xml><?xml version="1.0" encoding="utf-8"?>
 <p:sld xmlns:a="http://schemas.openxmlformats.org/drawingml/2006/main" xmlns:r="http://schemas.openxmlformats.org/officeDocument/2006/relationships" xmlns:p="http://schemas.openxmlformats.org/presentationml/2006/main">
   <p:cSld>
     <p:spTree>
@@ -38259,7 +42970,7 @@
 </p:sld>
 </file>
 
-<file path=ppt/slides/slide29.xml><?xml version="1.0" encoding="utf-8"?>
+<file path=ppt/slides/slide33.xml><?xml version="1.0" encoding="utf-8"?>
 <p:sld xmlns:a="http://schemas.openxmlformats.org/drawingml/2006/main" xmlns:r="http://schemas.openxmlformats.org/officeDocument/2006/relationships" xmlns:p="http://schemas.openxmlformats.org/presentationml/2006/main">
   <p:cSld>
     <p:spTree>
@@ -39312,796 +44023,7 @@
 </p:sld>
 </file>
 
-<file path=ppt/slides/slide3.xml><?xml version="1.0" encoding="utf-8"?>
-<p:sld xmlns:a="http://schemas.openxmlformats.org/drawingml/2006/main" xmlns:r="http://schemas.openxmlformats.org/officeDocument/2006/relationships" xmlns:p="http://schemas.openxmlformats.org/presentationml/2006/main">
-  <p:cSld>
-    <p:spTree>
-      <p:nvGrpSpPr>
-        <p:cNvPr id="1" name=""/>
-        <p:cNvGrpSpPr/>
-        <p:nvPr/>
-      </p:nvGrpSpPr>
-      <p:grpSpPr>
-        <a:xfrm>
-          <a:off x="0" y="0"/>
-          <a:ext cx="0" cy="0"/>
-          <a:chOff x="0" y="0"/>
-          <a:chExt cx="0" cy="0"/>
-        </a:xfrm>
-      </p:grpSpPr>
-      <p:sp>
-        <p:nvSpPr>
-          <p:cNvPr id="9" name="Title 3">
-            <a:extLst>
-              <a:ext uri="{FF2B5EF4-FFF2-40B4-BE49-F238E27FC236}">
-                <a16:creationId xmlns:a16="http://schemas.microsoft.com/office/drawing/2014/main" id="{1C8BAD0D-43DE-4316-957D-7E1B4FC0D0AA}"/>
-              </a:ext>
-            </a:extLst>
-          </p:cNvPr>
-          <p:cNvSpPr>
-            <a:spLocks noGrp="1"/>
-          </p:cNvSpPr>
-          <p:nvPr>
-            <p:ph type="title"/>
-          </p:nvPr>
-        </p:nvSpPr>
-        <p:spPr>
-          <a:xfrm>
-            <a:off x="4563325" y="2007704"/>
-            <a:ext cx="3065348" cy="580553"/>
-          </a:xfrm>
-        </p:spPr>
-        <p:txBody>
-          <a:bodyPr/>
-          <a:lstStyle/>
-          <a:p>
-            <a:r>
-              <a:rPr lang="en-GB" sz="4000" dirty="0"/>
-              <a:t>The problem</a:t>
-            </a:r>
-          </a:p>
-        </p:txBody>
-      </p:sp>
-      <p:sp>
-        <p:nvSpPr>
-          <p:cNvPr id="11" name="Subtitle 2">
-            <a:extLst>
-              <a:ext uri="{FF2B5EF4-FFF2-40B4-BE49-F238E27FC236}">
-                <a16:creationId xmlns:a16="http://schemas.microsoft.com/office/drawing/2014/main" id="{5AD56862-9EFA-4BCF-AA67-2DDAA70FCC07}"/>
-              </a:ext>
-            </a:extLst>
-          </p:cNvPr>
-          <p:cNvSpPr txBox="1">
-            <a:spLocks/>
-          </p:cNvSpPr>
-          <p:nvPr/>
-        </p:nvSpPr>
-        <p:spPr>
-          <a:xfrm>
-            <a:off x="4126003" y="2813865"/>
-            <a:ext cx="3939993" cy="2066249"/>
-          </a:xfrm>
-          <a:prstGeom prst="rect">
-            <a:avLst/>
-          </a:prstGeom>
-          <a:noFill/>
-          <a:ln>
-            <a:noFill/>
-          </a:ln>
-        </p:spPr>
-        <p:txBody>
-          <a:bodyPr spcFirstLastPara="1" wrap="square" lIns="91425" tIns="91425" rIns="91425" bIns="91425" anchor="t" anchorCtr="0">
-            <a:noAutofit/>
-          </a:bodyPr>
-          <a:lstStyle>
-            <a:defPPr marR="0" lvl="0" algn="l" rtl="0">
-              <a:lnSpc>
-                <a:spcPct val="100000"/>
-              </a:lnSpc>
-              <a:spcBef>
-                <a:spcPts val="0"/>
-              </a:spcBef>
-              <a:spcAft>
-                <a:spcPts val="0"/>
-              </a:spcAft>
-            </a:defPPr>
-            <a:lvl1pPr marL="9525" indent="-9525" eaLnBrk="1" hangingPunct="1">
-              <a:buClr>
-                <a:schemeClr val="dk1"/>
-              </a:buClr>
-              <a:buSzPts val="1200"/>
-              <a:buFont typeface="Hind"/>
-              <a:buNone/>
-              <a:defRPr sz="2100">
-                <a:solidFill>
-                  <a:schemeClr val="dk1"/>
-                </a:solidFill>
-                <a:latin typeface="Oxanium"/>
-                <a:ea typeface="Hind"/>
-                <a:cs typeface="Hind"/>
-                <a:sym typeface="Hind"/>
-              </a:defRPr>
-            </a:lvl1pPr>
-            <a:lvl2pPr marL="914400" indent="-304800" algn="ctr" eaLnBrk="1" hangingPunct="1">
-              <a:buClr>
-                <a:schemeClr val="dk1"/>
-              </a:buClr>
-              <a:buSzPts val="1800"/>
-              <a:buFont typeface="Hind"/>
-              <a:buNone/>
-              <a:defRPr sz="2400">
-                <a:solidFill>
-                  <a:schemeClr val="dk1"/>
-                </a:solidFill>
-                <a:latin typeface="Hind"/>
-                <a:ea typeface="Hind"/>
-                <a:cs typeface="Hind"/>
-                <a:sym typeface="Hind"/>
-              </a:defRPr>
-            </a:lvl2pPr>
-            <a:lvl3pPr marL="1371600" indent="-304800" algn="ctr" eaLnBrk="1" hangingPunct="1">
-              <a:buClr>
-                <a:schemeClr val="dk1"/>
-              </a:buClr>
-              <a:buSzPts val="1800"/>
-              <a:buFont typeface="Hind"/>
-              <a:buNone/>
-              <a:defRPr sz="2400">
-                <a:solidFill>
-                  <a:schemeClr val="dk1"/>
-                </a:solidFill>
-                <a:latin typeface="Hind"/>
-                <a:ea typeface="Hind"/>
-                <a:cs typeface="Hind"/>
-                <a:sym typeface="Hind"/>
-              </a:defRPr>
-            </a:lvl3pPr>
-            <a:lvl4pPr marL="1828800" indent="-304800" algn="ctr" eaLnBrk="1" hangingPunct="1">
-              <a:buClr>
-                <a:schemeClr val="dk1"/>
-              </a:buClr>
-              <a:buSzPts val="1800"/>
-              <a:buFont typeface="Hind"/>
-              <a:buNone/>
-              <a:defRPr sz="2400">
-                <a:solidFill>
-                  <a:schemeClr val="dk1"/>
-                </a:solidFill>
-                <a:latin typeface="Hind"/>
-                <a:ea typeface="Hind"/>
-                <a:cs typeface="Hind"/>
-                <a:sym typeface="Hind"/>
-              </a:defRPr>
-            </a:lvl4pPr>
-            <a:lvl5pPr marL="2286000" indent="-304800" algn="ctr" eaLnBrk="1" hangingPunct="1">
-              <a:buClr>
-                <a:schemeClr val="dk1"/>
-              </a:buClr>
-              <a:buSzPts val="1800"/>
-              <a:buFont typeface="Hind"/>
-              <a:buNone/>
-              <a:defRPr sz="2400">
-                <a:solidFill>
-                  <a:schemeClr val="dk1"/>
-                </a:solidFill>
-                <a:latin typeface="Hind"/>
-                <a:ea typeface="Hind"/>
-                <a:cs typeface="Hind"/>
-                <a:sym typeface="Hind"/>
-              </a:defRPr>
-            </a:lvl5pPr>
-            <a:lvl6pPr marL="2743200" indent="-304800" algn="ctr" eaLnBrk="1" hangingPunct="1">
-              <a:buClr>
-                <a:schemeClr val="dk1"/>
-              </a:buClr>
-              <a:buSzPts val="1800"/>
-              <a:buFont typeface="Hind"/>
-              <a:buNone/>
-              <a:defRPr sz="2400">
-                <a:solidFill>
-                  <a:schemeClr val="dk1"/>
-                </a:solidFill>
-                <a:latin typeface="Hind"/>
-                <a:ea typeface="Hind"/>
-                <a:cs typeface="Hind"/>
-                <a:sym typeface="Hind"/>
-              </a:defRPr>
-            </a:lvl6pPr>
-            <a:lvl7pPr marL="3200400" indent="-304800" algn="ctr" eaLnBrk="1" hangingPunct="1">
-              <a:buClr>
-                <a:schemeClr val="dk1"/>
-              </a:buClr>
-              <a:buSzPts val="1800"/>
-              <a:buFont typeface="Hind"/>
-              <a:buNone/>
-              <a:defRPr sz="2400">
-                <a:solidFill>
-                  <a:schemeClr val="dk1"/>
-                </a:solidFill>
-                <a:latin typeface="Hind"/>
-                <a:ea typeface="Hind"/>
-                <a:cs typeface="Hind"/>
-                <a:sym typeface="Hind"/>
-              </a:defRPr>
-            </a:lvl7pPr>
-            <a:lvl8pPr marL="3657600" indent="-304800" algn="ctr" eaLnBrk="1" hangingPunct="1">
-              <a:buClr>
-                <a:schemeClr val="dk1"/>
-              </a:buClr>
-              <a:buSzPts val="1800"/>
-              <a:buFont typeface="Hind"/>
-              <a:buNone/>
-              <a:defRPr sz="2400">
-                <a:solidFill>
-                  <a:schemeClr val="dk1"/>
-                </a:solidFill>
-                <a:latin typeface="Hind"/>
-                <a:ea typeface="Hind"/>
-                <a:cs typeface="Hind"/>
-                <a:sym typeface="Hind"/>
-              </a:defRPr>
-            </a:lvl8pPr>
-            <a:lvl9pPr marL="4114800" indent="-304800" algn="ctr" eaLnBrk="1" hangingPunct="1">
-              <a:buClr>
-                <a:schemeClr val="dk1"/>
-              </a:buClr>
-              <a:buSzPts val="1800"/>
-              <a:buFont typeface="Hind"/>
-              <a:buNone/>
-              <a:defRPr sz="2400">
-                <a:solidFill>
-                  <a:schemeClr val="dk1"/>
-                </a:solidFill>
-                <a:latin typeface="Hind"/>
-                <a:ea typeface="Hind"/>
-                <a:cs typeface="Hind"/>
-                <a:sym typeface="Hind"/>
-              </a:defRPr>
-            </a:lvl9pPr>
-          </a:lstStyle>
-          <a:p>
-            <a:pPr marL="342900" indent="-342900">
-              <a:buFont typeface="Arial" panose="020B0604020202020204" pitchFamily="34" charset="0"/>
-              <a:buChar char="•"/>
-            </a:pPr>
-            <a:r>
-              <a:rPr lang="en-GB" sz="2400" dirty="0"/>
-              <a:t>We heard librarians say they are dissatisfied with the current system.</a:t>
-            </a:r>
-          </a:p>
-          <a:p>
-            <a:pPr marL="342900" indent="-342900">
-              <a:buFont typeface="Arial" panose="020B0604020202020204" pitchFamily="34" charset="0"/>
-              <a:buChar char="•"/>
-            </a:pPr>
-            <a:r>
-              <a:rPr lang="en-GB" sz="2400" dirty="0"/>
-              <a:t>It was also inconvenient for us, students.</a:t>
-            </a:r>
-          </a:p>
-        </p:txBody>
-      </p:sp>
-      <p:sp>
-        <p:nvSpPr>
-          <p:cNvPr id="16" name="Title 3">
-            <a:extLst>
-              <a:ext uri="{FF2B5EF4-FFF2-40B4-BE49-F238E27FC236}">
-                <a16:creationId xmlns:a16="http://schemas.microsoft.com/office/drawing/2014/main" id="{7C5DCB7D-F93F-4AD0-8CE4-17A8B1CA7F30}"/>
-              </a:ext>
-            </a:extLst>
-          </p:cNvPr>
-          <p:cNvSpPr txBox="1">
-            <a:spLocks/>
-          </p:cNvSpPr>
-          <p:nvPr/>
-        </p:nvSpPr>
-        <p:spPr>
-          <a:xfrm>
-            <a:off x="12810834" y="2007704"/>
-            <a:ext cx="3065348" cy="580553"/>
-          </a:xfrm>
-          <a:prstGeom prst="rect">
-            <a:avLst/>
-          </a:prstGeom>
-          <a:noFill/>
-          <a:ln>
-            <a:noFill/>
-          </a:ln>
-        </p:spPr>
-        <p:txBody>
-          <a:bodyPr spcFirstLastPara="1" wrap="square" lIns="91425" tIns="91425" rIns="91425" bIns="91425" anchor="b" anchorCtr="0">
-            <a:noAutofit/>
-          </a:bodyPr>
-          <a:lstStyle>
-            <a:defPPr marR="0" lvl="0" algn="l" rtl="0">
-              <a:lnSpc>
-                <a:spcPct val="100000"/>
-              </a:lnSpc>
-              <a:spcBef>
-                <a:spcPts val="0"/>
-              </a:spcBef>
-              <a:spcAft>
-                <a:spcPts val="0"/>
-              </a:spcAft>
-            </a:defPPr>
-            <a:lvl1pPr marR="0" lvl="0" algn="l" rtl="0" eaLnBrk="1" hangingPunct="1">
-              <a:lnSpc>
-                <a:spcPct val="100000"/>
-              </a:lnSpc>
-              <a:spcBef>
-                <a:spcPts val="0"/>
-              </a:spcBef>
-              <a:spcAft>
-                <a:spcPts val="0"/>
-              </a:spcAft>
-              <a:buClr>
-                <a:schemeClr val="dk1"/>
-              </a:buClr>
-              <a:buSzPts val="3000"/>
-              <a:buFont typeface="Oxanium"/>
-              <a:buNone/>
-              <a:defRPr sz="3000" b="1" i="0" u="none" strike="noStrike" cap="none">
-                <a:solidFill>
-                  <a:schemeClr val="dk1"/>
-                </a:solidFill>
-                <a:latin typeface="Oxanium"/>
-                <a:ea typeface="Oxanium"/>
-                <a:cs typeface="Oxanium"/>
-                <a:sym typeface="Oxanium"/>
-              </a:defRPr>
-            </a:lvl1pPr>
-            <a:lvl2pPr marR="0" lvl="1" algn="l" rtl="0" eaLnBrk="1" hangingPunct="1">
-              <a:lnSpc>
-                <a:spcPct val="100000"/>
-              </a:lnSpc>
-              <a:spcBef>
-                <a:spcPts val="0"/>
-              </a:spcBef>
-              <a:spcAft>
-                <a:spcPts val="0"/>
-              </a:spcAft>
-              <a:buClr>
-                <a:schemeClr val="dk1"/>
-              </a:buClr>
-              <a:buSzPts val="3000"/>
-              <a:buFont typeface="Oxanium"/>
-              <a:buNone/>
-              <a:defRPr sz="3000" b="1" i="0" u="none" strike="noStrike" cap="none">
-                <a:solidFill>
-                  <a:schemeClr val="dk1"/>
-                </a:solidFill>
-                <a:latin typeface="Oxanium"/>
-                <a:ea typeface="Oxanium"/>
-                <a:cs typeface="Oxanium"/>
-                <a:sym typeface="Oxanium"/>
-              </a:defRPr>
-            </a:lvl2pPr>
-            <a:lvl3pPr marR="0" lvl="2" algn="l" rtl="0" eaLnBrk="1" hangingPunct="1">
-              <a:lnSpc>
-                <a:spcPct val="100000"/>
-              </a:lnSpc>
-              <a:spcBef>
-                <a:spcPts val="0"/>
-              </a:spcBef>
-              <a:spcAft>
-                <a:spcPts val="0"/>
-              </a:spcAft>
-              <a:buClr>
-                <a:schemeClr val="dk1"/>
-              </a:buClr>
-              <a:buSzPts val="3000"/>
-              <a:buFont typeface="Oxanium"/>
-              <a:buNone/>
-              <a:defRPr sz="3000" b="1" i="0" u="none" strike="noStrike" cap="none">
-                <a:solidFill>
-                  <a:schemeClr val="dk1"/>
-                </a:solidFill>
-                <a:latin typeface="Oxanium"/>
-                <a:ea typeface="Oxanium"/>
-                <a:cs typeface="Oxanium"/>
-                <a:sym typeface="Oxanium"/>
-              </a:defRPr>
-            </a:lvl3pPr>
-            <a:lvl4pPr marR="0" lvl="3" algn="l" rtl="0" eaLnBrk="1" hangingPunct="1">
-              <a:lnSpc>
-                <a:spcPct val="100000"/>
-              </a:lnSpc>
-              <a:spcBef>
-                <a:spcPts val="0"/>
-              </a:spcBef>
-              <a:spcAft>
-                <a:spcPts val="0"/>
-              </a:spcAft>
-              <a:buClr>
-                <a:schemeClr val="dk1"/>
-              </a:buClr>
-              <a:buSzPts val="3000"/>
-              <a:buFont typeface="Oxanium"/>
-              <a:buNone/>
-              <a:defRPr sz="3000" b="1" i="0" u="none" strike="noStrike" cap="none">
-                <a:solidFill>
-                  <a:schemeClr val="dk1"/>
-                </a:solidFill>
-                <a:latin typeface="Oxanium"/>
-                <a:ea typeface="Oxanium"/>
-                <a:cs typeface="Oxanium"/>
-                <a:sym typeface="Oxanium"/>
-              </a:defRPr>
-            </a:lvl4pPr>
-            <a:lvl5pPr marR="0" lvl="4" algn="l" rtl="0" eaLnBrk="1" hangingPunct="1">
-              <a:lnSpc>
-                <a:spcPct val="100000"/>
-              </a:lnSpc>
-              <a:spcBef>
-                <a:spcPts val="0"/>
-              </a:spcBef>
-              <a:spcAft>
-                <a:spcPts val="0"/>
-              </a:spcAft>
-              <a:buClr>
-                <a:schemeClr val="dk1"/>
-              </a:buClr>
-              <a:buSzPts val="3000"/>
-              <a:buFont typeface="Oxanium"/>
-              <a:buNone/>
-              <a:defRPr sz="3000" b="1" i="0" u="none" strike="noStrike" cap="none">
-                <a:solidFill>
-                  <a:schemeClr val="dk1"/>
-                </a:solidFill>
-                <a:latin typeface="Oxanium"/>
-                <a:ea typeface="Oxanium"/>
-                <a:cs typeface="Oxanium"/>
-                <a:sym typeface="Oxanium"/>
-              </a:defRPr>
-            </a:lvl5pPr>
-            <a:lvl6pPr marR="0" lvl="5" algn="l" rtl="0" eaLnBrk="1" hangingPunct="1">
-              <a:lnSpc>
-                <a:spcPct val="100000"/>
-              </a:lnSpc>
-              <a:spcBef>
-                <a:spcPts val="0"/>
-              </a:spcBef>
-              <a:spcAft>
-                <a:spcPts val="0"/>
-              </a:spcAft>
-              <a:buClr>
-                <a:schemeClr val="dk1"/>
-              </a:buClr>
-              <a:buSzPts val="3000"/>
-              <a:buFont typeface="Oxanium"/>
-              <a:buNone/>
-              <a:defRPr sz="3000" b="1" i="0" u="none" strike="noStrike" cap="none">
-                <a:solidFill>
-                  <a:schemeClr val="dk1"/>
-                </a:solidFill>
-                <a:latin typeface="Oxanium"/>
-                <a:ea typeface="Oxanium"/>
-                <a:cs typeface="Oxanium"/>
-                <a:sym typeface="Oxanium"/>
-              </a:defRPr>
-            </a:lvl6pPr>
-            <a:lvl7pPr marR="0" lvl="6" algn="l" rtl="0" eaLnBrk="1" hangingPunct="1">
-              <a:lnSpc>
-                <a:spcPct val="100000"/>
-              </a:lnSpc>
-              <a:spcBef>
-                <a:spcPts val="0"/>
-              </a:spcBef>
-              <a:spcAft>
-                <a:spcPts val="0"/>
-              </a:spcAft>
-              <a:buClr>
-                <a:schemeClr val="dk1"/>
-              </a:buClr>
-              <a:buSzPts val="3000"/>
-              <a:buFont typeface="Oxanium"/>
-              <a:buNone/>
-              <a:defRPr sz="3000" b="1" i="0" u="none" strike="noStrike" cap="none">
-                <a:solidFill>
-                  <a:schemeClr val="dk1"/>
-                </a:solidFill>
-                <a:latin typeface="Oxanium"/>
-                <a:ea typeface="Oxanium"/>
-                <a:cs typeface="Oxanium"/>
-                <a:sym typeface="Oxanium"/>
-              </a:defRPr>
-            </a:lvl7pPr>
-            <a:lvl8pPr marR="0" lvl="7" algn="l" rtl="0" eaLnBrk="1" hangingPunct="1">
-              <a:lnSpc>
-                <a:spcPct val="100000"/>
-              </a:lnSpc>
-              <a:spcBef>
-                <a:spcPts val="0"/>
-              </a:spcBef>
-              <a:spcAft>
-                <a:spcPts val="0"/>
-              </a:spcAft>
-              <a:buClr>
-                <a:schemeClr val="dk1"/>
-              </a:buClr>
-              <a:buSzPts val="3000"/>
-              <a:buFont typeface="Oxanium"/>
-              <a:buNone/>
-              <a:defRPr sz="3000" b="1" i="0" u="none" strike="noStrike" cap="none">
-                <a:solidFill>
-                  <a:schemeClr val="dk1"/>
-                </a:solidFill>
-                <a:latin typeface="Oxanium"/>
-                <a:ea typeface="Oxanium"/>
-                <a:cs typeface="Oxanium"/>
-                <a:sym typeface="Oxanium"/>
-              </a:defRPr>
-            </a:lvl8pPr>
-            <a:lvl9pPr marR="0" lvl="8" algn="l" rtl="0" eaLnBrk="1" hangingPunct="1">
-              <a:lnSpc>
-                <a:spcPct val="100000"/>
-              </a:lnSpc>
-              <a:spcBef>
-                <a:spcPts val="0"/>
-              </a:spcBef>
-              <a:spcAft>
-                <a:spcPts val="0"/>
-              </a:spcAft>
-              <a:buClr>
-                <a:schemeClr val="dk1"/>
-              </a:buClr>
-              <a:buSzPts val="3000"/>
-              <a:buFont typeface="Oxanium"/>
-              <a:buNone/>
-              <a:defRPr sz="3000" b="1" i="0" u="none" strike="noStrike" cap="none">
-                <a:solidFill>
-                  <a:schemeClr val="dk1"/>
-                </a:solidFill>
-                <a:latin typeface="Oxanium"/>
-                <a:ea typeface="Oxanium"/>
-                <a:cs typeface="Oxanium"/>
-                <a:sym typeface="Oxanium"/>
-              </a:defRPr>
-            </a:lvl9pPr>
-          </a:lstStyle>
-          <a:p>
-            <a:r>
-              <a:rPr lang="en-GB" sz="4000" dirty="0"/>
-              <a:t>The solution</a:t>
-            </a:r>
-          </a:p>
-        </p:txBody>
-      </p:sp>
-      <p:sp>
-        <p:nvSpPr>
-          <p:cNvPr id="17" name="Subtitle 2">
-            <a:extLst>
-              <a:ext uri="{FF2B5EF4-FFF2-40B4-BE49-F238E27FC236}">
-                <a16:creationId xmlns:a16="http://schemas.microsoft.com/office/drawing/2014/main" id="{EDB4A5A8-ECFE-4865-BA36-945355C6E767}"/>
-              </a:ext>
-            </a:extLst>
-          </p:cNvPr>
-          <p:cNvSpPr txBox="1">
-            <a:spLocks/>
-          </p:cNvSpPr>
-          <p:nvPr/>
-        </p:nvSpPr>
-        <p:spPr>
-          <a:xfrm>
-            <a:off x="12373512" y="2813865"/>
-            <a:ext cx="3939993" cy="2066249"/>
-          </a:xfrm>
-          <a:prstGeom prst="rect">
-            <a:avLst/>
-          </a:prstGeom>
-          <a:noFill/>
-          <a:ln>
-            <a:noFill/>
-          </a:ln>
-        </p:spPr>
-        <p:txBody>
-          <a:bodyPr spcFirstLastPara="1" wrap="square" lIns="91425" tIns="91425" rIns="91425" bIns="91425" anchor="t" anchorCtr="0">
-            <a:noAutofit/>
-          </a:bodyPr>
-          <a:lstStyle>
-            <a:defPPr marR="0" lvl="0" algn="l" rtl="0">
-              <a:lnSpc>
-                <a:spcPct val="100000"/>
-              </a:lnSpc>
-              <a:spcBef>
-                <a:spcPts val="0"/>
-              </a:spcBef>
-              <a:spcAft>
-                <a:spcPts val="0"/>
-              </a:spcAft>
-            </a:defPPr>
-            <a:lvl1pPr marL="9525" indent="-9525" eaLnBrk="1" hangingPunct="1">
-              <a:buClr>
-                <a:schemeClr val="dk1"/>
-              </a:buClr>
-              <a:buSzPts val="1200"/>
-              <a:buFont typeface="Hind"/>
-              <a:buNone/>
-              <a:defRPr sz="2100">
-                <a:solidFill>
-                  <a:schemeClr val="dk1"/>
-                </a:solidFill>
-                <a:latin typeface="Oxanium"/>
-                <a:ea typeface="Hind"/>
-                <a:cs typeface="Hind"/>
-                <a:sym typeface="Hind"/>
-              </a:defRPr>
-            </a:lvl1pPr>
-            <a:lvl2pPr marL="914400" indent="-304800" algn="ctr" eaLnBrk="1" hangingPunct="1">
-              <a:buClr>
-                <a:schemeClr val="dk1"/>
-              </a:buClr>
-              <a:buSzPts val="1800"/>
-              <a:buFont typeface="Hind"/>
-              <a:buNone/>
-              <a:defRPr sz="2400">
-                <a:solidFill>
-                  <a:schemeClr val="dk1"/>
-                </a:solidFill>
-                <a:latin typeface="Hind"/>
-                <a:ea typeface="Hind"/>
-                <a:cs typeface="Hind"/>
-                <a:sym typeface="Hind"/>
-              </a:defRPr>
-            </a:lvl2pPr>
-            <a:lvl3pPr marL="1371600" indent="-304800" algn="ctr" eaLnBrk="1" hangingPunct="1">
-              <a:buClr>
-                <a:schemeClr val="dk1"/>
-              </a:buClr>
-              <a:buSzPts val="1800"/>
-              <a:buFont typeface="Hind"/>
-              <a:buNone/>
-              <a:defRPr sz="2400">
-                <a:solidFill>
-                  <a:schemeClr val="dk1"/>
-                </a:solidFill>
-                <a:latin typeface="Hind"/>
-                <a:ea typeface="Hind"/>
-                <a:cs typeface="Hind"/>
-                <a:sym typeface="Hind"/>
-              </a:defRPr>
-            </a:lvl3pPr>
-            <a:lvl4pPr marL="1828800" indent="-304800" algn="ctr" eaLnBrk="1" hangingPunct="1">
-              <a:buClr>
-                <a:schemeClr val="dk1"/>
-              </a:buClr>
-              <a:buSzPts val="1800"/>
-              <a:buFont typeface="Hind"/>
-              <a:buNone/>
-              <a:defRPr sz="2400">
-                <a:solidFill>
-                  <a:schemeClr val="dk1"/>
-                </a:solidFill>
-                <a:latin typeface="Hind"/>
-                <a:ea typeface="Hind"/>
-                <a:cs typeface="Hind"/>
-                <a:sym typeface="Hind"/>
-              </a:defRPr>
-            </a:lvl4pPr>
-            <a:lvl5pPr marL="2286000" indent="-304800" algn="ctr" eaLnBrk="1" hangingPunct="1">
-              <a:buClr>
-                <a:schemeClr val="dk1"/>
-              </a:buClr>
-              <a:buSzPts val="1800"/>
-              <a:buFont typeface="Hind"/>
-              <a:buNone/>
-              <a:defRPr sz="2400">
-                <a:solidFill>
-                  <a:schemeClr val="dk1"/>
-                </a:solidFill>
-                <a:latin typeface="Hind"/>
-                <a:ea typeface="Hind"/>
-                <a:cs typeface="Hind"/>
-                <a:sym typeface="Hind"/>
-              </a:defRPr>
-            </a:lvl5pPr>
-            <a:lvl6pPr marL="2743200" indent="-304800" algn="ctr" eaLnBrk="1" hangingPunct="1">
-              <a:buClr>
-                <a:schemeClr val="dk1"/>
-              </a:buClr>
-              <a:buSzPts val="1800"/>
-              <a:buFont typeface="Hind"/>
-              <a:buNone/>
-              <a:defRPr sz="2400">
-                <a:solidFill>
-                  <a:schemeClr val="dk1"/>
-                </a:solidFill>
-                <a:latin typeface="Hind"/>
-                <a:ea typeface="Hind"/>
-                <a:cs typeface="Hind"/>
-                <a:sym typeface="Hind"/>
-              </a:defRPr>
-            </a:lvl6pPr>
-            <a:lvl7pPr marL="3200400" indent="-304800" algn="ctr" eaLnBrk="1" hangingPunct="1">
-              <a:buClr>
-                <a:schemeClr val="dk1"/>
-              </a:buClr>
-              <a:buSzPts val="1800"/>
-              <a:buFont typeface="Hind"/>
-              <a:buNone/>
-              <a:defRPr sz="2400">
-                <a:solidFill>
-                  <a:schemeClr val="dk1"/>
-                </a:solidFill>
-                <a:latin typeface="Hind"/>
-                <a:ea typeface="Hind"/>
-                <a:cs typeface="Hind"/>
-                <a:sym typeface="Hind"/>
-              </a:defRPr>
-            </a:lvl7pPr>
-            <a:lvl8pPr marL="3657600" indent="-304800" algn="ctr" eaLnBrk="1" hangingPunct="1">
-              <a:buClr>
-                <a:schemeClr val="dk1"/>
-              </a:buClr>
-              <a:buSzPts val="1800"/>
-              <a:buFont typeface="Hind"/>
-              <a:buNone/>
-              <a:defRPr sz="2400">
-                <a:solidFill>
-                  <a:schemeClr val="dk1"/>
-                </a:solidFill>
-                <a:latin typeface="Hind"/>
-                <a:ea typeface="Hind"/>
-                <a:cs typeface="Hind"/>
-                <a:sym typeface="Hind"/>
-              </a:defRPr>
-            </a:lvl8pPr>
-            <a:lvl9pPr marL="4114800" indent="-304800" algn="ctr" eaLnBrk="1" hangingPunct="1">
-              <a:buClr>
-                <a:schemeClr val="dk1"/>
-              </a:buClr>
-              <a:buSzPts val="1800"/>
-              <a:buFont typeface="Hind"/>
-              <a:buNone/>
-              <a:defRPr sz="2400">
-                <a:solidFill>
-                  <a:schemeClr val="dk1"/>
-                </a:solidFill>
-                <a:latin typeface="Hind"/>
-                <a:ea typeface="Hind"/>
-                <a:cs typeface="Hind"/>
-                <a:sym typeface="Hind"/>
-              </a:defRPr>
-            </a:lvl9pPr>
-          </a:lstStyle>
-          <a:p>
-            <a:pPr marL="342900" indent="-342900">
-              <a:buFont typeface="Arial" panose="020B0604020202020204" pitchFamily="34" charset="0"/>
-              <a:buChar char="•"/>
-            </a:pPr>
-            <a:r>
-              <a:rPr lang="en-GB" sz="2400" dirty="0"/>
-              <a:t>We decided to create our own program to replace the obsolete software with managing books, users and all the borrowings.</a:t>
-            </a:r>
-          </a:p>
-        </p:txBody>
-      </p:sp>
-    </p:spTree>
-    <p:extLst>
-      <p:ext uri="{BB962C8B-B14F-4D97-AF65-F5344CB8AC3E}">
-        <p14:creationId xmlns:p14="http://schemas.microsoft.com/office/powerpoint/2010/main" val="879818075"/>
-      </p:ext>
-    </p:extLst>
-  </p:cSld>
-  <p:clrMapOvr>
-    <a:masterClrMapping/>
-  </p:clrMapOvr>
-  <mc:AlternateContent xmlns:mc="http://schemas.openxmlformats.org/markup-compatibility/2006" xmlns:p159="http://schemas.microsoft.com/office/powerpoint/2015/09/main">
-    <mc:Choice Requires="p159">
-      <p:transition xmlns:p14="http://schemas.microsoft.com/office/powerpoint/2010/main" spd="slow" p14:dur="2000">
-        <p159:morph option="byObject"/>
-      </p:transition>
-    </mc:Choice>
-    <mc:Fallback xmlns="">
-      <p:transition spd="slow">
-        <p:fade/>
-      </p:transition>
-    </mc:Fallback>
-  </mc:AlternateContent>
-</p:sld>
-</file>
-
-<file path=ppt/slides/slide30.xml><?xml version="1.0" encoding="utf-8"?>
+<file path=ppt/slides/slide34.xml><?xml version="1.0" encoding="utf-8"?>
 <p:sld xmlns:a="http://schemas.openxmlformats.org/drawingml/2006/main" xmlns:r="http://schemas.openxmlformats.org/officeDocument/2006/relationships" xmlns:p="http://schemas.openxmlformats.org/presentationml/2006/main">
   <p:cSld>
     <p:spTree>
@@ -41155,7 +45077,7 @@
 </p:sld>
 </file>
 
-<file path=ppt/slides/slide31.xml><?xml version="1.0" encoding="utf-8"?>
+<file path=ppt/slides/slide35.xml><?xml version="1.0" encoding="utf-8"?>
 <p:sld xmlns:a="http://schemas.openxmlformats.org/drawingml/2006/main" xmlns:r="http://schemas.openxmlformats.org/officeDocument/2006/relationships" xmlns:p="http://schemas.openxmlformats.org/presentationml/2006/main">
   <p:cSld>
     <p:spTree>
@@ -41774,7 +45696,7 @@
 </p:sld>
 </file>
 
-<file path=ppt/slides/slide32.xml><?xml version="1.0" encoding="utf-8"?>
+<file path=ppt/slides/slide36.xml><?xml version="1.0" encoding="utf-8"?>
 <p:sld xmlns:a="http://schemas.openxmlformats.org/drawingml/2006/main" xmlns:r="http://schemas.openxmlformats.org/officeDocument/2006/relationships" xmlns:p="http://schemas.openxmlformats.org/presentationml/2006/main">
   <p:cSld>
     <p:spTree>
@@ -41899,7 +45821,7 @@
 </p:sld>
 </file>
 
-<file path=ppt/slides/slide33.xml><?xml version="1.0" encoding="utf-8"?>
+<file path=ppt/slides/slide37.xml><?xml version="1.0" encoding="utf-8"?>
 <p:sld xmlns:a="http://schemas.openxmlformats.org/drawingml/2006/main" xmlns:r="http://schemas.openxmlformats.org/officeDocument/2006/relationships" xmlns:p="http://schemas.openxmlformats.org/presentationml/2006/main">
   <p:cSld>
     <p:spTree>
